--- a/Ortal/word2vec slide.pptx
+++ b/Ortal/word2vec slide.pptx
@@ -2,18 +2,24 @@
 <file path=ppt/presentation.xml><?xml version="1.0" encoding="utf-8"?>
 <p:presentation xmlns:a="http://schemas.openxmlformats.org/drawingml/2006/main" xmlns:r="http://schemas.openxmlformats.org/officeDocument/2006/relationships" xmlns:p="http://schemas.openxmlformats.org/presentationml/2006/main" rtl="1" saveSubsetFonts="1">
   <p:sldMasterIdLst>
-    <p:sldMasterId id="2147483648" r:id="rId1"/>
+    <p:sldMasterId id="2147483803" r:id="rId1"/>
   </p:sldMasterIdLst>
+  <p:notesMasterIdLst>
+    <p:notesMasterId r:id="rId6"/>
+  </p:notesMasterIdLst>
   <p:sldIdLst>
-    <p:sldId id="256" r:id="rId2"/>
+    <p:sldId id="257" r:id="rId2"/>
+    <p:sldId id="258" r:id="rId3"/>
+    <p:sldId id="256" r:id="rId4"/>
+    <p:sldId id="259" r:id="rId5"/>
   </p:sldIdLst>
   <p:sldSz cx="12192000" cy="6858000"/>
   <p:notesSz cx="6858000" cy="9144000"/>
   <p:defaultTextStyle>
     <a:defPPr>
-      <a:defRPr lang="he-IL"/>
+      <a:defRPr lang="en-US"/>
     </a:defPPr>
-    <a:lvl1pPr marL="0" algn="r" defTabSz="914400" rtl="1" eaLnBrk="1" latinLnBrk="0" hangingPunct="1">
+    <a:lvl1pPr marL="0" algn="l" defTabSz="457200" rtl="0" eaLnBrk="1" latinLnBrk="0" hangingPunct="1">
       <a:defRPr sz="1800" kern="1200">
         <a:solidFill>
           <a:schemeClr val="tx1"/>
@@ -23,7 +29,7 @@
         <a:cs typeface="+mn-cs"/>
       </a:defRPr>
     </a:lvl1pPr>
-    <a:lvl2pPr marL="457200" algn="r" defTabSz="914400" rtl="1" eaLnBrk="1" latinLnBrk="0" hangingPunct="1">
+    <a:lvl2pPr marL="457200" algn="l" defTabSz="457200" rtl="0" eaLnBrk="1" latinLnBrk="0" hangingPunct="1">
       <a:defRPr sz="1800" kern="1200">
         <a:solidFill>
           <a:schemeClr val="tx1"/>
@@ -33,7 +39,7 @@
         <a:cs typeface="+mn-cs"/>
       </a:defRPr>
     </a:lvl2pPr>
-    <a:lvl3pPr marL="914400" algn="r" defTabSz="914400" rtl="1" eaLnBrk="1" latinLnBrk="0" hangingPunct="1">
+    <a:lvl3pPr marL="914400" algn="l" defTabSz="457200" rtl="0" eaLnBrk="1" latinLnBrk="0" hangingPunct="1">
       <a:defRPr sz="1800" kern="1200">
         <a:solidFill>
           <a:schemeClr val="tx1"/>
@@ -43,7 +49,7 @@
         <a:cs typeface="+mn-cs"/>
       </a:defRPr>
     </a:lvl3pPr>
-    <a:lvl4pPr marL="1371600" algn="r" defTabSz="914400" rtl="1" eaLnBrk="1" latinLnBrk="0" hangingPunct="1">
+    <a:lvl4pPr marL="1371600" algn="l" defTabSz="457200" rtl="0" eaLnBrk="1" latinLnBrk="0" hangingPunct="1">
       <a:defRPr sz="1800" kern="1200">
         <a:solidFill>
           <a:schemeClr val="tx1"/>
@@ -53,7 +59,7 @@
         <a:cs typeface="+mn-cs"/>
       </a:defRPr>
     </a:lvl4pPr>
-    <a:lvl5pPr marL="1828800" algn="r" defTabSz="914400" rtl="1" eaLnBrk="1" latinLnBrk="0" hangingPunct="1">
+    <a:lvl5pPr marL="1828800" algn="l" defTabSz="457200" rtl="0" eaLnBrk="1" latinLnBrk="0" hangingPunct="1">
       <a:defRPr sz="1800" kern="1200">
         <a:solidFill>
           <a:schemeClr val="tx1"/>
@@ -63,7 +69,7 @@
         <a:cs typeface="+mn-cs"/>
       </a:defRPr>
     </a:lvl5pPr>
-    <a:lvl6pPr marL="2286000" algn="r" defTabSz="914400" rtl="1" eaLnBrk="1" latinLnBrk="0" hangingPunct="1">
+    <a:lvl6pPr marL="2286000" algn="l" defTabSz="457200" rtl="0" eaLnBrk="1" latinLnBrk="0" hangingPunct="1">
       <a:defRPr sz="1800" kern="1200">
         <a:solidFill>
           <a:schemeClr val="tx1"/>
@@ -73,7 +79,7 @@
         <a:cs typeface="+mn-cs"/>
       </a:defRPr>
     </a:lvl6pPr>
-    <a:lvl7pPr marL="2743200" algn="r" defTabSz="914400" rtl="1" eaLnBrk="1" latinLnBrk="0" hangingPunct="1">
+    <a:lvl7pPr marL="2743200" algn="l" defTabSz="457200" rtl="0" eaLnBrk="1" latinLnBrk="0" hangingPunct="1">
       <a:defRPr sz="1800" kern="1200">
         <a:solidFill>
           <a:schemeClr val="tx1"/>
@@ -83,7 +89,7 @@
         <a:cs typeface="+mn-cs"/>
       </a:defRPr>
     </a:lvl7pPr>
-    <a:lvl8pPr marL="3200400" algn="r" defTabSz="914400" rtl="1" eaLnBrk="1" latinLnBrk="0" hangingPunct="1">
+    <a:lvl8pPr marL="3200400" algn="l" defTabSz="457200" rtl="0" eaLnBrk="1" latinLnBrk="0" hangingPunct="1">
       <a:defRPr sz="1800" kern="1200">
         <a:solidFill>
           <a:schemeClr val="tx1"/>
@@ -93,7 +99,7 @@
         <a:cs typeface="+mn-cs"/>
       </a:defRPr>
     </a:lvl8pPr>
-    <a:lvl9pPr marL="3657600" algn="r" defTabSz="914400" rtl="1" eaLnBrk="1" latinLnBrk="0" hangingPunct="1">
+    <a:lvl9pPr marL="3657600" algn="l" defTabSz="457200" rtl="0" eaLnBrk="1" latinLnBrk="0" hangingPunct="1">
       <a:defRPr sz="1800" kern="1200">
         <a:solidFill>
           <a:schemeClr val="tx1"/>
@@ -104,7 +110,445 @@
       </a:defRPr>
     </a:lvl9pPr>
   </p:defaultTextStyle>
+  <p:extLst>
+    <p:ext uri="{EFAFB233-063F-42B5-8137-9DF3F51BA10A}">
+      <p15:sldGuideLst xmlns:p15="http://schemas.microsoft.com/office/powerpoint/2012/main"/>
+    </p:ext>
+  </p:extLst>
 </p:presentation>
+</file>
+
+<file path=ppt/notesMasters/notesMaster1.xml><?xml version="1.0" encoding="utf-8"?>
+<p:notesMaster xmlns:a="http://schemas.openxmlformats.org/drawingml/2006/main" xmlns:r="http://schemas.openxmlformats.org/officeDocument/2006/relationships" xmlns:p="http://schemas.openxmlformats.org/presentationml/2006/main">
+  <p:cSld>
+    <p:bg>
+      <p:bgRef idx="1001">
+        <a:schemeClr val="bg1"/>
+      </p:bgRef>
+    </p:bg>
+    <p:spTree>
+      <p:nvGrpSpPr>
+        <p:cNvPr id="1" name=""/>
+        <p:cNvGrpSpPr/>
+        <p:nvPr/>
+      </p:nvGrpSpPr>
+      <p:grpSpPr>
+        <a:xfrm>
+          <a:off x="0" y="0"/>
+          <a:ext cx="0" cy="0"/>
+          <a:chOff x="0" y="0"/>
+          <a:chExt cx="0" cy="0"/>
+        </a:xfrm>
+      </p:grpSpPr>
+      <p:sp>
+        <p:nvSpPr>
+          <p:cNvPr id="2" name="מציין מיקום של כותרת עליונה 1"/>
+          <p:cNvSpPr>
+            <a:spLocks noGrp="1"/>
+          </p:cNvSpPr>
+          <p:nvPr>
+            <p:ph type="hdr" sz="quarter"/>
+          </p:nvPr>
+        </p:nvSpPr>
+        <p:spPr>
+          <a:xfrm>
+            <a:off x="3886200" y="0"/>
+            <a:ext cx="2971800" cy="458788"/>
+          </a:xfrm>
+          <a:prstGeom prst="rect">
+            <a:avLst/>
+          </a:prstGeom>
+        </p:spPr>
+        <p:txBody>
+          <a:bodyPr vert="horz" lIns="91440" tIns="45720" rIns="91440" bIns="45720" rtlCol="1"/>
+          <a:lstStyle>
+            <a:lvl1pPr algn="r">
+              <a:defRPr sz="1200"/>
+            </a:lvl1pPr>
+          </a:lstStyle>
+          <a:p>
+            <a:endParaRPr lang="he-IL"/>
+          </a:p>
+        </p:txBody>
+      </p:sp>
+      <p:sp>
+        <p:nvSpPr>
+          <p:cNvPr id="3" name="מציין מיקום של תאריך 2"/>
+          <p:cNvSpPr>
+            <a:spLocks noGrp="1"/>
+          </p:cNvSpPr>
+          <p:nvPr>
+            <p:ph type="dt" idx="1"/>
+          </p:nvPr>
+        </p:nvSpPr>
+        <p:spPr>
+          <a:xfrm>
+            <a:off x="1588" y="0"/>
+            <a:ext cx="2971800" cy="458788"/>
+          </a:xfrm>
+          <a:prstGeom prst="rect">
+            <a:avLst/>
+          </a:prstGeom>
+        </p:spPr>
+        <p:txBody>
+          <a:bodyPr vert="horz" lIns="91440" tIns="45720" rIns="91440" bIns="45720" rtlCol="1"/>
+          <a:lstStyle>
+            <a:lvl1pPr algn="l">
+              <a:defRPr sz="1200"/>
+            </a:lvl1pPr>
+          </a:lstStyle>
+          <a:p>
+            <a:fld id="{CCA39B7F-577E-4953-82A9-F9D484F02F7D}" type="datetimeFigureOut">
+              <a:rPr lang="he-IL" smtClean="0"/>
+              <a:t>כ"ג/טבת/תשפ"ה</a:t>
+            </a:fld>
+            <a:endParaRPr lang="he-IL"/>
+          </a:p>
+        </p:txBody>
+      </p:sp>
+      <p:sp>
+        <p:nvSpPr>
+          <p:cNvPr id="4" name="מציין מיקום של תמונת שקופית 3"/>
+          <p:cNvSpPr>
+            <a:spLocks noGrp="1" noRot="1" noChangeAspect="1"/>
+          </p:cNvSpPr>
+          <p:nvPr>
+            <p:ph type="sldImg" idx="2"/>
+          </p:nvPr>
+        </p:nvSpPr>
+        <p:spPr>
+          <a:xfrm>
+            <a:off x="685800" y="1143000"/>
+            <a:ext cx="5486400" cy="3086100"/>
+          </a:xfrm>
+          <a:prstGeom prst="rect">
+            <a:avLst/>
+          </a:prstGeom>
+          <a:noFill/>
+          <a:ln w="12700">
+            <a:solidFill>
+              <a:prstClr val="black"/>
+            </a:solidFill>
+          </a:ln>
+        </p:spPr>
+        <p:txBody>
+          <a:bodyPr vert="horz" lIns="91440" tIns="45720" rIns="91440" bIns="45720" rtlCol="1" anchor="ctr"/>
+          <a:lstStyle/>
+          <a:p>
+            <a:endParaRPr lang="he-IL"/>
+          </a:p>
+        </p:txBody>
+      </p:sp>
+      <p:sp>
+        <p:nvSpPr>
+          <p:cNvPr id="5" name="מציין מיקום של הערות 4"/>
+          <p:cNvSpPr>
+            <a:spLocks noGrp="1"/>
+          </p:cNvSpPr>
+          <p:nvPr>
+            <p:ph type="body" sz="quarter" idx="3"/>
+          </p:nvPr>
+        </p:nvSpPr>
+        <p:spPr>
+          <a:xfrm>
+            <a:off x="685800" y="4400550"/>
+            <a:ext cx="5486400" cy="3600450"/>
+          </a:xfrm>
+          <a:prstGeom prst="rect">
+            <a:avLst/>
+          </a:prstGeom>
+        </p:spPr>
+        <p:txBody>
+          <a:bodyPr vert="horz" lIns="91440" tIns="45720" rIns="91440" bIns="45720" rtlCol="1"/>
+          <a:lstStyle/>
+          <a:p>
+            <a:pPr lvl="0"/>
+            <a:r>
+              <a:rPr lang="he-IL"/>
+              <a:t>לחץ כדי לערוך סגנונות טקסט של תבנית בסיס</a:t>
+            </a:r>
+          </a:p>
+          <a:p>
+            <a:pPr lvl="1"/>
+            <a:r>
+              <a:rPr lang="he-IL"/>
+              <a:t>רמה שנייה</a:t>
+            </a:r>
+          </a:p>
+          <a:p>
+            <a:pPr lvl="2"/>
+            <a:r>
+              <a:rPr lang="he-IL"/>
+              <a:t>רמה שלישית</a:t>
+            </a:r>
+          </a:p>
+          <a:p>
+            <a:pPr lvl="3"/>
+            <a:r>
+              <a:rPr lang="he-IL"/>
+              <a:t>רמה רביעית</a:t>
+            </a:r>
+          </a:p>
+          <a:p>
+            <a:pPr lvl="4"/>
+            <a:r>
+              <a:rPr lang="he-IL"/>
+              <a:t>רמה חמישית</a:t>
+            </a:r>
+          </a:p>
+        </p:txBody>
+      </p:sp>
+      <p:sp>
+        <p:nvSpPr>
+          <p:cNvPr id="6" name="מציין מיקום של כותרת תחתונה 5"/>
+          <p:cNvSpPr>
+            <a:spLocks noGrp="1"/>
+          </p:cNvSpPr>
+          <p:nvPr>
+            <p:ph type="ftr" sz="quarter" idx="4"/>
+          </p:nvPr>
+        </p:nvSpPr>
+        <p:spPr>
+          <a:xfrm>
+            <a:off x="3886200" y="8685213"/>
+            <a:ext cx="2971800" cy="458787"/>
+          </a:xfrm>
+          <a:prstGeom prst="rect">
+            <a:avLst/>
+          </a:prstGeom>
+        </p:spPr>
+        <p:txBody>
+          <a:bodyPr vert="horz" lIns="91440" tIns="45720" rIns="91440" bIns="45720" rtlCol="1" anchor="b"/>
+          <a:lstStyle>
+            <a:lvl1pPr algn="r">
+              <a:defRPr sz="1200"/>
+            </a:lvl1pPr>
+          </a:lstStyle>
+          <a:p>
+            <a:endParaRPr lang="he-IL"/>
+          </a:p>
+        </p:txBody>
+      </p:sp>
+      <p:sp>
+        <p:nvSpPr>
+          <p:cNvPr id="7" name="מציין מיקום של מספר שקופית 6"/>
+          <p:cNvSpPr>
+            <a:spLocks noGrp="1"/>
+          </p:cNvSpPr>
+          <p:nvPr>
+            <p:ph type="sldNum" sz="quarter" idx="5"/>
+          </p:nvPr>
+        </p:nvSpPr>
+        <p:spPr>
+          <a:xfrm>
+            <a:off x="1588" y="8685213"/>
+            <a:ext cx="2971800" cy="458787"/>
+          </a:xfrm>
+          <a:prstGeom prst="rect">
+            <a:avLst/>
+          </a:prstGeom>
+        </p:spPr>
+        <p:txBody>
+          <a:bodyPr vert="horz" lIns="91440" tIns="45720" rIns="91440" bIns="45720" rtlCol="1" anchor="b"/>
+          <a:lstStyle>
+            <a:lvl1pPr algn="l">
+              <a:defRPr sz="1200"/>
+            </a:lvl1pPr>
+          </a:lstStyle>
+          <a:p>
+            <a:fld id="{4F82D9BD-24F1-4DC0-A648-96C17C6E9C7B}" type="slidenum">
+              <a:rPr lang="he-IL" smtClean="0"/>
+              <a:t>‹#›</a:t>
+            </a:fld>
+            <a:endParaRPr lang="he-IL"/>
+          </a:p>
+        </p:txBody>
+      </p:sp>
+    </p:spTree>
+    <p:extLst>
+      <p:ext uri="{BB962C8B-B14F-4D97-AF65-F5344CB8AC3E}">
+        <p14:creationId xmlns:p14="http://schemas.microsoft.com/office/powerpoint/2010/main" val="2155707136"/>
+      </p:ext>
+    </p:extLst>
+  </p:cSld>
+  <p:clrMap bg1="lt1" tx1="dk1" bg2="lt2" tx2="dk2" accent1="accent1" accent2="accent2" accent3="accent3" accent4="accent4" accent5="accent5" accent6="accent6" hlink="hlink" folHlink="folHlink"/>
+  <p:notesStyle>
+    <a:lvl1pPr marL="0" algn="r" defTabSz="914400" rtl="1" eaLnBrk="1" latinLnBrk="0" hangingPunct="1">
+      <a:defRPr sz="1200" kern="1200">
+        <a:solidFill>
+          <a:schemeClr val="tx1"/>
+        </a:solidFill>
+        <a:latin typeface="+mn-lt"/>
+        <a:ea typeface="+mn-ea"/>
+        <a:cs typeface="+mn-cs"/>
+      </a:defRPr>
+    </a:lvl1pPr>
+    <a:lvl2pPr marL="457200" algn="r" defTabSz="914400" rtl="1" eaLnBrk="1" latinLnBrk="0" hangingPunct="1">
+      <a:defRPr sz="1200" kern="1200">
+        <a:solidFill>
+          <a:schemeClr val="tx1"/>
+        </a:solidFill>
+        <a:latin typeface="+mn-lt"/>
+        <a:ea typeface="+mn-ea"/>
+        <a:cs typeface="+mn-cs"/>
+      </a:defRPr>
+    </a:lvl2pPr>
+    <a:lvl3pPr marL="914400" algn="r" defTabSz="914400" rtl="1" eaLnBrk="1" latinLnBrk="0" hangingPunct="1">
+      <a:defRPr sz="1200" kern="1200">
+        <a:solidFill>
+          <a:schemeClr val="tx1"/>
+        </a:solidFill>
+        <a:latin typeface="+mn-lt"/>
+        <a:ea typeface="+mn-ea"/>
+        <a:cs typeface="+mn-cs"/>
+      </a:defRPr>
+    </a:lvl3pPr>
+    <a:lvl4pPr marL="1371600" algn="r" defTabSz="914400" rtl="1" eaLnBrk="1" latinLnBrk="0" hangingPunct="1">
+      <a:defRPr sz="1200" kern="1200">
+        <a:solidFill>
+          <a:schemeClr val="tx1"/>
+        </a:solidFill>
+        <a:latin typeface="+mn-lt"/>
+        <a:ea typeface="+mn-ea"/>
+        <a:cs typeface="+mn-cs"/>
+      </a:defRPr>
+    </a:lvl4pPr>
+    <a:lvl5pPr marL="1828800" algn="r" defTabSz="914400" rtl="1" eaLnBrk="1" latinLnBrk="0" hangingPunct="1">
+      <a:defRPr sz="1200" kern="1200">
+        <a:solidFill>
+          <a:schemeClr val="tx1"/>
+        </a:solidFill>
+        <a:latin typeface="+mn-lt"/>
+        <a:ea typeface="+mn-ea"/>
+        <a:cs typeface="+mn-cs"/>
+      </a:defRPr>
+    </a:lvl5pPr>
+    <a:lvl6pPr marL="2286000" algn="r" defTabSz="914400" rtl="1" eaLnBrk="1" latinLnBrk="0" hangingPunct="1">
+      <a:defRPr sz="1200" kern="1200">
+        <a:solidFill>
+          <a:schemeClr val="tx1"/>
+        </a:solidFill>
+        <a:latin typeface="+mn-lt"/>
+        <a:ea typeface="+mn-ea"/>
+        <a:cs typeface="+mn-cs"/>
+      </a:defRPr>
+    </a:lvl6pPr>
+    <a:lvl7pPr marL="2743200" algn="r" defTabSz="914400" rtl="1" eaLnBrk="1" latinLnBrk="0" hangingPunct="1">
+      <a:defRPr sz="1200" kern="1200">
+        <a:solidFill>
+          <a:schemeClr val="tx1"/>
+        </a:solidFill>
+        <a:latin typeface="+mn-lt"/>
+        <a:ea typeface="+mn-ea"/>
+        <a:cs typeface="+mn-cs"/>
+      </a:defRPr>
+    </a:lvl7pPr>
+    <a:lvl8pPr marL="3200400" algn="r" defTabSz="914400" rtl="1" eaLnBrk="1" latinLnBrk="0" hangingPunct="1">
+      <a:defRPr sz="1200" kern="1200">
+        <a:solidFill>
+          <a:schemeClr val="tx1"/>
+        </a:solidFill>
+        <a:latin typeface="+mn-lt"/>
+        <a:ea typeface="+mn-ea"/>
+        <a:cs typeface="+mn-cs"/>
+      </a:defRPr>
+    </a:lvl8pPr>
+    <a:lvl9pPr marL="3657600" algn="r" defTabSz="914400" rtl="1" eaLnBrk="1" latinLnBrk="0" hangingPunct="1">
+      <a:defRPr sz="1200" kern="1200">
+        <a:solidFill>
+          <a:schemeClr val="tx1"/>
+        </a:solidFill>
+        <a:latin typeface="+mn-lt"/>
+        <a:ea typeface="+mn-ea"/>
+        <a:cs typeface="+mn-cs"/>
+      </a:defRPr>
+    </a:lvl9pPr>
+  </p:notesStyle>
+</p:notesMaster>
+</file>
+
+<file path=ppt/notesSlides/notesSlide1.xml><?xml version="1.0" encoding="utf-8"?>
+<p:notes xmlns:a="http://schemas.openxmlformats.org/drawingml/2006/main" xmlns:r="http://schemas.openxmlformats.org/officeDocument/2006/relationships" xmlns:p="http://schemas.openxmlformats.org/presentationml/2006/main">
+  <p:cSld>
+    <p:spTree>
+      <p:nvGrpSpPr>
+        <p:cNvPr id="1" name=""/>
+        <p:cNvGrpSpPr/>
+        <p:nvPr/>
+      </p:nvGrpSpPr>
+      <p:grpSpPr>
+        <a:xfrm>
+          <a:off x="0" y="0"/>
+          <a:ext cx="0" cy="0"/>
+          <a:chOff x="0" y="0"/>
+          <a:chExt cx="0" cy="0"/>
+        </a:xfrm>
+      </p:grpSpPr>
+      <p:sp>
+        <p:nvSpPr>
+          <p:cNvPr id="2" name="מציין מיקום של תמונת שקופית 1"/>
+          <p:cNvSpPr>
+            <a:spLocks noGrp="1" noRot="1" noChangeAspect="1"/>
+          </p:cNvSpPr>
+          <p:nvPr>
+            <p:ph type="sldImg"/>
+          </p:nvPr>
+        </p:nvSpPr>
+        <p:spPr/>
+      </p:sp>
+      <p:sp>
+        <p:nvSpPr>
+          <p:cNvPr id="3" name="מציין מיקום של הערות 2"/>
+          <p:cNvSpPr>
+            <a:spLocks noGrp="1"/>
+          </p:cNvSpPr>
+          <p:nvPr>
+            <p:ph type="body" idx="1"/>
+          </p:nvPr>
+        </p:nvSpPr>
+        <p:spPr/>
+        <p:txBody>
+          <a:bodyPr/>
+          <a:lstStyle/>
+          <a:p>
+            <a:endParaRPr lang="he-IL" dirty="0"/>
+          </a:p>
+        </p:txBody>
+      </p:sp>
+      <p:sp>
+        <p:nvSpPr>
+          <p:cNvPr id="4" name="מציין מיקום של מספר שקופית 3"/>
+          <p:cNvSpPr>
+            <a:spLocks noGrp="1"/>
+          </p:cNvSpPr>
+          <p:nvPr>
+            <p:ph type="sldNum" sz="quarter" idx="5"/>
+          </p:nvPr>
+        </p:nvSpPr>
+        <p:spPr/>
+        <p:txBody>
+          <a:bodyPr/>
+          <a:lstStyle/>
+          <a:p>
+            <a:fld id="{4F82D9BD-24F1-4DC0-A648-96C17C6E9C7B}" type="slidenum">
+              <a:rPr lang="he-IL" smtClean="0"/>
+              <a:t>3</a:t>
+            </a:fld>
+            <a:endParaRPr lang="he-IL"/>
+          </a:p>
+        </p:txBody>
+      </p:sp>
+    </p:spTree>
+    <p:extLst>
+      <p:ext uri="{BB962C8B-B14F-4D97-AF65-F5344CB8AC3E}">
+        <p14:creationId xmlns:p14="http://schemas.microsoft.com/office/powerpoint/2010/main" val="1227018043"/>
+      </p:ext>
+    </p:extLst>
+  </p:cSld>
+  <p:clrMapOvr>
+    <a:masterClrMapping/>
+  </p:clrMapOvr>
+</p:notes>
 </file>
 
 <file path=ppt/slideLayouts/slideLayout1.xml><?xml version="1.0" encoding="utf-8"?>
@@ -126,13 +570,7 @@
       </p:grpSpPr>
       <p:sp>
         <p:nvSpPr>
-          <p:cNvPr id="2" name="כותרת 1">
-            <a:extLst>
-              <a:ext uri="{FF2B5EF4-FFF2-40B4-BE49-F238E27FC236}">
-                <a16:creationId xmlns:a16="http://schemas.microsoft.com/office/drawing/2014/main" id="{CF8E10D1-1E7F-7D24-AC7D-F6379B346F38}"/>
-              </a:ext>
-            </a:extLst>
-          </p:cNvPr>
+          <p:cNvPr id="2" name="Title 1"/>
           <p:cNvSpPr>
             <a:spLocks noGrp="1"/>
           </p:cNvSpPr>
@@ -142,15 +580,17 @@
         </p:nvSpPr>
         <p:spPr>
           <a:xfrm>
-            <a:off x="1524000" y="1122363"/>
-            <a:ext cx="9144000" cy="2387600"/>
+            <a:off x="2589213" y="2514600"/>
+            <a:ext cx="8915399" cy="2262781"/>
           </a:xfrm>
         </p:spPr>
         <p:txBody>
-          <a:bodyPr anchor="b"/>
+          <a:bodyPr anchor="b">
+            <a:normAutofit/>
+          </a:bodyPr>
           <a:lstStyle>
-            <a:lvl1pPr algn="ctr">
-              <a:defRPr sz="6000"/>
+            <a:lvl1pPr>
+              <a:defRPr sz="5400"/>
             </a:lvl1pPr>
           </a:lstStyle>
           <a:p>
@@ -158,18 +598,13 @@
               <a:rPr lang="he-IL"/>
               <a:t>לחץ כדי לערוך סגנון כותרת של תבנית בסיס</a:t>
             </a:r>
-          </a:p>
-        </p:txBody>
-      </p:sp>
-      <p:sp>
-        <p:nvSpPr>
-          <p:cNvPr id="3" name="כותרת משנה 2">
-            <a:extLst>
-              <a:ext uri="{FF2B5EF4-FFF2-40B4-BE49-F238E27FC236}">
-                <a16:creationId xmlns:a16="http://schemas.microsoft.com/office/drawing/2014/main" id="{EA0B4C7C-B39E-C40B-150B-D21FD14F5BEA}"/>
-              </a:ext>
-            </a:extLst>
-          </p:cNvPr>
+            <a:endParaRPr lang="en-US" dirty="0"/>
+          </a:p>
+        </p:txBody>
+      </p:sp>
+      <p:sp>
+        <p:nvSpPr>
+          <p:cNvPr id="3" name="Subtitle 2"/>
           <p:cNvSpPr>
             <a:spLocks noGrp="1"/>
           </p:cNvSpPr>
@@ -179,48 +614,103 @@
         </p:nvSpPr>
         <p:spPr>
           <a:xfrm>
-            <a:off x="1524000" y="3602038"/>
-            <a:ext cx="9144000" cy="1655762"/>
+            <a:off x="2589213" y="4777379"/>
+            <a:ext cx="8915399" cy="1126283"/>
           </a:xfrm>
         </p:spPr>
         <p:txBody>
-          <a:bodyPr/>
+          <a:bodyPr anchor="t"/>
           <a:lstStyle>
-            <a:lvl1pPr marL="0" indent="0" algn="ctr">
+            <a:lvl1pPr marL="0" indent="0" algn="l">
               <a:buNone/>
-              <a:defRPr sz="2400"/>
+              <a:defRPr>
+                <a:solidFill>
+                  <a:schemeClr val="tx1">
+                    <a:lumMod val="65000"/>
+                    <a:lumOff val="35000"/>
+                  </a:schemeClr>
+                </a:solidFill>
+              </a:defRPr>
             </a:lvl1pPr>
             <a:lvl2pPr marL="457200" indent="0" algn="ctr">
               <a:buNone/>
-              <a:defRPr sz="2000"/>
+              <a:defRPr>
+                <a:solidFill>
+                  <a:schemeClr val="tx1">
+                    <a:tint val="75000"/>
+                  </a:schemeClr>
+                </a:solidFill>
+              </a:defRPr>
             </a:lvl2pPr>
             <a:lvl3pPr marL="914400" indent="0" algn="ctr">
               <a:buNone/>
-              <a:defRPr sz="1800"/>
+              <a:defRPr>
+                <a:solidFill>
+                  <a:schemeClr val="tx1">
+                    <a:tint val="75000"/>
+                  </a:schemeClr>
+                </a:solidFill>
+              </a:defRPr>
             </a:lvl3pPr>
             <a:lvl4pPr marL="1371600" indent="0" algn="ctr">
               <a:buNone/>
-              <a:defRPr sz="1600"/>
+              <a:defRPr>
+                <a:solidFill>
+                  <a:schemeClr val="tx1">
+                    <a:tint val="75000"/>
+                  </a:schemeClr>
+                </a:solidFill>
+              </a:defRPr>
             </a:lvl4pPr>
             <a:lvl5pPr marL="1828800" indent="0" algn="ctr">
               <a:buNone/>
-              <a:defRPr sz="1600"/>
+              <a:defRPr>
+                <a:solidFill>
+                  <a:schemeClr val="tx1">
+                    <a:tint val="75000"/>
+                  </a:schemeClr>
+                </a:solidFill>
+              </a:defRPr>
             </a:lvl5pPr>
             <a:lvl6pPr marL="2286000" indent="0" algn="ctr">
               <a:buNone/>
-              <a:defRPr sz="1600"/>
+              <a:defRPr>
+                <a:solidFill>
+                  <a:schemeClr val="tx1">
+                    <a:tint val="75000"/>
+                  </a:schemeClr>
+                </a:solidFill>
+              </a:defRPr>
             </a:lvl6pPr>
             <a:lvl7pPr marL="2743200" indent="0" algn="ctr">
               <a:buNone/>
-              <a:defRPr sz="1600"/>
+              <a:defRPr>
+                <a:solidFill>
+                  <a:schemeClr val="tx1">
+                    <a:tint val="75000"/>
+                  </a:schemeClr>
+                </a:solidFill>
+              </a:defRPr>
             </a:lvl7pPr>
             <a:lvl8pPr marL="3200400" indent="0" algn="ctr">
               <a:buNone/>
-              <a:defRPr sz="1600"/>
+              <a:defRPr>
+                <a:solidFill>
+                  <a:schemeClr val="tx1">
+                    <a:tint val="75000"/>
+                  </a:schemeClr>
+                </a:solidFill>
+              </a:defRPr>
             </a:lvl8pPr>
             <a:lvl9pPr marL="3657600" indent="0" algn="ctr">
               <a:buNone/>
-              <a:defRPr sz="1600"/>
+              <a:defRPr>
+                <a:solidFill>
+                  <a:schemeClr val="tx1">
+                    <a:tint val="75000"/>
+                  </a:schemeClr>
+                </a:solidFill>
+              </a:defRPr>
             </a:lvl9pPr>
           </a:lstStyle>
           <a:p>
@@ -228,18 +718,13 @@
               <a:rPr lang="he-IL"/>
               <a:t>לחץ כדי לערוך סגנון כותרת משנה של תבנית בסיס</a:t>
             </a:r>
-          </a:p>
-        </p:txBody>
-      </p:sp>
-      <p:sp>
-        <p:nvSpPr>
-          <p:cNvPr id="4" name="מציין מיקום של תאריך 3">
-            <a:extLst>
-              <a:ext uri="{FF2B5EF4-FFF2-40B4-BE49-F238E27FC236}">
-                <a16:creationId xmlns:a16="http://schemas.microsoft.com/office/drawing/2014/main" id="{93154451-FE40-651F-3625-090875FBB8FA}"/>
-              </a:ext>
-            </a:extLst>
-          </p:cNvPr>
+            <a:endParaRPr lang="en-US" dirty="0"/>
+          </a:p>
+        </p:txBody>
+      </p:sp>
+      <p:sp>
+        <p:nvSpPr>
+          <p:cNvPr id="4" name="Date Placeholder 3"/>
           <p:cNvSpPr>
             <a:spLocks noGrp="1"/>
           </p:cNvSpPr>
@@ -254,7 +739,7 @@
           <a:p>
             <a:fld id="{A0D2388C-ECDA-4972-A72B-60BD93EA7385}" type="datetimeFigureOut">
               <a:rPr lang="he-IL" smtClean="0"/>
-              <a:t>כ"ב/טבת/תשפ"ה</a:t>
+              <a:t>כ"ג/טבת/תשפ"ה</a:t>
             </a:fld>
             <a:endParaRPr lang="he-IL"/>
           </a:p>
@@ -262,13 +747,7 @@
       </p:sp>
       <p:sp>
         <p:nvSpPr>
-          <p:cNvPr id="5" name="מציין מיקום של כותרת תחתונה 4">
-            <a:extLst>
-              <a:ext uri="{FF2B5EF4-FFF2-40B4-BE49-F238E27FC236}">
-                <a16:creationId xmlns:a16="http://schemas.microsoft.com/office/drawing/2014/main" id="{1DAC3BAB-866B-412E-0DA7-9B93433F117E}"/>
-              </a:ext>
-            </a:extLst>
-          </p:cNvPr>
+          <p:cNvPr id="5" name="Footer Placeholder 4"/>
           <p:cNvSpPr>
             <a:spLocks noGrp="1"/>
           </p:cNvSpPr>
@@ -287,13 +766,89 @@
       </p:sp>
       <p:sp>
         <p:nvSpPr>
-          <p:cNvPr id="6" name="מציין מיקום של מספר שקופית 5">
-            <a:extLst>
-              <a:ext uri="{FF2B5EF4-FFF2-40B4-BE49-F238E27FC236}">
-                <a16:creationId xmlns:a16="http://schemas.microsoft.com/office/drawing/2014/main" id="{D254C110-3EE4-4233-DC6E-902C1F7D08D8}"/>
-              </a:ext>
-            </a:extLst>
-          </p:cNvPr>
+          <p:cNvPr id="7" name="Freeform 6"/>
+          <p:cNvSpPr/>
+          <p:nvPr/>
+        </p:nvSpPr>
+        <p:spPr bwMode="auto">
+          <a:xfrm>
+            <a:off x="0" y="4323810"/>
+            <a:ext cx="1744652" cy="778589"/>
+          </a:xfrm>
+          <a:custGeom>
+            <a:avLst/>
+            <a:gdLst/>
+            <a:ahLst/>
+            <a:cxnLst/>
+            <a:rect l="0" t="0" r="r" b="b"/>
+            <a:pathLst>
+              <a:path w="372" h="166">
+                <a:moveTo>
+                  <a:pt x="287" y="166"/>
+                </a:moveTo>
+                <a:cubicBezTo>
+                  <a:pt x="290" y="166"/>
+                  <a:pt x="292" y="165"/>
+                  <a:pt x="293" y="164"/>
+                </a:cubicBezTo>
+                <a:cubicBezTo>
+                  <a:pt x="293" y="163"/>
+                  <a:pt x="294" y="163"/>
+                  <a:pt x="294" y="163"/>
+                </a:cubicBezTo>
+                <a:cubicBezTo>
+                  <a:pt x="370" y="87"/>
+                  <a:pt x="370" y="87"/>
+                  <a:pt x="370" y="87"/>
+                </a:cubicBezTo>
+                <a:cubicBezTo>
+                  <a:pt x="372" y="85"/>
+                  <a:pt x="372" y="81"/>
+                  <a:pt x="370" y="78"/>
+                </a:cubicBezTo>
+                <a:cubicBezTo>
+                  <a:pt x="294" y="3"/>
+                  <a:pt x="294" y="3"/>
+                  <a:pt x="294" y="3"/>
+                </a:cubicBezTo>
+                <a:cubicBezTo>
+                  <a:pt x="294" y="2"/>
+                  <a:pt x="293" y="2"/>
+                  <a:pt x="293" y="2"/>
+                </a:cubicBezTo>
+                <a:cubicBezTo>
+                  <a:pt x="292" y="1"/>
+                  <a:pt x="290" y="0"/>
+                  <a:pt x="287" y="0"/>
+                </a:cubicBezTo>
+                <a:cubicBezTo>
+                  <a:pt x="0" y="0"/>
+                  <a:pt x="0" y="0"/>
+                  <a:pt x="0" y="0"/>
+                </a:cubicBezTo>
+                <a:cubicBezTo>
+                  <a:pt x="0" y="166"/>
+                  <a:pt x="0" y="166"/>
+                  <a:pt x="0" y="166"/>
+                </a:cubicBezTo>
+                <a:lnTo>
+                  <a:pt x="287" y="166"/>
+                </a:lnTo>
+                <a:close/>
+              </a:path>
+            </a:pathLst>
+          </a:custGeom>
+          <a:solidFill>
+            <a:schemeClr val="accent1"/>
+          </a:solidFill>
+          <a:ln>
+            <a:noFill/>
+          </a:ln>
+        </p:spPr>
+      </p:sp>
+      <p:sp>
+        <p:nvSpPr>
+          <p:cNvPr id="6" name="Slide Number Placeholder 5"/>
           <p:cNvSpPr>
             <a:spLocks noGrp="1"/>
           </p:cNvSpPr>
@@ -301,7 +856,12 @@
             <p:ph type="sldNum" sz="quarter" idx="12"/>
           </p:nvPr>
         </p:nvSpPr>
-        <p:spPr/>
+        <p:spPr>
+          <a:xfrm>
+            <a:off x="531812" y="4529540"/>
+            <a:ext cx="779767" cy="365125"/>
+          </a:xfrm>
+        </p:spPr>
         <p:txBody>
           <a:bodyPr/>
           <a:lstStyle/>
@@ -317,7 +877,7 @@
     </p:spTree>
     <p:extLst>
       <p:ext uri="{BB962C8B-B14F-4D97-AF65-F5344CB8AC3E}">
-        <p14:creationId xmlns:p14="http://schemas.microsoft.com/office/powerpoint/2010/main" val="1055215792"/>
+        <p14:creationId xmlns:p14="http://schemas.microsoft.com/office/powerpoint/2010/main" val="2732945871"/>
       </p:ext>
     </p:extLst>
   </p:cSld>
@@ -328,6 +888,1797 @@
 </file>
 
 <file path=ppt/slideLayouts/slideLayout10.xml><?xml version="1.0" encoding="utf-8"?>
+<p:sldLayout xmlns:a="http://schemas.openxmlformats.org/drawingml/2006/main" xmlns:r="http://schemas.openxmlformats.org/officeDocument/2006/relationships" xmlns:p="http://schemas.openxmlformats.org/presentationml/2006/main" preserve="1">
+  <p:cSld name="כותרת וכיתוב">
+    <p:spTree>
+      <p:nvGrpSpPr>
+        <p:cNvPr id="1" name=""/>
+        <p:cNvGrpSpPr/>
+        <p:nvPr/>
+      </p:nvGrpSpPr>
+      <p:grpSpPr>
+        <a:xfrm>
+          <a:off x="0" y="0"/>
+          <a:ext cx="0" cy="0"/>
+          <a:chOff x="0" y="0"/>
+          <a:chExt cx="0" cy="0"/>
+        </a:xfrm>
+      </p:grpSpPr>
+      <p:sp>
+        <p:nvSpPr>
+          <p:cNvPr id="2" name="Title 1"/>
+          <p:cNvSpPr>
+            <a:spLocks noGrp="1"/>
+          </p:cNvSpPr>
+          <p:nvPr>
+            <p:ph type="title"/>
+          </p:nvPr>
+        </p:nvSpPr>
+        <p:spPr>
+          <a:xfrm>
+            <a:off x="2589212" y="609600"/>
+            <a:ext cx="8915399" cy="3117040"/>
+          </a:xfrm>
+        </p:spPr>
+        <p:txBody>
+          <a:bodyPr anchor="ctr">
+            <a:normAutofit/>
+          </a:bodyPr>
+          <a:lstStyle>
+            <a:lvl1pPr algn="l">
+              <a:defRPr sz="4800" b="0" cap="none"/>
+            </a:lvl1pPr>
+          </a:lstStyle>
+          <a:p>
+            <a:r>
+              <a:rPr lang="he-IL"/>
+              <a:t>לחץ כדי לערוך סגנון כותרת של תבנית בסיס</a:t>
+            </a:r>
+            <a:endParaRPr lang="en-US" dirty="0"/>
+          </a:p>
+        </p:txBody>
+      </p:sp>
+      <p:sp>
+        <p:nvSpPr>
+          <p:cNvPr id="3" name="Text Placeholder 2"/>
+          <p:cNvSpPr>
+            <a:spLocks noGrp="1"/>
+          </p:cNvSpPr>
+          <p:nvPr>
+            <p:ph type="body" idx="1"/>
+          </p:nvPr>
+        </p:nvSpPr>
+        <p:spPr>
+          <a:xfrm>
+            <a:off x="2589212" y="4354046"/>
+            <a:ext cx="8915399" cy="1555864"/>
+          </a:xfrm>
+        </p:spPr>
+        <p:txBody>
+          <a:bodyPr anchor="ctr">
+            <a:normAutofit/>
+          </a:bodyPr>
+          <a:lstStyle>
+            <a:lvl1pPr marL="0" indent="0" algn="l">
+              <a:buNone/>
+              <a:defRPr sz="1800">
+                <a:solidFill>
+                  <a:schemeClr val="tx1">
+                    <a:lumMod val="65000"/>
+                    <a:lumOff val="35000"/>
+                  </a:schemeClr>
+                </a:solidFill>
+              </a:defRPr>
+            </a:lvl1pPr>
+            <a:lvl2pPr marL="457200" indent="0">
+              <a:buNone/>
+              <a:defRPr sz="1800">
+                <a:solidFill>
+                  <a:schemeClr val="tx1">
+                    <a:tint val="75000"/>
+                  </a:schemeClr>
+                </a:solidFill>
+              </a:defRPr>
+            </a:lvl2pPr>
+            <a:lvl3pPr marL="914400" indent="0">
+              <a:buNone/>
+              <a:defRPr sz="1600">
+                <a:solidFill>
+                  <a:schemeClr val="tx1">
+                    <a:tint val="75000"/>
+                  </a:schemeClr>
+                </a:solidFill>
+              </a:defRPr>
+            </a:lvl3pPr>
+            <a:lvl4pPr marL="1371600" indent="0">
+              <a:buNone/>
+              <a:defRPr sz="1400">
+                <a:solidFill>
+                  <a:schemeClr val="tx1">
+                    <a:tint val="75000"/>
+                  </a:schemeClr>
+                </a:solidFill>
+              </a:defRPr>
+            </a:lvl4pPr>
+            <a:lvl5pPr marL="1828800" indent="0">
+              <a:buNone/>
+              <a:defRPr sz="1400">
+                <a:solidFill>
+                  <a:schemeClr val="tx1">
+                    <a:tint val="75000"/>
+                  </a:schemeClr>
+                </a:solidFill>
+              </a:defRPr>
+            </a:lvl5pPr>
+            <a:lvl6pPr marL="2286000" indent="0">
+              <a:buNone/>
+              <a:defRPr sz="1400">
+                <a:solidFill>
+                  <a:schemeClr val="tx1">
+                    <a:tint val="75000"/>
+                  </a:schemeClr>
+                </a:solidFill>
+              </a:defRPr>
+            </a:lvl6pPr>
+            <a:lvl7pPr marL="2743200" indent="0">
+              <a:buNone/>
+              <a:defRPr sz="1400">
+                <a:solidFill>
+                  <a:schemeClr val="tx1">
+                    <a:tint val="75000"/>
+                  </a:schemeClr>
+                </a:solidFill>
+              </a:defRPr>
+            </a:lvl7pPr>
+            <a:lvl8pPr marL="3200400" indent="0">
+              <a:buNone/>
+              <a:defRPr sz="1400">
+                <a:solidFill>
+                  <a:schemeClr val="tx1">
+                    <a:tint val="75000"/>
+                  </a:schemeClr>
+                </a:solidFill>
+              </a:defRPr>
+            </a:lvl8pPr>
+            <a:lvl9pPr marL="3657600" indent="0">
+              <a:buNone/>
+              <a:defRPr sz="1400">
+                <a:solidFill>
+                  <a:schemeClr val="tx1">
+                    <a:tint val="75000"/>
+                  </a:schemeClr>
+                </a:solidFill>
+              </a:defRPr>
+            </a:lvl9pPr>
+          </a:lstStyle>
+          <a:p>
+            <a:pPr lvl="0"/>
+            <a:r>
+              <a:rPr lang="he-IL"/>
+              <a:t>לחץ כדי לערוך סגנונות טקסט של תבנית בסיס</a:t>
+            </a:r>
+          </a:p>
+        </p:txBody>
+      </p:sp>
+      <p:sp>
+        <p:nvSpPr>
+          <p:cNvPr id="4" name="Date Placeholder 3"/>
+          <p:cNvSpPr>
+            <a:spLocks noGrp="1"/>
+          </p:cNvSpPr>
+          <p:nvPr>
+            <p:ph type="dt" sz="half" idx="10"/>
+          </p:nvPr>
+        </p:nvSpPr>
+        <p:spPr/>
+        <p:txBody>
+          <a:bodyPr/>
+          <a:lstStyle/>
+          <a:p>
+            <a:fld id="{A0D2388C-ECDA-4972-A72B-60BD93EA7385}" type="datetimeFigureOut">
+              <a:rPr lang="he-IL" smtClean="0"/>
+              <a:t>כ"ג/טבת/תשפ"ה</a:t>
+            </a:fld>
+            <a:endParaRPr lang="he-IL"/>
+          </a:p>
+        </p:txBody>
+      </p:sp>
+      <p:sp>
+        <p:nvSpPr>
+          <p:cNvPr id="5" name="Footer Placeholder 4"/>
+          <p:cNvSpPr>
+            <a:spLocks noGrp="1"/>
+          </p:cNvSpPr>
+          <p:nvPr>
+            <p:ph type="ftr" sz="quarter" idx="11"/>
+          </p:nvPr>
+        </p:nvSpPr>
+        <p:spPr/>
+        <p:txBody>
+          <a:bodyPr/>
+          <a:lstStyle/>
+          <a:p>
+            <a:endParaRPr lang="he-IL"/>
+          </a:p>
+        </p:txBody>
+      </p:sp>
+      <p:sp>
+        <p:nvSpPr>
+          <p:cNvPr id="9" name="Freeform 11"/>
+          <p:cNvSpPr/>
+          <p:nvPr/>
+        </p:nvSpPr>
+        <p:spPr bwMode="auto">
+          <a:xfrm flipV="1">
+            <a:off x="-4189" y="3178175"/>
+            <a:ext cx="1588527" cy="507297"/>
+          </a:xfrm>
+          <a:custGeom>
+            <a:avLst/>
+            <a:gdLst/>
+            <a:ahLst/>
+            <a:cxnLst/>
+            <a:rect l="l" t="t" r="r" b="b"/>
+            <a:pathLst>
+              <a:path w="9248" h="10000">
+                <a:moveTo>
+                  <a:pt x="9248" y="4701"/>
+                </a:moveTo>
+                <a:lnTo>
+                  <a:pt x="7915" y="188"/>
+                </a:lnTo>
+                <a:cubicBezTo>
+                  <a:pt x="7906" y="156"/>
+                  <a:pt x="7895" y="126"/>
+                  <a:pt x="7886" y="94"/>
+                </a:cubicBezTo>
+                <a:cubicBezTo>
+                  <a:pt x="7859" y="0"/>
+                  <a:pt x="7831" y="0"/>
+                  <a:pt x="7803" y="0"/>
+                </a:cubicBezTo>
+                <a:lnTo>
+                  <a:pt x="7275" y="0"/>
+                </a:lnTo>
+                <a:lnTo>
+                  <a:pt x="0" y="70"/>
+                </a:lnTo>
+                <a:cubicBezTo>
+                  <a:pt x="8" y="3380"/>
+                  <a:pt x="17" y="6690"/>
+                  <a:pt x="25" y="10000"/>
+                </a:cubicBezTo>
+                <a:lnTo>
+                  <a:pt x="7275" y="9966"/>
+                </a:lnTo>
+                <a:lnTo>
+                  <a:pt x="7803" y="9966"/>
+                </a:lnTo>
+                <a:cubicBezTo>
+                  <a:pt x="7831" y="9966"/>
+                  <a:pt x="7859" y="9872"/>
+                  <a:pt x="7886" y="9872"/>
+                </a:cubicBezTo>
+                <a:cubicBezTo>
+                  <a:pt x="7886" y="9778"/>
+                  <a:pt x="7915" y="9778"/>
+                  <a:pt x="7915" y="9778"/>
+                </a:cubicBezTo>
+                <a:lnTo>
+                  <a:pt x="9248" y="5265"/>
+                </a:lnTo>
+                <a:cubicBezTo>
+                  <a:pt x="9303" y="5077"/>
+                  <a:pt x="9303" y="4889"/>
+                  <a:pt x="9248" y="4701"/>
+                </a:cubicBezTo>
+                <a:close/>
+              </a:path>
+            </a:pathLst>
+          </a:custGeom>
+          <a:solidFill>
+            <a:schemeClr val="accent1"/>
+          </a:solidFill>
+          <a:ln>
+            <a:noFill/>
+          </a:ln>
+        </p:spPr>
+      </p:sp>
+      <p:sp>
+        <p:nvSpPr>
+          <p:cNvPr id="6" name="Slide Number Placeholder 5"/>
+          <p:cNvSpPr>
+            <a:spLocks noGrp="1"/>
+          </p:cNvSpPr>
+          <p:nvPr>
+            <p:ph type="sldNum" sz="quarter" idx="12"/>
+          </p:nvPr>
+        </p:nvSpPr>
+        <p:spPr>
+          <a:xfrm>
+            <a:off x="531812" y="3244139"/>
+            <a:ext cx="779767" cy="365125"/>
+          </a:xfrm>
+        </p:spPr>
+        <p:txBody>
+          <a:bodyPr/>
+          <a:lstStyle/>
+          <a:p>
+            <a:fld id="{0E299FC2-BDD2-4549-A804-066BE64498E5}" type="slidenum">
+              <a:rPr lang="he-IL" smtClean="0"/>
+              <a:t>‹#›</a:t>
+            </a:fld>
+            <a:endParaRPr lang="he-IL"/>
+          </a:p>
+        </p:txBody>
+      </p:sp>
+    </p:spTree>
+    <p:extLst>
+      <p:ext uri="{BB962C8B-B14F-4D97-AF65-F5344CB8AC3E}">
+        <p14:creationId xmlns:p14="http://schemas.microsoft.com/office/powerpoint/2010/main" val="1382986312"/>
+      </p:ext>
+    </p:extLst>
+  </p:cSld>
+  <p:clrMapOvr>
+    <a:masterClrMapping/>
+  </p:clrMapOvr>
+</p:sldLayout>
+</file>
+
+<file path=ppt/slideLayouts/slideLayout11.xml><?xml version="1.0" encoding="utf-8"?>
+<p:sldLayout xmlns:a="http://schemas.openxmlformats.org/drawingml/2006/main" xmlns:r="http://schemas.openxmlformats.org/officeDocument/2006/relationships" xmlns:p="http://schemas.openxmlformats.org/presentationml/2006/main" preserve="1">
+  <p:cSld name="ציטוט עם כיתוב">
+    <p:spTree>
+      <p:nvGrpSpPr>
+        <p:cNvPr id="1" name=""/>
+        <p:cNvGrpSpPr/>
+        <p:nvPr/>
+      </p:nvGrpSpPr>
+      <p:grpSpPr>
+        <a:xfrm>
+          <a:off x="0" y="0"/>
+          <a:ext cx="0" cy="0"/>
+          <a:chOff x="0" y="0"/>
+          <a:chExt cx="0" cy="0"/>
+        </a:xfrm>
+      </p:grpSpPr>
+      <p:sp>
+        <p:nvSpPr>
+          <p:cNvPr id="2" name="Title 1"/>
+          <p:cNvSpPr>
+            <a:spLocks noGrp="1"/>
+          </p:cNvSpPr>
+          <p:nvPr>
+            <p:ph type="title"/>
+          </p:nvPr>
+        </p:nvSpPr>
+        <p:spPr>
+          <a:xfrm>
+            <a:off x="2849949" y="609600"/>
+            <a:ext cx="8393926" cy="2895600"/>
+          </a:xfrm>
+        </p:spPr>
+        <p:txBody>
+          <a:bodyPr anchor="ctr">
+            <a:normAutofit/>
+          </a:bodyPr>
+          <a:lstStyle>
+            <a:lvl1pPr algn="l">
+              <a:defRPr sz="4800" b="0" cap="none"/>
+            </a:lvl1pPr>
+          </a:lstStyle>
+          <a:p>
+            <a:r>
+              <a:rPr lang="he-IL"/>
+              <a:t>לחץ כדי לערוך סגנון כותרת של תבנית בסיס</a:t>
+            </a:r>
+            <a:endParaRPr lang="en-US" dirty="0"/>
+          </a:p>
+        </p:txBody>
+      </p:sp>
+      <p:sp>
+        <p:nvSpPr>
+          <p:cNvPr id="13" name="Text Placeholder 9"/>
+          <p:cNvSpPr>
+            <a:spLocks noGrp="1"/>
+          </p:cNvSpPr>
+          <p:nvPr>
+            <p:ph type="body" sz="quarter" idx="13"/>
+          </p:nvPr>
+        </p:nvSpPr>
+        <p:spPr>
+          <a:xfrm>
+            <a:off x="3275012" y="3505200"/>
+            <a:ext cx="7536554" cy="381000"/>
+          </a:xfrm>
+        </p:spPr>
+        <p:txBody>
+          <a:bodyPr anchor="ctr">
+            <a:noAutofit/>
+          </a:bodyPr>
+          <a:lstStyle>
+            <a:lvl1pPr marL="0" indent="0">
+              <a:buFontTx/>
+              <a:buNone/>
+              <a:defRPr sz="1600">
+                <a:solidFill>
+                  <a:schemeClr val="tx1">
+                    <a:lumMod val="50000"/>
+                    <a:lumOff val="50000"/>
+                  </a:schemeClr>
+                </a:solidFill>
+              </a:defRPr>
+            </a:lvl1pPr>
+            <a:lvl2pPr marL="457200" indent="0">
+              <a:buFontTx/>
+              <a:buNone/>
+              <a:defRPr/>
+            </a:lvl2pPr>
+            <a:lvl3pPr marL="914400" indent="0">
+              <a:buFontTx/>
+              <a:buNone/>
+              <a:defRPr/>
+            </a:lvl3pPr>
+            <a:lvl4pPr marL="1371600" indent="0">
+              <a:buFontTx/>
+              <a:buNone/>
+              <a:defRPr/>
+            </a:lvl4pPr>
+            <a:lvl5pPr marL="1828800" indent="0">
+              <a:buFontTx/>
+              <a:buNone/>
+              <a:defRPr/>
+            </a:lvl5pPr>
+          </a:lstStyle>
+          <a:p>
+            <a:pPr lvl="0"/>
+            <a:r>
+              <a:rPr lang="he-IL"/>
+              <a:t>לחץ כדי לערוך סגנונות טקסט של תבנית בסיס</a:t>
+            </a:r>
+          </a:p>
+        </p:txBody>
+      </p:sp>
+      <p:sp>
+        <p:nvSpPr>
+          <p:cNvPr id="3" name="Text Placeholder 2"/>
+          <p:cNvSpPr>
+            <a:spLocks noGrp="1"/>
+          </p:cNvSpPr>
+          <p:nvPr>
+            <p:ph type="body" idx="1"/>
+          </p:nvPr>
+        </p:nvSpPr>
+        <p:spPr>
+          <a:xfrm>
+            <a:off x="2589212" y="4354046"/>
+            <a:ext cx="8915399" cy="1555864"/>
+          </a:xfrm>
+        </p:spPr>
+        <p:txBody>
+          <a:bodyPr anchor="ctr">
+            <a:normAutofit/>
+          </a:bodyPr>
+          <a:lstStyle>
+            <a:lvl1pPr marL="0" indent="0" algn="l">
+              <a:buNone/>
+              <a:defRPr sz="1800">
+                <a:solidFill>
+                  <a:schemeClr val="tx1">
+                    <a:lumMod val="65000"/>
+                    <a:lumOff val="35000"/>
+                  </a:schemeClr>
+                </a:solidFill>
+              </a:defRPr>
+            </a:lvl1pPr>
+            <a:lvl2pPr marL="457200" indent="0">
+              <a:buNone/>
+              <a:defRPr sz="1800">
+                <a:solidFill>
+                  <a:schemeClr val="tx1">
+                    <a:tint val="75000"/>
+                  </a:schemeClr>
+                </a:solidFill>
+              </a:defRPr>
+            </a:lvl2pPr>
+            <a:lvl3pPr marL="914400" indent="0">
+              <a:buNone/>
+              <a:defRPr sz="1600">
+                <a:solidFill>
+                  <a:schemeClr val="tx1">
+                    <a:tint val="75000"/>
+                  </a:schemeClr>
+                </a:solidFill>
+              </a:defRPr>
+            </a:lvl3pPr>
+            <a:lvl4pPr marL="1371600" indent="0">
+              <a:buNone/>
+              <a:defRPr sz="1400">
+                <a:solidFill>
+                  <a:schemeClr val="tx1">
+                    <a:tint val="75000"/>
+                  </a:schemeClr>
+                </a:solidFill>
+              </a:defRPr>
+            </a:lvl4pPr>
+            <a:lvl5pPr marL="1828800" indent="0">
+              <a:buNone/>
+              <a:defRPr sz="1400">
+                <a:solidFill>
+                  <a:schemeClr val="tx1">
+                    <a:tint val="75000"/>
+                  </a:schemeClr>
+                </a:solidFill>
+              </a:defRPr>
+            </a:lvl5pPr>
+            <a:lvl6pPr marL="2286000" indent="0">
+              <a:buNone/>
+              <a:defRPr sz="1400">
+                <a:solidFill>
+                  <a:schemeClr val="tx1">
+                    <a:tint val="75000"/>
+                  </a:schemeClr>
+                </a:solidFill>
+              </a:defRPr>
+            </a:lvl6pPr>
+            <a:lvl7pPr marL="2743200" indent="0">
+              <a:buNone/>
+              <a:defRPr sz="1400">
+                <a:solidFill>
+                  <a:schemeClr val="tx1">
+                    <a:tint val="75000"/>
+                  </a:schemeClr>
+                </a:solidFill>
+              </a:defRPr>
+            </a:lvl7pPr>
+            <a:lvl8pPr marL="3200400" indent="0">
+              <a:buNone/>
+              <a:defRPr sz="1400">
+                <a:solidFill>
+                  <a:schemeClr val="tx1">
+                    <a:tint val="75000"/>
+                  </a:schemeClr>
+                </a:solidFill>
+              </a:defRPr>
+            </a:lvl8pPr>
+            <a:lvl9pPr marL="3657600" indent="0">
+              <a:buNone/>
+              <a:defRPr sz="1400">
+                <a:solidFill>
+                  <a:schemeClr val="tx1">
+                    <a:tint val="75000"/>
+                  </a:schemeClr>
+                </a:solidFill>
+              </a:defRPr>
+            </a:lvl9pPr>
+          </a:lstStyle>
+          <a:p>
+            <a:pPr lvl="0"/>
+            <a:r>
+              <a:rPr lang="he-IL"/>
+              <a:t>לחץ כדי לערוך סגנונות טקסט של תבנית בסיס</a:t>
+            </a:r>
+          </a:p>
+        </p:txBody>
+      </p:sp>
+      <p:sp>
+        <p:nvSpPr>
+          <p:cNvPr id="4" name="Date Placeholder 3"/>
+          <p:cNvSpPr>
+            <a:spLocks noGrp="1"/>
+          </p:cNvSpPr>
+          <p:nvPr>
+            <p:ph type="dt" sz="half" idx="10"/>
+          </p:nvPr>
+        </p:nvSpPr>
+        <p:spPr/>
+        <p:txBody>
+          <a:bodyPr/>
+          <a:lstStyle/>
+          <a:p>
+            <a:fld id="{A0D2388C-ECDA-4972-A72B-60BD93EA7385}" type="datetimeFigureOut">
+              <a:rPr lang="he-IL" smtClean="0"/>
+              <a:t>כ"ג/טבת/תשפ"ה</a:t>
+            </a:fld>
+            <a:endParaRPr lang="he-IL"/>
+          </a:p>
+        </p:txBody>
+      </p:sp>
+      <p:sp>
+        <p:nvSpPr>
+          <p:cNvPr id="5" name="Footer Placeholder 4"/>
+          <p:cNvSpPr>
+            <a:spLocks noGrp="1"/>
+          </p:cNvSpPr>
+          <p:nvPr>
+            <p:ph type="ftr" sz="quarter" idx="11"/>
+          </p:nvPr>
+        </p:nvSpPr>
+        <p:spPr/>
+        <p:txBody>
+          <a:bodyPr/>
+          <a:lstStyle/>
+          <a:p>
+            <a:endParaRPr lang="he-IL"/>
+          </a:p>
+        </p:txBody>
+      </p:sp>
+      <p:sp>
+        <p:nvSpPr>
+          <p:cNvPr id="11" name="Freeform 11"/>
+          <p:cNvSpPr/>
+          <p:nvPr/>
+        </p:nvSpPr>
+        <p:spPr bwMode="auto">
+          <a:xfrm flipV="1">
+            <a:off x="-4189" y="3178175"/>
+            <a:ext cx="1588527" cy="507297"/>
+          </a:xfrm>
+          <a:custGeom>
+            <a:avLst/>
+            <a:gdLst/>
+            <a:ahLst/>
+            <a:cxnLst/>
+            <a:rect l="l" t="t" r="r" b="b"/>
+            <a:pathLst>
+              <a:path w="9248" h="10000">
+                <a:moveTo>
+                  <a:pt x="9248" y="4701"/>
+                </a:moveTo>
+                <a:lnTo>
+                  <a:pt x="7915" y="188"/>
+                </a:lnTo>
+                <a:cubicBezTo>
+                  <a:pt x="7906" y="156"/>
+                  <a:pt x="7895" y="126"/>
+                  <a:pt x="7886" y="94"/>
+                </a:cubicBezTo>
+                <a:cubicBezTo>
+                  <a:pt x="7859" y="0"/>
+                  <a:pt x="7831" y="0"/>
+                  <a:pt x="7803" y="0"/>
+                </a:cubicBezTo>
+                <a:lnTo>
+                  <a:pt x="7275" y="0"/>
+                </a:lnTo>
+                <a:lnTo>
+                  <a:pt x="0" y="70"/>
+                </a:lnTo>
+                <a:cubicBezTo>
+                  <a:pt x="8" y="3380"/>
+                  <a:pt x="17" y="6690"/>
+                  <a:pt x="25" y="10000"/>
+                </a:cubicBezTo>
+                <a:lnTo>
+                  <a:pt x="7275" y="9966"/>
+                </a:lnTo>
+                <a:lnTo>
+                  <a:pt x="7803" y="9966"/>
+                </a:lnTo>
+                <a:cubicBezTo>
+                  <a:pt x="7831" y="9966"/>
+                  <a:pt x="7859" y="9872"/>
+                  <a:pt x="7886" y="9872"/>
+                </a:cubicBezTo>
+                <a:cubicBezTo>
+                  <a:pt x="7886" y="9778"/>
+                  <a:pt x="7915" y="9778"/>
+                  <a:pt x="7915" y="9778"/>
+                </a:cubicBezTo>
+                <a:lnTo>
+                  <a:pt x="9248" y="5265"/>
+                </a:lnTo>
+                <a:cubicBezTo>
+                  <a:pt x="9303" y="5077"/>
+                  <a:pt x="9303" y="4889"/>
+                  <a:pt x="9248" y="4701"/>
+                </a:cubicBezTo>
+                <a:close/>
+              </a:path>
+            </a:pathLst>
+          </a:custGeom>
+          <a:solidFill>
+            <a:schemeClr val="accent1"/>
+          </a:solidFill>
+          <a:ln>
+            <a:noFill/>
+          </a:ln>
+        </p:spPr>
+      </p:sp>
+      <p:sp>
+        <p:nvSpPr>
+          <p:cNvPr id="6" name="Slide Number Placeholder 5"/>
+          <p:cNvSpPr>
+            <a:spLocks noGrp="1"/>
+          </p:cNvSpPr>
+          <p:nvPr>
+            <p:ph type="sldNum" sz="quarter" idx="12"/>
+          </p:nvPr>
+        </p:nvSpPr>
+        <p:spPr>
+          <a:xfrm>
+            <a:off x="531812" y="3244139"/>
+            <a:ext cx="779767" cy="365125"/>
+          </a:xfrm>
+        </p:spPr>
+        <p:txBody>
+          <a:bodyPr/>
+          <a:lstStyle/>
+          <a:p>
+            <a:fld id="{0E299FC2-BDD2-4549-A804-066BE64498E5}" type="slidenum">
+              <a:rPr lang="he-IL" smtClean="0"/>
+              <a:t>‹#›</a:t>
+            </a:fld>
+            <a:endParaRPr lang="he-IL"/>
+          </a:p>
+        </p:txBody>
+      </p:sp>
+      <p:sp>
+        <p:nvSpPr>
+          <p:cNvPr id="14" name="TextBox 13"/>
+          <p:cNvSpPr txBox="1"/>
+          <p:nvPr/>
+        </p:nvSpPr>
+        <p:spPr>
+          <a:xfrm>
+            <a:off x="2467652" y="648005"/>
+            <a:ext cx="609600" cy="584776"/>
+          </a:xfrm>
+          <a:prstGeom prst="rect">
+            <a:avLst/>
+          </a:prstGeom>
+        </p:spPr>
+        <p:txBody>
+          <a:bodyPr vert="horz" lIns="91440" tIns="45720" rIns="91440" bIns="45720" rtlCol="0" anchor="ctr">
+            <a:noAutofit/>
+          </a:bodyPr>
+          <a:lstStyle/>
+          <a:p>
+            <a:pPr lvl="0"/>
+            <a:r>
+              <a:rPr lang="en-US" sz="8000" baseline="0" dirty="0">
+                <a:ln w="3175" cmpd="sng">
+                  <a:noFill/>
+                </a:ln>
+                <a:solidFill>
+                  <a:schemeClr val="accent1"/>
+                </a:solidFill>
+                <a:effectLst/>
+                <a:latin typeface="Arial"/>
+              </a:rPr>
+              <a:t>“</a:t>
+            </a:r>
+          </a:p>
+        </p:txBody>
+      </p:sp>
+      <p:sp>
+        <p:nvSpPr>
+          <p:cNvPr id="15" name="TextBox 14"/>
+          <p:cNvSpPr txBox="1"/>
+          <p:nvPr/>
+        </p:nvSpPr>
+        <p:spPr>
+          <a:xfrm>
+            <a:off x="11114852" y="2905306"/>
+            <a:ext cx="609600" cy="584776"/>
+          </a:xfrm>
+          <a:prstGeom prst="rect">
+            <a:avLst/>
+          </a:prstGeom>
+        </p:spPr>
+        <p:txBody>
+          <a:bodyPr vert="horz" lIns="91440" tIns="45720" rIns="91440" bIns="45720" rtlCol="0" anchor="ctr">
+            <a:noAutofit/>
+          </a:bodyPr>
+          <a:lstStyle/>
+          <a:p>
+            <a:pPr lvl="0"/>
+            <a:r>
+              <a:rPr lang="en-US" sz="8000" baseline="0" dirty="0">
+                <a:ln w="3175" cmpd="sng">
+                  <a:noFill/>
+                </a:ln>
+                <a:solidFill>
+                  <a:schemeClr val="accent1"/>
+                </a:solidFill>
+                <a:effectLst/>
+                <a:latin typeface="Arial"/>
+              </a:rPr>
+              <a:t>”</a:t>
+            </a:r>
+          </a:p>
+        </p:txBody>
+      </p:sp>
+    </p:spTree>
+    <p:extLst>
+      <p:ext uri="{BB962C8B-B14F-4D97-AF65-F5344CB8AC3E}">
+        <p14:creationId xmlns:p14="http://schemas.microsoft.com/office/powerpoint/2010/main" val="1225645644"/>
+      </p:ext>
+    </p:extLst>
+  </p:cSld>
+  <p:clrMapOvr>
+    <a:masterClrMapping/>
+  </p:clrMapOvr>
+</p:sldLayout>
+</file>
+
+<file path=ppt/slideLayouts/slideLayout12.xml><?xml version="1.0" encoding="utf-8"?>
+<p:sldLayout xmlns:a="http://schemas.openxmlformats.org/drawingml/2006/main" xmlns:r="http://schemas.openxmlformats.org/officeDocument/2006/relationships" xmlns:p="http://schemas.openxmlformats.org/presentationml/2006/main" preserve="1">
+  <p:cSld name="כרטיס שם">
+    <p:spTree>
+      <p:nvGrpSpPr>
+        <p:cNvPr id="1" name=""/>
+        <p:cNvGrpSpPr/>
+        <p:nvPr/>
+      </p:nvGrpSpPr>
+      <p:grpSpPr>
+        <a:xfrm>
+          <a:off x="0" y="0"/>
+          <a:ext cx="0" cy="0"/>
+          <a:chOff x="0" y="0"/>
+          <a:chExt cx="0" cy="0"/>
+        </a:xfrm>
+      </p:grpSpPr>
+      <p:sp>
+        <p:nvSpPr>
+          <p:cNvPr id="2" name="Title 1"/>
+          <p:cNvSpPr>
+            <a:spLocks noGrp="1"/>
+          </p:cNvSpPr>
+          <p:nvPr>
+            <p:ph type="title"/>
+          </p:nvPr>
+        </p:nvSpPr>
+        <p:spPr>
+          <a:xfrm>
+            <a:off x="2589213" y="2438400"/>
+            <a:ext cx="8915400" cy="2724845"/>
+          </a:xfrm>
+        </p:spPr>
+        <p:txBody>
+          <a:bodyPr anchor="b">
+            <a:normAutofit/>
+          </a:bodyPr>
+          <a:lstStyle>
+            <a:lvl1pPr algn="l">
+              <a:defRPr sz="4800" b="0"/>
+            </a:lvl1pPr>
+          </a:lstStyle>
+          <a:p>
+            <a:r>
+              <a:rPr lang="he-IL"/>
+              <a:t>לחץ כדי לערוך סגנון כותרת של תבנית בסיס</a:t>
+            </a:r>
+            <a:endParaRPr lang="en-US" dirty="0"/>
+          </a:p>
+        </p:txBody>
+      </p:sp>
+      <p:sp>
+        <p:nvSpPr>
+          <p:cNvPr id="4" name="Text Placeholder 3"/>
+          <p:cNvSpPr>
+            <a:spLocks noGrp="1"/>
+          </p:cNvSpPr>
+          <p:nvPr>
+            <p:ph type="body" sz="half" idx="2"/>
+          </p:nvPr>
+        </p:nvSpPr>
+        <p:spPr>
+          <a:xfrm>
+            <a:off x="2589213" y="5181600"/>
+            <a:ext cx="8915400" cy="729622"/>
+          </a:xfrm>
+        </p:spPr>
+        <p:txBody>
+          <a:bodyPr vert="horz" lIns="91440" tIns="45720" rIns="91440" bIns="45720" rtlCol="0" anchor="t">
+            <a:normAutofit/>
+          </a:bodyPr>
+          <a:lstStyle>
+            <a:lvl1pPr>
+              <a:buNone/>
+              <a:defRPr lang="en-US">
+                <a:solidFill>
+                  <a:schemeClr val="tx1">
+                    <a:lumMod val="65000"/>
+                    <a:lumOff val="35000"/>
+                  </a:schemeClr>
+                </a:solidFill>
+              </a:defRPr>
+            </a:lvl1pPr>
+          </a:lstStyle>
+          <a:p>
+            <a:pPr marL="0" lvl="0" indent="0">
+              <a:buNone/>
+            </a:pPr>
+            <a:r>
+              <a:rPr lang="he-IL"/>
+              <a:t>לחץ כדי לערוך סגנונות טקסט של תבנית בסיס</a:t>
+            </a:r>
+          </a:p>
+        </p:txBody>
+      </p:sp>
+      <p:sp>
+        <p:nvSpPr>
+          <p:cNvPr id="5" name="Date Placeholder 4"/>
+          <p:cNvSpPr>
+            <a:spLocks noGrp="1"/>
+          </p:cNvSpPr>
+          <p:nvPr>
+            <p:ph type="dt" sz="half" idx="10"/>
+          </p:nvPr>
+        </p:nvSpPr>
+        <p:spPr/>
+        <p:txBody>
+          <a:bodyPr/>
+          <a:lstStyle/>
+          <a:p>
+            <a:fld id="{A0D2388C-ECDA-4972-A72B-60BD93EA7385}" type="datetimeFigureOut">
+              <a:rPr lang="he-IL" smtClean="0"/>
+              <a:t>כ"ג/טבת/תשפ"ה</a:t>
+            </a:fld>
+            <a:endParaRPr lang="he-IL"/>
+          </a:p>
+        </p:txBody>
+      </p:sp>
+      <p:sp>
+        <p:nvSpPr>
+          <p:cNvPr id="6" name="Footer Placeholder 5"/>
+          <p:cNvSpPr>
+            <a:spLocks noGrp="1"/>
+          </p:cNvSpPr>
+          <p:nvPr>
+            <p:ph type="ftr" sz="quarter" idx="11"/>
+          </p:nvPr>
+        </p:nvSpPr>
+        <p:spPr/>
+        <p:txBody>
+          <a:bodyPr/>
+          <a:lstStyle/>
+          <a:p>
+            <a:endParaRPr lang="he-IL"/>
+          </a:p>
+        </p:txBody>
+      </p:sp>
+      <p:sp>
+        <p:nvSpPr>
+          <p:cNvPr id="9" name="Freeform 11"/>
+          <p:cNvSpPr/>
+          <p:nvPr/>
+        </p:nvSpPr>
+        <p:spPr bwMode="auto">
+          <a:xfrm flipV="1">
+            <a:off x="-4189" y="4911725"/>
+            <a:ext cx="1588527" cy="507297"/>
+          </a:xfrm>
+          <a:custGeom>
+            <a:avLst/>
+            <a:gdLst/>
+            <a:ahLst/>
+            <a:cxnLst/>
+            <a:rect l="l" t="t" r="r" b="b"/>
+            <a:pathLst>
+              <a:path w="9248" h="10000">
+                <a:moveTo>
+                  <a:pt x="9248" y="4701"/>
+                </a:moveTo>
+                <a:lnTo>
+                  <a:pt x="7915" y="188"/>
+                </a:lnTo>
+                <a:cubicBezTo>
+                  <a:pt x="7906" y="156"/>
+                  <a:pt x="7895" y="126"/>
+                  <a:pt x="7886" y="94"/>
+                </a:cubicBezTo>
+                <a:cubicBezTo>
+                  <a:pt x="7859" y="0"/>
+                  <a:pt x="7831" y="0"/>
+                  <a:pt x="7803" y="0"/>
+                </a:cubicBezTo>
+                <a:lnTo>
+                  <a:pt x="7275" y="0"/>
+                </a:lnTo>
+                <a:lnTo>
+                  <a:pt x="0" y="70"/>
+                </a:lnTo>
+                <a:cubicBezTo>
+                  <a:pt x="8" y="3380"/>
+                  <a:pt x="17" y="6690"/>
+                  <a:pt x="25" y="10000"/>
+                </a:cubicBezTo>
+                <a:lnTo>
+                  <a:pt x="7275" y="9966"/>
+                </a:lnTo>
+                <a:lnTo>
+                  <a:pt x="7803" y="9966"/>
+                </a:lnTo>
+                <a:cubicBezTo>
+                  <a:pt x="7831" y="9966"/>
+                  <a:pt x="7859" y="9872"/>
+                  <a:pt x="7886" y="9872"/>
+                </a:cubicBezTo>
+                <a:cubicBezTo>
+                  <a:pt x="7886" y="9778"/>
+                  <a:pt x="7915" y="9778"/>
+                  <a:pt x="7915" y="9778"/>
+                </a:cubicBezTo>
+                <a:lnTo>
+                  <a:pt x="9248" y="5265"/>
+                </a:lnTo>
+                <a:cubicBezTo>
+                  <a:pt x="9303" y="5077"/>
+                  <a:pt x="9303" y="4889"/>
+                  <a:pt x="9248" y="4701"/>
+                </a:cubicBezTo>
+                <a:close/>
+              </a:path>
+            </a:pathLst>
+          </a:custGeom>
+          <a:solidFill>
+            <a:schemeClr val="accent1"/>
+          </a:solidFill>
+          <a:ln>
+            <a:noFill/>
+          </a:ln>
+        </p:spPr>
+      </p:sp>
+      <p:sp>
+        <p:nvSpPr>
+          <p:cNvPr id="7" name="Slide Number Placeholder 6"/>
+          <p:cNvSpPr>
+            <a:spLocks noGrp="1"/>
+          </p:cNvSpPr>
+          <p:nvPr>
+            <p:ph type="sldNum" sz="quarter" idx="12"/>
+          </p:nvPr>
+        </p:nvSpPr>
+        <p:spPr>
+          <a:xfrm>
+            <a:off x="531812" y="4983087"/>
+            <a:ext cx="779767" cy="365125"/>
+          </a:xfrm>
+        </p:spPr>
+        <p:txBody>
+          <a:bodyPr/>
+          <a:lstStyle/>
+          <a:p>
+            <a:fld id="{0E299FC2-BDD2-4549-A804-066BE64498E5}" type="slidenum">
+              <a:rPr lang="he-IL" smtClean="0"/>
+              <a:t>‹#›</a:t>
+            </a:fld>
+            <a:endParaRPr lang="he-IL"/>
+          </a:p>
+        </p:txBody>
+      </p:sp>
+    </p:spTree>
+    <p:extLst>
+      <p:ext uri="{BB962C8B-B14F-4D97-AF65-F5344CB8AC3E}">
+        <p14:creationId xmlns:p14="http://schemas.microsoft.com/office/powerpoint/2010/main" val="1618185336"/>
+      </p:ext>
+    </p:extLst>
+  </p:cSld>
+  <p:clrMapOvr>
+    <a:masterClrMapping/>
+  </p:clrMapOvr>
+</p:sldLayout>
+</file>
+
+<file path=ppt/slideLayouts/slideLayout13.xml><?xml version="1.0" encoding="utf-8"?>
+<p:sldLayout xmlns:a="http://schemas.openxmlformats.org/drawingml/2006/main" xmlns:r="http://schemas.openxmlformats.org/officeDocument/2006/relationships" xmlns:p="http://schemas.openxmlformats.org/presentationml/2006/main" preserve="1">
+  <p:cSld name="כרטיס שם עם ציטוט">
+    <p:spTree>
+      <p:nvGrpSpPr>
+        <p:cNvPr id="1" name=""/>
+        <p:cNvGrpSpPr/>
+        <p:nvPr/>
+      </p:nvGrpSpPr>
+      <p:grpSpPr>
+        <a:xfrm>
+          <a:off x="0" y="0"/>
+          <a:ext cx="0" cy="0"/>
+          <a:chOff x="0" y="0"/>
+          <a:chExt cx="0" cy="0"/>
+        </a:xfrm>
+      </p:grpSpPr>
+      <p:sp>
+        <p:nvSpPr>
+          <p:cNvPr id="12" name="Title 1"/>
+          <p:cNvSpPr>
+            <a:spLocks noGrp="1"/>
+          </p:cNvSpPr>
+          <p:nvPr>
+            <p:ph type="title"/>
+          </p:nvPr>
+        </p:nvSpPr>
+        <p:spPr>
+          <a:xfrm>
+            <a:off x="2849949" y="609600"/>
+            <a:ext cx="8393926" cy="2895600"/>
+          </a:xfrm>
+        </p:spPr>
+        <p:txBody>
+          <a:bodyPr anchor="ctr">
+            <a:normAutofit/>
+          </a:bodyPr>
+          <a:lstStyle>
+            <a:lvl1pPr algn="l">
+              <a:defRPr sz="4800" b="0" cap="none"/>
+            </a:lvl1pPr>
+          </a:lstStyle>
+          <a:p>
+            <a:r>
+              <a:rPr lang="he-IL"/>
+              <a:t>לחץ כדי לערוך סגנון כותרת של תבנית בסיס</a:t>
+            </a:r>
+            <a:endParaRPr lang="en-US" dirty="0"/>
+          </a:p>
+        </p:txBody>
+      </p:sp>
+      <p:sp>
+        <p:nvSpPr>
+          <p:cNvPr id="21" name="Text Placeholder 9"/>
+          <p:cNvSpPr>
+            <a:spLocks noGrp="1"/>
+          </p:cNvSpPr>
+          <p:nvPr>
+            <p:ph type="body" sz="quarter" idx="13"/>
+          </p:nvPr>
+        </p:nvSpPr>
+        <p:spPr>
+          <a:xfrm>
+            <a:off x="2589212" y="4343400"/>
+            <a:ext cx="8915400" cy="838200"/>
+          </a:xfrm>
+        </p:spPr>
+        <p:txBody>
+          <a:bodyPr anchor="b">
+            <a:noAutofit/>
+          </a:bodyPr>
+          <a:lstStyle>
+            <a:lvl1pPr marL="0" indent="0">
+              <a:buFontTx/>
+              <a:buNone/>
+              <a:defRPr sz="2400">
+                <a:solidFill>
+                  <a:schemeClr val="accent1"/>
+                </a:solidFill>
+              </a:defRPr>
+            </a:lvl1pPr>
+            <a:lvl2pPr marL="457200" indent="0">
+              <a:buFontTx/>
+              <a:buNone/>
+              <a:defRPr/>
+            </a:lvl2pPr>
+            <a:lvl3pPr marL="914400" indent="0">
+              <a:buFontTx/>
+              <a:buNone/>
+              <a:defRPr/>
+            </a:lvl3pPr>
+            <a:lvl4pPr marL="1371600" indent="0">
+              <a:buFontTx/>
+              <a:buNone/>
+              <a:defRPr/>
+            </a:lvl4pPr>
+            <a:lvl5pPr marL="1828800" indent="0">
+              <a:buFontTx/>
+              <a:buNone/>
+              <a:defRPr/>
+            </a:lvl5pPr>
+          </a:lstStyle>
+          <a:p>
+            <a:pPr lvl="0"/>
+            <a:r>
+              <a:rPr lang="he-IL"/>
+              <a:t>לחץ כדי לערוך סגנונות טקסט של תבנית בסיס</a:t>
+            </a:r>
+          </a:p>
+        </p:txBody>
+      </p:sp>
+      <p:sp>
+        <p:nvSpPr>
+          <p:cNvPr id="4" name="Text Placeholder 3"/>
+          <p:cNvSpPr>
+            <a:spLocks noGrp="1"/>
+          </p:cNvSpPr>
+          <p:nvPr>
+            <p:ph type="body" sz="half" idx="2"/>
+          </p:nvPr>
+        </p:nvSpPr>
+        <p:spPr>
+          <a:xfrm>
+            <a:off x="2589213" y="5181600"/>
+            <a:ext cx="8915400" cy="729622"/>
+          </a:xfrm>
+        </p:spPr>
+        <p:txBody>
+          <a:bodyPr vert="horz" lIns="91440" tIns="45720" rIns="91440" bIns="45720" rtlCol="0" anchor="t">
+            <a:normAutofit/>
+          </a:bodyPr>
+          <a:lstStyle>
+            <a:lvl1pPr>
+              <a:buNone/>
+              <a:defRPr lang="en-US">
+                <a:solidFill>
+                  <a:schemeClr val="tx1">
+                    <a:lumMod val="65000"/>
+                    <a:lumOff val="35000"/>
+                  </a:schemeClr>
+                </a:solidFill>
+              </a:defRPr>
+            </a:lvl1pPr>
+          </a:lstStyle>
+          <a:p>
+            <a:pPr marL="0" lvl="0" indent="0">
+              <a:buNone/>
+            </a:pPr>
+            <a:r>
+              <a:rPr lang="he-IL"/>
+              <a:t>לחץ כדי לערוך סגנונות טקסט של תבנית בסיס</a:t>
+            </a:r>
+          </a:p>
+        </p:txBody>
+      </p:sp>
+      <p:sp>
+        <p:nvSpPr>
+          <p:cNvPr id="5" name="Date Placeholder 4"/>
+          <p:cNvSpPr>
+            <a:spLocks noGrp="1"/>
+          </p:cNvSpPr>
+          <p:nvPr>
+            <p:ph type="dt" sz="half" idx="10"/>
+          </p:nvPr>
+        </p:nvSpPr>
+        <p:spPr/>
+        <p:txBody>
+          <a:bodyPr/>
+          <a:lstStyle/>
+          <a:p>
+            <a:fld id="{A0D2388C-ECDA-4972-A72B-60BD93EA7385}" type="datetimeFigureOut">
+              <a:rPr lang="he-IL" smtClean="0"/>
+              <a:t>כ"ג/טבת/תשפ"ה</a:t>
+            </a:fld>
+            <a:endParaRPr lang="he-IL"/>
+          </a:p>
+        </p:txBody>
+      </p:sp>
+      <p:sp>
+        <p:nvSpPr>
+          <p:cNvPr id="6" name="Footer Placeholder 5"/>
+          <p:cNvSpPr>
+            <a:spLocks noGrp="1"/>
+          </p:cNvSpPr>
+          <p:nvPr>
+            <p:ph type="ftr" sz="quarter" idx="11"/>
+          </p:nvPr>
+        </p:nvSpPr>
+        <p:spPr/>
+        <p:txBody>
+          <a:bodyPr/>
+          <a:lstStyle/>
+          <a:p>
+            <a:endParaRPr lang="he-IL"/>
+          </a:p>
+        </p:txBody>
+      </p:sp>
+      <p:sp>
+        <p:nvSpPr>
+          <p:cNvPr id="11" name="Freeform 11"/>
+          <p:cNvSpPr/>
+          <p:nvPr/>
+        </p:nvSpPr>
+        <p:spPr bwMode="auto">
+          <a:xfrm flipV="1">
+            <a:off x="-4189" y="4911725"/>
+            <a:ext cx="1588527" cy="507297"/>
+          </a:xfrm>
+          <a:custGeom>
+            <a:avLst/>
+            <a:gdLst/>
+            <a:ahLst/>
+            <a:cxnLst/>
+            <a:rect l="l" t="t" r="r" b="b"/>
+            <a:pathLst>
+              <a:path w="9248" h="10000">
+                <a:moveTo>
+                  <a:pt x="9248" y="4701"/>
+                </a:moveTo>
+                <a:lnTo>
+                  <a:pt x="7915" y="188"/>
+                </a:lnTo>
+                <a:cubicBezTo>
+                  <a:pt x="7906" y="156"/>
+                  <a:pt x="7895" y="126"/>
+                  <a:pt x="7886" y="94"/>
+                </a:cubicBezTo>
+                <a:cubicBezTo>
+                  <a:pt x="7859" y="0"/>
+                  <a:pt x="7831" y="0"/>
+                  <a:pt x="7803" y="0"/>
+                </a:cubicBezTo>
+                <a:lnTo>
+                  <a:pt x="7275" y="0"/>
+                </a:lnTo>
+                <a:lnTo>
+                  <a:pt x="0" y="70"/>
+                </a:lnTo>
+                <a:cubicBezTo>
+                  <a:pt x="8" y="3380"/>
+                  <a:pt x="17" y="6690"/>
+                  <a:pt x="25" y="10000"/>
+                </a:cubicBezTo>
+                <a:lnTo>
+                  <a:pt x="7275" y="9966"/>
+                </a:lnTo>
+                <a:lnTo>
+                  <a:pt x="7803" y="9966"/>
+                </a:lnTo>
+                <a:cubicBezTo>
+                  <a:pt x="7831" y="9966"/>
+                  <a:pt x="7859" y="9872"/>
+                  <a:pt x="7886" y="9872"/>
+                </a:cubicBezTo>
+                <a:cubicBezTo>
+                  <a:pt x="7886" y="9778"/>
+                  <a:pt x="7915" y="9778"/>
+                  <a:pt x="7915" y="9778"/>
+                </a:cubicBezTo>
+                <a:lnTo>
+                  <a:pt x="9248" y="5265"/>
+                </a:lnTo>
+                <a:cubicBezTo>
+                  <a:pt x="9303" y="5077"/>
+                  <a:pt x="9303" y="4889"/>
+                  <a:pt x="9248" y="4701"/>
+                </a:cubicBezTo>
+                <a:close/>
+              </a:path>
+            </a:pathLst>
+          </a:custGeom>
+          <a:solidFill>
+            <a:schemeClr val="accent1"/>
+          </a:solidFill>
+          <a:ln>
+            <a:noFill/>
+          </a:ln>
+        </p:spPr>
+      </p:sp>
+      <p:sp>
+        <p:nvSpPr>
+          <p:cNvPr id="7" name="Slide Number Placeholder 6"/>
+          <p:cNvSpPr>
+            <a:spLocks noGrp="1"/>
+          </p:cNvSpPr>
+          <p:nvPr>
+            <p:ph type="sldNum" sz="quarter" idx="12"/>
+          </p:nvPr>
+        </p:nvSpPr>
+        <p:spPr>
+          <a:xfrm>
+            <a:off x="531812" y="4983087"/>
+            <a:ext cx="779767" cy="365125"/>
+          </a:xfrm>
+        </p:spPr>
+        <p:txBody>
+          <a:bodyPr/>
+          <a:lstStyle/>
+          <a:p>
+            <a:fld id="{0E299FC2-BDD2-4549-A804-066BE64498E5}" type="slidenum">
+              <a:rPr lang="he-IL" smtClean="0"/>
+              <a:t>‹#›</a:t>
+            </a:fld>
+            <a:endParaRPr lang="he-IL"/>
+          </a:p>
+        </p:txBody>
+      </p:sp>
+      <p:sp>
+        <p:nvSpPr>
+          <p:cNvPr id="17" name="TextBox 16"/>
+          <p:cNvSpPr txBox="1"/>
+          <p:nvPr/>
+        </p:nvSpPr>
+        <p:spPr>
+          <a:xfrm>
+            <a:off x="2467652" y="648005"/>
+            <a:ext cx="609600" cy="584776"/>
+          </a:xfrm>
+          <a:prstGeom prst="rect">
+            <a:avLst/>
+          </a:prstGeom>
+        </p:spPr>
+        <p:txBody>
+          <a:bodyPr vert="horz" lIns="91440" tIns="45720" rIns="91440" bIns="45720" rtlCol="0" anchor="ctr">
+            <a:noAutofit/>
+          </a:bodyPr>
+          <a:lstStyle/>
+          <a:p>
+            <a:pPr lvl="0"/>
+            <a:r>
+              <a:rPr lang="en-US" sz="8000" baseline="0" dirty="0">
+                <a:ln w="3175" cmpd="sng">
+                  <a:noFill/>
+                </a:ln>
+                <a:solidFill>
+                  <a:schemeClr val="accent1"/>
+                </a:solidFill>
+                <a:effectLst/>
+                <a:latin typeface="Arial"/>
+              </a:rPr>
+              <a:t>“</a:t>
+            </a:r>
+          </a:p>
+        </p:txBody>
+      </p:sp>
+      <p:sp>
+        <p:nvSpPr>
+          <p:cNvPr id="18" name="TextBox 17"/>
+          <p:cNvSpPr txBox="1"/>
+          <p:nvPr/>
+        </p:nvSpPr>
+        <p:spPr>
+          <a:xfrm>
+            <a:off x="11114852" y="2905306"/>
+            <a:ext cx="609600" cy="584776"/>
+          </a:xfrm>
+          <a:prstGeom prst="rect">
+            <a:avLst/>
+          </a:prstGeom>
+        </p:spPr>
+        <p:txBody>
+          <a:bodyPr vert="horz" lIns="91440" tIns="45720" rIns="91440" bIns="45720" rtlCol="0" anchor="ctr">
+            <a:noAutofit/>
+          </a:bodyPr>
+          <a:lstStyle/>
+          <a:p>
+            <a:pPr lvl="0"/>
+            <a:r>
+              <a:rPr lang="en-US" sz="8000" baseline="0" dirty="0">
+                <a:ln w="3175" cmpd="sng">
+                  <a:noFill/>
+                </a:ln>
+                <a:solidFill>
+                  <a:schemeClr val="accent1"/>
+                </a:solidFill>
+                <a:effectLst/>
+                <a:latin typeface="Arial"/>
+              </a:rPr>
+              <a:t>”</a:t>
+            </a:r>
+          </a:p>
+        </p:txBody>
+      </p:sp>
+    </p:spTree>
+    <p:extLst>
+      <p:ext uri="{BB962C8B-B14F-4D97-AF65-F5344CB8AC3E}">
+        <p14:creationId xmlns:p14="http://schemas.microsoft.com/office/powerpoint/2010/main" val="1412389439"/>
+      </p:ext>
+    </p:extLst>
+  </p:cSld>
+  <p:clrMapOvr>
+    <a:masterClrMapping/>
+  </p:clrMapOvr>
+</p:sldLayout>
+</file>
+
+<file path=ppt/slideLayouts/slideLayout14.xml><?xml version="1.0" encoding="utf-8"?>
+<p:sldLayout xmlns:a="http://schemas.openxmlformats.org/drawingml/2006/main" xmlns:r="http://schemas.openxmlformats.org/officeDocument/2006/relationships" xmlns:p="http://schemas.openxmlformats.org/presentationml/2006/main" preserve="1">
+  <p:cSld name="נכון או לא נכון">
+    <p:spTree>
+      <p:nvGrpSpPr>
+        <p:cNvPr id="1" name=""/>
+        <p:cNvGrpSpPr/>
+        <p:nvPr/>
+      </p:nvGrpSpPr>
+      <p:grpSpPr>
+        <a:xfrm>
+          <a:off x="0" y="0"/>
+          <a:ext cx="0" cy="0"/>
+          <a:chOff x="0" y="0"/>
+          <a:chExt cx="0" cy="0"/>
+        </a:xfrm>
+      </p:grpSpPr>
+      <p:sp>
+        <p:nvSpPr>
+          <p:cNvPr id="2" name="Title 1"/>
+          <p:cNvSpPr>
+            <a:spLocks noGrp="1"/>
+          </p:cNvSpPr>
+          <p:nvPr>
+            <p:ph type="title"/>
+          </p:nvPr>
+        </p:nvSpPr>
+        <p:spPr>
+          <a:xfrm>
+            <a:off x="2589212" y="627407"/>
+            <a:ext cx="8915399" cy="2880020"/>
+          </a:xfrm>
+        </p:spPr>
+        <p:txBody>
+          <a:bodyPr anchor="ctr">
+            <a:normAutofit/>
+          </a:bodyPr>
+          <a:lstStyle>
+            <a:lvl1pPr algn="l">
+              <a:defRPr sz="4800" b="0"/>
+            </a:lvl1pPr>
+          </a:lstStyle>
+          <a:p>
+            <a:r>
+              <a:rPr lang="he-IL"/>
+              <a:t>לחץ כדי לערוך סגנון כותרת של תבנית בסיס</a:t>
+            </a:r>
+            <a:endParaRPr lang="en-US" dirty="0"/>
+          </a:p>
+        </p:txBody>
+      </p:sp>
+      <p:sp>
+        <p:nvSpPr>
+          <p:cNvPr id="21" name="Text Placeholder 9"/>
+          <p:cNvSpPr>
+            <a:spLocks noGrp="1"/>
+          </p:cNvSpPr>
+          <p:nvPr>
+            <p:ph type="body" sz="quarter" idx="13"/>
+          </p:nvPr>
+        </p:nvSpPr>
+        <p:spPr>
+          <a:xfrm>
+            <a:off x="2589212" y="4343400"/>
+            <a:ext cx="8915400" cy="838200"/>
+          </a:xfrm>
+        </p:spPr>
+        <p:txBody>
+          <a:bodyPr anchor="b">
+            <a:noAutofit/>
+          </a:bodyPr>
+          <a:lstStyle>
+            <a:lvl1pPr marL="0" indent="0">
+              <a:buFontTx/>
+              <a:buNone/>
+              <a:defRPr sz="2400">
+                <a:solidFill>
+                  <a:schemeClr val="accent1"/>
+                </a:solidFill>
+              </a:defRPr>
+            </a:lvl1pPr>
+            <a:lvl2pPr marL="457200" indent="0">
+              <a:buFontTx/>
+              <a:buNone/>
+              <a:defRPr/>
+            </a:lvl2pPr>
+            <a:lvl3pPr marL="914400" indent="0">
+              <a:buFontTx/>
+              <a:buNone/>
+              <a:defRPr/>
+            </a:lvl3pPr>
+            <a:lvl4pPr marL="1371600" indent="0">
+              <a:buFontTx/>
+              <a:buNone/>
+              <a:defRPr/>
+            </a:lvl4pPr>
+            <a:lvl5pPr marL="1828800" indent="0">
+              <a:buFontTx/>
+              <a:buNone/>
+              <a:defRPr/>
+            </a:lvl5pPr>
+          </a:lstStyle>
+          <a:p>
+            <a:pPr lvl="0"/>
+            <a:r>
+              <a:rPr lang="he-IL"/>
+              <a:t>לחץ כדי לערוך סגנונות טקסט של תבנית בסיס</a:t>
+            </a:r>
+          </a:p>
+        </p:txBody>
+      </p:sp>
+      <p:sp>
+        <p:nvSpPr>
+          <p:cNvPr id="4" name="Text Placeholder 3"/>
+          <p:cNvSpPr>
+            <a:spLocks noGrp="1"/>
+          </p:cNvSpPr>
+          <p:nvPr>
+            <p:ph type="body" sz="half" idx="2"/>
+          </p:nvPr>
+        </p:nvSpPr>
+        <p:spPr>
+          <a:xfrm>
+            <a:off x="2589213" y="5181600"/>
+            <a:ext cx="8915400" cy="729622"/>
+          </a:xfrm>
+        </p:spPr>
+        <p:txBody>
+          <a:bodyPr vert="horz" lIns="91440" tIns="45720" rIns="91440" bIns="45720" rtlCol="0" anchor="t">
+            <a:normAutofit/>
+          </a:bodyPr>
+          <a:lstStyle>
+            <a:lvl1pPr>
+              <a:buNone/>
+              <a:defRPr lang="en-US">
+                <a:solidFill>
+                  <a:schemeClr val="tx1">
+                    <a:lumMod val="65000"/>
+                    <a:lumOff val="35000"/>
+                  </a:schemeClr>
+                </a:solidFill>
+              </a:defRPr>
+            </a:lvl1pPr>
+          </a:lstStyle>
+          <a:p>
+            <a:pPr marL="0" lvl="0" indent="0">
+              <a:buNone/>
+            </a:pPr>
+            <a:r>
+              <a:rPr lang="he-IL"/>
+              <a:t>לחץ כדי לערוך סגנונות טקסט של תבנית בסיס</a:t>
+            </a:r>
+          </a:p>
+        </p:txBody>
+      </p:sp>
+      <p:sp>
+        <p:nvSpPr>
+          <p:cNvPr id="5" name="Date Placeholder 4"/>
+          <p:cNvSpPr>
+            <a:spLocks noGrp="1"/>
+          </p:cNvSpPr>
+          <p:nvPr>
+            <p:ph type="dt" sz="half" idx="10"/>
+          </p:nvPr>
+        </p:nvSpPr>
+        <p:spPr/>
+        <p:txBody>
+          <a:bodyPr/>
+          <a:lstStyle/>
+          <a:p>
+            <a:fld id="{A0D2388C-ECDA-4972-A72B-60BD93EA7385}" type="datetimeFigureOut">
+              <a:rPr lang="he-IL" smtClean="0"/>
+              <a:t>כ"ג/טבת/תשפ"ה</a:t>
+            </a:fld>
+            <a:endParaRPr lang="he-IL"/>
+          </a:p>
+        </p:txBody>
+      </p:sp>
+      <p:sp>
+        <p:nvSpPr>
+          <p:cNvPr id="6" name="Footer Placeholder 5"/>
+          <p:cNvSpPr>
+            <a:spLocks noGrp="1"/>
+          </p:cNvSpPr>
+          <p:nvPr>
+            <p:ph type="ftr" sz="quarter" idx="11"/>
+          </p:nvPr>
+        </p:nvSpPr>
+        <p:spPr/>
+        <p:txBody>
+          <a:bodyPr/>
+          <a:lstStyle/>
+          <a:p>
+            <a:endParaRPr lang="he-IL"/>
+          </a:p>
+        </p:txBody>
+      </p:sp>
+      <p:sp>
+        <p:nvSpPr>
+          <p:cNvPr id="9" name="Freeform 11"/>
+          <p:cNvSpPr/>
+          <p:nvPr/>
+        </p:nvSpPr>
+        <p:spPr bwMode="auto">
+          <a:xfrm flipV="1">
+            <a:off x="-4189" y="4911725"/>
+            <a:ext cx="1588527" cy="507297"/>
+          </a:xfrm>
+          <a:custGeom>
+            <a:avLst/>
+            <a:gdLst/>
+            <a:ahLst/>
+            <a:cxnLst/>
+            <a:rect l="l" t="t" r="r" b="b"/>
+            <a:pathLst>
+              <a:path w="9248" h="10000">
+                <a:moveTo>
+                  <a:pt x="9248" y="4701"/>
+                </a:moveTo>
+                <a:lnTo>
+                  <a:pt x="7915" y="188"/>
+                </a:lnTo>
+                <a:cubicBezTo>
+                  <a:pt x="7906" y="156"/>
+                  <a:pt x="7895" y="126"/>
+                  <a:pt x="7886" y="94"/>
+                </a:cubicBezTo>
+                <a:cubicBezTo>
+                  <a:pt x="7859" y="0"/>
+                  <a:pt x="7831" y="0"/>
+                  <a:pt x="7803" y="0"/>
+                </a:cubicBezTo>
+                <a:lnTo>
+                  <a:pt x="7275" y="0"/>
+                </a:lnTo>
+                <a:lnTo>
+                  <a:pt x="0" y="70"/>
+                </a:lnTo>
+                <a:cubicBezTo>
+                  <a:pt x="8" y="3380"/>
+                  <a:pt x="17" y="6690"/>
+                  <a:pt x="25" y="10000"/>
+                </a:cubicBezTo>
+                <a:lnTo>
+                  <a:pt x="7275" y="9966"/>
+                </a:lnTo>
+                <a:lnTo>
+                  <a:pt x="7803" y="9966"/>
+                </a:lnTo>
+                <a:cubicBezTo>
+                  <a:pt x="7831" y="9966"/>
+                  <a:pt x="7859" y="9872"/>
+                  <a:pt x="7886" y="9872"/>
+                </a:cubicBezTo>
+                <a:cubicBezTo>
+                  <a:pt x="7886" y="9778"/>
+                  <a:pt x="7915" y="9778"/>
+                  <a:pt x="7915" y="9778"/>
+                </a:cubicBezTo>
+                <a:lnTo>
+                  <a:pt x="9248" y="5265"/>
+                </a:lnTo>
+                <a:cubicBezTo>
+                  <a:pt x="9303" y="5077"/>
+                  <a:pt x="9303" y="4889"/>
+                  <a:pt x="9248" y="4701"/>
+                </a:cubicBezTo>
+                <a:close/>
+              </a:path>
+            </a:pathLst>
+          </a:custGeom>
+          <a:solidFill>
+            <a:schemeClr val="accent1"/>
+          </a:solidFill>
+          <a:ln>
+            <a:noFill/>
+          </a:ln>
+        </p:spPr>
+      </p:sp>
+      <p:sp>
+        <p:nvSpPr>
+          <p:cNvPr id="7" name="Slide Number Placeholder 6"/>
+          <p:cNvSpPr>
+            <a:spLocks noGrp="1"/>
+          </p:cNvSpPr>
+          <p:nvPr>
+            <p:ph type="sldNum" sz="quarter" idx="12"/>
+          </p:nvPr>
+        </p:nvSpPr>
+        <p:spPr>
+          <a:xfrm>
+            <a:off x="531812" y="4983087"/>
+            <a:ext cx="779767" cy="365125"/>
+          </a:xfrm>
+        </p:spPr>
+        <p:txBody>
+          <a:bodyPr/>
+          <a:lstStyle/>
+          <a:p>
+            <a:fld id="{0E299FC2-BDD2-4549-A804-066BE64498E5}" type="slidenum">
+              <a:rPr lang="he-IL" smtClean="0"/>
+              <a:t>‹#›</a:t>
+            </a:fld>
+            <a:endParaRPr lang="he-IL"/>
+          </a:p>
+        </p:txBody>
+      </p:sp>
+    </p:spTree>
+    <p:extLst>
+      <p:ext uri="{BB962C8B-B14F-4D97-AF65-F5344CB8AC3E}">
+        <p14:creationId xmlns:p14="http://schemas.microsoft.com/office/powerpoint/2010/main" val="3631637176"/>
+      </p:ext>
+    </p:extLst>
+  </p:cSld>
+  <p:clrMapOvr>
+    <a:masterClrMapping/>
+  </p:clrMapOvr>
+</p:sldLayout>
+</file>
+
+<file path=ppt/slideLayouts/slideLayout15.xml><?xml version="1.0" encoding="utf-8"?>
 <p:sldLayout xmlns:a="http://schemas.openxmlformats.org/drawingml/2006/main" xmlns:r="http://schemas.openxmlformats.org/officeDocument/2006/relationships" xmlns:p="http://schemas.openxmlformats.org/presentationml/2006/main" type="vertTx" preserve="1">
   <p:cSld name="כותרת וטקסט אנכי">
     <p:spTree>
@@ -346,13 +2697,7 @@
       </p:grpSpPr>
       <p:sp>
         <p:nvSpPr>
-          <p:cNvPr id="2" name="כותרת 1">
-            <a:extLst>
-              <a:ext uri="{FF2B5EF4-FFF2-40B4-BE49-F238E27FC236}">
-                <a16:creationId xmlns:a16="http://schemas.microsoft.com/office/drawing/2014/main" id="{4E65549B-3754-ED84-E85A-1ECD698D95A4}"/>
-              </a:ext>
-            </a:extLst>
-          </p:cNvPr>
+          <p:cNvPr id="2" name="Title 1"/>
           <p:cNvSpPr>
             <a:spLocks noGrp="1"/>
           </p:cNvSpPr>
@@ -369,18 +2714,13 @@
               <a:rPr lang="he-IL"/>
               <a:t>לחץ כדי לערוך סגנון כותרת של תבנית בסיס</a:t>
             </a:r>
-          </a:p>
-        </p:txBody>
-      </p:sp>
-      <p:sp>
-        <p:nvSpPr>
-          <p:cNvPr id="3" name="מציין מיקום של טקסט אנכי 2">
-            <a:extLst>
-              <a:ext uri="{FF2B5EF4-FFF2-40B4-BE49-F238E27FC236}">
-                <a16:creationId xmlns:a16="http://schemas.microsoft.com/office/drawing/2014/main" id="{C2B3F44F-1BD2-C42B-ABAD-E6A4E220E460}"/>
-              </a:ext>
-            </a:extLst>
-          </p:cNvPr>
+            <a:endParaRPr lang="en-US" dirty="0"/>
+          </a:p>
+        </p:txBody>
+      </p:sp>
+      <p:sp>
+        <p:nvSpPr>
+          <p:cNvPr id="3" name="Vertical Text Placeholder 2"/>
           <p:cNvSpPr>
             <a:spLocks noGrp="1"/>
           </p:cNvSpPr>
@@ -390,7 +2730,7 @@
         </p:nvSpPr>
         <p:spPr/>
         <p:txBody>
-          <a:bodyPr vert="eaVert"/>
+          <a:bodyPr vert="eaVert" anchor="t"/>
           <a:lstStyle/>
           <a:p>
             <a:pPr lvl="0"/>
@@ -426,18 +2766,13 @@
               <a:rPr lang="he-IL"/>
               <a:t>רמה חמישית</a:t>
             </a:r>
-          </a:p>
-        </p:txBody>
-      </p:sp>
-      <p:sp>
-        <p:nvSpPr>
-          <p:cNvPr id="4" name="מציין מיקום של תאריך 3">
-            <a:extLst>
-              <a:ext uri="{FF2B5EF4-FFF2-40B4-BE49-F238E27FC236}">
-                <a16:creationId xmlns:a16="http://schemas.microsoft.com/office/drawing/2014/main" id="{FD48347E-078C-85FD-800C-03DF918D2A3D}"/>
-              </a:ext>
-            </a:extLst>
-          </p:cNvPr>
+            <a:endParaRPr lang="en-US" dirty="0"/>
+          </a:p>
+        </p:txBody>
+      </p:sp>
+      <p:sp>
+        <p:nvSpPr>
+          <p:cNvPr id="4" name="Date Placeholder 3"/>
           <p:cNvSpPr>
             <a:spLocks noGrp="1"/>
           </p:cNvSpPr>
@@ -452,7 +2787,7 @@
           <a:p>
             <a:fld id="{A0D2388C-ECDA-4972-A72B-60BD93EA7385}" type="datetimeFigureOut">
               <a:rPr lang="he-IL" smtClean="0"/>
-              <a:t>כ"ב/טבת/תשפ"ה</a:t>
+              <a:t>כ"ג/טבת/תשפ"ה</a:t>
             </a:fld>
             <a:endParaRPr lang="he-IL"/>
           </a:p>
@@ -460,13 +2795,7 @@
       </p:sp>
       <p:sp>
         <p:nvSpPr>
-          <p:cNvPr id="5" name="מציין מיקום של כותרת תחתונה 4">
-            <a:extLst>
-              <a:ext uri="{FF2B5EF4-FFF2-40B4-BE49-F238E27FC236}">
-                <a16:creationId xmlns:a16="http://schemas.microsoft.com/office/drawing/2014/main" id="{7D965568-87C5-730A-065B-6050C76098D6}"/>
-              </a:ext>
-            </a:extLst>
-          </p:cNvPr>
+          <p:cNvPr id="5" name="Footer Placeholder 4"/>
           <p:cNvSpPr>
             <a:spLocks noGrp="1"/>
           </p:cNvSpPr>
@@ -485,13 +2814,89 @@
       </p:sp>
       <p:sp>
         <p:nvSpPr>
-          <p:cNvPr id="6" name="מציין מיקום של מספר שקופית 5">
-            <a:extLst>
-              <a:ext uri="{FF2B5EF4-FFF2-40B4-BE49-F238E27FC236}">
-                <a16:creationId xmlns:a16="http://schemas.microsoft.com/office/drawing/2014/main" id="{DDEC8E69-5F66-0468-59E7-6B21FAD9E825}"/>
-              </a:ext>
-            </a:extLst>
-          </p:cNvPr>
+          <p:cNvPr id="8" name="Freeform 11"/>
+          <p:cNvSpPr/>
+          <p:nvPr/>
+        </p:nvSpPr>
+        <p:spPr bwMode="auto">
+          <a:xfrm flipV="1">
+            <a:off x="-4189" y="714375"/>
+            <a:ext cx="1588527" cy="507297"/>
+          </a:xfrm>
+          <a:custGeom>
+            <a:avLst/>
+            <a:gdLst/>
+            <a:ahLst/>
+            <a:cxnLst/>
+            <a:rect l="l" t="t" r="r" b="b"/>
+            <a:pathLst>
+              <a:path w="9248" h="10000">
+                <a:moveTo>
+                  <a:pt x="9248" y="4701"/>
+                </a:moveTo>
+                <a:lnTo>
+                  <a:pt x="7915" y="188"/>
+                </a:lnTo>
+                <a:cubicBezTo>
+                  <a:pt x="7906" y="156"/>
+                  <a:pt x="7895" y="126"/>
+                  <a:pt x="7886" y="94"/>
+                </a:cubicBezTo>
+                <a:cubicBezTo>
+                  <a:pt x="7859" y="0"/>
+                  <a:pt x="7831" y="0"/>
+                  <a:pt x="7803" y="0"/>
+                </a:cubicBezTo>
+                <a:lnTo>
+                  <a:pt x="7275" y="0"/>
+                </a:lnTo>
+                <a:lnTo>
+                  <a:pt x="0" y="70"/>
+                </a:lnTo>
+                <a:cubicBezTo>
+                  <a:pt x="8" y="3380"/>
+                  <a:pt x="17" y="6690"/>
+                  <a:pt x="25" y="10000"/>
+                </a:cubicBezTo>
+                <a:lnTo>
+                  <a:pt x="7275" y="9966"/>
+                </a:lnTo>
+                <a:lnTo>
+                  <a:pt x="7803" y="9966"/>
+                </a:lnTo>
+                <a:cubicBezTo>
+                  <a:pt x="7831" y="9966"/>
+                  <a:pt x="7859" y="9872"/>
+                  <a:pt x="7886" y="9872"/>
+                </a:cubicBezTo>
+                <a:cubicBezTo>
+                  <a:pt x="7886" y="9778"/>
+                  <a:pt x="7915" y="9778"/>
+                  <a:pt x="7915" y="9778"/>
+                </a:cubicBezTo>
+                <a:lnTo>
+                  <a:pt x="9248" y="5265"/>
+                </a:lnTo>
+                <a:cubicBezTo>
+                  <a:pt x="9303" y="5077"/>
+                  <a:pt x="9303" y="4889"/>
+                  <a:pt x="9248" y="4701"/>
+                </a:cubicBezTo>
+                <a:close/>
+              </a:path>
+            </a:pathLst>
+          </a:custGeom>
+          <a:solidFill>
+            <a:schemeClr val="accent1"/>
+          </a:solidFill>
+          <a:ln>
+            <a:noFill/>
+          </a:ln>
+        </p:spPr>
+      </p:sp>
+      <p:sp>
+        <p:nvSpPr>
+          <p:cNvPr id="6" name="Slide Number Placeholder 5"/>
           <p:cNvSpPr>
             <a:spLocks noGrp="1"/>
           </p:cNvSpPr>
@@ -515,7 +2920,7 @@
     </p:spTree>
     <p:extLst>
       <p:ext uri="{BB962C8B-B14F-4D97-AF65-F5344CB8AC3E}">
-        <p14:creationId xmlns:p14="http://schemas.microsoft.com/office/powerpoint/2010/main" val="611713011"/>
+        <p14:creationId xmlns:p14="http://schemas.microsoft.com/office/powerpoint/2010/main" val="4077842203"/>
       </p:ext>
     </p:extLst>
   </p:cSld>
@@ -525,7 +2930,7 @@
 </p:sldLayout>
 </file>
 
-<file path=ppt/slideLayouts/slideLayout11.xml><?xml version="1.0" encoding="utf-8"?>
+<file path=ppt/slideLayouts/slideLayout16.xml><?xml version="1.0" encoding="utf-8"?>
 <p:sldLayout xmlns:a="http://schemas.openxmlformats.org/drawingml/2006/main" xmlns:r="http://schemas.openxmlformats.org/officeDocument/2006/relationships" xmlns:p="http://schemas.openxmlformats.org/presentationml/2006/main" type="vertTitleAndTx" preserve="1">
   <p:cSld name="כותרת אנכית וטקסט">
     <p:spTree>
@@ -544,13 +2949,7 @@
       </p:grpSpPr>
       <p:sp>
         <p:nvSpPr>
-          <p:cNvPr id="2" name="כותרת אנכית 1">
-            <a:extLst>
-              <a:ext uri="{FF2B5EF4-FFF2-40B4-BE49-F238E27FC236}">
-                <a16:creationId xmlns:a16="http://schemas.microsoft.com/office/drawing/2014/main" id="{CA802740-8E0D-DC8D-8422-C6D0E506E871}"/>
-              </a:ext>
-            </a:extLst>
-          </p:cNvPr>
+          <p:cNvPr id="2" name="Vertical Title 1"/>
           <p:cNvSpPr>
             <a:spLocks noGrp="1"/>
           </p:cNvSpPr>
@@ -560,47 +2959,42 @@
         </p:nvSpPr>
         <p:spPr>
           <a:xfrm>
-            <a:off x="8724900" y="365125"/>
-            <a:ext cx="2628900" cy="5811838"/>
+            <a:off x="9294812" y="627405"/>
+            <a:ext cx="2207601" cy="5283817"/>
           </a:xfrm>
         </p:spPr>
         <p:txBody>
+          <a:bodyPr vert="eaVert" anchor="ctr"/>
+          <a:lstStyle/>
+          <a:p>
+            <a:r>
+              <a:rPr lang="he-IL"/>
+              <a:t>לחץ כדי לערוך סגנון כותרת של תבנית בסיס</a:t>
+            </a:r>
+            <a:endParaRPr lang="en-US" dirty="0"/>
+          </a:p>
+        </p:txBody>
+      </p:sp>
+      <p:sp>
+        <p:nvSpPr>
+          <p:cNvPr id="3" name="Vertical Text Placeholder 2"/>
+          <p:cNvSpPr>
+            <a:spLocks noGrp="1"/>
+          </p:cNvSpPr>
+          <p:nvPr>
+            <p:ph type="body" orient="vert" idx="1"/>
+          </p:nvPr>
+        </p:nvSpPr>
+        <p:spPr>
+          <a:xfrm>
+            <a:off x="2589212" y="627405"/>
+            <a:ext cx="6477000" cy="5283817"/>
+          </a:xfrm>
+        </p:spPr>
+        <p:txBody>
           <a:bodyPr vert="eaVert"/>
           <a:lstStyle/>
           <a:p>
-            <a:r>
-              <a:rPr lang="he-IL"/>
-              <a:t>לחץ כדי לערוך סגנון כותרת של תבנית בסיס</a:t>
-            </a:r>
-          </a:p>
-        </p:txBody>
-      </p:sp>
-      <p:sp>
-        <p:nvSpPr>
-          <p:cNvPr id="3" name="מציין מיקום של טקסט אנכי 2">
-            <a:extLst>
-              <a:ext uri="{FF2B5EF4-FFF2-40B4-BE49-F238E27FC236}">
-                <a16:creationId xmlns:a16="http://schemas.microsoft.com/office/drawing/2014/main" id="{AB67373D-87EA-46BA-82E2-2845032DEFDE}"/>
-              </a:ext>
-            </a:extLst>
-          </p:cNvPr>
-          <p:cNvSpPr>
-            <a:spLocks noGrp="1"/>
-          </p:cNvSpPr>
-          <p:nvPr>
-            <p:ph type="body" orient="vert" idx="1"/>
-          </p:nvPr>
-        </p:nvSpPr>
-        <p:spPr>
-          <a:xfrm>
-            <a:off x="838200" y="365125"/>
-            <a:ext cx="7734300" cy="5811838"/>
-          </a:xfrm>
-        </p:spPr>
-        <p:txBody>
-          <a:bodyPr vert="eaVert"/>
-          <a:lstStyle/>
-          <a:p>
             <a:pPr lvl="0"/>
             <a:r>
               <a:rPr lang="he-IL"/>
@@ -634,18 +3028,13 @@
               <a:rPr lang="he-IL"/>
               <a:t>רמה חמישית</a:t>
             </a:r>
-          </a:p>
-        </p:txBody>
-      </p:sp>
-      <p:sp>
-        <p:nvSpPr>
-          <p:cNvPr id="4" name="מציין מיקום של תאריך 3">
-            <a:extLst>
-              <a:ext uri="{FF2B5EF4-FFF2-40B4-BE49-F238E27FC236}">
-                <a16:creationId xmlns:a16="http://schemas.microsoft.com/office/drawing/2014/main" id="{E03D4AA4-9F2A-7BC2-BC42-B9247BD28D0B}"/>
-              </a:ext>
-            </a:extLst>
-          </p:cNvPr>
+            <a:endParaRPr lang="en-US" dirty="0"/>
+          </a:p>
+        </p:txBody>
+      </p:sp>
+      <p:sp>
+        <p:nvSpPr>
+          <p:cNvPr id="4" name="Date Placeholder 3"/>
           <p:cNvSpPr>
             <a:spLocks noGrp="1"/>
           </p:cNvSpPr>
@@ -660,7 +3049,7 @@
           <a:p>
             <a:fld id="{A0D2388C-ECDA-4972-A72B-60BD93EA7385}" type="datetimeFigureOut">
               <a:rPr lang="he-IL" smtClean="0"/>
-              <a:t>כ"ב/טבת/תשפ"ה</a:t>
+              <a:t>כ"ג/טבת/תשפ"ה</a:t>
             </a:fld>
             <a:endParaRPr lang="he-IL"/>
           </a:p>
@@ -668,13 +3057,7 @@
       </p:sp>
       <p:sp>
         <p:nvSpPr>
-          <p:cNvPr id="5" name="מציין מיקום של כותרת תחתונה 4">
-            <a:extLst>
-              <a:ext uri="{FF2B5EF4-FFF2-40B4-BE49-F238E27FC236}">
-                <a16:creationId xmlns:a16="http://schemas.microsoft.com/office/drawing/2014/main" id="{098CEA9F-5BDE-08C7-88CC-8C3C5EF68225}"/>
-              </a:ext>
-            </a:extLst>
-          </p:cNvPr>
+          <p:cNvPr id="5" name="Footer Placeholder 4"/>
           <p:cNvSpPr>
             <a:spLocks noGrp="1"/>
           </p:cNvSpPr>
@@ -693,13 +3076,89 @@
       </p:sp>
       <p:sp>
         <p:nvSpPr>
-          <p:cNvPr id="6" name="מציין מיקום של מספר שקופית 5">
-            <a:extLst>
-              <a:ext uri="{FF2B5EF4-FFF2-40B4-BE49-F238E27FC236}">
-                <a16:creationId xmlns:a16="http://schemas.microsoft.com/office/drawing/2014/main" id="{5E26480C-663E-8F12-4C67-E6C693BC694D}"/>
-              </a:ext>
-            </a:extLst>
-          </p:cNvPr>
+          <p:cNvPr id="8" name="Freeform 11"/>
+          <p:cNvSpPr/>
+          <p:nvPr/>
+        </p:nvSpPr>
+        <p:spPr bwMode="auto">
+          <a:xfrm flipV="1">
+            <a:off x="-4189" y="714375"/>
+            <a:ext cx="1588527" cy="507297"/>
+          </a:xfrm>
+          <a:custGeom>
+            <a:avLst/>
+            <a:gdLst/>
+            <a:ahLst/>
+            <a:cxnLst/>
+            <a:rect l="l" t="t" r="r" b="b"/>
+            <a:pathLst>
+              <a:path w="9248" h="10000">
+                <a:moveTo>
+                  <a:pt x="9248" y="4701"/>
+                </a:moveTo>
+                <a:lnTo>
+                  <a:pt x="7915" y="188"/>
+                </a:lnTo>
+                <a:cubicBezTo>
+                  <a:pt x="7906" y="156"/>
+                  <a:pt x="7895" y="126"/>
+                  <a:pt x="7886" y="94"/>
+                </a:cubicBezTo>
+                <a:cubicBezTo>
+                  <a:pt x="7859" y="0"/>
+                  <a:pt x="7831" y="0"/>
+                  <a:pt x="7803" y="0"/>
+                </a:cubicBezTo>
+                <a:lnTo>
+                  <a:pt x="7275" y="0"/>
+                </a:lnTo>
+                <a:lnTo>
+                  <a:pt x="0" y="70"/>
+                </a:lnTo>
+                <a:cubicBezTo>
+                  <a:pt x="8" y="3380"/>
+                  <a:pt x="17" y="6690"/>
+                  <a:pt x="25" y="10000"/>
+                </a:cubicBezTo>
+                <a:lnTo>
+                  <a:pt x="7275" y="9966"/>
+                </a:lnTo>
+                <a:lnTo>
+                  <a:pt x="7803" y="9966"/>
+                </a:lnTo>
+                <a:cubicBezTo>
+                  <a:pt x="7831" y="9966"/>
+                  <a:pt x="7859" y="9872"/>
+                  <a:pt x="7886" y="9872"/>
+                </a:cubicBezTo>
+                <a:cubicBezTo>
+                  <a:pt x="7886" y="9778"/>
+                  <a:pt x="7915" y="9778"/>
+                  <a:pt x="7915" y="9778"/>
+                </a:cubicBezTo>
+                <a:lnTo>
+                  <a:pt x="9248" y="5265"/>
+                </a:lnTo>
+                <a:cubicBezTo>
+                  <a:pt x="9303" y="5077"/>
+                  <a:pt x="9303" y="4889"/>
+                  <a:pt x="9248" y="4701"/>
+                </a:cubicBezTo>
+                <a:close/>
+              </a:path>
+            </a:pathLst>
+          </a:custGeom>
+          <a:solidFill>
+            <a:schemeClr val="accent1"/>
+          </a:solidFill>
+          <a:ln>
+            <a:noFill/>
+          </a:ln>
+        </p:spPr>
+      </p:sp>
+      <p:sp>
+        <p:nvSpPr>
+          <p:cNvPr id="6" name="Slide Number Placeholder 5"/>
           <p:cNvSpPr>
             <a:spLocks noGrp="1"/>
           </p:cNvSpPr>
@@ -723,7 +3182,7 @@
     </p:spTree>
     <p:extLst>
       <p:ext uri="{BB962C8B-B14F-4D97-AF65-F5344CB8AC3E}">
-        <p14:creationId xmlns:p14="http://schemas.microsoft.com/office/powerpoint/2010/main" val="2760265951"/>
+        <p14:creationId xmlns:p14="http://schemas.microsoft.com/office/powerpoint/2010/main" val="416116594"/>
       </p:ext>
     </p:extLst>
   </p:cSld>
@@ -752,13 +3211,7 @@
       </p:grpSpPr>
       <p:sp>
         <p:nvSpPr>
-          <p:cNvPr id="2" name="כותרת 1">
-            <a:extLst>
-              <a:ext uri="{FF2B5EF4-FFF2-40B4-BE49-F238E27FC236}">
-                <a16:creationId xmlns:a16="http://schemas.microsoft.com/office/drawing/2014/main" id="{B90D5BA4-30ED-4E7D-2FBB-AF9C34AE429D}"/>
-              </a:ext>
-            </a:extLst>
-          </p:cNvPr>
+          <p:cNvPr id="2" name="Title 1"/>
           <p:cNvSpPr>
             <a:spLocks noGrp="1"/>
           </p:cNvSpPr>
@@ -766,7 +3219,12 @@
             <p:ph type="title"/>
           </p:nvPr>
         </p:nvSpPr>
-        <p:spPr/>
+        <p:spPr>
+          <a:xfrm>
+            <a:off x="2592925" y="624110"/>
+            <a:ext cx="8911687" cy="1280890"/>
+          </a:xfrm>
+        </p:spPr>
         <p:txBody>
           <a:bodyPr/>
           <a:lstStyle/>
@@ -775,18 +3233,13 @@
               <a:rPr lang="he-IL"/>
               <a:t>לחץ כדי לערוך סגנון כותרת של תבנית בסיס</a:t>
             </a:r>
-          </a:p>
-        </p:txBody>
-      </p:sp>
-      <p:sp>
-        <p:nvSpPr>
-          <p:cNvPr id="3" name="מציין מיקום תוכן 2">
-            <a:extLst>
-              <a:ext uri="{FF2B5EF4-FFF2-40B4-BE49-F238E27FC236}">
-                <a16:creationId xmlns:a16="http://schemas.microsoft.com/office/drawing/2014/main" id="{6C6C68C2-9126-AF10-973E-242E8D864FA3}"/>
-              </a:ext>
-            </a:extLst>
-          </p:cNvPr>
+            <a:endParaRPr lang="en-US" dirty="0"/>
+          </a:p>
+        </p:txBody>
+      </p:sp>
+      <p:sp>
+        <p:nvSpPr>
+          <p:cNvPr id="3" name="Content Placeholder 2"/>
           <p:cNvSpPr>
             <a:spLocks noGrp="1"/>
           </p:cNvSpPr>
@@ -794,7 +3247,12 @@
             <p:ph idx="1"/>
           </p:nvPr>
         </p:nvSpPr>
-        <p:spPr/>
+        <p:spPr>
+          <a:xfrm>
+            <a:off x="2589212" y="2133600"/>
+            <a:ext cx="8915400" cy="3777622"/>
+          </a:xfrm>
+        </p:spPr>
         <p:txBody>
           <a:bodyPr/>
           <a:lstStyle/>
@@ -832,18 +3290,13 @@
               <a:rPr lang="he-IL"/>
               <a:t>רמה חמישית</a:t>
             </a:r>
-          </a:p>
-        </p:txBody>
-      </p:sp>
-      <p:sp>
-        <p:nvSpPr>
-          <p:cNvPr id="4" name="מציין מיקום של תאריך 3">
-            <a:extLst>
-              <a:ext uri="{FF2B5EF4-FFF2-40B4-BE49-F238E27FC236}">
-                <a16:creationId xmlns:a16="http://schemas.microsoft.com/office/drawing/2014/main" id="{0F7D745E-1877-BEC5-BA78-1504E29D825A}"/>
-              </a:ext>
-            </a:extLst>
-          </p:cNvPr>
+            <a:endParaRPr lang="en-US" dirty="0"/>
+          </a:p>
+        </p:txBody>
+      </p:sp>
+      <p:sp>
+        <p:nvSpPr>
+          <p:cNvPr id="4" name="Date Placeholder 3"/>
           <p:cNvSpPr>
             <a:spLocks noGrp="1"/>
           </p:cNvSpPr>
@@ -858,7 +3311,7 @@
           <a:p>
             <a:fld id="{A0D2388C-ECDA-4972-A72B-60BD93EA7385}" type="datetimeFigureOut">
               <a:rPr lang="he-IL" smtClean="0"/>
-              <a:t>כ"ב/טבת/תשפ"ה</a:t>
+              <a:t>כ"ג/טבת/תשפ"ה</a:t>
             </a:fld>
             <a:endParaRPr lang="he-IL"/>
           </a:p>
@@ -866,13 +3319,7 @@
       </p:sp>
       <p:sp>
         <p:nvSpPr>
-          <p:cNvPr id="5" name="מציין מיקום של כותרת תחתונה 4">
-            <a:extLst>
-              <a:ext uri="{FF2B5EF4-FFF2-40B4-BE49-F238E27FC236}">
-                <a16:creationId xmlns:a16="http://schemas.microsoft.com/office/drawing/2014/main" id="{EEFE3495-C8A7-2A37-1B69-78AA2CAD6B6F}"/>
-              </a:ext>
-            </a:extLst>
-          </p:cNvPr>
+          <p:cNvPr id="5" name="Footer Placeholder 4"/>
           <p:cNvSpPr>
             <a:spLocks noGrp="1"/>
           </p:cNvSpPr>
@@ -891,13 +3338,89 @@
       </p:sp>
       <p:sp>
         <p:nvSpPr>
-          <p:cNvPr id="6" name="מציין מיקום של מספר שקופית 5">
-            <a:extLst>
-              <a:ext uri="{FF2B5EF4-FFF2-40B4-BE49-F238E27FC236}">
-                <a16:creationId xmlns:a16="http://schemas.microsoft.com/office/drawing/2014/main" id="{C57A8E56-D01B-E55F-6985-38BA8E2C7CCA}"/>
-              </a:ext>
-            </a:extLst>
-          </p:cNvPr>
+          <p:cNvPr id="8" name="Freeform 11"/>
+          <p:cNvSpPr/>
+          <p:nvPr/>
+        </p:nvSpPr>
+        <p:spPr bwMode="auto">
+          <a:xfrm flipV="1">
+            <a:off x="-4189" y="714375"/>
+            <a:ext cx="1588527" cy="507297"/>
+          </a:xfrm>
+          <a:custGeom>
+            <a:avLst/>
+            <a:gdLst/>
+            <a:ahLst/>
+            <a:cxnLst/>
+            <a:rect l="l" t="t" r="r" b="b"/>
+            <a:pathLst>
+              <a:path w="9248" h="10000">
+                <a:moveTo>
+                  <a:pt x="9248" y="4701"/>
+                </a:moveTo>
+                <a:lnTo>
+                  <a:pt x="7915" y="188"/>
+                </a:lnTo>
+                <a:cubicBezTo>
+                  <a:pt x="7906" y="156"/>
+                  <a:pt x="7895" y="126"/>
+                  <a:pt x="7886" y="94"/>
+                </a:cubicBezTo>
+                <a:cubicBezTo>
+                  <a:pt x="7859" y="0"/>
+                  <a:pt x="7831" y="0"/>
+                  <a:pt x="7803" y="0"/>
+                </a:cubicBezTo>
+                <a:lnTo>
+                  <a:pt x="7275" y="0"/>
+                </a:lnTo>
+                <a:lnTo>
+                  <a:pt x="0" y="70"/>
+                </a:lnTo>
+                <a:cubicBezTo>
+                  <a:pt x="8" y="3380"/>
+                  <a:pt x="17" y="6690"/>
+                  <a:pt x="25" y="10000"/>
+                </a:cubicBezTo>
+                <a:lnTo>
+                  <a:pt x="7275" y="9966"/>
+                </a:lnTo>
+                <a:lnTo>
+                  <a:pt x="7803" y="9966"/>
+                </a:lnTo>
+                <a:cubicBezTo>
+                  <a:pt x="7831" y="9966"/>
+                  <a:pt x="7859" y="9872"/>
+                  <a:pt x="7886" y="9872"/>
+                </a:cubicBezTo>
+                <a:cubicBezTo>
+                  <a:pt x="7886" y="9778"/>
+                  <a:pt x="7915" y="9778"/>
+                  <a:pt x="7915" y="9778"/>
+                </a:cubicBezTo>
+                <a:lnTo>
+                  <a:pt x="9248" y="5265"/>
+                </a:lnTo>
+                <a:cubicBezTo>
+                  <a:pt x="9303" y="5077"/>
+                  <a:pt x="9303" y="4889"/>
+                  <a:pt x="9248" y="4701"/>
+                </a:cubicBezTo>
+                <a:close/>
+              </a:path>
+            </a:pathLst>
+          </a:custGeom>
+          <a:solidFill>
+            <a:schemeClr val="accent1"/>
+          </a:solidFill>
+          <a:ln>
+            <a:noFill/>
+          </a:ln>
+        </p:spPr>
+      </p:sp>
+      <p:sp>
+        <p:nvSpPr>
+          <p:cNvPr id="6" name="Slide Number Placeholder 5"/>
           <p:cNvSpPr>
             <a:spLocks noGrp="1"/>
           </p:cNvSpPr>
@@ -921,7 +3444,7 @@
     </p:spTree>
     <p:extLst>
       <p:ext uri="{BB962C8B-B14F-4D97-AF65-F5344CB8AC3E}">
-        <p14:creationId xmlns:p14="http://schemas.microsoft.com/office/powerpoint/2010/main" val="2453971943"/>
+        <p14:creationId xmlns:p14="http://schemas.microsoft.com/office/powerpoint/2010/main" val="3290246804"/>
       </p:ext>
     </p:extLst>
   </p:cSld>
@@ -950,13 +3473,7 @@
       </p:grpSpPr>
       <p:sp>
         <p:nvSpPr>
-          <p:cNvPr id="2" name="כותרת 1">
-            <a:extLst>
-              <a:ext uri="{FF2B5EF4-FFF2-40B4-BE49-F238E27FC236}">
-                <a16:creationId xmlns:a16="http://schemas.microsoft.com/office/drawing/2014/main" id="{4B49CF02-0001-56F8-D568-6D3F3746280A}"/>
-              </a:ext>
-            </a:extLst>
-          </p:cNvPr>
+          <p:cNvPr id="2" name="Title 1"/>
           <p:cNvSpPr>
             <a:spLocks noGrp="1"/>
           </p:cNvSpPr>
@@ -966,15 +3483,15 @@
         </p:nvSpPr>
         <p:spPr>
           <a:xfrm>
-            <a:off x="831850" y="1709738"/>
-            <a:ext cx="10515600" cy="2852737"/>
+            <a:off x="2589212" y="2058750"/>
+            <a:ext cx="8915399" cy="1468800"/>
           </a:xfrm>
         </p:spPr>
         <p:txBody>
           <a:bodyPr anchor="b"/>
           <a:lstStyle>
-            <a:lvl1pPr>
-              <a:defRPr sz="6000"/>
+            <a:lvl1pPr algn="l">
+              <a:defRPr sz="4000" b="0" cap="none"/>
             </a:lvl1pPr>
           </a:lstStyle>
           <a:p>
@@ -982,18 +3499,13 @@
               <a:rPr lang="he-IL"/>
               <a:t>לחץ כדי לערוך סגנון כותרת של תבנית בסיס</a:t>
             </a:r>
-          </a:p>
-        </p:txBody>
-      </p:sp>
-      <p:sp>
-        <p:nvSpPr>
-          <p:cNvPr id="3" name="מציין מיקום טקסט 2">
-            <a:extLst>
-              <a:ext uri="{FF2B5EF4-FFF2-40B4-BE49-F238E27FC236}">
-                <a16:creationId xmlns:a16="http://schemas.microsoft.com/office/drawing/2014/main" id="{851821A8-EB57-B57A-06DC-7A98C13FF394}"/>
-              </a:ext>
-            </a:extLst>
-          </p:cNvPr>
+            <a:endParaRPr lang="en-US" dirty="0"/>
+          </a:p>
+        </p:txBody>
+      </p:sp>
+      <p:sp>
+        <p:nvSpPr>
+          <p:cNvPr id="3" name="Text Placeholder 2"/>
           <p:cNvSpPr>
             <a:spLocks noGrp="1"/>
           </p:cNvSpPr>
@@ -1003,26 +3515,27 @@
         </p:nvSpPr>
         <p:spPr>
           <a:xfrm>
-            <a:off x="831850" y="4589463"/>
-            <a:ext cx="10515600" cy="1500187"/>
+            <a:off x="2589212" y="3530129"/>
+            <a:ext cx="8915399" cy="860400"/>
           </a:xfrm>
         </p:spPr>
         <p:txBody>
-          <a:bodyPr/>
+          <a:bodyPr anchor="t"/>
           <a:lstStyle>
-            <a:lvl1pPr marL="0" indent="0">
+            <a:lvl1pPr marL="0" indent="0" algn="l">
               <a:buNone/>
-              <a:defRPr sz="2400">
+              <a:defRPr sz="2000">
                 <a:solidFill>
                   <a:schemeClr val="tx1">
-                    <a:tint val="75000"/>
+                    <a:lumMod val="65000"/>
+                    <a:lumOff val="35000"/>
                   </a:schemeClr>
                 </a:solidFill>
               </a:defRPr>
             </a:lvl1pPr>
             <a:lvl2pPr marL="457200" indent="0">
               <a:buNone/>
-              <a:defRPr sz="2000">
+              <a:defRPr sz="1800">
                 <a:solidFill>
                   <a:schemeClr val="tx1">
                     <a:tint val="75000"/>
@@ -1032,7 +3545,7 @@
             </a:lvl2pPr>
             <a:lvl3pPr marL="914400" indent="0">
               <a:buNone/>
-              <a:defRPr sz="1800">
+              <a:defRPr sz="1600">
                 <a:solidFill>
                   <a:schemeClr val="tx1">
                     <a:tint val="75000"/>
@@ -1042,7 +3555,7 @@
             </a:lvl3pPr>
             <a:lvl4pPr marL="1371600" indent="0">
               <a:buNone/>
-              <a:defRPr sz="1600">
+              <a:defRPr sz="1400">
                 <a:solidFill>
                   <a:schemeClr val="tx1">
                     <a:tint val="75000"/>
@@ -1052,7 +3565,7 @@
             </a:lvl4pPr>
             <a:lvl5pPr marL="1828800" indent="0">
               <a:buNone/>
-              <a:defRPr sz="1600">
+              <a:defRPr sz="1400">
                 <a:solidFill>
                   <a:schemeClr val="tx1">
                     <a:tint val="75000"/>
@@ -1062,7 +3575,7 @@
             </a:lvl5pPr>
             <a:lvl6pPr marL="2286000" indent="0">
               <a:buNone/>
-              <a:defRPr sz="1600">
+              <a:defRPr sz="1400">
                 <a:solidFill>
                   <a:schemeClr val="tx1">
                     <a:tint val="75000"/>
@@ -1072,7 +3585,7 @@
             </a:lvl6pPr>
             <a:lvl7pPr marL="2743200" indent="0">
               <a:buNone/>
-              <a:defRPr sz="1600">
+              <a:defRPr sz="1400">
                 <a:solidFill>
                   <a:schemeClr val="tx1">
                     <a:tint val="75000"/>
@@ -1082,7 +3595,7 @@
             </a:lvl7pPr>
             <a:lvl8pPr marL="3200400" indent="0">
               <a:buNone/>
-              <a:defRPr sz="1600">
+              <a:defRPr sz="1400">
                 <a:solidFill>
                   <a:schemeClr val="tx1">
                     <a:tint val="75000"/>
@@ -1092,7 +3605,7 @@
             </a:lvl8pPr>
             <a:lvl9pPr marL="3657600" indent="0">
               <a:buNone/>
-              <a:defRPr sz="1600">
+              <a:defRPr sz="1400">
                 <a:solidFill>
                   <a:schemeClr val="tx1">
                     <a:tint val="75000"/>
@@ -1112,13 +3625,7 @@
       </p:sp>
       <p:sp>
         <p:nvSpPr>
-          <p:cNvPr id="4" name="מציין מיקום של תאריך 3">
-            <a:extLst>
-              <a:ext uri="{FF2B5EF4-FFF2-40B4-BE49-F238E27FC236}">
-                <a16:creationId xmlns:a16="http://schemas.microsoft.com/office/drawing/2014/main" id="{DCEE1B1B-D250-B3BF-4887-EA9CB378A28A}"/>
-              </a:ext>
-            </a:extLst>
-          </p:cNvPr>
+          <p:cNvPr id="4" name="Date Placeholder 3"/>
           <p:cNvSpPr>
             <a:spLocks noGrp="1"/>
           </p:cNvSpPr>
@@ -1133,7 +3640,7 @@
           <a:p>
             <a:fld id="{A0D2388C-ECDA-4972-A72B-60BD93EA7385}" type="datetimeFigureOut">
               <a:rPr lang="he-IL" smtClean="0"/>
-              <a:t>כ"ב/טבת/תשפ"ה</a:t>
+              <a:t>כ"ג/טבת/תשפ"ה</a:t>
             </a:fld>
             <a:endParaRPr lang="he-IL"/>
           </a:p>
@@ -1141,13 +3648,7 @@
       </p:sp>
       <p:sp>
         <p:nvSpPr>
-          <p:cNvPr id="5" name="מציין מיקום של כותרת תחתונה 4">
-            <a:extLst>
-              <a:ext uri="{FF2B5EF4-FFF2-40B4-BE49-F238E27FC236}">
-                <a16:creationId xmlns:a16="http://schemas.microsoft.com/office/drawing/2014/main" id="{A1C7DA00-30FE-4762-A088-981C6192CE55}"/>
-              </a:ext>
-            </a:extLst>
-          </p:cNvPr>
+          <p:cNvPr id="5" name="Footer Placeholder 4"/>
           <p:cNvSpPr>
             <a:spLocks noGrp="1"/>
           </p:cNvSpPr>
@@ -1166,13 +3667,89 @@
       </p:sp>
       <p:sp>
         <p:nvSpPr>
-          <p:cNvPr id="6" name="מציין מיקום של מספר שקופית 5">
-            <a:extLst>
-              <a:ext uri="{FF2B5EF4-FFF2-40B4-BE49-F238E27FC236}">
-                <a16:creationId xmlns:a16="http://schemas.microsoft.com/office/drawing/2014/main" id="{32B6E1A9-A0C2-911A-0973-D761633FC4BE}"/>
-              </a:ext>
-            </a:extLst>
-          </p:cNvPr>
+          <p:cNvPr id="9" name="Freeform 11"/>
+          <p:cNvSpPr/>
+          <p:nvPr/>
+        </p:nvSpPr>
+        <p:spPr bwMode="auto">
+          <a:xfrm flipV="1">
+            <a:off x="-4189" y="3178175"/>
+            <a:ext cx="1588527" cy="507297"/>
+          </a:xfrm>
+          <a:custGeom>
+            <a:avLst/>
+            <a:gdLst/>
+            <a:ahLst/>
+            <a:cxnLst/>
+            <a:rect l="l" t="t" r="r" b="b"/>
+            <a:pathLst>
+              <a:path w="9248" h="10000">
+                <a:moveTo>
+                  <a:pt x="9248" y="4701"/>
+                </a:moveTo>
+                <a:lnTo>
+                  <a:pt x="7915" y="188"/>
+                </a:lnTo>
+                <a:cubicBezTo>
+                  <a:pt x="7906" y="156"/>
+                  <a:pt x="7895" y="126"/>
+                  <a:pt x="7886" y="94"/>
+                </a:cubicBezTo>
+                <a:cubicBezTo>
+                  <a:pt x="7859" y="0"/>
+                  <a:pt x="7831" y="0"/>
+                  <a:pt x="7803" y="0"/>
+                </a:cubicBezTo>
+                <a:lnTo>
+                  <a:pt x="7275" y="0"/>
+                </a:lnTo>
+                <a:lnTo>
+                  <a:pt x="0" y="70"/>
+                </a:lnTo>
+                <a:cubicBezTo>
+                  <a:pt x="8" y="3380"/>
+                  <a:pt x="17" y="6690"/>
+                  <a:pt x="25" y="10000"/>
+                </a:cubicBezTo>
+                <a:lnTo>
+                  <a:pt x="7275" y="9966"/>
+                </a:lnTo>
+                <a:lnTo>
+                  <a:pt x="7803" y="9966"/>
+                </a:lnTo>
+                <a:cubicBezTo>
+                  <a:pt x="7831" y="9966"/>
+                  <a:pt x="7859" y="9872"/>
+                  <a:pt x="7886" y="9872"/>
+                </a:cubicBezTo>
+                <a:cubicBezTo>
+                  <a:pt x="7886" y="9778"/>
+                  <a:pt x="7915" y="9778"/>
+                  <a:pt x="7915" y="9778"/>
+                </a:cubicBezTo>
+                <a:lnTo>
+                  <a:pt x="9248" y="5265"/>
+                </a:lnTo>
+                <a:cubicBezTo>
+                  <a:pt x="9303" y="5077"/>
+                  <a:pt x="9303" y="4889"/>
+                  <a:pt x="9248" y="4701"/>
+                </a:cubicBezTo>
+                <a:close/>
+              </a:path>
+            </a:pathLst>
+          </a:custGeom>
+          <a:solidFill>
+            <a:schemeClr val="accent1"/>
+          </a:solidFill>
+          <a:ln>
+            <a:noFill/>
+          </a:ln>
+        </p:spPr>
+      </p:sp>
+      <p:sp>
+        <p:nvSpPr>
+          <p:cNvPr id="6" name="Slide Number Placeholder 5"/>
           <p:cNvSpPr>
             <a:spLocks noGrp="1"/>
           </p:cNvSpPr>
@@ -1180,7 +3757,12 @@
             <p:ph type="sldNum" sz="quarter" idx="12"/>
           </p:nvPr>
         </p:nvSpPr>
-        <p:spPr/>
+        <p:spPr>
+          <a:xfrm>
+            <a:off x="531812" y="3244139"/>
+            <a:ext cx="779767" cy="365125"/>
+          </a:xfrm>
+        </p:spPr>
         <p:txBody>
           <a:bodyPr/>
           <a:lstStyle/>
@@ -1196,7 +3778,7 @@
     </p:spTree>
     <p:extLst>
       <p:ext uri="{BB962C8B-B14F-4D97-AF65-F5344CB8AC3E}">
-        <p14:creationId xmlns:p14="http://schemas.microsoft.com/office/powerpoint/2010/main" val="3035234411"/>
+        <p14:creationId xmlns:p14="http://schemas.microsoft.com/office/powerpoint/2010/main" val="3672687765"/>
       </p:ext>
     </p:extLst>
   </p:cSld>
@@ -1225,13 +3807,7 @@
       </p:grpSpPr>
       <p:sp>
         <p:nvSpPr>
-          <p:cNvPr id="2" name="כותרת 1">
-            <a:extLst>
-              <a:ext uri="{FF2B5EF4-FFF2-40B4-BE49-F238E27FC236}">
-                <a16:creationId xmlns:a16="http://schemas.microsoft.com/office/drawing/2014/main" id="{5B7CA825-E0CB-A026-A18A-4A72F3065D16}"/>
-              </a:ext>
-            </a:extLst>
-          </p:cNvPr>
+          <p:cNvPr id="8" name="Title 7"/>
           <p:cNvSpPr>
             <a:spLocks noGrp="1"/>
           </p:cNvSpPr>
@@ -1248,18 +3824,13 @@
               <a:rPr lang="he-IL"/>
               <a:t>לחץ כדי לערוך סגנון כותרת של תבנית בסיס</a:t>
             </a:r>
-          </a:p>
-        </p:txBody>
-      </p:sp>
-      <p:sp>
-        <p:nvSpPr>
-          <p:cNvPr id="3" name="מציין מיקום תוכן 2">
-            <a:extLst>
-              <a:ext uri="{FF2B5EF4-FFF2-40B4-BE49-F238E27FC236}">
-                <a16:creationId xmlns:a16="http://schemas.microsoft.com/office/drawing/2014/main" id="{F1730D6A-42AE-9A2E-E9FB-56E58C3860EE}"/>
-              </a:ext>
-            </a:extLst>
-          </p:cNvPr>
+            <a:endParaRPr lang="en-US" dirty="0"/>
+          </a:p>
+        </p:txBody>
+      </p:sp>
+      <p:sp>
+        <p:nvSpPr>
+          <p:cNvPr id="3" name="Content Placeholder 2"/>
           <p:cNvSpPr>
             <a:spLocks noGrp="1"/>
           </p:cNvSpPr>
@@ -1269,183 +3840,252 @@
         </p:nvSpPr>
         <p:spPr>
           <a:xfrm>
-            <a:off x="838200" y="1825625"/>
-            <a:ext cx="5181600" cy="4351338"/>
+            <a:off x="2589212" y="2133600"/>
+            <a:ext cx="4313864" cy="3777622"/>
           </a:xfrm>
         </p:spPr>
         <p:txBody>
+          <a:bodyPr>
+            <a:normAutofit/>
+          </a:bodyPr>
+          <a:lstStyle/>
+          <a:p>
+            <a:pPr lvl="0"/>
+            <a:r>
+              <a:rPr lang="he-IL"/>
+              <a:t>לחץ כדי לערוך סגנונות טקסט של תבנית בסיס</a:t>
+            </a:r>
+          </a:p>
+          <a:p>
+            <a:pPr lvl="1"/>
+            <a:r>
+              <a:rPr lang="he-IL"/>
+              <a:t>רמה שנייה</a:t>
+            </a:r>
+          </a:p>
+          <a:p>
+            <a:pPr lvl="2"/>
+            <a:r>
+              <a:rPr lang="he-IL"/>
+              <a:t>רמה שלישית</a:t>
+            </a:r>
+          </a:p>
+          <a:p>
+            <a:pPr lvl="3"/>
+            <a:r>
+              <a:rPr lang="he-IL"/>
+              <a:t>רמה רביעית</a:t>
+            </a:r>
+          </a:p>
+          <a:p>
+            <a:pPr lvl="4"/>
+            <a:r>
+              <a:rPr lang="he-IL"/>
+              <a:t>רמה חמישית</a:t>
+            </a:r>
+            <a:endParaRPr lang="en-US" dirty="0"/>
+          </a:p>
+        </p:txBody>
+      </p:sp>
+      <p:sp>
+        <p:nvSpPr>
+          <p:cNvPr id="4" name="Content Placeholder 3"/>
+          <p:cNvSpPr>
+            <a:spLocks noGrp="1"/>
+          </p:cNvSpPr>
+          <p:nvPr>
+            <p:ph sz="half" idx="2"/>
+          </p:nvPr>
+        </p:nvSpPr>
+        <p:spPr>
+          <a:xfrm>
+            <a:off x="7190747" y="2126222"/>
+            <a:ext cx="4313864" cy="3777622"/>
+          </a:xfrm>
+        </p:spPr>
+        <p:txBody>
+          <a:bodyPr>
+            <a:normAutofit/>
+          </a:bodyPr>
+          <a:lstStyle/>
+          <a:p>
+            <a:pPr lvl="0"/>
+            <a:r>
+              <a:rPr lang="he-IL"/>
+              <a:t>לחץ כדי לערוך סגנונות טקסט של תבנית בסיס</a:t>
+            </a:r>
+          </a:p>
+          <a:p>
+            <a:pPr lvl="1"/>
+            <a:r>
+              <a:rPr lang="he-IL"/>
+              <a:t>רמה שנייה</a:t>
+            </a:r>
+          </a:p>
+          <a:p>
+            <a:pPr lvl="2"/>
+            <a:r>
+              <a:rPr lang="he-IL"/>
+              <a:t>רמה שלישית</a:t>
+            </a:r>
+          </a:p>
+          <a:p>
+            <a:pPr lvl="3"/>
+            <a:r>
+              <a:rPr lang="he-IL"/>
+              <a:t>רמה רביעית</a:t>
+            </a:r>
+          </a:p>
+          <a:p>
+            <a:pPr lvl="4"/>
+            <a:r>
+              <a:rPr lang="he-IL"/>
+              <a:t>רמה חמישית</a:t>
+            </a:r>
+            <a:endParaRPr lang="en-US" dirty="0"/>
+          </a:p>
+        </p:txBody>
+      </p:sp>
+      <p:sp>
+        <p:nvSpPr>
+          <p:cNvPr id="5" name="Date Placeholder 4"/>
+          <p:cNvSpPr>
+            <a:spLocks noGrp="1"/>
+          </p:cNvSpPr>
+          <p:nvPr>
+            <p:ph type="dt" sz="half" idx="10"/>
+          </p:nvPr>
+        </p:nvSpPr>
+        <p:spPr/>
+        <p:txBody>
           <a:bodyPr/>
           <a:lstStyle/>
           <a:p>
-            <a:pPr lvl="0"/>
-            <a:r>
-              <a:rPr lang="he-IL"/>
-              <a:t>לחץ כדי לערוך סגנונות טקסט של תבנית בסיס</a:t>
-            </a:r>
-          </a:p>
-          <a:p>
-            <a:pPr lvl="1"/>
-            <a:r>
-              <a:rPr lang="he-IL"/>
-              <a:t>רמה שנייה</a:t>
-            </a:r>
-          </a:p>
-          <a:p>
-            <a:pPr lvl="2"/>
-            <a:r>
-              <a:rPr lang="he-IL"/>
-              <a:t>רמה שלישית</a:t>
-            </a:r>
-          </a:p>
-          <a:p>
-            <a:pPr lvl="3"/>
-            <a:r>
-              <a:rPr lang="he-IL"/>
-              <a:t>רמה רביעית</a:t>
-            </a:r>
-          </a:p>
-          <a:p>
-            <a:pPr lvl="4"/>
-            <a:r>
-              <a:rPr lang="he-IL"/>
-              <a:t>רמה חמישית</a:t>
-            </a:r>
-          </a:p>
-        </p:txBody>
-      </p:sp>
-      <p:sp>
-        <p:nvSpPr>
-          <p:cNvPr id="4" name="מציין מיקום תוכן 3">
-            <a:extLst>
-              <a:ext uri="{FF2B5EF4-FFF2-40B4-BE49-F238E27FC236}">
-                <a16:creationId xmlns:a16="http://schemas.microsoft.com/office/drawing/2014/main" id="{3007B93D-83DC-289E-F479-F7AC66A79E31}"/>
-              </a:ext>
-            </a:extLst>
-          </p:cNvPr>
+            <a:fld id="{A0D2388C-ECDA-4972-A72B-60BD93EA7385}" type="datetimeFigureOut">
+              <a:rPr lang="he-IL" smtClean="0"/>
+              <a:t>כ"ג/טבת/תשפ"ה</a:t>
+            </a:fld>
+            <a:endParaRPr lang="he-IL"/>
+          </a:p>
+        </p:txBody>
+      </p:sp>
+      <p:sp>
+        <p:nvSpPr>
+          <p:cNvPr id="6" name="Footer Placeholder 5"/>
           <p:cNvSpPr>
             <a:spLocks noGrp="1"/>
           </p:cNvSpPr>
           <p:nvPr>
-            <p:ph sz="half" idx="2"/>
+            <p:ph type="ftr" sz="quarter" idx="11"/>
+          </p:nvPr>
+        </p:nvSpPr>
+        <p:spPr/>
+        <p:txBody>
+          <a:bodyPr/>
+          <a:lstStyle/>
+          <a:p>
+            <a:endParaRPr lang="he-IL"/>
+          </a:p>
+        </p:txBody>
+      </p:sp>
+      <p:sp>
+        <p:nvSpPr>
+          <p:cNvPr id="10" name="Freeform 11"/>
+          <p:cNvSpPr/>
+          <p:nvPr/>
+        </p:nvSpPr>
+        <p:spPr bwMode="auto">
+          <a:xfrm flipV="1">
+            <a:off x="-4189" y="714375"/>
+            <a:ext cx="1588527" cy="507297"/>
+          </a:xfrm>
+          <a:custGeom>
+            <a:avLst/>
+            <a:gdLst/>
+            <a:ahLst/>
+            <a:cxnLst/>
+            <a:rect l="l" t="t" r="r" b="b"/>
+            <a:pathLst>
+              <a:path w="9248" h="10000">
+                <a:moveTo>
+                  <a:pt x="9248" y="4701"/>
+                </a:moveTo>
+                <a:lnTo>
+                  <a:pt x="7915" y="188"/>
+                </a:lnTo>
+                <a:cubicBezTo>
+                  <a:pt x="7906" y="156"/>
+                  <a:pt x="7895" y="126"/>
+                  <a:pt x="7886" y="94"/>
+                </a:cubicBezTo>
+                <a:cubicBezTo>
+                  <a:pt x="7859" y="0"/>
+                  <a:pt x="7831" y="0"/>
+                  <a:pt x="7803" y="0"/>
+                </a:cubicBezTo>
+                <a:lnTo>
+                  <a:pt x="7275" y="0"/>
+                </a:lnTo>
+                <a:lnTo>
+                  <a:pt x="0" y="70"/>
+                </a:lnTo>
+                <a:cubicBezTo>
+                  <a:pt x="8" y="3380"/>
+                  <a:pt x="17" y="6690"/>
+                  <a:pt x="25" y="10000"/>
+                </a:cubicBezTo>
+                <a:lnTo>
+                  <a:pt x="7275" y="9966"/>
+                </a:lnTo>
+                <a:lnTo>
+                  <a:pt x="7803" y="9966"/>
+                </a:lnTo>
+                <a:cubicBezTo>
+                  <a:pt x="7831" y="9966"/>
+                  <a:pt x="7859" y="9872"/>
+                  <a:pt x="7886" y="9872"/>
+                </a:cubicBezTo>
+                <a:cubicBezTo>
+                  <a:pt x="7886" y="9778"/>
+                  <a:pt x="7915" y="9778"/>
+                  <a:pt x="7915" y="9778"/>
+                </a:cubicBezTo>
+                <a:lnTo>
+                  <a:pt x="9248" y="5265"/>
+                </a:lnTo>
+                <a:cubicBezTo>
+                  <a:pt x="9303" y="5077"/>
+                  <a:pt x="9303" y="4889"/>
+                  <a:pt x="9248" y="4701"/>
+                </a:cubicBezTo>
+                <a:close/>
+              </a:path>
+            </a:pathLst>
+          </a:custGeom>
+          <a:solidFill>
+            <a:schemeClr val="accent1"/>
+          </a:solidFill>
+          <a:ln>
+            <a:noFill/>
+          </a:ln>
+        </p:spPr>
+      </p:sp>
+      <p:sp>
+        <p:nvSpPr>
+          <p:cNvPr id="11" name="Slide Number Placeholder 5"/>
+          <p:cNvSpPr>
+            <a:spLocks noGrp="1"/>
+          </p:cNvSpPr>
+          <p:nvPr>
+            <p:ph type="sldNum" sz="quarter" idx="12"/>
           </p:nvPr>
         </p:nvSpPr>
         <p:spPr>
           <a:xfrm>
-            <a:off x="6172200" y="1825625"/>
-            <a:ext cx="5181600" cy="4351338"/>
+            <a:off x="531812" y="787782"/>
+            <a:ext cx="779767" cy="365125"/>
           </a:xfrm>
         </p:spPr>
-        <p:txBody>
-          <a:bodyPr/>
-          <a:lstStyle/>
-          <a:p>
-            <a:pPr lvl="0"/>
-            <a:r>
-              <a:rPr lang="he-IL"/>
-              <a:t>לחץ כדי לערוך סגנונות טקסט של תבנית בסיס</a:t>
-            </a:r>
-          </a:p>
-          <a:p>
-            <a:pPr lvl="1"/>
-            <a:r>
-              <a:rPr lang="he-IL"/>
-              <a:t>רמה שנייה</a:t>
-            </a:r>
-          </a:p>
-          <a:p>
-            <a:pPr lvl="2"/>
-            <a:r>
-              <a:rPr lang="he-IL"/>
-              <a:t>רמה שלישית</a:t>
-            </a:r>
-          </a:p>
-          <a:p>
-            <a:pPr lvl="3"/>
-            <a:r>
-              <a:rPr lang="he-IL"/>
-              <a:t>רמה רביעית</a:t>
-            </a:r>
-          </a:p>
-          <a:p>
-            <a:pPr lvl="4"/>
-            <a:r>
-              <a:rPr lang="he-IL"/>
-              <a:t>רמה חמישית</a:t>
-            </a:r>
-          </a:p>
-        </p:txBody>
-      </p:sp>
-      <p:sp>
-        <p:nvSpPr>
-          <p:cNvPr id="5" name="מציין מיקום של תאריך 4">
-            <a:extLst>
-              <a:ext uri="{FF2B5EF4-FFF2-40B4-BE49-F238E27FC236}">
-                <a16:creationId xmlns:a16="http://schemas.microsoft.com/office/drawing/2014/main" id="{AEF329AA-1DF6-3D84-E76E-3B2C18769CAA}"/>
-              </a:ext>
-            </a:extLst>
-          </p:cNvPr>
-          <p:cNvSpPr>
-            <a:spLocks noGrp="1"/>
-          </p:cNvSpPr>
-          <p:nvPr>
-            <p:ph type="dt" sz="half" idx="10"/>
-          </p:nvPr>
-        </p:nvSpPr>
-        <p:spPr/>
-        <p:txBody>
-          <a:bodyPr/>
-          <a:lstStyle/>
-          <a:p>
-            <a:fld id="{A0D2388C-ECDA-4972-A72B-60BD93EA7385}" type="datetimeFigureOut">
-              <a:rPr lang="he-IL" smtClean="0"/>
-              <a:t>כ"ב/טבת/תשפ"ה</a:t>
-            </a:fld>
-            <a:endParaRPr lang="he-IL"/>
-          </a:p>
-        </p:txBody>
-      </p:sp>
-      <p:sp>
-        <p:nvSpPr>
-          <p:cNvPr id="6" name="מציין מיקום של כותרת תחתונה 5">
-            <a:extLst>
-              <a:ext uri="{FF2B5EF4-FFF2-40B4-BE49-F238E27FC236}">
-                <a16:creationId xmlns:a16="http://schemas.microsoft.com/office/drawing/2014/main" id="{3AD82BF5-42EA-9A82-5D35-3AEEE0D7A00F}"/>
-              </a:ext>
-            </a:extLst>
-          </p:cNvPr>
-          <p:cNvSpPr>
-            <a:spLocks noGrp="1"/>
-          </p:cNvSpPr>
-          <p:nvPr>
-            <p:ph type="ftr" sz="quarter" idx="11"/>
-          </p:nvPr>
-        </p:nvSpPr>
-        <p:spPr/>
-        <p:txBody>
-          <a:bodyPr/>
-          <a:lstStyle/>
-          <a:p>
-            <a:endParaRPr lang="he-IL"/>
-          </a:p>
-        </p:txBody>
-      </p:sp>
-      <p:sp>
-        <p:nvSpPr>
-          <p:cNvPr id="7" name="מציין מיקום של מספר שקופית 6">
-            <a:extLst>
-              <a:ext uri="{FF2B5EF4-FFF2-40B4-BE49-F238E27FC236}">
-                <a16:creationId xmlns:a16="http://schemas.microsoft.com/office/drawing/2014/main" id="{4E4ACDB4-5EDB-4936-41FF-358F533F68E3}"/>
-              </a:ext>
-            </a:extLst>
-          </p:cNvPr>
-          <p:cNvSpPr>
-            <a:spLocks noGrp="1"/>
-          </p:cNvSpPr>
-          <p:nvPr>
-            <p:ph type="sldNum" sz="quarter" idx="12"/>
-          </p:nvPr>
-        </p:nvSpPr>
-        <p:spPr/>
         <p:txBody>
           <a:bodyPr/>
           <a:lstStyle/>
@@ -1461,7 +4101,7 @@
     </p:spTree>
     <p:extLst>
       <p:ext uri="{BB962C8B-B14F-4D97-AF65-F5344CB8AC3E}">
-        <p14:creationId xmlns:p14="http://schemas.microsoft.com/office/powerpoint/2010/main" val="337712577"/>
+        <p14:creationId xmlns:p14="http://schemas.microsoft.com/office/powerpoint/2010/main" val="2099295919"/>
       </p:ext>
     </p:extLst>
   </p:cSld>
@@ -1490,65 +4130,51 @@
       </p:grpSpPr>
       <p:sp>
         <p:nvSpPr>
-          <p:cNvPr id="2" name="כותרת 1">
-            <a:extLst>
-              <a:ext uri="{FF2B5EF4-FFF2-40B4-BE49-F238E27FC236}">
-                <a16:creationId xmlns:a16="http://schemas.microsoft.com/office/drawing/2014/main" id="{21E08D13-E729-92E1-407C-68288311392E}"/>
-              </a:ext>
-            </a:extLst>
-          </p:cNvPr>
+          <p:cNvPr id="10" name="Title 9"/>
           <p:cNvSpPr>
             <a:spLocks noGrp="1"/>
           </p:cNvSpPr>
           <p:nvPr>
             <p:ph type="title"/>
+          </p:nvPr>
+        </p:nvSpPr>
+        <p:spPr/>
+        <p:txBody>
+          <a:bodyPr/>
+          <a:lstStyle/>
+          <a:p>
+            <a:r>
+              <a:rPr lang="he-IL"/>
+              <a:t>לחץ כדי לערוך סגנון כותרת של תבנית בסיס</a:t>
+            </a:r>
+            <a:endParaRPr lang="en-US" dirty="0"/>
+          </a:p>
+        </p:txBody>
+      </p:sp>
+      <p:sp>
+        <p:nvSpPr>
+          <p:cNvPr id="3" name="Text Placeholder 2"/>
+          <p:cNvSpPr>
+            <a:spLocks noGrp="1"/>
+          </p:cNvSpPr>
+          <p:nvPr>
+            <p:ph type="body" idx="1"/>
           </p:nvPr>
         </p:nvSpPr>
         <p:spPr>
           <a:xfrm>
-            <a:off x="839788" y="365125"/>
-            <a:ext cx="10515600" cy="1325563"/>
+            <a:off x="2939373" y="1972703"/>
+            <a:ext cx="3992732" cy="576262"/>
           </a:xfrm>
         </p:spPr>
         <p:txBody>
-          <a:bodyPr/>
-          <a:lstStyle/>
-          <a:p>
-            <a:r>
-              <a:rPr lang="he-IL"/>
-              <a:t>לחץ כדי לערוך סגנון כותרת של תבנית בסיס</a:t>
-            </a:r>
-          </a:p>
-        </p:txBody>
-      </p:sp>
-      <p:sp>
-        <p:nvSpPr>
-          <p:cNvPr id="3" name="מציין מיקום טקסט 2">
-            <a:extLst>
-              <a:ext uri="{FF2B5EF4-FFF2-40B4-BE49-F238E27FC236}">
-                <a16:creationId xmlns:a16="http://schemas.microsoft.com/office/drawing/2014/main" id="{7E0429F5-B1F2-DEF8-A942-F8BFDE1FC998}"/>
-              </a:ext>
-            </a:extLst>
-          </p:cNvPr>
-          <p:cNvSpPr>
-            <a:spLocks noGrp="1"/>
-          </p:cNvSpPr>
-          <p:nvPr>
-            <p:ph type="body" idx="1"/>
-          </p:nvPr>
-        </p:nvSpPr>
-        <p:spPr>
-          <a:xfrm>
-            <a:off x="839788" y="1681163"/>
-            <a:ext cx="5157787" cy="823912"/>
-          </a:xfrm>
-        </p:spPr>
-        <p:txBody>
-          <a:bodyPr anchor="b"/>
+          <a:bodyPr anchor="b">
+            <a:noAutofit/>
+          </a:bodyPr>
           <a:lstStyle>
             <a:lvl1pPr marL="0" indent="0">
               <a:buNone/>
-              <a:defRPr sz="2400" b="1"/>
+              <a:defRPr sz="2400" b="0"/>
             </a:lvl1pPr>
             <a:lvl2pPr marL="457200" indent="0">
               <a:buNone/>
@@ -1594,13 +4220,7 @@
       </p:sp>
       <p:sp>
         <p:nvSpPr>
-          <p:cNvPr id="4" name="מציין מיקום תוכן 3">
-            <a:extLst>
-              <a:ext uri="{FF2B5EF4-FFF2-40B4-BE49-F238E27FC236}">
-                <a16:creationId xmlns:a16="http://schemas.microsoft.com/office/drawing/2014/main" id="{FE48ECED-1C32-A7E6-6115-BCEF70994C05}"/>
-              </a:ext>
-            </a:extLst>
-          </p:cNvPr>
+          <p:cNvPr id="4" name="Content Placeholder 3"/>
           <p:cNvSpPr>
             <a:spLocks noGrp="1"/>
           </p:cNvSpPr>
@@ -1610,12 +4230,14 @@
         </p:nvSpPr>
         <p:spPr>
           <a:xfrm>
-            <a:off x="839788" y="2505075"/>
-            <a:ext cx="5157787" cy="3684588"/>
+            <a:off x="2589212" y="2548966"/>
+            <a:ext cx="4342893" cy="3354060"/>
           </a:xfrm>
         </p:spPr>
         <p:txBody>
-          <a:bodyPr/>
+          <a:bodyPr>
+            <a:normAutofit/>
+          </a:bodyPr>
           <a:lstStyle/>
           <a:p>
             <a:pPr lvl="0"/>
@@ -1651,18 +4273,13 @@
               <a:rPr lang="he-IL"/>
               <a:t>רמה חמישית</a:t>
             </a:r>
-          </a:p>
-        </p:txBody>
-      </p:sp>
-      <p:sp>
-        <p:nvSpPr>
-          <p:cNvPr id="5" name="מציין מיקום טקסט 4">
-            <a:extLst>
-              <a:ext uri="{FF2B5EF4-FFF2-40B4-BE49-F238E27FC236}">
-                <a16:creationId xmlns:a16="http://schemas.microsoft.com/office/drawing/2014/main" id="{A1865C14-51CD-16C2-361D-1EE38FFA79D2}"/>
-              </a:ext>
-            </a:extLst>
-          </p:cNvPr>
+            <a:endParaRPr lang="en-US" dirty="0"/>
+          </a:p>
+        </p:txBody>
+      </p:sp>
+      <p:sp>
+        <p:nvSpPr>
+          <p:cNvPr id="5" name="Text Placeholder 4"/>
           <p:cNvSpPr>
             <a:spLocks noGrp="1"/>
           </p:cNvSpPr>
@@ -1672,16 +4289,18 @@
         </p:nvSpPr>
         <p:spPr>
           <a:xfrm>
-            <a:off x="6172200" y="1681163"/>
-            <a:ext cx="5183188" cy="823912"/>
+            <a:off x="7506629" y="1969475"/>
+            <a:ext cx="3999001" cy="576262"/>
           </a:xfrm>
         </p:spPr>
         <p:txBody>
-          <a:bodyPr anchor="b"/>
+          <a:bodyPr anchor="b">
+            <a:noAutofit/>
+          </a:bodyPr>
           <a:lstStyle>
             <a:lvl1pPr marL="0" indent="0">
               <a:buNone/>
-              <a:defRPr sz="2400" b="1"/>
+              <a:defRPr sz="2400" b="0"/>
             </a:lvl1pPr>
             <a:lvl2pPr marL="457200" indent="0">
               <a:buNone/>
@@ -1727,13 +4346,7 @@
       </p:sp>
       <p:sp>
         <p:nvSpPr>
-          <p:cNvPr id="6" name="מציין מיקום תוכן 5">
-            <a:extLst>
-              <a:ext uri="{FF2B5EF4-FFF2-40B4-BE49-F238E27FC236}">
-                <a16:creationId xmlns:a16="http://schemas.microsoft.com/office/drawing/2014/main" id="{6762A8DF-3B3C-A2B3-E7D5-FFFD30C4559E}"/>
-              </a:ext>
-            </a:extLst>
-          </p:cNvPr>
+          <p:cNvPr id="6" name="Content Placeholder 5"/>
           <p:cNvSpPr>
             <a:spLocks noGrp="1"/>
           </p:cNvSpPr>
@@ -1743,64 +4356,84 @@
         </p:nvSpPr>
         <p:spPr>
           <a:xfrm>
-            <a:off x="6172200" y="2505075"/>
-            <a:ext cx="5183188" cy="3684588"/>
+            <a:off x="7166957" y="2545738"/>
+            <a:ext cx="4338674" cy="3354060"/>
           </a:xfrm>
         </p:spPr>
         <p:txBody>
+          <a:bodyPr>
+            <a:normAutofit/>
+          </a:bodyPr>
+          <a:lstStyle/>
+          <a:p>
+            <a:pPr lvl="0"/>
+            <a:r>
+              <a:rPr lang="he-IL"/>
+              <a:t>לחץ כדי לערוך סגנונות טקסט של תבנית בסיס</a:t>
+            </a:r>
+          </a:p>
+          <a:p>
+            <a:pPr lvl="1"/>
+            <a:r>
+              <a:rPr lang="he-IL"/>
+              <a:t>רמה שנייה</a:t>
+            </a:r>
+          </a:p>
+          <a:p>
+            <a:pPr lvl="2"/>
+            <a:r>
+              <a:rPr lang="he-IL"/>
+              <a:t>רמה שלישית</a:t>
+            </a:r>
+          </a:p>
+          <a:p>
+            <a:pPr lvl="3"/>
+            <a:r>
+              <a:rPr lang="he-IL"/>
+              <a:t>רמה רביעית</a:t>
+            </a:r>
+          </a:p>
+          <a:p>
+            <a:pPr lvl="4"/>
+            <a:r>
+              <a:rPr lang="he-IL"/>
+              <a:t>רמה חמישית</a:t>
+            </a:r>
+            <a:endParaRPr lang="en-US" dirty="0"/>
+          </a:p>
+        </p:txBody>
+      </p:sp>
+      <p:sp>
+        <p:nvSpPr>
+          <p:cNvPr id="7" name="Date Placeholder 6"/>
+          <p:cNvSpPr>
+            <a:spLocks noGrp="1"/>
+          </p:cNvSpPr>
+          <p:nvPr>
+            <p:ph type="dt" sz="half" idx="10"/>
+          </p:nvPr>
+        </p:nvSpPr>
+        <p:spPr/>
+        <p:txBody>
           <a:bodyPr/>
           <a:lstStyle/>
           <a:p>
-            <a:pPr lvl="0"/>
-            <a:r>
-              <a:rPr lang="he-IL"/>
-              <a:t>לחץ כדי לערוך סגנונות טקסט של תבנית בסיס</a:t>
-            </a:r>
-          </a:p>
-          <a:p>
-            <a:pPr lvl="1"/>
-            <a:r>
-              <a:rPr lang="he-IL"/>
-              <a:t>רמה שנייה</a:t>
-            </a:r>
-          </a:p>
-          <a:p>
-            <a:pPr lvl="2"/>
-            <a:r>
-              <a:rPr lang="he-IL"/>
-              <a:t>רמה שלישית</a:t>
-            </a:r>
-          </a:p>
-          <a:p>
-            <a:pPr lvl="3"/>
-            <a:r>
-              <a:rPr lang="he-IL"/>
-              <a:t>רמה רביעית</a:t>
-            </a:r>
-          </a:p>
-          <a:p>
-            <a:pPr lvl="4"/>
-            <a:r>
-              <a:rPr lang="he-IL"/>
-              <a:t>רמה חמישית</a:t>
-            </a:r>
-          </a:p>
-        </p:txBody>
-      </p:sp>
-      <p:sp>
-        <p:nvSpPr>
-          <p:cNvPr id="7" name="מציין מיקום של תאריך 6">
-            <a:extLst>
-              <a:ext uri="{FF2B5EF4-FFF2-40B4-BE49-F238E27FC236}">
-                <a16:creationId xmlns:a16="http://schemas.microsoft.com/office/drawing/2014/main" id="{BC37C4B4-6FE5-D221-CC85-71C721DD7F96}"/>
-              </a:ext>
-            </a:extLst>
-          </p:cNvPr>
+            <a:fld id="{A0D2388C-ECDA-4972-A72B-60BD93EA7385}" type="datetimeFigureOut">
+              <a:rPr lang="he-IL" smtClean="0"/>
+              <a:t>כ"ג/טבת/תשפ"ה</a:t>
+            </a:fld>
+            <a:endParaRPr lang="he-IL"/>
+          </a:p>
+        </p:txBody>
+      </p:sp>
+      <p:sp>
+        <p:nvSpPr>
+          <p:cNvPr id="8" name="Footer Placeholder 7"/>
           <p:cNvSpPr>
             <a:spLocks noGrp="1"/>
           </p:cNvSpPr>
           <p:nvPr>
-            <p:ph type="dt" sz="half" idx="10"/>
+            <p:ph type="ftr" sz="quarter" idx="11"/>
           </p:nvPr>
         </p:nvSpPr>
         <p:spPr/>
@@ -1808,56 +4441,108 @@
           <a:bodyPr/>
           <a:lstStyle/>
           <a:p>
-            <a:fld id="{A0D2388C-ECDA-4972-A72B-60BD93EA7385}" type="datetimeFigureOut">
-              <a:rPr lang="he-IL" smtClean="0"/>
-              <a:t>כ"ב/טבת/תשפ"ה</a:t>
-            </a:fld>
             <a:endParaRPr lang="he-IL"/>
           </a:p>
         </p:txBody>
       </p:sp>
       <p:sp>
         <p:nvSpPr>
-          <p:cNvPr id="8" name="מציין מיקום של כותרת תחתונה 7">
-            <a:extLst>
-              <a:ext uri="{FF2B5EF4-FFF2-40B4-BE49-F238E27FC236}">
-                <a16:creationId xmlns:a16="http://schemas.microsoft.com/office/drawing/2014/main" id="{01E0308D-9D5C-44BD-328D-7A19EF968359}"/>
-              </a:ext>
-            </a:extLst>
-          </p:cNvPr>
+          <p:cNvPr id="12" name="Freeform 11"/>
+          <p:cNvSpPr/>
+          <p:nvPr/>
+        </p:nvSpPr>
+        <p:spPr bwMode="auto">
+          <a:xfrm flipV="1">
+            <a:off x="-4189" y="714375"/>
+            <a:ext cx="1588527" cy="507297"/>
+          </a:xfrm>
+          <a:custGeom>
+            <a:avLst/>
+            <a:gdLst/>
+            <a:ahLst/>
+            <a:cxnLst/>
+            <a:rect l="l" t="t" r="r" b="b"/>
+            <a:pathLst>
+              <a:path w="9248" h="10000">
+                <a:moveTo>
+                  <a:pt x="9248" y="4701"/>
+                </a:moveTo>
+                <a:lnTo>
+                  <a:pt x="7915" y="188"/>
+                </a:lnTo>
+                <a:cubicBezTo>
+                  <a:pt x="7906" y="156"/>
+                  <a:pt x="7895" y="126"/>
+                  <a:pt x="7886" y="94"/>
+                </a:cubicBezTo>
+                <a:cubicBezTo>
+                  <a:pt x="7859" y="0"/>
+                  <a:pt x="7831" y="0"/>
+                  <a:pt x="7803" y="0"/>
+                </a:cubicBezTo>
+                <a:lnTo>
+                  <a:pt x="7275" y="0"/>
+                </a:lnTo>
+                <a:lnTo>
+                  <a:pt x="0" y="70"/>
+                </a:lnTo>
+                <a:cubicBezTo>
+                  <a:pt x="8" y="3380"/>
+                  <a:pt x="17" y="6690"/>
+                  <a:pt x="25" y="10000"/>
+                </a:cubicBezTo>
+                <a:lnTo>
+                  <a:pt x="7275" y="9966"/>
+                </a:lnTo>
+                <a:lnTo>
+                  <a:pt x="7803" y="9966"/>
+                </a:lnTo>
+                <a:cubicBezTo>
+                  <a:pt x="7831" y="9966"/>
+                  <a:pt x="7859" y="9872"/>
+                  <a:pt x="7886" y="9872"/>
+                </a:cubicBezTo>
+                <a:cubicBezTo>
+                  <a:pt x="7886" y="9778"/>
+                  <a:pt x="7915" y="9778"/>
+                  <a:pt x="7915" y="9778"/>
+                </a:cubicBezTo>
+                <a:lnTo>
+                  <a:pt x="9248" y="5265"/>
+                </a:lnTo>
+                <a:cubicBezTo>
+                  <a:pt x="9303" y="5077"/>
+                  <a:pt x="9303" y="4889"/>
+                  <a:pt x="9248" y="4701"/>
+                </a:cubicBezTo>
+                <a:close/>
+              </a:path>
+            </a:pathLst>
+          </a:custGeom>
+          <a:solidFill>
+            <a:schemeClr val="accent1"/>
+          </a:solidFill>
+          <a:ln>
+            <a:noFill/>
+          </a:ln>
+        </p:spPr>
+      </p:sp>
+      <p:sp>
+        <p:nvSpPr>
+          <p:cNvPr id="13" name="Slide Number Placeholder 5"/>
           <p:cNvSpPr>
             <a:spLocks noGrp="1"/>
           </p:cNvSpPr>
           <p:nvPr>
-            <p:ph type="ftr" sz="quarter" idx="11"/>
-          </p:nvPr>
-        </p:nvSpPr>
-        <p:spPr/>
-        <p:txBody>
-          <a:bodyPr/>
-          <a:lstStyle/>
-          <a:p>
-            <a:endParaRPr lang="he-IL"/>
-          </a:p>
-        </p:txBody>
-      </p:sp>
-      <p:sp>
-        <p:nvSpPr>
-          <p:cNvPr id="9" name="מציין מיקום של מספר שקופית 8">
-            <a:extLst>
-              <a:ext uri="{FF2B5EF4-FFF2-40B4-BE49-F238E27FC236}">
-                <a16:creationId xmlns:a16="http://schemas.microsoft.com/office/drawing/2014/main" id="{C39C7503-5729-5316-25E5-55CFBF4C0327}"/>
-              </a:ext>
-            </a:extLst>
-          </p:cNvPr>
-          <p:cNvSpPr>
-            <a:spLocks noGrp="1"/>
-          </p:cNvSpPr>
-          <p:nvPr>
             <p:ph type="sldNum" sz="quarter" idx="12"/>
           </p:nvPr>
         </p:nvSpPr>
-        <p:spPr/>
+        <p:spPr>
+          <a:xfrm>
+            <a:off x="531812" y="787782"/>
+            <a:ext cx="779767" cy="365125"/>
+          </a:xfrm>
+        </p:spPr>
         <p:txBody>
           <a:bodyPr/>
           <a:lstStyle/>
@@ -1873,7 +4558,7 @@
     </p:spTree>
     <p:extLst>
       <p:ext uri="{BB962C8B-B14F-4D97-AF65-F5344CB8AC3E}">
-        <p14:creationId xmlns:p14="http://schemas.microsoft.com/office/powerpoint/2010/main" val="2175127491"/>
+        <p14:creationId xmlns:p14="http://schemas.microsoft.com/office/powerpoint/2010/main" val="2595409966"/>
       </p:ext>
     </p:extLst>
   </p:cSld>
@@ -1902,13 +4587,7 @@
       </p:grpSpPr>
       <p:sp>
         <p:nvSpPr>
-          <p:cNvPr id="2" name="כותרת 1">
-            <a:extLst>
-              <a:ext uri="{FF2B5EF4-FFF2-40B4-BE49-F238E27FC236}">
-                <a16:creationId xmlns:a16="http://schemas.microsoft.com/office/drawing/2014/main" id="{71196315-CE81-F506-FF27-C197BE31E5F9}"/>
-              </a:ext>
-            </a:extLst>
-          </p:cNvPr>
+          <p:cNvPr id="2" name="Title 1"/>
           <p:cNvSpPr>
             <a:spLocks noGrp="1"/>
           </p:cNvSpPr>
@@ -1925,18 +4604,13 @@
               <a:rPr lang="he-IL"/>
               <a:t>לחץ כדי לערוך סגנון כותרת של תבנית בסיס</a:t>
             </a:r>
-          </a:p>
-        </p:txBody>
-      </p:sp>
-      <p:sp>
-        <p:nvSpPr>
-          <p:cNvPr id="3" name="מציין מיקום של תאריך 2">
-            <a:extLst>
-              <a:ext uri="{FF2B5EF4-FFF2-40B4-BE49-F238E27FC236}">
-                <a16:creationId xmlns:a16="http://schemas.microsoft.com/office/drawing/2014/main" id="{68A1570F-BB46-F468-1326-31B836341414}"/>
-              </a:ext>
-            </a:extLst>
-          </p:cNvPr>
+            <a:endParaRPr lang="en-US" dirty="0"/>
+          </a:p>
+        </p:txBody>
+      </p:sp>
+      <p:sp>
+        <p:nvSpPr>
+          <p:cNvPr id="3" name="Date Placeholder 2"/>
           <p:cNvSpPr>
             <a:spLocks noGrp="1"/>
           </p:cNvSpPr>
@@ -1951,7 +4625,7 @@
           <a:p>
             <a:fld id="{A0D2388C-ECDA-4972-A72B-60BD93EA7385}" type="datetimeFigureOut">
               <a:rPr lang="he-IL" smtClean="0"/>
-              <a:t>כ"ב/טבת/תשפ"ה</a:t>
+              <a:t>כ"ג/טבת/תשפ"ה</a:t>
             </a:fld>
             <a:endParaRPr lang="he-IL"/>
           </a:p>
@@ -1959,13 +4633,7 @@
       </p:sp>
       <p:sp>
         <p:nvSpPr>
-          <p:cNvPr id="4" name="מציין מיקום של כותרת תחתונה 3">
-            <a:extLst>
-              <a:ext uri="{FF2B5EF4-FFF2-40B4-BE49-F238E27FC236}">
-                <a16:creationId xmlns:a16="http://schemas.microsoft.com/office/drawing/2014/main" id="{279A9DC7-4071-F25C-90D7-53D099DD3311}"/>
-              </a:ext>
-            </a:extLst>
-          </p:cNvPr>
+          <p:cNvPr id="4" name="Footer Placeholder 3"/>
           <p:cNvSpPr>
             <a:spLocks noGrp="1"/>
           </p:cNvSpPr>
@@ -1984,13 +4652,89 @@
       </p:sp>
       <p:sp>
         <p:nvSpPr>
-          <p:cNvPr id="5" name="מציין מיקום של מספר שקופית 4">
-            <a:extLst>
-              <a:ext uri="{FF2B5EF4-FFF2-40B4-BE49-F238E27FC236}">
-                <a16:creationId xmlns:a16="http://schemas.microsoft.com/office/drawing/2014/main" id="{4E1E7366-C542-1F0F-5F43-CD12891C9F59}"/>
-              </a:ext>
-            </a:extLst>
-          </p:cNvPr>
+          <p:cNvPr id="7" name="Freeform 11"/>
+          <p:cNvSpPr/>
+          <p:nvPr/>
+        </p:nvSpPr>
+        <p:spPr bwMode="auto">
+          <a:xfrm flipV="1">
+            <a:off x="-4189" y="714375"/>
+            <a:ext cx="1588527" cy="507297"/>
+          </a:xfrm>
+          <a:custGeom>
+            <a:avLst/>
+            <a:gdLst/>
+            <a:ahLst/>
+            <a:cxnLst/>
+            <a:rect l="l" t="t" r="r" b="b"/>
+            <a:pathLst>
+              <a:path w="9248" h="10000">
+                <a:moveTo>
+                  <a:pt x="9248" y="4701"/>
+                </a:moveTo>
+                <a:lnTo>
+                  <a:pt x="7915" y="188"/>
+                </a:lnTo>
+                <a:cubicBezTo>
+                  <a:pt x="7906" y="156"/>
+                  <a:pt x="7895" y="126"/>
+                  <a:pt x="7886" y="94"/>
+                </a:cubicBezTo>
+                <a:cubicBezTo>
+                  <a:pt x="7859" y="0"/>
+                  <a:pt x="7831" y="0"/>
+                  <a:pt x="7803" y="0"/>
+                </a:cubicBezTo>
+                <a:lnTo>
+                  <a:pt x="7275" y="0"/>
+                </a:lnTo>
+                <a:lnTo>
+                  <a:pt x="0" y="70"/>
+                </a:lnTo>
+                <a:cubicBezTo>
+                  <a:pt x="8" y="3380"/>
+                  <a:pt x="17" y="6690"/>
+                  <a:pt x="25" y="10000"/>
+                </a:cubicBezTo>
+                <a:lnTo>
+                  <a:pt x="7275" y="9966"/>
+                </a:lnTo>
+                <a:lnTo>
+                  <a:pt x="7803" y="9966"/>
+                </a:lnTo>
+                <a:cubicBezTo>
+                  <a:pt x="7831" y="9966"/>
+                  <a:pt x="7859" y="9872"/>
+                  <a:pt x="7886" y="9872"/>
+                </a:cubicBezTo>
+                <a:cubicBezTo>
+                  <a:pt x="7886" y="9778"/>
+                  <a:pt x="7915" y="9778"/>
+                  <a:pt x="7915" y="9778"/>
+                </a:cubicBezTo>
+                <a:lnTo>
+                  <a:pt x="9248" y="5265"/>
+                </a:lnTo>
+                <a:cubicBezTo>
+                  <a:pt x="9303" y="5077"/>
+                  <a:pt x="9303" y="4889"/>
+                  <a:pt x="9248" y="4701"/>
+                </a:cubicBezTo>
+                <a:close/>
+              </a:path>
+            </a:pathLst>
+          </a:custGeom>
+          <a:solidFill>
+            <a:schemeClr val="accent1"/>
+          </a:solidFill>
+          <a:ln>
+            <a:noFill/>
+          </a:ln>
+        </p:spPr>
+      </p:sp>
+      <p:sp>
+        <p:nvSpPr>
+          <p:cNvPr id="5" name="Slide Number Placeholder 4"/>
           <p:cNvSpPr>
             <a:spLocks noGrp="1"/>
           </p:cNvSpPr>
@@ -2014,7 +4758,7 @@
     </p:spTree>
     <p:extLst>
       <p:ext uri="{BB962C8B-B14F-4D97-AF65-F5344CB8AC3E}">
-        <p14:creationId xmlns:p14="http://schemas.microsoft.com/office/powerpoint/2010/main" val="1815193125"/>
+        <p14:creationId xmlns:p14="http://schemas.microsoft.com/office/powerpoint/2010/main" val="3326276420"/>
       </p:ext>
     </p:extLst>
   </p:cSld>
@@ -2043,13 +4787,7 @@
       </p:grpSpPr>
       <p:sp>
         <p:nvSpPr>
-          <p:cNvPr id="2" name="מציין מיקום של תאריך 1">
-            <a:extLst>
-              <a:ext uri="{FF2B5EF4-FFF2-40B4-BE49-F238E27FC236}">
-                <a16:creationId xmlns:a16="http://schemas.microsoft.com/office/drawing/2014/main" id="{2B288E9B-2873-6447-77CC-A33ABAF2FCD2}"/>
-              </a:ext>
-            </a:extLst>
-          </p:cNvPr>
+          <p:cNvPr id="2" name="Date Placeholder 1"/>
           <p:cNvSpPr>
             <a:spLocks noGrp="1"/>
           </p:cNvSpPr>
@@ -2064,7 +4802,7 @@
           <a:p>
             <a:fld id="{A0D2388C-ECDA-4972-A72B-60BD93EA7385}" type="datetimeFigureOut">
               <a:rPr lang="he-IL" smtClean="0"/>
-              <a:t>כ"ב/טבת/תשפ"ה</a:t>
+              <a:t>כ"ג/טבת/תשפ"ה</a:t>
             </a:fld>
             <a:endParaRPr lang="he-IL"/>
           </a:p>
@@ -2072,13 +4810,7 @@
       </p:sp>
       <p:sp>
         <p:nvSpPr>
-          <p:cNvPr id="3" name="מציין מיקום של כותרת תחתונה 2">
-            <a:extLst>
-              <a:ext uri="{FF2B5EF4-FFF2-40B4-BE49-F238E27FC236}">
-                <a16:creationId xmlns:a16="http://schemas.microsoft.com/office/drawing/2014/main" id="{D9E509CA-AD2F-B99C-65C6-80F096F5EEF9}"/>
-              </a:ext>
-            </a:extLst>
-          </p:cNvPr>
+          <p:cNvPr id="3" name="Footer Placeholder 2"/>
           <p:cNvSpPr>
             <a:spLocks noGrp="1"/>
           </p:cNvSpPr>
@@ -2097,13 +4829,89 @@
       </p:sp>
       <p:sp>
         <p:nvSpPr>
-          <p:cNvPr id="4" name="מציין מיקום של מספר שקופית 3">
-            <a:extLst>
-              <a:ext uri="{FF2B5EF4-FFF2-40B4-BE49-F238E27FC236}">
-                <a16:creationId xmlns:a16="http://schemas.microsoft.com/office/drawing/2014/main" id="{5C63A459-AFC8-B948-0065-15633EC58F00}"/>
-              </a:ext>
-            </a:extLst>
-          </p:cNvPr>
+          <p:cNvPr id="6" name="Freeform 11"/>
+          <p:cNvSpPr/>
+          <p:nvPr/>
+        </p:nvSpPr>
+        <p:spPr bwMode="auto">
+          <a:xfrm flipV="1">
+            <a:off x="-4189" y="714375"/>
+            <a:ext cx="1588527" cy="507297"/>
+          </a:xfrm>
+          <a:custGeom>
+            <a:avLst/>
+            <a:gdLst/>
+            <a:ahLst/>
+            <a:cxnLst/>
+            <a:rect l="l" t="t" r="r" b="b"/>
+            <a:pathLst>
+              <a:path w="9248" h="10000">
+                <a:moveTo>
+                  <a:pt x="9248" y="4701"/>
+                </a:moveTo>
+                <a:lnTo>
+                  <a:pt x="7915" y="188"/>
+                </a:lnTo>
+                <a:cubicBezTo>
+                  <a:pt x="7906" y="156"/>
+                  <a:pt x="7895" y="126"/>
+                  <a:pt x="7886" y="94"/>
+                </a:cubicBezTo>
+                <a:cubicBezTo>
+                  <a:pt x="7859" y="0"/>
+                  <a:pt x="7831" y="0"/>
+                  <a:pt x="7803" y="0"/>
+                </a:cubicBezTo>
+                <a:lnTo>
+                  <a:pt x="7275" y="0"/>
+                </a:lnTo>
+                <a:lnTo>
+                  <a:pt x="0" y="70"/>
+                </a:lnTo>
+                <a:cubicBezTo>
+                  <a:pt x="8" y="3380"/>
+                  <a:pt x="17" y="6690"/>
+                  <a:pt x="25" y="10000"/>
+                </a:cubicBezTo>
+                <a:lnTo>
+                  <a:pt x="7275" y="9966"/>
+                </a:lnTo>
+                <a:lnTo>
+                  <a:pt x="7803" y="9966"/>
+                </a:lnTo>
+                <a:cubicBezTo>
+                  <a:pt x="7831" y="9966"/>
+                  <a:pt x="7859" y="9872"/>
+                  <a:pt x="7886" y="9872"/>
+                </a:cubicBezTo>
+                <a:cubicBezTo>
+                  <a:pt x="7886" y="9778"/>
+                  <a:pt x="7915" y="9778"/>
+                  <a:pt x="7915" y="9778"/>
+                </a:cubicBezTo>
+                <a:lnTo>
+                  <a:pt x="9248" y="5265"/>
+                </a:lnTo>
+                <a:cubicBezTo>
+                  <a:pt x="9303" y="5077"/>
+                  <a:pt x="9303" y="4889"/>
+                  <a:pt x="9248" y="4701"/>
+                </a:cubicBezTo>
+                <a:close/>
+              </a:path>
+            </a:pathLst>
+          </a:custGeom>
+          <a:solidFill>
+            <a:schemeClr val="accent1"/>
+          </a:solidFill>
+          <a:ln>
+            <a:noFill/>
+          </a:ln>
+        </p:spPr>
+      </p:sp>
+      <p:sp>
+        <p:nvSpPr>
+          <p:cNvPr id="4" name="Slide Number Placeholder 3"/>
           <p:cNvSpPr>
             <a:spLocks noGrp="1"/>
           </p:cNvSpPr>
@@ -2127,7 +4935,7 @@
     </p:spTree>
     <p:extLst>
       <p:ext uri="{BB962C8B-B14F-4D97-AF65-F5344CB8AC3E}">
-        <p14:creationId xmlns:p14="http://schemas.microsoft.com/office/powerpoint/2010/main" val="2696248472"/>
+        <p14:creationId xmlns:p14="http://schemas.microsoft.com/office/powerpoint/2010/main" val="2606614420"/>
       </p:ext>
     </p:extLst>
   </p:cSld>
@@ -2156,13 +4964,7 @@
       </p:grpSpPr>
       <p:sp>
         <p:nvSpPr>
-          <p:cNvPr id="2" name="כותרת 1">
-            <a:extLst>
-              <a:ext uri="{FF2B5EF4-FFF2-40B4-BE49-F238E27FC236}">
-                <a16:creationId xmlns:a16="http://schemas.microsoft.com/office/drawing/2014/main" id="{9C405CB8-ADD5-AB24-6CAC-D1AC86C98FF1}"/>
-              </a:ext>
-            </a:extLst>
-          </p:cNvPr>
+          <p:cNvPr id="2" name="Title 1"/>
           <p:cNvSpPr>
             <a:spLocks noGrp="1"/>
           </p:cNvSpPr>
@@ -2172,15 +4974,15 @@
         </p:nvSpPr>
         <p:spPr>
           <a:xfrm>
-            <a:off x="839788" y="457200"/>
-            <a:ext cx="3932237" cy="1600200"/>
+            <a:off x="2589212" y="446088"/>
+            <a:ext cx="3505199" cy="976312"/>
           </a:xfrm>
         </p:spPr>
         <p:txBody>
           <a:bodyPr anchor="b"/>
           <a:lstStyle>
-            <a:lvl1pPr>
-              <a:defRPr sz="3200"/>
+            <a:lvl1pPr algn="l">
+              <a:defRPr sz="2000" b="0"/>
             </a:lvl1pPr>
           </a:lstStyle>
           <a:p>
@@ -2188,18 +4990,13 @@
               <a:rPr lang="he-IL"/>
               <a:t>לחץ כדי לערוך סגנון כותרת של תבנית בסיס</a:t>
             </a:r>
-          </a:p>
-        </p:txBody>
-      </p:sp>
-      <p:sp>
-        <p:nvSpPr>
-          <p:cNvPr id="3" name="מציין מיקום תוכן 2">
-            <a:extLst>
-              <a:ext uri="{FF2B5EF4-FFF2-40B4-BE49-F238E27FC236}">
-                <a16:creationId xmlns:a16="http://schemas.microsoft.com/office/drawing/2014/main" id="{FF43A223-7B4C-262E-1395-3FE27846A707}"/>
-              </a:ext>
-            </a:extLst>
-          </p:cNvPr>
+            <a:endParaRPr lang="en-US" dirty="0"/>
+          </a:p>
+        </p:txBody>
+      </p:sp>
+      <p:sp>
+        <p:nvSpPr>
+          <p:cNvPr id="3" name="Content Placeholder 2"/>
           <p:cNvSpPr>
             <a:spLocks noGrp="1"/>
           </p:cNvSpPr>
@@ -2209,41 +5006,15 @@
         </p:nvSpPr>
         <p:spPr>
           <a:xfrm>
-            <a:off x="5183188" y="987425"/>
-            <a:ext cx="6172200" cy="4873625"/>
+            <a:off x="6323012" y="446088"/>
+            <a:ext cx="5181600" cy="5414963"/>
           </a:xfrm>
         </p:spPr>
         <p:txBody>
-          <a:bodyPr/>
-          <a:lstStyle>
-            <a:lvl1pPr>
-              <a:defRPr sz="3200"/>
-            </a:lvl1pPr>
-            <a:lvl2pPr>
-              <a:defRPr sz="2800"/>
-            </a:lvl2pPr>
-            <a:lvl3pPr>
-              <a:defRPr sz="2400"/>
-            </a:lvl3pPr>
-            <a:lvl4pPr>
-              <a:defRPr sz="2000"/>
-            </a:lvl4pPr>
-            <a:lvl5pPr>
-              <a:defRPr sz="2000"/>
-            </a:lvl5pPr>
-            <a:lvl6pPr>
-              <a:defRPr sz="2000"/>
-            </a:lvl6pPr>
-            <a:lvl7pPr>
-              <a:defRPr sz="2000"/>
-            </a:lvl7pPr>
-            <a:lvl8pPr>
-              <a:defRPr sz="2000"/>
-            </a:lvl8pPr>
-            <a:lvl9pPr>
-              <a:defRPr sz="2000"/>
-            </a:lvl9pPr>
-          </a:lstStyle>
+          <a:bodyPr anchor="ctr">
+            <a:normAutofit/>
+          </a:bodyPr>
+          <a:lstStyle/>
           <a:p>
             <a:pPr lvl="0"/>
             <a:r>
@@ -2278,18 +5049,13 @@
               <a:rPr lang="he-IL"/>
               <a:t>רמה חמישית</a:t>
             </a:r>
-          </a:p>
-        </p:txBody>
-      </p:sp>
-      <p:sp>
-        <p:nvSpPr>
-          <p:cNvPr id="4" name="מציין מיקום טקסט 3">
-            <a:extLst>
-              <a:ext uri="{FF2B5EF4-FFF2-40B4-BE49-F238E27FC236}">
-                <a16:creationId xmlns:a16="http://schemas.microsoft.com/office/drawing/2014/main" id="{9E5B806C-C9ED-CE1F-B322-970FB6BEB517}"/>
-              </a:ext>
-            </a:extLst>
-          </p:cNvPr>
+            <a:endParaRPr lang="en-US" dirty="0"/>
+          </a:p>
+        </p:txBody>
+      </p:sp>
+      <p:sp>
+        <p:nvSpPr>
+          <p:cNvPr id="4" name="Text Placeholder 3"/>
           <p:cNvSpPr>
             <a:spLocks noGrp="1"/>
           </p:cNvSpPr>
@@ -2299,8 +5065,8 @@
         </p:nvSpPr>
         <p:spPr>
           <a:xfrm>
-            <a:off x="839788" y="2057400"/>
-            <a:ext cx="3932237" cy="3811588"/>
+            <a:off x="2589212" y="1598613"/>
+            <a:ext cx="3505199" cy="4262436"/>
           </a:xfrm>
         </p:spPr>
         <p:txBody>
@@ -2308,39 +5074,39 @@
           <a:lstStyle>
             <a:lvl1pPr marL="0" indent="0">
               <a:buNone/>
-              <a:defRPr sz="1600"/>
+              <a:defRPr sz="1400"/>
             </a:lvl1pPr>
             <a:lvl2pPr marL="457200" indent="0">
               <a:buNone/>
-              <a:defRPr sz="1400"/>
+              <a:defRPr sz="1200"/>
             </a:lvl2pPr>
             <a:lvl3pPr marL="914400" indent="0">
               <a:buNone/>
-              <a:defRPr sz="1200"/>
+              <a:defRPr sz="1000"/>
             </a:lvl3pPr>
             <a:lvl4pPr marL="1371600" indent="0">
               <a:buNone/>
-              <a:defRPr sz="1000"/>
+              <a:defRPr sz="900"/>
             </a:lvl4pPr>
             <a:lvl5pPr marL="1828800" indent="0">
               <a:buNone/>
-              <a:defRPr sz="1000"/>
+              <a:defRPr sz="900"/>
             </a:lvl5pPr>
             <a:lvl6pPr marL="2286000" indent="0">
               <a:buNone/>
-              <a:defRPr sz="1000"/>
+              <a:defRPr sz="900"/>
             </a:lvl6pPr>
             <a:lvl7pPr marL="2743200" indent="0">
               <a:buNone/>
-              <a:defRPr sz="1000"/>
+              <a:defRPr sz="900"/>
             </a:lvl7pPr>
             <a:lvl8pPr marL="3200400" indent="0">
               <a:buNone/>
-              <a:defRPr sz="1000"/>
+              <a:defRPr sz="900"/>
             </a:lvl8pPr>
             <a:lvl9pPr marL="3657600" indent="0">
               <a:buNone/>
-              <a:defRPr sz="1000"/>
+              <a:defRPr sz="900"/>
             </a:lvl9pPr>
           </a:lstStyle>
           <a:p>
@@ -2354,13 +5120,7 @@
       </p:sp>
       <p:sp>
         <p:nvSpPr>
-          <p:cNvPr id="5" name="מציין מיקום של תאריך 4">
-            <a:extLst>
-              <a:ext uri="{FF2B5EF4-FFF2-40B4-BE49-F238E27FC236}">
-                <a16:creationId xmlns:a16="http://schemas.microsoft.com/office/drawing/2014/main" id="{23ABFA63-CA34-203C-6969-0FD97D62F109}"/>
-              </a:ext>
-            </a:extLst>
-          </p:cNvPr>
+          <p:cNvPr id="5" name="Date Placeholder 4"/>
           <p:cNvSpPr>
             <a:spLocks noGrp="1"/>
           </p:cNvSpPr>
@@ -2375,7 +5135,7 @@
           <a:p>
             <a:fld id="{A0D2388C-ECDA-4972-A72B-60BD93EA7385}" type="datetimeFigureOut">
               <a:rPr lang="he-IL" smtClean="0"/>
-              <a:t>כ"ב/טבת/תשפ"ה</a:t>
+              <a:t>כ"ג/טבת/תשפ"ה</a:t>
             </a:fld>
             <a:endParaRPr lang="he-IL"/>
           </a:p>
@@ -2383,13 +5143,7 @@
       </p:sp>
       <p:sp>
         <p:nvSpPr>
-          <p:cNvPr id="6" name="מציין מיקום של כותרת תחתונה 5">
-            <a:extLst>
-              <a:ext uri="{FF2B5EF4-FFF2-40B4-BE49-F238E27FC236}">
-                <a16:creationId xmlns:a16="http://schemas.microsoft.com/office/drawing/2014/main" id="{FA8C9554-063B-C95D-8AB3-1F3DEAC0BFB5}"/>
-              </a:ext>
-            </a:extLst>
-          </p:cNvPr>
+          <p:cNvPr id="6" name="Footer Placeholder 5"/>
           <p:cNvSpPr>
             <a:spLocks noGrp="1"/>
           </p:cNvSpPr>
@@ -2408,13 +5162,89 @@
       </p:sp>
       <p:sp>
         <p:nvSpPr>
-          <p:cNvPr id="7" name="מציין מיקום של מספר שקופית 6">
-            <a:extLst>
-              <a:ext uri="{FF2B5EF4-FFF2-40B4-BE49-F238E27FC236}">
-                <a16:creationId xmlns:a16="http://schemas.microsoft.com/office/drawing/2014/main" id="{16FE3EF9-C5A7-05D9-0506-41C08F948698}"/>
-              </a:ext>
-            </a:extLst>
-          </p:cNvPr>
+          <p:cNvPr id="9" name="Freeform 11"/>
+          <p:cNvSpPr/>
+          <p:nvPr/>
+        </p:nvSpPr>
+        <p:spPr bwMode="auto">
+          <a:xfrm flipV="1">
+            <a:off x="-4189" y="714375"/>
+            <a:ext cx="1588527" cy="507297"/>
+          </a:xfrm>
+          <a:custGeom>
+            <a:avLst/>
+            <a:gdLst/>
+            <a:ahLst/>
+            <a:cxnLst/>
+            <a:rect l="l" t="t" r="r" b="b"/>
+            <a:pathLst>
+              <a:path w="9248" h="10000">
+                <a:moveTo>
+                  <a:pt x="9248" y="4701"/>
+                </a:moveTo>
+                <a:lnTo>
+                  <a:pt x="7915" y="188"/>
+                </a:lnTo>
+                <a:cubicBezTo>
+                  <a:pt x="7906" y="156"/>
+                  <a:pt x="7895" y="126"/>
+                  <a:pt x="7886" y="94"/>
+                </a:cubicBezTo>
+                <a:cubicBezTo>
+                  <a:pt x="7859" y="0"/>
+                  <a:pt x="7831" y="0"/>
+                  <a:pt x="7803" y="0"/>
+                </a:cubicBezTo>
+                <a:lnTo>
+                  <a:pt x="7275" y="0"/>
+                </a:lnTo>
+                <a:lnTo>
+                  <a:pt x="0" y="70"/>
+                </a:lnTo>
+                <a:cubicBezTo>
+                  <a:pt x="8" y="3380"/>
+                  <a:pt x="17" y="6690"/>
+                  <a:pt x="25" y="10000"/>
+                </a:cubicBezTo>
+                <a:lnTo>
+                  <a:pt x="7275" y="9966"/>
+                </a:lnTo>
+                <a:lnTo>
+                  <a:pt x="7803" y="9966"/>
+                </a:lnTo>
+                <a:cubicBezTo>
+                  <a:pt x="7831" y="9966"/>
+                  <a:pt x="7859" y="9872"/>
+                  <a:pt x="7886" y="9872"/>
+                </a:cubicBezTo>
+                <a:cubicBezTo>
+                  <a:pt x="7886" y="9778"/>
+                  <a:pt x="7915" y="9778"/>
+                  <a:pt x="7915" y="9778"/>
+                </a:cubicBezTo>
+                <a:lnTo>
+                  <a:pt x="9248" y="5265"/>
+                </a:lnTo>
+                <a:cubicBezTo>
+                  <a:pt x="9303" y="5077"/>
+                  <a:pt x="9303" y="4889"/>
+                  <a:pt x="9248" y="4701"/>
+                </a:cubicBezTo>
+                <a:close/>
+              </a:path>
+            </a:pathLst>
+          </a:custGeom>
+          <a:solidFill>
+            <a:schemeClr val="accent1"/>
+          </a:solidFill>
+          <a:ln>
+            <a:noFill/>
+          </a:ln>
+        </p:spPr>
+      </p:sp>
+      <p:sp>
+        <p:nvSpPr>
+          <p:cNvPr id="7" name="Slide Number Placeholder 6"/>
           <p:cNvSpPr>
             <a:spLocks noGrp="1"/>
           </p:cNvSpPr>
@@ -2438,7 +5268,7 @@
     </p:spTree>
     <p:extLst>
       <p:ext uri="{BB962C8B-B14F-4D97-AF65-F5344CB8AC3E}">
-        <p14:creationId xmlns:p14="http://schemas.microsoft.com/office/powerpoint/2010/main" val="769694113"/>
+        <p14:creationId xmlns:p14="http://schemas.microsoft.com/office/powerpoint/2010/main" val="1983741731"/>
       </p:ext>
     </p:extLst>
   </p:cSld>
@@ -2467,13 +5297,7 @@
       </p:grpSpPr>
       <p:sp>
         <p:nvSpPr>
-          <p:cNvPr id="2" name="כותרת 1">
-            <a:extLst>
-              <a:ext uri="{FF2B5EF4-FFF2-40B4-BE49-F238E27FC236}">
-                <a16:creationId xmlns:a16="http://schemas.microsoft.com/office/drawing/2014/main" id="{D72CDB34-782A-F60E-B0E3-159DC415276A}"/>
-              </a:ext>
-            </a:extLst>
-          </p:cNvPr>
+          <p:cNvPr id="2" name="Title 1"/>
           <p:cNvSpPr>
             <a:spLocks noGrp="1"/>
           </p:cNvSpPr>
@@ -2483,15 +5307,17 @@
         </p:nvSpPr>
         <p:spPr>
           <a:xfrm>
-            <a:off x="839788" y="457200"/>
-            <a:ext cx="3932237" cy="1600200"/>
+            <a:off x="2589213" y="4800600"/>
+            <a:ext cx="8915400" cy="566738"/>
           </a:xfrm>
         </p:spPr>
         <p:txBody>
-          <a:bodyPr anchor="b"/>
+          <a:bodyPr anchor="b">
+            <a:normAutofit/>
+          </a:bodyPr>
           <a:lstStyle>
-            <a:lvl1pPr>
-              <a:defRPr sz="3200"/>
+            <a:lvl1pPr algn="l">
+              <a:defRPr sz="2400" b="0"/>
             </a:lvl1pPr>
           </a:lstStyle>
           <a:p>
@@ -2499,20 +5325,15 @@
               <a:rPr lang="he-IL"/>
               <a:t>לחץ כדי לערוך סגנון כותרת של תבנית בסיס</a:t>
             </a:r>
-          </a:p>
-        </p:txBody>
-      </p:sp>
-      <p:sp>
-        <p:nvSpPr>
-          <p:cNvPr id="3" name="מציין מיקום של תמונה 2">
-            <a:extLst>
-              <a:ext uri="{FF2B5EF4-FFF2-40B4-BE49-F238E27FC236}">
-                <a16:creationId xmlns:a16="http://schemas.microsoft.com/office/drawing/2014/main" id="{86E88620-F1F2-B432-176D-07D1C5802038}"/>
-              </a:ext>
-            </a:extLst>
-          </p:cNvPr>
-          <p:cNvSpPr>
-            <a:spLocks noGrp="1"/>
+            <a:endParaRPr lang="en-US" dirty="0"/>
+          </a:p>
+        </p:txBody>
+      </p:sp>
+      <p:sp>
+        <p:nvSpPr>
+          <p:cNvPr id="3" name="Picture Placeholder 2"/>
+          <p:cNvSpPr>
+            <a:spLocks noGrp="1" noChangeAspect="1"/>
           </p:cNvSpPr>
           <p:nvPr>
             <p:ph type="pic" idx="1"/>
@@ -2520,118 +5341,120 @@
         </p:nvSpPr>
         <p:spPr>
           <a:xfrm>
-            <a:off x="5183188" y="987425"/>
-            <a:ext cx="6172200" cy="4873625"/>
+            <a:off x="2589212" y="634965"/>
+            <a:ext cx="8915400" cy="3854970"/>
           </a:xfrm>
         </p:spPr>
         <p:txBody>
-          <a:bodyPr/>
+          <a:bodyPr anchor="t">
+            <a:normAutofit/>
+          </a:bodyPr>
           <a:lstStyle>
-            <a:lvl1pPr marL="0" indent="0">
-              <a:buNone/>
-              <a:defRPr sz="3200"/>
-            </a:lvl1pPr>
-            <a:lvl2pPr marL="457200" indent="0">
-              <a:buNone/>
-              <a:defRPr sz="2800"/>
-            </a:lvl2pPr>
-            <a:lvl3pPr marL="914400" indent="0">
-              <a:buNone/>
-              <a:defRPr sz="2400"/>
-            </a:lvl3pPr>
-            <a:lvl4pPr marL="1371600" indent="0">
-              <a:buNone/>
-              <a:defRPr sz="2000"/>
-            </a:lvl4pPr>
-            <a:lvl5pPr marL="1828800" indent="0">
-              <a:buNone/>
-              <a:defRPr sz="2000"/>
-            </a:lvl5pPr>
-            <a:lvl6pPr marL="2286000" indent="0">
-              <a:buNone/>
-              <a:defRPr sz="2000"/>
-            </a:lvl6pPr>
-            <a:lvl7pPr marL="2743200" indent="0">
-              <a:buNone/>
-              <a:defRPr sz="2000"/>
-            </a:lvl7pPr>
-            <a:lvl8pPr marL="3200400" indent="0">
-              <a:buNone/>
-              <a:defRPr sz="2000"/>
-            </a:lvl8pPr>
-            <a:lvl9pPr marL="3657600" indent="0">
-              <a:buNone/>
-              <a:defRPr sz="2000"/>
-            </a:lvl9pPr>
-          </a:lstStyle>
-          <a:p>
-            <a:endParaRPr lang="he-IL"/>
-          </a:p>
-        </p:txBody>
-      </p:sp>
-      <p:sp>
-        <p:nvSpPr>
-          <p:cNvPr id="4" name="מציין מיקום טקסט 3">
-            <a:extLst>
-              <a:ext uri="{FF2B5EF4-FFF2-40B4-BE49-F238E27FC236}">
-                <a16:creationId xmlns:a16="http://schemas.microsoft.com/office/drawing/2014/main" id="{3F522787-F09F-6234-EF6D-D5798549599A}"/>
-              </a:ext>
-            </a:extLst>
-          </p:cNvPr>
-          <p:cNvSpPr>
-            <a:spLocks noGrp="1"/>
-          </p:cNvSpPr>
-          <p:nvPr>
-            <p:ph type="body" sz="half" idx="2"/>
-          </p:nvPr>
-        </p:nvSpPr>
-        <p:spPr>
-          <a:xfrm>
-            <a:off x="839788" y="2057400"/>
-            <a:ext cx="3932237" cy="3811588"/>
-          </a:xfrm>
-        </p:spPr>
-        <p:txBody>
-          <a:bodyPr/>
-          <a:lstStyle>
-            <a:lvl1pPr marL="0" indent="0">
+            <a:lvl1pPr marL="0" indent="0" algn="ctr">
               <a:buNone/>
               <a:defRPr sz="1600"/>
             </a:lvl1pPr>
             <a:lvl2pPr marL="457200" indent="0">
               <a:buNone/>
-              <a:defRPr sz="1400"/>
+              <a:defRPr sz="1600"/>
             </a:lvl2pPr>
             <a:lvl3pPr marL="914400" indent="0">
               <a:buNone/>
-              <a:defRPr sz="1200"/>
+              <a:defRPr sz="1600"/>
             </a:lvl3pPr>
             <a:lvl4pPr marL="1371600" indent="0">
               <a:buNone/>
-              <a:defRPr sz="1000"/>
+              <a:defRPr sz="1600"/>
             </a:lvl4pPr>
             <a:lvl5pPr marL="1828800" indent="0">
               <a:buNone/>
-              <a:defRPr sz="1000"/>
+              <a:defRPr sz="1600"/>
             </a:lvl5pPr>
             <a:lvl6pPr marL="2286000" indent="0">
               <a:buNone/>
-              <a:defRPr sz="1000"/>
+              <a:defRPr sz="1600"/>
             </a:lvl6pPr>
             <a:lvl7pPr marL="2743200" indent="0">
               <a:buNone/>
-              <a:defRPr sz="1000"/>
+              <a:defRPr sz="1600"/>
             </a:lvl7pPr>
             <a:lvl8pPr marL="3200400" indent="0">
               <a:buNone/>
-              <a:defRPr sz="1000"/>
+              <a:defRPr sz="1600"/>
             </a:lvl8pPr>
             <a:lvl9pPr marL="3657600" indent="0">
               <a:buNone/>
-              <a:defRPr sz="1000"/>
+              <a:defRPr sz="1600"/>
             </a:lvl9pPr>
           </a:lstStyle>
           <a:p>
+            <a:r>
+              <a:rPr lang="he-IL"/>
+              <a:t>לחץ על הסמל כדי להוסיף תמונה</a:t>
+            </a:r>
+            <a:endParaRPr lang="en-US" dirty="0"/>
+          </a:p>
+        </p:txBody>
+      </p:sp>
+      <p:sp>
+        <p:nvSpPr>
+          <p:cNvPr id="4" name="Text Placeholder 3"/>
+          <p:cNvSpPr>
+            <a:spLocks noGrp="1"/>
+          </p:cNvSpPr>
+          <p:nvPr>
+            <p:ph type="body" sz="half" idx="2"/>
+          </p:nvPr>
+        </p:nvSpPr>
+        <p:spPr>
+          <a:xfrm>
+            <a:off x="2589213" y="5367338"/>
+            <a:ext cx="8915400" cy="493712"/>
+          </a:xfrm>
+        </p:spPr>
+        <p:txBody>
+          <a:bodyPr>
+            <a:normAutofit/>
+          </a:bodyPr>
+          <a:lstStyle>
+            <a:lvl1pPr marL="0" indent="0">
+              <a:buNone/>
+              <a:defRPr sz="1200"/>
+            </a:lvl1pPr>
+            <a:lvl2pPr marL="457200" indent="0">
+              <a:buNone/>
+              <a:defRPr sz="1200"/>
+            </a:lvl2pPr>
+            <a:lvl3pPr marL="914400" indent="0">
+              <a:buNone/>
+              <a:defRPr sz="1000"/>
+            </a:lvl3pPr>
+            <a:lvl4pPr marL="1371600" indent="0">
+              <a:buNone/>
+              <a:defRPr sz="900"/>
+            </a:lvl4pPr>
+            <a:lvl5pPr marL="1828800" indent="0">
+              <a:buNone/>
+              <a:defRPr sz="900"/>
+            </a:lvl5pPr>
+            <a:lvl6pPr marL="2286000" indent="0">
+              <a:buNone/>
+              <a:defRPr sz="900"/>
+            </a:lvl6pPr>
+            <a:lvl7pPr marL="2743200" indent="0">
+              <a:buNone/>
+              <a:defRPr sz="900"/>
+            </a:lvl7pPr>
+            <a:lvl8pPr marL="3200400" indent="0">
+              <a:buNone/>
+              <a:defRPr sz="900"/>
+            </a:lvl8pPr>
+            <a:lvl9pPr marL="3657600" indent="0">
+              <a:buNone/>
+              <a:defRPr sz="900"/>
+            </a:lvl9pPr>
+          </a:lstStyle>
+          <a:p>
             <a:pPr lvl="0"/>
             <a:r>
               <a:rPr lang="he-IL"/>
@@ -2642,13 +5465,7 @@
       </p:sp>
       <p:sp>
         <p:nvSpPr>
-          <p:cNvPr id="5" name="מציין מיקום של תאריך 4">
-            <a:extLst>
-              <a:ext uri="{FF2B5EF4-FFF2-40B4-BE49-F238E27FC236}">
-                <a16:creationId xmlns:a16="http://schemas.microsoft.com/office/drawing/2014/main" id="{2FC7B17B-321A-E358-C319-E55C3D253FCC}"/>
-              </a:ext>
-            </a:extLst>
-          </p:cNvPr>
+          <p:cNvPr id="5" name="Date Placeholder 4"/>
           <p:cNvSpPr>
             <a:spLocks noGrp="1"/>
           </p:cNvSpPr>
@@ -2663,7 +5480,7 @@
           <a:p>
             <a:fld id="{A0D2388C-ECDA-4972-A72B-60BD93EA7385}" type="datetimeFigureOut">
               <a:rPr lang="he-IL" smtClean="0"/>
-              <a:t>כ"ב/טבת/תשפ"ה</a:t>
+              <a:t>כ"ג/טבת/תשפ"ה</a:t>
             </a:fld>
             <a:endParaRPr lang="he-IL"/>
           </a:p>
@@ -2671,13 +5488,7 @@
       </p:sp>
       <p:sp>
         <p:nvSpPr>
-          <p:cNvPr id="6" name="מציין מיקום של כותרת תחתונה 5">
-            <a:extLst>
-              <a:ext uri="{FF2B5EF4-FFF2-40B4-BE49-F238E27FC236}">
-                <a16:creationId xmlns:a16="http://schemas.microsoft.com/office/drawing/2014/main" id="{283FFC72-D39E-5ACE-ADAC-1484426BC72E}"/>
-              </a:ext>
-            </a:extLst>
-          </p:cNvPr>
+          <p:cNvPr id="6" name="Footer Placeholder 5"/>
           <p:cNvSpPr>
             <a:spLocks noGrp="1"/>
           </p:cNvSpPr>
@@ -2696,13 +5507,89 @@
       </p:sp>
       <p:sp>
         <p:nvSpPr>
-          <p:cNvPr id="7" name="מציין מיקום של מספר שקופית 6">
-            <a:extLst>
-              <a:ext uri="{FF2B5EF4-FFF2-40B4-BE49-F238E27FC236}">
-                <a16:creationId xmlns:a16="http://schemas.microsoft.com/office/drawing/2014/main" id="{CA6D89A9-8A16-6074-4CFF-113239B3FA27}"/>
-              </a:ext>
-            </a:extLst>
-          </p:cNvPr>
+          <p:cNvPr id="9" name="Freeform 11"/>
+          <p:cNvSpPr/>
+          <p:nvPr/>
+        </p:nvSpPr>
+        <p:spPr bwMode="auto">
+          <a:xfrm flipV="1">
+            <a:off x="-4189" y="4911725"/>
+            <a:ext cx="1588527" cy="507297"/>
+          </a:xfrm>
+          <a:custGeom>
+            <a:avLst/>
+            <a:gdLst/>
+            <a:ahLst/>
+            <a:cxnLst/>
+            <a:rect l="l" t="t" r="r" b="b"/>
+            <a:pathLst>
+              <a:path w="9248" h="10000">
+                <a:moveTo>
+                  <a:pt x="9248" y="4701"/>
+                </a:moveTo>
+                <a:lnTo>
+                  <a:pt x="7915" y="188"/>
+                </a:lnTo>
+                <a:cubicBezTo>
+                  <a:pt x="7906" y="156"/>
+                  <a:pt x="7895" y="126"/>
+                  <a:pt x="7886" y="94"/>
+                </a:cubicBezTo>
+                <a:cubicBezTo>
+                  <a:pt x="7859" y="0"/>
+                  <a:pt x="7831" y="0"/>
+                  <a:pt x="7803" y="0"/>
+                </a:cubicBezTo>
+                <a:lnTo>
+                  <a:pt x="7275" y="0"/>
+                </a:lnTo>
+                <a:lnTo>
+                  <a:pt x="0" y="70"/>
+                </a:lnTo>
+                <a:cubicBezTo>
+                  <a:pt x="8" y="3380"/>
+                  <a:pt x="17" y="6690"/>
+                  <a:pt x="25" y="10000"/>
+                </a:cubicBezTo>
+                <a:lnTo>
+                  <a:pt x="7275" y="9966"/>
+                </a:lnTo>
+                <a:lnTo>
+                  <a:pt x="7803" y="9966"/>
+                </a:lnTo>
+                <a:cubicBezTo>
+                  <a:pt x="7831" y="9966"/>
+                  <a:pt x="7859" y="9872"/>
+                  <a:pt x="7886" y="9872"/>
+                </a:cubicBezTo>
+                <a:cubicBezTo>
+                  <a:pt x="7886" y="9778"/>
+                  <a:pt x="7915" y="9778"/>
+                  <a:pt x="7915" y="9778"/>
+                </a:cubicBezTo>
+                <a:lnTo>
+                  <a:pt x="9248" y="5265"/>
+                </a:lnTo>
+                <a:cubicBezTo>
+                  <a:pt x="9303" y="5077"/>
+                  <a:pt x="9303" y="4889"/>
+                  <a:pt x="9248" y="4701"/>
+                </a:cubicBezTo>
+                <a:close/>
+              </a:path>
+            </a:pathLst>
+          </a:custGeom>
+          <a:solidFill>
+            <a:schemeClr val="accent1"/>
+          </a:solidFill>
+          <a:ln>
+            <a:noFill/>
+          </a:ln>
+        </p:spPr>
+      </p:sp>
+      <p:sp>
+        <p:nvSpPr>
+          <p:cNvPr id="7" name="Slide Number Placeholder 6"/>
           <p:cNvSpPr>
             <a:spLocks noGrp="1"/>
           </p:cNvSpPr>
@@ -2710,7 +5597,12 @@
             <p:ph type="sldNum" sz="quarter" idx="12"/>
           </p:nvPr>
         </p:nvSpPr>
-        <p:spPr/>
+        <p:spPr>
+          <a:xfrm>
+            <a:off x="531812" y="4983087"/>
+            <a:ext cx="779767" cy="365125"/>
+          </a:xfrm>
+        </p:spPr>
         <p:txBody>
           <a:bodyPr/>
           <a:lstStyle/>
@@ -2726,7 +5618,7 @@
     </p:spTree>
     <p:extLst>
       <p:ext uri="{BB962C8B-B14F-4D97-AF65-F5344CB8AC3E}">
-        <p14:creationId xmlns:p14="http://schemas.microsoft.com/office/powerpoint/2010/main" val="2531616580"/>
+        <p14:creationId xmlns:p14="http://schemas.microsoft.com/office/powerpoint/2010/main" val="1480472399"/>
       </p:ext>
     </p:extLst>
   </p:cSld>
@@ -2740,8 +5632,8 @@
 <p:sldMaster xmlns:a="http://schemas.openxmlformats.org/drawingml/2006/main" xmlns:r="http://schemas.openxmlformats.org/officeDocument/2006/relationships" xmlns:p="http://schemas.openxmlformats.org/presentationml/2006/main">
   <p:cSld>
     <p:bg>
-      <p:bgRef idx="1001">
-        <a:schemeClr val="bg1"/>
+      <p:bgRef idx="1003">
+        <a:schemeClr val="bg2"/>
       </p:bgRef>
     </p:bg>
     <p:spTree>
@@ -2758,33 +5650,1844 @@
           <a:chExt cx="0" cy="0"/>
         </a:xfrm>
       </p:grpSpPr>
-      <p:sp>
-        <p:nvSpPr>
-          <p:cNvPr id="2" name="מציין מיקום של כותרת 1">
-            <a:extLst>
-              <a:ext uri="{FF2B5EF4-FFF2-40B4-BE49-F238E27FC236}">
-                <a16:creationId xmlns:a16="http://schemas.microsoft.com/office/drawing/2014/main" id="{6A3C19DA-5820-3788-D9C0-2D0F2DD19291}"/>
-              </a:ext>
-            </a:extLst>
-          </p:cNvPr>
-          <p:cNvSpPr>
-            <a:spLocks noGrp="1"/>
-          </p:cNvSpPr>
-          <p:nvPr>
-            <p:ph type="title"/>
-          </p:nvPr>
+      <p:grpSp>
+        <p:nvGrpSpPr>
+          <p:cNvPr id="23" name="Group 22"/>
+          <p:cNvGrpSpPr/>
+          <p:nvPr/>
+        </p:nvGrpSpPr>
+        <p:grpSpPr>
+          <a:xfrm>
+            <a:off x="1" y="228600"/>
+            <a:ext cx="2851516" cy="6638628"/>
+            <a:chOff x="2487613" y="285750"/>
+            <a:chExt cx="2428875" cy="5654676"/>
+          </a:xfrm>
+        </p:grpSpPr>
+        <p:sp>
+          <p:nvSpPr>
+            <p:cNvPr id="24" name="Freeform 11"/>
+            <p:cNvSpPr/>
+            <p:nvPr/>
+          </p:nvSpPr>
+          <p:spPr bwMode="auto">
+            <a:xfrm>
+              <a:off x="2487613" y="2284413"/>
+              <a:ext cx="85725" cy="533400"/>
+            </a:xfrm>
+            <a:custGeom>
+              <a:avLst/>
+              <a:gdLst/>
+              <a:ahLst/>
+              <a:cxnLst/>
+              <a:rect l="0" t="0" r="r" b="b"/>
+              <a:pathLst>
+                <a:path w="22" h="136">
+                  <a:moveTo>
+                    <a:pt x="22" y="136"/>
+                  </a:moveTo>
+                  <a:cubicBezTo>
+                    <a:pt x="20" y="117"/>
+                    <a:pt x="19" y="99"/>
+                    <a:pt x="17" y="80"/>
+                  </a:cubicBezTo>
+                  <a:cubicBezTo>
+                    <a:pt x="11" y="54"/>
+                    <a:pt x="6" y="27"/>
+                    <a:pt x="0" y="0"/>
+                  </a:cubicBezTo>
+                  <a:cubicBezTo>
+                    <a:pt x="0" y="35"/>
+                    <a:pt x="0" y="35"/>
+                    <a:pt x="0" y="35"/>
+                  </a:cubicBezTo>
+                  <a:cubicBezTo>
+                    <a:pt x="6" y="64"/>
+                    <a:pt x="13" y="94"/>
+                    <a:pt x="20" y="124"/>
+                  </a:cubicBezTo>
+                  <a:cubicBezTo>
+                    <a:pt x="20" y="128"/>
+                    <a:pt x="21" y="132"/>
+                    <a:pt x="22" y="136"/>
+                  </a:cubicBezTo>
+                  <a:close/>
+                </a:path>
+              </a:pathLst>
+            </a:custGeom>
+            <a:solidFill>
+              <a:schemeClr val="tx2">
+                <a:alpha val="20000"/>
+              </a:schemeClr>
+            </a:solidFill>
+            <a:ln>
+              <a:noFill/>
+            </a:ln>
+          </p:spPr>
+        </p:sp>
+        <p:sp>
+          <p:nvSpPr>
+            <p:cNvPr id="25" name="Freeform 12"/>
+            <p:cNvSpPr/>
+            <p:nvPr/>
+          </p:nvSpPr>
+          <p:spPr bwMode="auto">
+            <a:xfrm>
+              <a:off x="2597151" y="2779713"/>
+              <a:ext cx="550863" cy="1978025"/>
+            </a:xfrm>
+            <a:custGeom>
+              <a:avLst/>
+              <a:gdLst/>
+              <a:ahLst/>
+              <a:cxnLst/>
+              <a:rect l="0" t="0" r="r" b="b"/>
+              <a:pathLst>
+                <a:path w="140" h="504">
+                  <a:moveTo>
+                    <a:pt x="86" y="350"/>
+                  </a:moveTo>
+                  <a:cubicBezTo>
+                    <a:pt x="103" y="402"/>
+                    <a:pt x="120" y="453"/>
+                    <a:pt x="139" y="504"/>
+                  </a:cubicBezTo>
+                  <a:cubicBezTo>
+                    <a:pt x="139" y="495"/>
+                    <a:pt x="139" y="487"/>
+                    <a:pt x="140" y="478"/>
+                  </a:cubicBezTo>
+                  <a:cubicBezTo>
+                    <a:pt x="124" y="435"/>
+                    <a:pt x="109" y="391"/>
+                    <a:pt x="95" y="347"/>
+                  </a:cubicBezTo>
+                  <a:cubicBezTo>
+                    <a:pt x="58" y="233"/>
+                    <a:pt x="27" y="117"/>
+                    <a:pt x="0" y="0"/>
+                  </a:cubicBezTo>
+                  <a:cubicBezTo>
+                    <a:pt x="2" y="20"/>
+                    <a:pt x="4" y="41"/>
+                    <a:pt x="6" y="61"/>
+                  </a:cubicBezTo>
+                  <a:cubicBezTo>
+                    <a:pt x="30" y="158"/>
+                    <a:pt x="56" y="255"/>
+                    <a:pt x="86" y="350"/>
+                  </a:cubicBezTo>
+                  <a:close/>
+                </a:path>
+              </a:pathLst>
+            </a:custGeom>
+            <a:solidFill>
+              <a:schemeClr val="tx2">
+                <a:alpha val="20000"/>
+              </a:schemeClr>
+            </a:solidFill>
+            <a:ln>
+              <a:noFill/>
+            </a:ln>
+          </p:spPr>
+        </p:sp>
+        <p:sp>
+          <p:nvSpPr>
+            <p:cNvPr id="26" name="Freeform 13"/>
+            <p:cNvSpPr/>
+            <p:nvPr/>
+          </p:nvSpPr>
+          <p:spPr bwMode="auto">
+            <a:xfrm>
+              <a:off x="3175001" y="4730750"/>
+              <a:ext cx="519113" cy="1209675"/>
+            </a:xfrm>
+            <a:custGeom>
+              <a:avLst/>
+              <a:gdLst/>
+              <a:ahLst/>
+              <a:cxnLst/>
+              <a:rect l="0" t="0" r="r" b="b"/>
+              <a:pathLst>
+                <a:path w="132" h="308">
+                  <a:moveTo>
+                    <a:pt x="8" y="22"/>
+                  </a:moveTo>
+                  <a:cubicBezTo>
+                    <a:pt x="5" y="15"/>
+                    <a:pt x="2" y="8"/>
+                    <a:pt x="0" y="0"/>
+                  </a:cubicBezTo>
+                  <a:cubicBezTo>
+                    <a:pt x="0" y="10"/>
+                    <a:pt x="0" y="19"/>
+                    <a:pt x="0" y="29"/>
+                  </a:cubicBezTo>
+                  <a:cubicBezTo>
+                    <a:pt x="21" y="85"/>
+                    <a:pt x="44" y="140"/>
+                    <a:pt x="68" y="194"/>
+                  </a:cubicBezTo>
+                  <a:cubicBezTo>
+                    <a:pt x="85" y="232"/>
+                    <a:pt x="104" y="270"/>
+                    <a:pt x="123" y="308"/>
+                  </a:cubicBezTo>
+                  <a:cubicBezTo>
+                    <a:pt x="132" y="308"/>
+                    <a:pt x="132" y="308"/>
+                    <a:pt x="132" y="308"/>
+                  </a:cubicBezTo>
+                  <a:cubicBezTo>
+                    <a:pt x="113" y="269"/>
+                    <a:pt x="94" y="230"/>
+                    <a:pt x="77" y="190"/>
+                  </a:cubicBezTo>
+                  <a:cubicBezTo>
+                    <a:pt x="52" y="135"/>
+                    <a:pt x="29" y="79"/>
+                    <a:pt x="8" y="22"/>
+                  </a:cubicBezTo>
+                  <a:close/>
+                </a:path>
+              </a:pathLst>
+            </a:custGeom>
+            <a:solidFill>
+              <a:schemeClr val="tx2">
+                <a:alpha val="20000"/>
+              </a:schemeClr>
+            </a:solidFill>
+            <a:ln>
+              <a:noFill/>
+            </a:ln>
+          </p:spPr>
+        </p:sp>
+        <p:sp>
+          <p:nvSpPr>
+            <p:cNvPr id="27" name="Freeform 14"/>
+            <p:cNvSpPr/>
+            <p:nvPr/>
+          </p:nvSpPr>
+          <p:spPr bwMode="auto">
+            <a:xfrm>
+              <a:off x="3305176" y="5630863"/>
+              <a:ext cx="146050" cy="309563"/>
+            </a:xfrm>
+            <a:custGeom>
+              <a:avLst/>
+              <a:gdLst/>
+              <a:ahLst/>
+              <a:cxnLst/>
+              <a:rect l="0" t="0" r="r" b="b"/>
+              <a:pathLst>
+                <a:path w="37" h="79">
+                  <a:moveTo>
+                    <a:pt x="28" y="79"/>
+                  </a:moveTo>
+                  <a:cubicBezTo>
+                    <a:pt x="37" y="79"/>
+                    <a:pt x="37" y="79"/>
+                    <a:pt x="37" y="79"/>
+                  </a:cubicBezTo>
+                  <a:cubicBezTo>
+                    <a:pt x="24" y="53"/>
+                    <a:pt x="12" y="27"/>
+                    <a:pt x="0" y="0"/>
+                  </a:cubicBezTo>
+                  <a:cubicBezTo>
+                    <a:pt x="8" y="27"/>
+                    <a:pt x="17" y="53"/>
+                    <a:pt x="28" y="79"/>
+                  </a:cubicBezTo>
+                  <a:close/>
+                </a:path>
+              </a:pathLst>
+            </a:custGeom>
+            <a:solidFill>
+              <a:schemeClr val="tx2">
+                <a:alpha val="20000"/>
+              </a:schemeClr>
+            </a:solidFill>
+            <a:ln>
+              <a:noFill/>
+            </a:ln>
+          </p:spPr>
+        </p:sp>
+        <p:sp>
+          <p:nvSpPr>
+            <p:cNvPr id="28" name="Freeform 15"/>
+            <p:cNvSpPr/>
+            <p:nvPr/>
+          </p:nvSpPr>
+          <p:spPr bwMode="auto">
+            <a:xfrm>
+              <a:off x="2573338" y="2817813"/>
+              <a:ext cx="700088" cy="2835275"/>
+            </a:xfrm>
+            <a:custGeom>
+              <a:avLst/>
+              <a:gdLst/>
+              <a:ahLst/>
+              <a:cxnLst/>
+              <a:rect l="0" t="0" r="r" b="b"/>
+              <a:pathLst>
+                <a:path w="178" h="722">
+                  <a:moveTo>
+                    <a:pt x="162" y="660"/>
+                  </a:moveTo>
+                  <a:cubicBezTo>
+                    <a:pt x="145" y="618"/>
+                    <a:pt x="130" y="576"/>
+                    <a:pt x="116" y="534"/>
+                  </a:cubicBezTo>
+                  <a:cubicBezTo>
+                    <a:pt x="84" y="437"/>
+                    <a:pt x="59" y="337"/>
+                    <a:pt x="40" y="236"/>
+                  </a:cubicBezTo>
+                  <a:cubicBezTo>
+                    <a:pt x="29" y="175"/>
+                    <a:pt x="20" y="113"/>
+                    <a:pt x="12" y="51"/>
+                  </a:cubicBezTo>
+                  <a:cubicBezTo>
+                    <a:pt x="8" y="34"/>
+                    <a:pt x="4" y="17"/>
+                    <a:pt x="0" y="0"/>
+                  </a:cubicBezTo>
+                  <a:cubicBezTo>
+                    <a:pt x="8" y="79"/>
+                    <a:pt x="19" y="159"/>
+                    <a:pt x="33" y="237"/>
+                  </a:cubicBezTo>
+                  <a:cubicBezTo>
+                    <a:pt x="51" y="339"/>
+                    <a:pt x="76" y="439"/>
+                    <a:pt x="107" y="537"/>
+                  </a:cubicBezTo>
+                  <a:cubicBezTo>
+                    <a:pt x="123" y="586"/>
+                    <a:pt x="141" y="634"/>
+                    <a:pt x="160" y="681"/>
+                  </a:cubicBezTo>
+                  <a:cubicBezTo>
+                    <a:pt x="166" y="695"/>
+                    <a:pt x="172" y="708"/>
+                    <a:pt x="178" y="722"/>
+                  </a:cubicBezTo>
+                  <a:cubicBezTo>
+                    <a:pt x="176" y="717"/>
+                    <a:pt x="175" y="713"/>
+                    <a:pt x="174" y="708"/>
+                  </a:cubicBezTo>
+                  <a:cubicBezTo>
+                    <a:pt x="169" y="692"/>
+                    <a:pt x="165" y="676"/>
+                    <a:pt x="162" y="660"/>
+                  </a:cubicBezTo>
+                  <a:close/>
+                </a:path>
+              </a:pathLst>
+            </a:custGeom>
+            <a:solidFill>
+              <a:schemeClr val="tx2">
+                <a:alpha val="20000"/>
+              </a:schemeClr>
+            </a:solidFill>
+            <a:ln>
+              <a:noFill/>
+            </a:ln>
+          </p:spPr>
+        </p:sp>
+        <p:sp>
+          <p:nvSpPr>
+            <p:cNvPr id="29" name="Freeform 16"/>
+            <p:cNvSpPr/>
+            <p:nvPr/>
+          </p:nvSpPr>
+          <p:spPr bwMode="auto">
+            <a:xfrm>
+              <a:off x="2506663" y="285750"/>
+              <a:ext cx="90488" cy="2493963"/>
+            </a:xfrm>
+            <a:custGeom>
+              <a:avLst/>
+              <a:gdLst/>
+              <a:ahLst/>
+              <a:cxnLst/>
+              <a:rect l="0" t="0" r="r" b="b"/>
+              <a:pathLst>
+                <a:path w="23" h="635">
+                  <a:moveTo>
+                    <a:pt x="11" y="577"/>
+                  </a:moveTo>
+                  <a:cubicBezTo>
+                    <a:pt x="12" y="581"/>
+                    <a:pt x="12" y="585"/>
+                    <a:pt x="12" y="589"/>
+                  </a:cubicBezTo>
+                  <a:cubicBezTo>
+                    <a:pt x="15" y="603"/>
+                    <a:pt x="19" y="617"/>
+                    <a:pt x="22" y="632"/>
+                  </a:cubicBezTo>
+                  <a:cubicBezTo>
+                    <a:pt x="22" y="633"/>
+                    <a:pt x="22" y="634"/>
+                    <a:pt x="23" y="635"/>
+                  </a:cubicBezTo>
+                  <a:cubicBezTo>
+                    <a:pt x="21" y="615"/>
+                    <a:pt x="19" y="596"/>
+                    <a:pt x="17" y="576"/>
+                  </a:cubicBezTo>
+                  <a:cubicBezTo>
+                    <a:pt x="9" y="474"/>
+                    <a:pt x="5" y="372"/>
+                    <a:pt x="5" y="269"/>
+                  </a:cubicBezTo>
+                  <a:cubicBezTo>
+                    <a:pt x="6" y="179"/>
+                    <a:pt x="9" y="90"/>
+                    <a:pt x="15" y="0"/>
+                  </a:cubicBezTo>
+                  <a:cubicBezTo>
+                    <a:pt x="12" y="0"/>
+                    <a:pt x="12" y="0"/>
+                    <a:pt x="12" y="0"/>
+                  </a:cubicBezTo>
+                  <a:cubicBezTo>
+                    <a:pt x="5" y="89"/>
+                    <a:pt x="2" y="179"/>
+                    <a:pt x="1" y="269"/>
+                  </a:cubicBezTo>
+                  <a:cubicBezTo>
+                    <a:pt x="0" y="372"/>
+                    <a:pt x="3" y="474"/>
+                    <a:pt x="11" y="577"/>
+                  </a:cubicBezTo>
+                  <a:close/>
+                </a:path>
+              </a:pathLst>
+            </a:custGeom>
+            <a:solidFill>
+              <a:schemeClr val="tx2">
+                <a:alpha val="20000"/>
+              </a:schemeClr>
+            </a:solidFill>
+            <a:ln>
+              <a:noFill/>
+            </a:ln>
+          </p:spPr>
+        </p:sp>
+        <p:sp>
+          <p:nvSpPr>
+            <p:cNvPr id="30" name="Freeform 17"/>
+            <p:cNvSpPr/>
+            <p:nvPr/>
+          </p:nvSpPr>
+          <p:spPr bwMode="auto">
+            <a:xfrm>
+              <a:off x="2554288" y="2598738"/>
+              <a:ext cx="66675" cy="420688"/>
+            </a:xfrm>
+            <a:custGeom>
+              <a:avLst/>
+              <a:gdLst/>
+              <a:ahLst/>
+              <a:cxnLst/>
+              <a:rect l="0" t="0" r="r" b="b"/>
+              <a:pathLst>
+                <a:path w="17" h="107">
+                  <a:moveTo>
+                    <a:pt x="0" y="0"/>
+                  </a:moveTo>
+                  <a:cubicBezTo>
+                    <a:pt x="2" y="19"/>
+                    <a:pt x="3" y="37"/>
+                    <a:pt x="5" y="56"/>
+                  </a:cubicBezTo>
+                  <a:cubicBezTo>
+                    <a:pt x="9" y="73"/>
+                    <a:pt x="13" y="90"/>
+                    <a:pt x="17" y="107"/>
+                  </a:cubicBezTo>
+                  <a:cubicBezTo>
+                    <a:pt x="15" y="87"/>
+                    <a:pt x="13" y="66"/>
+                    <a:pt x="11" y="46"/>
+                  </a:cubicBezTo>
+                  <a:cubicBezTo>
+                    <a:pt x="10" y="45"/>
+                    <a:pt x="10" y="44"/>
+                    <a:pt x="10" y="43"/>
+                  </a:cubicBezTo>
+                  <a:cubicBezTo>
+                    <a:pt x="7" y="28"/>
+                    <a:pt x="3" y="14"/>
+                    <a:pt x="0" y="0"/>
+                  </a:cubicBezTo>
+                  <a:close/>
+                </a:path>
+              </a:pathLst>
+            </a:custGeom>
+            <a:solidFill>
+              <a:schemeClr val="tx2">
+                <a:alpha val="20000"/>
+              </a:schemeClr>
+            </a:solidFill>
+            <a:ln>
+              <a:noFill/>
+            </a:ln>
+          </p:spPr>
+        </p:sp>
+        <p:sp>
+          <p:nvSpPr>
+            <p:cNvPr id="31" name="Freeform 18"/>
+            <p:cNvSpPr/>
+            <p:nvPr/>
+          </p:nvSpPr>
+          <p:spPr bwMode="auto">
+            <a:xfrm>
+              <a:off x="3143251" y="4757738"/>
+              <a:ext cx="161925" cy="873125"/>
+            </a:xfrm>
+            <a:custGeom>
+              <a:avLst/>
+              <a:gdLst/>
+              <a:ahLst/>
+              <a:cxnLst/>
+              <a:rect l="0" t="0" r="r" b="b"/>
+              <a:pathLst>
+                <a:path w="41" h="222">
+                  <a:moveTo>
+                    <a:pt x="0" y="0"/>
+                  </a:moveTo>
+                  <a:cubicBezTo>
+                    <a:pt x="0" y="31"/>
+                    <a:pt x="2" y="62"/>
+                    <a:pt x="5" y="93"/>
+                  </a:cubicBezTo>
+                  <a:cubicBezTo>
+                    <a:pt x="8" y="117"/>
+                    <a:pt x="12" y="142"/>
+                    <a:pt x="17" y="166"/>
+                  </a:cubicBezTo>
+                  <a:cubicBezTo>
+                    <a:pt x="19" y="172"/>
+                    <a:pt x="22" y="178"/>
+                    <a:pt x="24" y="184"/>
+                  </a:cubicBezTo>
+                  <a:cubicBezTo>
+                    <a:pt x="30" y="197"/>
+                    <a:pt x="35" y="209"/>
+                    <a:pt x="41" y="222"/>
+                  </a:cubicBezTo>
+                  <a:cubicBezTo>
+                    <a:pt x="40" y="219"/>
+                    <a:pt x="39" y="215"/>
+                    <a:pt x="38" y="212"/>
+                  </a:cubicBezTo>
+                  <a:cubicBezTo>
+                    <a:pt x="26" y="172"/>
+                    <a:pt x="18" y="132"/>
+                    <a:pt x="13" y="92"/>
+                  </a:cubicBezTo>
+                  <a:cubicBezTo>
+                    <a:pt x="11" y="68"/>
+                    <a:pt x="9" y="45"/>
+                    <a:pt x="8" y="22"/>
+                  </a:cubicBezTo>
+                  <a:cubicBezTo>
+                    <a:pt x="8" y="21"/>
+                    <a:pt x="7" y="20"/>
+                    <a:pt x="7" y="18"/>
+                  </a:cubicBezTo>
+                  <a:cubicBezTo>
+                    <a:pt x="5" y="12"/>
+                    <a:pt x="2" y="6"/>
+                    <a:pt x="0" y="0"/>
+                  </a:cubicBezTo>
+                  <a:close/>
+                </a:path>
+              </a:pathLst>
+            </a:custGeom>
+            <a:solidFill>
+              <a:schemeClr val="tx2">
+                <a:alpha val="20000"/>
+              </a:schemeClr>
+            </a:solidFill>
+            <a:ln>
+              <a:noFill/>
+            </a:ln>
+          </p:spPr>
+        </p:sp>
+        <p:sp>
+          <p:nvSpPr>
+            <p:cNvPr id="32" name="Freeform 19"/>
+            <p:cNvSpPr/>
+            <p:nvPr/>
+          </p:nvSpPr>
+          <p:spPr bwMode="auto">
+            <a:xfrm>
+              <a:off x="3148013" y="1282700"/>
+              <a:ext cx="1768475" cy="3448050"/>
+            </a:xfrm>
+            <a:custGeom>
+              <a:avLst/>
+              <a:gdLst/>
+              <a:ahLst/>
+              <a:cxnLst/>
+              <a:rect l="0" t="0" r="r" b="b"/>
+              <a:pathLst>
+                <a:path w="450" h="878">
+                  <a:moveTo>
+                    <a:pt x="7" y="854"/>
+                  </a:moveTo>
+                  <a:cubicBezTo>
+                    <a:pt x="10" y="772"/>
+                    <a:pt x="26" y="691"/>
+                    <a:pt x="50" y="613"/>
+                  </a:cubicBezTo>
+                  <a:cubicBezTo>
+                    <a:pt x="75" y="535"/>
+                    <a:pt x="109" y="460"/>
+                    <a:pt x="149" y="388"/>
+                  </a:cubicBezTo>
+                  <a:cubicBezTo>
+                    <a:pt x="189" y="316"/>
+                    <a:pt x="235" y="248"/>
+                    <a:pt x="285" y="183"/>
+                  </a:cubicBezTo>
+                  <a:cubicBezTo>
+                    <a:pt x="310" y="151"/>
+                    <a:pt x="337" y="119"/>
+                    <a:pt x="364" y="89"/>
+                  </a:cubicBezTo>
+                  <a:cubicBezTo>
+                    <a:pt x="378" y="74"/>
+                    <a:pt x="392" y="58"/>
+                    <a:pt x="406" y="44"/>
+                  </a:cubicBezTo>
+                  <a:cubicBezTo>
+                    <a:pt x="421" y="29"/>
+                    <a:pt x="435" y="15"/>
+                    <a:pt x="450" y="1"/>
+                  </a:cubicBezTo>
+                  <a:cubicBezTo>
+                    <a:pt x="450" y="0"/>
+                    <a:pt x="450" y="0"/>
+                    <a:pt x="450" y="0"/>
+                  </a:cubicBezTo>
+                  <a:cubicBezTo>
+                    <a:pt x="434" y="14"/>
+                    <a:pt x="420" y="28"/>
+                    <a:pt x="405" y="43"/>
+                  </a:cubicBezTo>
+                  <a:cubicBezTo>
+                    <a:pt x="391" y="57"/>
+                    <a:pt x="377" y="72"/>
+                    <a:pt x="363" y="88"/>
+                  </a:cubicBezTo>
+                  <a:cubicBezTo>
+                    <a:pt x="335" y="118"/>
+                    <a:pt x="308" y="149"/>
+                    <a:pt x="283" y="181"/>
+                  </a:cubicBezTo>
+                  <a:cubicBezTo>
+                    <a:pt x="232" y="246"/>
+                    <a:pt x="185" y="314"/>
+                    <a:pt x="145" y="386"/>
+                  </a:cubicBezTo>
+                  <a:cubicBezTo>
+                    <a:pt x="104" y="457"/>
+                    <a:pt x="70" y="533"/>
+                    <a:pt x="45" y="611"/>
+                  </a:cubicBezTo>
+                  <a:cubicBezTo>
+                    <a:pt x="19" y="690"/>
+                    <a:pt x="3" y="771"/>
+                    <a:pt x="0" y="854"/>
+                  </a:cubicBezTo>
+                  <a:cubicBezTo>
+                    <a:pt x="0" y="856"/>
+                    <a:pt x="0" y="857"/>
+                    <a:pt x="0" y="859"/>
+                  </a:cubicBezTo>
+                  <a:cubicBezTo>
+                    <a:pt x="2" y="865"/>
+                    <a:pt x="4" y="872"/>
+                    <a:pt x="7" y="878"/>
+                  </a:cubicBezTo>
+                  <a:cubicBezTo>
+                    <a:pt x="7" y="870"/>
+                    <a:pt x="7" y="862"/>
+                    <a:pt x="7" y="854"/>
+                  </a:cubicBezTo>
+                  <a:close/>
+                </a:path>
+              </a:pathLst>
+            </a:custGeom>
+            <a:solidFill>
+              <a:schemeClr val="tx2">
+                <a:alpha val="20000"/>
+              </a:schemeClr>
+            </a:solidFill>
+            <a:ln>
+              <a:noFill/>
+            </a:ln>
+          </p:spPr>
+        </p:sp>
+        <p:sp>
+          <p:nvSpPr>
+            <p:cNvPr id="33" name="Freeform 20"/>
+            <p:cNvSpPr/>
+            <p:nvPr/>
+          </p:nvSpPr>
+          <p:spPr bwMode="auto">
+            <a:xfrm>
+              <a:off x="3273426" y="5653088"/>
+              <a:ext cx="138113" cy="287338"/>
+            </a:xfrm>
+            <a:custGeom>
+              <a:avLst/>
+              <a:gdLst/>
+              <a:ahLst/>
+              <a:cxnLst/>
+              <a:rect l="0" t="0" r="r" b="b"/>
+              <a:pathLst>
+                <a:path w="35" h="73">
+                  <a:moveTo>
+                    <a:pt x="0" y="0"/>
+                  </a:moveTo>
+                  <a:cubicBezTo>
+                    <a:pt x="7" y="24"/>
+                    <a:pt x="16" y="49"/>
+                    <a:pt x="26" y="73"/>
+                  </a:cubicBezTo>
+                  <a:cubicBezTo>
+                    <a:pt x="35" y="73"/>
+                    <a:pt x="35" y="73"/>
+                    <a:pt x="35" y="73"/>
+                  </a:cubicBezTo>
+                  <a:cubicBezTo>
+                    <a:pt x="23" y="49"/>
+                    <a:pt x="11" y="24"/>
+                    <a:pt x="0" y="0"/>
+                  </a:cubicBezTo>
+                  <a:close/>
+                </a:path>
+              </a:pathLst>
+            </a:custGeom>
+            <a:solidFill>
+              <a:schemeClr val="tx2">
+                <a:alpha val="20000"/>
+              </a:schemeClr>
+            </a:solidFill>
+            <a:ln>
+              <a:noFill/>
+            </a:ln>
+          </p:spPr>
+        </p:sp>
+        <p:sp>
+          <p:nvSpPr>
+            <p:cNvPr id="34" name="Freeform 21"/>
+            <p:cNvSpPr/>
+            <p:nvPr/>
+          </p:nvSpPr>
+          <p:spPr bwMode="auto">
+            <a:xfrm>
+              <a:off x="3143251" y="4656138"/>
+              <a:ext cx="31750" cy="188913"/>
+            </a:xfrm>
+            <a:custGeom>
+              <a:avLst/>
+              <a:gdLst/>
+              <a:ahLst/>
+              <a:cxnLst/>
+              <a:rect l="0" t="0" r="r" b="b"/>
+              <a:pathLst>
+                <a:path w="8" h="48">
+                  <a:moveTo>
+                    <a:pt x="7" y="44"/>
+                  </a:moveTo>
+                  <a:cubicBezTo>
+                    <a:pt x="7" y="46"/>
+                    <a:pt x="8" y="47"/>
+                    <a:pt x="8" y="48"/>
+                  </a:cubicBezTo>
+                  <a:cubicBezTo>
+                    <a:pt x="8" y="38"/>
+                    <a:pt x="8" y="29"/>
+                    <a:pt x="8" y="19"/>
+                  </a:cubicBezTo>
+                  <a:cubicBezTo>
+                    <a:pt x="5" y="13"/>
+                    <a:pt x="3" y="6"/>
+                    <a:pt x="1" y="0"/>
+                  </a:cubicBezTo>
+                  <a:cubicBezTo>
+                    <a:pt x="0" y="9"/>
+                    <a:pt x="0" y="17"/>
+                    <a:pt x="0" y="26"/>
+                  </a:cubicBezTo>
+                  <a:cubicBezTo>
+                    <a:pt x="2" y="32"/>
+                    <a:pt x="5" y="38"/>
+                    <a:pt x="7" y="44"/>
+                  </a:cubicBezTo>
+                  <a:close/>
+                </a:path>
+              </a:pathLst>
+            </a:custGeom>
+            <a:solidFill>
+              <a:schemeClr val="tx2">
+                <a:alpha val="20000"/>
+              </a:schemeClr>
+            </a:solidFill>
+            <a:ln>
+              <a:noFill/>
+            </a:ln>
+          </p:spPr>
+        </p:sp>
+        <p:sp>
+          <p:nvSpPr>
+            <p:cNvPr id="35" name="Freeform 22"/>
+            <p:cNvSpPr/>
+            <p:nvPr/>
+          </p:nvSpPr>
+          <p:spPr bwMode="auto">
+            <a:xfrm>
+              <a:off x="3211513" y="5410200"/>
+              <a:ext cx="203200" cy="530225"/>
+            </a:xfrm>
+            <a:custGeom>
+              <a:avLst/>
+              <a:gdLst/>
+              <a:ahLst/>
+              <a:cxnLst/>
+              <a:rect l="0" t="0" r="r" b="b"/>
+              <a:pathLst>
+                <a:path w="52" h="135">
+                  <a:moveTo>
+                    <a:pt x="7" y="18"/>
+                  </a:moveTo>
+                  <a:cubicBezTo>
+                    <a:pt x="5" y="12"/>
+                    <a:pt x="2" y="6"/>
+                    <a:pt x="0" y="0"/>
+                  </a:cubicBezTo>
+                  <a:cubicBezTo>
+                    <a:pt x="3" y="16"/>
+                    <a:pt x="7" y="32"/>
+                    <a:pt x="12" y="48"/>
+                  </a:cubicBezTo>
+                  <a:cubicBezTo>
+                    <a:pt x="13" y="53"/>
+                    <a:pt x="14" y="57"/>
+                    <a:pt x="16" y="62"/>
+                  </a:cubicBezTo>
+                  <a:cubicBezTo>
+                    <a:pt x="27" y="86"/>
+                    <a:pt x="39" y="111"/>
+                    <a:pt x="51" y="135"/>
+                  </a:cubicBezTo>
+                  <a:cubicBezTo>
+                    <a:pt x="52" y="135"/>
+                    <a:pt x="52" y="135"/>
+                    <a:pt x="52" y="135"/>
+                  </a:cubicBezTo>
+                  <a:cubicBezTo>
+                    <a:pt x="41" y="109"/>
+                    <a:pt x="32" y="83"/>
+                    <a:pt x="24" y="56"/>
+                  </a:cubicBezTo>
+                  <a:cubicBezTo>
+                    <a:pt x="18" y="43"/>
+                    <a:pt x="13" y="31"/>
+                    <a:pt x="7" y="18"/>
+                  </a:cubicBezTo>
+                  <a:close/>
+                </a:path>
+              </a:pathLst>
+            </a:custGeom>
+            <a:solidFill>
+              <a:schemeClr val="tx2">
+                <a:alpha val="20000"/>
+              </a:schemeClr>
+            </a:solidFill>
+            <a:ln>
+              <a:noFill/>
+            </a:ln>
+          </p:spPr>
+        </p:sp>
+      </p:grpSp>
+      <p:grpSp>
+        <p:nvGrpSpPr>
+          <p:cNvPr id="10" name="Group 9"/>
+          <p:cNvGrpSpPr/>
+          <p:nvPr/>
+        </p:nvGrpSpPr>
+        <p:grpSpPr>
+          <a:xfrm>
+            <a:off x="27221" y="-786"/>
+            <a:ext cx="2356674" cy="6854039"/>
+            <a:chOff x="6627813" y="194833"/>
+            <a:chExt cx="1952625" cy="5678918"/>
+          </a:xfrm>
+        </p:grpSpPr>
+        <p:sp>
+          <p:nvSpPr>
+            <p:cNvPr id="11" name="Freeform 27"/>
+            <p:cNvSpPr/>
+            <p:nvPr/>
+          </p:nvSpPr>
+          <p:spPr bwMode="auto">
+            <a:xfrm>
+              <a:off x="6627813" y="194833"/>
+              <a:ext cx="409575" cy="3646488"/>
+            </a:xfrm>
+            <a:custGeom>
+              <a:avLst/>
+              <a:gdLst/>
+              <a:ahLst/>
+              <a:cxnLst/>
+              <a:rect l="0" t="0" r="r" b="b"/>
+              <a:pathLst>
+                <a:path w="103" h="920">
+                  <a:moveTo>
+                    <a:pt x="7" y="210"/>
+                  </a:moveTo>
+                  <a:cubicBezTo>
+                    <a:pt x="11" y="288"/>
+                    <a:pt x="17" y="367"/>
+                    <a:pt x="26" y="445"/>
+                  </a:cubicBezTo>
+                  <a:cubicBezTo>
+                    <a:pt x="34" y="523"/>
+                    <a:pt x="44" y="601"/>
+                    <a:pt x="57" y="679"/>
+                  </a:cubicBezTo>
+                  <a:cubicBezTo>
+                    <a:pt x="69" y="757"/>
+                    <a:pt x="84" y="834"/>
+                    <a:pt x="101" y="911"/>
+                  </a:cubicBezTo>
+                  <a:cubicBezTo>
+                    <a:pt x="102" y="914"/>
+                    <a:pt x="103" y="917"/>
+                    <a:pt x="103" y="920"/>
+                  </a:cubicBezTo>
+                  <a:cubicBezTo>
+                    <a:pt x="102" y="905"/>
+                    <a:pt x="100" y="889"/>
+                    <a:pt x="99" y="874"/>
+                  </a:cubicBezTo>
+                  <a:cubicBezTo>
+                    <a:pt x="99" y="871"/>
+                    <a:pt x="99" y="868"/>
+                    <a:pt x="99" y="866"/>
+                  </a:cubicBezTo>
+                  <a:cubicBezTo>
+                    <a:pt x="85" y="803"/>
+                    <a:pt x="73" y="741"/>
+                    <a:pt x="63" y="678"/>
+                  </a:cubicBezTo>
+                  <a:cubicBezTo>
+                    <a:pt x="50" y="600"/>
+                    <a:pt x="39" y="523"/>
+                    <a:pt x="30" y="444"/>
+                  </a:cubicBezTo>
+                  <a:cubicBezTo>
+                    <a:pt x="21" y="366"/>
+                    <a:pt x="14" y="288"/>
+                    <a:pt x="9" y="209"/>
+                  </a:cubicBezTo>
+                  <a:cubicBezTo>
+                    <a:pt x="7" y="170"/>
+                    <a:pt x="5" y="131"/>
+                    <a:pt x="3" y="92"/>
+                  </a:cubicBezTo>
+                  <a:cubicBezTo>
+                    <a:pt x="2" y="61"/>
+                    <a:pt x="1" y="31"/>
+                    <a:pt x="1" y="0"/>
+                  </a:cubicBezTo>
+                  <a:cubicBezTo>
+                    <a:pt x="0" y="0"/>
+                    <a:pt x="0" y="0"/>
+                    <a:pt x="0" y="0"/>
+                  </a:cubicBezTo>
+                  <a:cubicBezTo>
+                    <a:pt x="0" y="31"/>
+                    <a:pt x="1" y="61"/>
+                    <a:pt x="1" y="92"/>
+                  </a:cubicBezTo>
+                  <a:cubicBezTo>
+                    <a:pt x="3" y="131"/>
+                    <a:pt x="4" y="170"/>
+                    <a:pt x="7" y="210"/>
+                  </a:cubicBezTo>
+                  <a:close/>
+                </a:path>
+              </a:pathLst>
+            </a:custGeom>
+            <a:solidFill>
+              <a:schemeClr val="tx2"/>
+            </a:solidFill>
+            <a:ln>
+              <a:noFill/>
+            </a:ln>
+          </p:spPr>
+        </p:sp>
+        <p:sp>
+          <p:nvSpPr>
+            <p:cNvPr id="12" name="Freeform 28"/>
+            <p:cNvSpPr/>
+            <p:nvPr/>
+          </p:nvSpPr>
+          <p:spPr bwMode="auto">
+            <a:xfrm>
+              <a:off x="7061201" y="3771900"/>
+              <a:ext cx="350838" cy="1309688"/>
+            </a:xfrm>
+            <a:custGeom>
+              <a:avLst/>
+              <a:gdLst/>
+              <a:ahLst/>
+              <a:cxnLst/>
+              <a:rect l="0" t="0" r="r" b="b"/>
+              <a:pathLst>
+                <a:path w="88" h="330">
+                  <a:moveTo>
+                    <a:pt x="53" y="229"/>
+                  </a:moveTo>
+                  <a:cubicBezTo>
+                    <a:pt x="64" y="263"/>
+                    <a:pt x="75" y="297"/>
+                    <a:pt x="88" y="330"/>
+                  </a:cubicBezTo>
+                  <a:cubicBezTo>
+                    <a:pt x="88" y="323"/>
+                    <a:pt x="88" y="315"/>
+                    <a:pt x="88" y="308"/>
+                  </a:cubicBezTo>
+                  <a:cubicBezTo>
+                    <a:pt x="88" y="307"/>
+                    <a:pt x="88" y="305"/>
+                    <a:pt x="88" y="304"/>
+                  </a:cubicBezTo>
+                  <a:cubicBezTo>
+                    <a:pt x="79" y="278"/>
+                    <a:pt x="70" y="252"/>
+                    <a:pt x="62" y="226"/>
+                  </a:cubicBezTo>
+                  <a:cubicBezTo>
+                    <a:pt x="38" y="152"/>
+                    <a:pt x="17" y="76"/>
+                    <a:pt x="0" y="0"/>
+                  </a:cubicBezTo>
+                  <a:cubicBezTo>
+                    <a:pt x="2" y="21"/>
+                    <a:pt x="4" y="42"/>
+                    <a:pt x="7" y="63"/>
+                  </a:cubicBezTo>
+                  <a:cubicBezTo>
+                    <a:pt x="21" y="119"/>
+                    <a:pt x="36" y="174"/>
+                    <a:pt x="53" y="229"/>
+                  </a:cubicBezTo>
+                  <a:close/>
+                </a:path>
+              </a:pathLst>
+            </a:custGeom>
+            <a:solidFill>
+              <a:schemeClr val="tx2"/>
+            </a:solidFill>
+            <a:ln>
+              <a:noFill/>
+            </a:ln>
+          </p:spPr>
+        </p:sp>
+        <p:sp>
+          <p:nvSpPr>
+            <p:cNvPr id="13" name="Freeform 29"/>
+            <p:cNvSpPr/>
+            <p:nvPr/>
+          </p:nvSpPr>
+          <p:spPr bwMode="auto">
+            <a:xfrm>
+              <a:off x="7439026" y="5053013"/>
+              <a:ext cx="357188" cy="820738"/>
+            </a:xfrm>
+            <a:custGeom>
+              <a:avLst/>
+              <a:gdLst/>
+              <a:ahLst/>
+              <a:cxnLst/>
+              <a:rect l="0" t="0" r="r" b="b"/>
+              <a:pathLst>
+                <a:path w="90" h="207">
+                  <a:moveTo>
+                    <a:pt x="6" y="15"/>
+                  </a:moveTo>
+                  <a:cubicBezTo>
+                    <a:pt x="4" y="10"/>
+                    <a:pt x="2" y="5"/>
+                    <a:pt x="0" y="0"/>
+                  </a:cubicBezTo>
+                  <a:cubicBezTo>
+                    <a:pt x="0" y="9"/>
+                    <a:pt x="0" y="19"/>
+                    <a:pt x="1" y="29"/>
+                  </a:cubicBezTo>
+                  <a:cubicBezTo>
+                    <a:pt x="14" y="62"/>
+                    <a:pt x="27" y="95"/>
+                    <a:pt x="42" y="127"/>
+                  </a:cubicBezTo>
+                  <a:cubicBezTo>
+                    <a:pt x="54" y="154"/>
+                    <a:pt x="67" y="181"/>
+                    <a:pt x="80" y="207"/>
+                  </a:cubicBezTo>
+                  <a:cubicBezTo>
+                    <a:pt x="90" y="207"/>
+                    <a:pt x="90" y="207"/>
+                    <a:pt x="90" y="207"/>
+                  </a:cubicBezTo>
+                  <a:cubicBezTo>
+                    <a:pt x="76" y="180"/>
+                    <a:pt x="63" y="152"/>
+                    <a:pt x="50" y="123"/>
+                  </a:cubicBezTo>
+                  <a:cubicBezTo>
+                    <a:pt x="34" y="88"/>
+                    <a:pt x="20" y="51"/>
+                    <a:pt x="6" y="15"/>
+                  </a:cubicBezTo>
+                  <a:close/>
+                </a:path>
+              </a:pathLst>
+            </a:custGeom>
+            <a:solidFill>
+              <a:schemeClr val="tx2"/>
+            </a:solidFill>
+            <a:ln>
+              <a:noFill/>
+            </a:ln>
+          </p:spPr>
+        </p:sp>
+        <p:sp>
+          <p:nvSpPr>
+            <p:cNvPr id="14" name="Freeform 30"/>
+            <p:cNvSpPr/>
+            <p:nvPr/>
+          </p:nvSpPr>
+          <p:spPr bwMode="auto">
+            <a:xfrm>
+              <a:off x="7037388" y="3811588"/>
+              <a:ext cx="457200" cy="1852613"/>
+            </a:xfrm>
+            <a:custGeom>
+              <a:avLst/>
+              <a:gdLst/>
+              <a:ahLst/>
+              <a:cxnLst/>
+              <a:rect l="0" t="0" r="r" b="b"/>
+              <a:pathLst>
+                <a:path w="115" h="467">
+                  <a:moveTo>
+                    <a:pt x="101" y="409"/>
+                  </a:moveTo>
+                  <a:cubicBezTo>
+                    <a:pt x="93" y="388"/>
+                    <a:pt x="85" y="366"/>
+                    <a:pt x="78" y="344"/>
+                  </a:cubicBezTo>
+                  <a:cubicBezTo>
+                    <a:pt x="57" y="281"/>
+                    <a:pt x="41" y="216"/>
+                    <a:pt x="29" y="151"/>
+                  </a:cubicBezTo>
+                  <a:cubicBezTo>
+                    <a:pt x="22" y="119"/>
+                    <a:pt x="17" y="86"/>
+                    <a:pt x="13" y="53"/>
+                  </a:cubicBezTo>
+                  <a:cubicBezTo>
+                    <a:pt x="9" y="35"/>
+                    <a:pt x="4" y="18"/>
+                    <a:pt x="0" y="0"/>
+                  </a:cubicBezTo>
+                  <a:cubicBezTo>
+                    <a:pt x="5" y="51"/>
+                    <a:pt x="12" y="102"/>
+                    <a:pt x="21" y="152"/>
+                  </a:cubicBezTo>
+                  <a:cubicBezTo>
+                    <a:pt x="33" y="218"/>
+                    <a:pt x="49" y="283"/>
+                    <a:pt x="69" y="347"/>
+                  </a:cubicBezTo>
+                  <a:cubicBezTo>
+                    <a:pt x="79" y="378"/>
+                    <a:pt x="90" y="410"/>
+                    <a:pt x="103" y="441"/>
+                  </a:cubicBezTo>
+                  <a:cubicBezTo>
+                    <a:pt x="107" y="449"/>
+                    <a:pt x="111" y="458"/>
+                    <a:pt x="115" y="467"/>
+                  </a:cubicBezTo>
+                  <a:cubicBezTo>
+                    <a:pt x="114" y="464"/>
+                    <a:pt x="113" y="461"/>
+                    <a:pt x="112" y="458"/>
+                  </a:cubicBezTo>
+                  <a:cubicBezTo>
+                    <a:pt x="108" y="442"/>
+                    <a:pt x="104" y="425"/>
+                    <a:pt x="101" y="409"/>
+                  </a:cubicBezTo>
+                  <a:close/>
+                </a:path>
+              </a:pathLst>
+            </a:custGeom>
+            <a:solidFill>
+              <a:schemeClr val="tx2"/>
+            </a:solidFill>
+            <a:ln>
+              <a:noFill/>
+            </a:ln>
+          </p:spPr>
+        </p:sp>
+        <p:sp>
+          <p:nvSpPr>
+            <p:cNvPr id="15" name="Freeform 31"/>
+            <p:cNvSpPr/>
+            <p:nvPr/>
+          </p:nvSpPr>
+          <p:spPr bwMode="auto">
+            <a:xfrm>
+              <a:off x="6992938" y="1263650"/>
+              <a:ext cx="144463" cy="2508250"/>
+            </a:xfrm>
+            <a:custGeom>
+              <a:avLst/>
+              <a:gdLst/>
+              <a:ahLst/>
+              <a:cxnLst/>
+              <a:rect l="0" t="0" r="r" b="b"/>
+              <a:pathLst>
+                <a:path w="36" h="633">
+                  <a:moveTo>
+                    <a:pt x="17" y="633"/>
+                  </a:moveTo>
+                  <a:cubicBezTo>
+                    <a:pt x="15" y="621"/>
+                    <a:pt x="14" y="609"/>
+                    <a:pt x="13" y="597"/>
+                  </a:cubicBezTo>
+                  <a:cubicBezTo>
+                    <a:pt x="8" y="530"/>
+                    <a:pt x="5" y="464"/>
+                    <a:pt x="5" y="398"/>
+                  </a:cubicBezTo>
+                  <a:cubicBezTo>
+                    <a:pt x="5" y="331"/>
+                    <a:pt x="8" y="265"/>
+                    <a:pt x="13" y="198"/>
+                  </a:cubicBezTo>
+                  <a:cubicBezTo>
+                    <a:pt x="15" y="165"/>
+                    <a:pt x="18" y="132"/>
+                    <a:pt x="22" y="99"/>
+                  </a:cubicBezTo>
+                  <a:cubicBezTo>
+                    <a:pt x="26" y="66"/>
+                    <a:pt x="30" y="33"/>
+                    <a:pt x="36" y="0"/>
+                  </a:cubicBezTo>
+                  <a:cubicBezTo>
+                    <a:pt x="35" y="0"/>
+                    <a:pt x="35" y="0"/>
+                    <a:pt x="35" y="0"/>
+                  </a:cubicBezTo>
+                  <a:cubicBezTo>
+                    <a:pt x="29" y="33"/>
+                    <a:pt x="24" y="66"/>
+                    <a:pt x="20" y="99"/>
+                  </a:cubicBezTo>
+                  <a:cubicBezTo>
+                    <a:pt x="16" y="132"/>
+                    <a:pt x="13" y="165"/>
+                    <a:pt x="10" y="198"/>
+                  </a:cubicBezTo>
+                  <a:cubicBezTo>
+                    <a:pt x="4" y="264"/>
+                    <a:pt x="1" y="331"/>
+                    <a:pt x="1" y="398"/>
+                  </a:cubicBezTo>
+                  <a:cubicBezTo>
+                    <a:pt x="0" y="461"/>
+                    <a:pt x="2" y="525"/>
+                    <a:pt x="7" y="589"/>
+                  </a:cubicBezTo>
+                  <a:cubicBezTo>
+                    <a:pt x="10" y="603"/>
+                    <a:pt x="13" y="618"/>
+                    <a:pt x="16" y="632"/>
+                  </a:cubicBezTo>
+                  <a:cubicBezTo>
+                    <a:pt x="16" y="632"/>
+                    <a:pt x="17" y="633"/>
+                    <a:pt x="17" y="633"/>
+                  </a:cubicBezTo>
+                  <a:close/>
+                </a:path>
+              </a:pathLst>
+            </a:custGeom>
+            <a:solidFill>
+              <a:schemeClr val="tx2"/>
+            </a:solidFill>
+            <a:ln>
+              <a:noFill/>
+            </a:ln>
+          </p:spPr>
+        </p:sp>
+        <p:sp>
+          <p:nvSpPr>
+            <p:cNvPr id="16" name="Freeform 32"/>
+            <p:cNvSpPr/>
+            <p:nvPr/>
+          </p:nvSpPr>
+          <p:spPr bwMode="auto">
+            <a:xfrm>
+              <a:off x="7526338" y="5640388"/>
+              <a:ext cx="111125" cy="233363"/>
+            </a:xfrm>
+            <a:custGeom>
+              <a:avLst/>
+              <a:gdLst/>
+              <a:ahLst/>
+              <a:cxnLst/>
+              <a:rect l="0" t="0" r="r" b="b"/>
+              <a:pathLst>
+                <a:path w="28" h="59">
+                  <a:moveTo>
+                    <a:pt x="22" y="59"/>
+                  </a:moveTo>
+                  <a:cubicBezTo>
+                    <a:pt x="28" y="59"/>
+                    <a:pt x="28" y="59"/>
+                    <a:pt x="28" y="59"/>
+                  </a:cubicBezTo>
+                  <a:cubicBezTo>
+                    <a:pt x="18" y="40"/>
+                    <a:pt x="9" y="20"/>
+                    <a:pt x="0" y="0"/>
+                  </a:cubicBezTo>
+                  <a:cubicBezTo>
+                    <a:pt x="6" y="20"/>
+                    <a:pt x="13" y="40"/>
+                    <a:pt x="22" y="59"/>
+                  </a:cubicBezTo>
+                  <a:close/>
+                </a:path>
+              </a:pathLst>
+            </a:custGeom>
+            <a:solidFill>
+              <a:schemeClr val="tx2"/>
+            </a:solidFill>
+            <a:ln>
+              <a:noFill/>
+            </a:ln>
+          </p:spPr>
+        </p:sp>
+        <p:sp>
+          <p:nvSpPr>
+            <p:cNvPr id="17" name="Freeform 33"/>
+            <p:cNvSpPr/>
+            <p:nvPr/>
+          </p:nvSpPr>
+          <p:spPr bwMode="auto">
+            <a:xfrm>
+              <a:off x="7021513" y="3598863"/>
+              <a:ext cx="68263" cy="423863"/>
+            </a:xfrm>
+            <a:custGeom>
+              <a:avLst/>
+              <a:gdLst/>
+              <a:ahLst/>
+              <a:cxnLst/>
+              <a:rect l="0" t="0" r="r" b="b"/>
+              <a:pathLst>
+                <a:path w="17" h="107">
+                  <a:moveTo>
+                    <a:pt x="4" y="54"/>
+                  </a:moveTo>
+                  <a:cubicBezTo>
+                    <a:pt x="8" y="72"/>
+                    <a:pt x="13" y="89"/>
+                    <a:pt x="17" y="107"/>
+                  </a:cubicBezTo>
+                  <a:cubicBezTo>
+                    <a:pt x="14" y="86"/>
+                    <a:pt x="12" y="65"/>
+                    <a:pt x="10" y="44"/>
+                  </a:cubicBezTo>
+                  <a:cubicBezTo>
+                    <a:pt x="10" y="44"/>
+                    <a:pt x="9" y="43"/>
+                    <a:pt x="9" y="43"/>
+                  </a:cubicBezTo>
+                  <a:cubicBezTo>
+                    <a:pt x="6" y="29"/>
+                    <a:pt x="3" y="14"/>
+                    <a:pt x="0" y="0"/>
+                  </a:cubicBezTo>
+                  <a:cubicBezTo>
+                    <a:pt x="0" y="2"/>
+                    <a:pt x="0" y="5"/>
+                    <a:pt x="0" y="8"/>
+                  </a:cubicBezTo>
+                  <a:cubicBezTo>
+                    <a:pt x="1" y="23"/>
+                    <a:pt x="3" y="39"/>
+                    <a:pt x="4" y="54"/>
+                  </a:cubicBezTo>
+                  <a:close/>
+                </a:path>
+              </a:pathLst>
+            </a:custGeom>
+            <a:solidFill>
+              <a:schemeClr val="tx2"/>
+            </a:solidFill>
+            <a:ln>
+              <a:noFill/>
+            </a:ln>
+          </p:spPr>
+        </p:sp>
+        <p:sp>
+          <p:nvSpPr>
+            <p:cNvPr id="18" name="Freeform 34"/>
+            <p:cNvSpPr/>
+            <p:nvPr/>
+          </p:nvSpPr>
+          <p:spPr bwMode="auto">
+            <a:xfrm>
+              <a:off x="7412038" y="2801938"/>
+              <a:ext cx="1168400" cy="2251075"/>
+            </a:xfrm>
+            <a:custGeom>
+              <a:avLst/>
+              <a:gdLst/>
+              <a:ahLst/>
+              <a:cxnLst/>
+              <a:rect l="0" t="0" r="r" b="b"/>
+              <a:pathLst>
+                <a:path w="294" h="568">
+                  <a:moveTo>
+                    <a:pt x="8" y="553"/>
+                  </a:moveTo>
+                  <a:cubicBezTo>
+                    <a:pt x="9" y="501"/>
+                    <a:pt x="19" y="448"/>
+                    <a:pt x="35" y="397"/>
+                  </a:cubicBezTo>
+                  <a:cubicBezTo>
+                    <a:pt x="51" y="347"/>
+                    <a:pt x="73" y="298"/>
+                    <a:pt x="99" y="252"/>
+                  </a:cubicBezTo>
+                  <a:cubicBezTo>
+                    <a:pt x="124" y="205"/>
+                    <a:pt x="154" y="161"/>
+                    <a:pt x="187" y="119"/>
+                  </a:cubicBezTo>
+                  <a:cubicBezTo>
+                    <a:pt x="203" y="98"/>
+                    <a:pt x="220" y="77"/>
+                    <a:pt x="238" y="58"/>
+                  </a:cubicBezTo>
+                  <a:cubicBezTo>
+                    <a:pt x="247" y="48"/>
+                    <a:pt x="256" y="38"/>
+                    <a:pt x="265" y="28"/>
+                  </a:cubicBezTo>
+                  <a:cubicBezTo>
+                    <a:pt x="274" y="19"/>
+                    <a:pt x="284" y="9"/>
+                    <a:pt x="294" y="0"/>
+                  </a:cubicBezTo>
+                  <a:cubicBezTo>
+                    <a:pt x="293" y="0"/>
+                    <a:pt x="293" y="0"/>
+                    <a:pt x="293" y="0"/>
+                  </a:cubicBezTo>
+                  <a:cubicBezTo>
+                    <a:pt x="283" y="9"/>
+                    <a:pt x="273" y="18"/>
+                    <a:pt x="264" y="27"/>
+                  </a:cubicBezTo>
+                  <a:cubicBezTo>
+                    <a:pt x="255" y="37"/>
+                    <a:pt x="246" y="47"/>
+                    <a:pt x="237" y="56"/>
+                  </a:cubicBezTo>
+                  <a:cubicBezTo>
+                    <a:pt x="218" y="76"/>
+                    <a:pt x="201" y="96"/>
+                    <a:pt x="185" y="117"/>
+                  </a:cubicBezTo>
+                  <a:cubicBezTo>
+                    <a:pt x="151" y="159"/>
+                    <a:pt x="121" y="203"/>
+                    <a:pt x="95" y="249"/>
+                  </a:cubicBezTo>
+                  <a:cubicBezTo>
+                    <a:pt x="68" y="296"/>
+                    <a:pt x="46" y="345"/>
+                    <a:pt x="30" y="396"/>
+                  </a:cubicBezTo>
+                  <a:cubicBezTo>
+                    <a:pt x="13" y="445"/>
+                    <a:pt x="3" y="497"/>
+                    <a:pt x="0" y="549"/>
+                  </a:cubicBezTo>
+                  <a:cubicBezTo>
+                    <a:pt x="3" y="555"/>
+                    <a:pt x="5" y="561"/>
+                    <a:pt x="7" y="568"/>
+                  </a:cubicBezTo>
+                  <a:cubicBezTo>
+                    <a:pt x="7" y="563"/>
+                    <a:pt x="7" y="558"/>
+                    <a:pt x="8" y="553"/>
+                  </a:cubicBezTo>
+                  <a:close/>
+                </a:path>
+              </a:pathLst>
+            </a:custGeom>
+            <a:solidFill>
+              <a:schemeClr val="tx2"/>
+            </a:solidFill>
+            <a:ln>
+              <a:noFill/>
+            </a:ln>
+          </p:spPr>
+        </p:sp>
+        <p:sp>
+          <p:nvSpPr>
+            <p:cNvPr id="19" name="Freeform 35"/>
+            <p:cNvSpPr/>
+            <p:nvPr/>
+          </p:nvSpPr>
+          <p:spPr bwMode="auto">
+            <a:xfrm>
+              <a:off x="7494588" y="5664200"/>
+              <a:ext cx="100013" cy="209550"/>
+            </a:xfrm>
+            <a:custGeom>
+              <a:avLst/>
+              <a:gdLst/>
+              <a:ahLst/>
+              <a:cxnLst/>
+              <a:rect l="0" t="0" r="r" b="b"/>
+              <a:pathLst>
+                <a:path w="25" h="53">
+                  <a:moveTo>
+                    <a:pt x="0" y="0"/>
+                  </a:moveTo>
+                  <a:cubicBezTo>
+                    <a:pt x="5" y="18"/>
+                    <a:pt x="12" y="36"/>
+                    <a:pt x="19" y="53"/>
+                  </a:cubicBezTo>
+                  <a:cubicBezTo>
+                    <a:pt x="25" y="53"/>
+                    <a:pt x="25" y="53"/>
+                    <a:pt x="25" y="53"/>
+                  </a:cubicBezTo>
+                  <a:cubicBezTo>
+                    <a:pt x="16" y="36"/>
+                    <a:pt x="8" y="18"/>
+                    <a:pt x="0" y="0"/>
+                  </a:cubicBezTo>
+                  <a:close/>
+                </a:path>
+              </a:pathLst>
+            </a:custGeom>
+            <a:solidFill>
+              <a:schemeClr val="tx2"/>
+            </a:solidFill>
+            <a:ln>
+              <a:noFill/>
+            </a:ln>
+          </p:spPr>
+        </p:sp>
+        <p:sp>
+          <p:nvSpPr>
+            <p:cNvPr id="20" name="Freeform 36"/>
+            <p:cNvSpPr/>
+            <p:nvPr/>
+          </p:nvSpPr>
+          <p:spPr bwMode="auto">
+            <a:xfrm>
+              <a:off x="7412038" y="5081588"/>
+              <a:ext cx="114300" cy="558800"/>
+            </a:xfrm>
+            <a:custGeom>
+              <a:avLst/>
+              <a:gdLst/>
+              <a:ahLst/>
+              <a:cxnLst/>
+              <a:rect l="0" t="0" r="r" b="b"/>
+              <a:pathLst>
+                <a:path w="29" h="141">
+                  <a:moveTo>
+                    <a:pt x="0" y="0"/>
+                  </a:moveTo>
+                  <a:cubicBezTo>
+                    <a:pt x="0" y="30"/>
+                    <a:pt x="2" y="60"/>
+                    <a:pt x="7" y="89"/>
+                  </a:cubicBezTo>
+                  <a:cubicBezTo>
+                    <a:pt x="11" y="98"/>
+                    <a:pt x="14" y="108"/>
+                    <a:pt x="18" y="117"/>
+                  </a:cubicBezTo>
+                  <a:cubicBezTo>
+                    <a:pt x="22" y="125"/>
+                    <a:pt x="25" y="133"/>
+                    <a:pt x="29" y="141"/>
+                  </a:cubicBezTo>
+                  <a:cubicBezTo>
+                    <a:pt x="28" y="139"/>
+                    <a:pt x="28" y="137"/>
+                    <a:pt x="27" y="135"/>
+                  </a:cubicBezTo>
+                  <a:cubicBezTo>
+                    <a:pt x="16" y="98"/>
+                    <a:pt x="10" y="60"/>
+                    <a:pt x="8" y="22"/>
+                  </a:cubicBezTo>
+                  <a:cubicBezTo>
+                    <a:pt x="7" y="18"/>
+                    <a:pt x="5" y="15"/>
+                    <a:pt x="4" y="11"/>
+                  </a:cubicBezTo>
+                  <a:cubicBezTo>
+                    <a:pt x="2" y="7"/>
+                    <a:pt x="1" y="3"/>
+                    <a:pt x="0" y="0"/>
+                  </a:cubicBezTo>
+                  <a:close/>
+                </a:path>
+              </a:pathLst>
+            </a:custGeom>
+            <a:solidFill>
+              <a:schemeClr val="tx2"/>
+            </a:solidFill>
+            <a:ln>
+              <a:noFill/>
+            </a:ln>
+          </p:spPr>
+        </p:sp>
+        <p:sp>
+          <p:nvSpPr>
+            <p:cNvPr id="21" name="Freeform 37"/>
+            <p:cNvSpPr/>
+            <p:nvPr/>
+          </p:nvSpPr>
+          <p:spPr bwMode="auto">
+            <a:xfrm>
+              <a:off x="7412038" y="4978400"/>
+              <a:ext cx="31750" cy="188913"/>
+            </a:xfrm>
+            <a:custGeom>
+              <a:avLst/>
+              <a:gdLst/>
+              <a:ahLst/>
+              <a:cxnLst/>
+              <a:rect l="0" t="0" r="r" b="b"/>
+              <a:pathLst>
+                <a:path w="8" h="48">
+                  <a:moveTo>
+                    <a:pt x="0" y="26"/>
+                  </a:moveTo>
+                  <a:cubicBezTo>
+                    <a:pt x="1" y="29"/>
+                    <a:pt x="2" y="33"/>
+                    <a:pt x="4" y="37"/>
+                  </a:cubicBezTo>
+                  <a:cubicBezTo>
+                    <a:pt x="5" y="41"/>
+                    <a:pt x="7" y="44"/>
+                    <a:pt x="8" y="48"/>
+                  </a:cubicBezTo>
+                  <a:cubicBezTo>
+                    <a:pt x="7" y="38"/>
+                    <a:pt x="7" y="28"/>
+                    <a:pt x="7" y="19"/>
+                  </a:cubicBezTo>
+                  <a:cubicBezTo>
+                    <a:pt x="5" y="12"/>
+                    <a:pt x="3" y="6"/>
+                    <a:pt x="0" y="0"/>
+                  </a:cubicBezTo>
+                  <a:cubicBezTo>
+                    <a:pt x="0" y="1"/>
+                    <a:pt x="0" y="3"/>
+                    <a:pt x="0" y="4"/>
+                  </a:cubicBezTo>
+                  <a:cubicBezTo>
+                    <a:pt x="0" y="11"/>
+                    <a:pt x="0" y="19"/>
+                    <a:pt x="0" y="26"/>
+                  </a:cubicBezTo>
+                  <a:close/>
+                </a:path>
+              </a:pathLst>
+            </a:custGeom>
+            <a:solidFill>
+              <a:schemeClr val="tx2"/>
+            </a:solidFill>
+            <a:ln>
+              <a:noFill/>
+            </a:ln>
+          </p:spPr>
+        </p:sp>
+        <p:sp>
+          <p:nvSpPr>
+            <p:cNvPr id="22" name="Freeform 38"/>
+            <p:cNvSpPr/>
+            <p:nvPr/>
+          </p:nvSpPr>
+          <p:spPr bwMode="auto">
+            <a:xfrm>
+              <a:off x="7439026" y="5434013"/>
+              <a:ext cx="174625" cy="439738"/>
+            </a:xfrm>
+            <a:custGeom>
+              <a:avLst/>
+              <a:gdLst/>
+              <a:ahLst/>
+              <a:cxnLst/>
+              <a:rect l="0" t="0" r="r" b="b"/>
+              <a:pathLst>
+                <a:path w="44" h="111">
+                  <a:moveTo>
+                    <a:pt x="11" y="28"/>
+                  </a:moveTo>
+                  <a:cubicBezTo>
+                    <a:pt x="7" y="19"/>
+                    <a:pt x="4" y="9"/>
+                    <a:pt x="0" y="0"/>
+                  </a:cubicBezTo>
+                  <a:cubicBezTo>
+                    <a:pt x="3" y="16"/>
+                    <a:pt x="7" y="33"/>
+                    <a:pt x="11" y="49"/>
+                  </a:cubicBezTo>
+                  <a:cubicBezTo>
+                    <a:pt x="12" y="52"/>
+                    <a:pt x="13" y="55"/>
+                    <a:pt x="14" y="58"/>
+                  </a:cubicBezTo>
+                  <a:cubicBezTo>
+                    <a:pt x="22" y="76"/>
+                    <a:pt x="30" y="94"/>
+                    <a:pt x="39" y="111"/>
+                  </a:cubicBezTo>
+                  <a:cubicBezTo>
+                    <a:pt x="44" y="111"/>
+                    <a:pt x="44" y="111"/>
+                    <a:pt x="44" y="111"/>
+                  </a:cubicBezTo>
+                  <a:cubicBezTo>
+                    <a:pt x="35" y="92"/>
+                    <a:pt x="28" y="72"/>
+                    <a:pt x="22" y="52"/>
+                  </a:cubicBezTo>
+                  <a:cubicBezTo>
+                    <a:pt x="18" y="44"/>
+                    <a:pt x="15" y="36"/>
+                    <a:pt x="11" y="28"/>
+                  </a:cubicBezTo>
+                  <a:close/>
+                </a:path>
+              </a:pathLst>
+            </a:custGeom>
+            <a:solidFill>
+              <a:schemeClr val="tx2"/>
+            </a:solidFill>
+            <a:ln>
+              <a:noFill/>
+            </a:ln>
+          </p:spPr>
+        </p:sp>
+      </p:grpSp>
+      <p:sp>
+        <p:nvSpPr>
+          <p:cNvPr id="7" name="Rectangle 6"/>
+          <p:cNvSpPr/>
+          <p:nvPr/>
         </p:nvSpPr>
         <p:spPr>
           <a:xfrm>
-            <a:off x="838200" y="365125"/>
-            <a:ext cx="10515600" cy="1325563"/>
+            <a:off x="0" y="0"/>
+            <a:ext cx="182880" cy="6858000"/>
+          </a:xfrm>
+          <a:prstGeom prst="rect">
+            <a:avLst/>
+          </a:prstGeom>
+          <a:solidFill>
+            <a:schemeClr val="tx2"/>
+          </a:solidFill>
+          <a:ln>
+            <a:noFill/>
+          </a:ln>
+          <a:effectLst/>
+        </p:spPr>
+        <p:style>
+          <a:lnRef idx="1">
+            <a:schemeClr val="accent1"/>
+          </a:lnRef>
+          <a:fillRef idx="3">
+            <a:schemeClr val="accent1"/>
+          </a:fillRef>
+          <a:effectRef idx="2">
+            <a:schemeClr val="accent1"/>
+          </a:effectRef>
+          <a:fontRef idx="minor">
+            <a:schemeClr val="lt1"/>
+          </a:fontRef>
+        </p:style>
+      </p:sp>
+      <p:sp>
+        <p:nvSpPr>
+          <p:cNvPr id="2" name="Title Placeholder 1"/>
+          <p:cNvSpPr>
+            <a:spLocks noGrp="1"/>
+          </p:cNvSpPr>
+          <p:nvPr>
+            <p:ph type="title"/>
+          </p:nvPr>
+        </p:nvSpPr>
+        <p:spPr>
+          <a:xfrm>
+            <a:off x="2592924" y="624110"/>
+            <a:ext cx="8911687" cy="1280890"/>
           </a:xfrm>
           <a:prstGeom prst="rect">
             <a:avLst/>
           </a:prstGeom>
         </p:spPr>
         <p:txBody>
-          <a:bodyPr vert="horz" lIns="91440" tIns="45720" rIns="91440" bIns="45720" rtlCol="1" anchor="ctr">
+          <a:bodyPr vert="horz" lIns="91440" tIns="45720" rIns="91440" bIns="45720" rtlCol="0" anchor="t">
             <a:normAutofit/>
           </a:bodyPr>
           <a:lstStyle/>
@@ -2793,18 +7496,13 @@
               <a:rPr lang="he-IL"/>
               <a:t>לחץ כדי לערוך סגנון כותרת של תבנית בסיס</a:t>
             </a:r>
-          </a:p>
-        </p:txBody>
-      </p:sp>
-      <p:sp>
-        <p:nvSpPr>
-          <p:cNvPr id="3" name="מציין מיקום טקסט 2">
-            <a:extLst>
-              <a:ext uri="{FF2B5EF4-FFF2-40B4-BE49-F238E27FC236}">
-                <a16:creationId xmlns:a16="http://schemas.microsoft.com/office/drawing/2014/main" id="{37C3A04A-511A-10E4-D911-F6014C902A16}"/>
-              </a:ext>
-            </a:extLst>
-          </p:cNvPr>
+            <a:endParaRPr lang="en-US" dirty="0"/>
+          </a:p>
+        </p:txBody>
+      </p:sp>
+      <p:sp>
+        <p:nvSpPr>
+          <p:cNvPr id="3" name="Text Placeholder 2"/>
           <p:cNvSpPr>
             <a:spLocks noGrp="1"/>
           </p:cNvSpPr>
@@ -2814,15 +7512,15 @@
         </p:nvSpPr>
         <p:spPr>
           <a:xfrm>
-            <a:off x="838200" y="1825625"/>
-            <a:ext cx="10515600" cy="4351338"/>
+            <a:off x="2589212" y="2133600"/>
+            <a:ext cx="8915400" cy="3886200"/>
           </a:xfrm>
           <a:prstGeom prst="rect">
             <a:avLst/>
           </a:prstGeom>
         </p:spPr>
         <p:txBody>
-          <a:bodyPr vert="horz" lIns="91440" tIns="45720" rIns="91440" bIns="45720" rtlCol="1">
+          <a:bodyPr vert="horz" lIns="91440" tIns="45720" rIns="91440" bIns="45720" rtlCol="0">
             <a:normAutofit/>
           </a:bodyPr>
           <a:lstStyle/>
@@ -2860,18 +7558,13 @@
               <a:rPr lang="he-IL"/>
               <a:t>רמה חמישית</a:t>
             </a:r>
-          </a:p>
-        </p:txBody>
-      </p:sp>
-      <p:sp>
-        <p:nvSpPr>
-          <p:cNvPr id="4" name="מציין מיקום של תאריך 3">
-            <a:extLst>
-              <a:ext uri="{FF2B5EF4-FFF2-40B4-BE49-F238E27FC236}">
-                <a16:creationId xmlns:a16="http://schemas.microsoft.com/office/drawing/2014/main" id="{F9EC8339-4435-A4C6-CF74-3C1E4043F321}"/>
-              </a:ext>
-            </a:extLst>
-          </p:cNvPr>
+            <a:endParaRPr lang="en-US" dirty="0"/>
+          </a:p>
+        </p:txBody>
+      </p:sp>
+      <p:sp>
+        <p:nvSpPr>
+          <p:cNvPr id="4" name="Date Placeholder 3"/>
           <p:cNvSpPr>
             <a:spLocks noGrp="1"/>
           </p:cNvSpPr>
@@ -2881,18 +7574,18 @@
         </p:nvSpPr>
         <p:spPr>
           <a:xfrm>
-            <a:off x="8610600" y="6356350"/>
-            <a:ext cx="2743200" cy="365125"/>
+            <a:off x="10361612" y="6130437"/>
+            <a:ext cx="1146283" cy="370396"/>
           </a:xfrm>
           <a:prstGeom prst="rect">
             <a:avLst/>
           </a:prstGeom>
         </p:spPr>
         <p:txBody>
-          <a:bodyPr vert="horz" lIns="91440" tIns="45720" rIns="91440" bIns="45720" rtlCol="1" anchor="ctr"/>
+          <a:bodyPr vert="horz" lIns="91440" tIns="45720" rIns="91440" bIns="45720" rtlCol="0" anchor="ctr"/>
           <a:lstStyle>
             <a:lvl1pPr algn="r">
-              <a:defRPr sz="1200">
+              <a:defRPr sz="900">
                 <a:solidFill>
                   <a:schemeClr val="tx1">
                     <a:tint val="75000"/>
@@ -2904,7 +7597,7 @@
           <a:p>
             <a:fld id="{A0D2388C-ECDA-4972-A72B-60BD93EA7385}" type="datetimeFigureOut">
               <a:rPr lang="he-IL" smtClean="0"/>
-              <a:t>כ"ב/טבת/תשפ"ה</a:t>
+              <a:t>כ"ג/טבת/תשפ"ה</a:t>
             </a:fld>
             <a:endParaRPr lang="he-IL"/>
           </a:p>
@@ -2912,13 +7605,7 @@
       </p:sp>
       <p:sp>
         <p:nvSpPr>
-          <p:cNvPr id="5" name="מציין מיקום של כותרת תחתונה 4">
-            <a:extLst>
-              <a:ext uri="{FF2B5EF4-FFF2-40B4-BE49-F238E27FC236}">
-                <a16:creationId xmlns:a16="http://schemas.microsoft.com/office/drawing/2014/main" id="{AE97BBB9-4973-ABC0-59A4-3F5092C5AA20}"/>
-              </a:ext>
-            </a:extLst>
-          </p:cNvPr>
+          <p:cNvPr id="5" name="Footer Placeholder 4"/>
           <p:cNvSpPr>
             <a:spLocks noGrp="1"/>
           </p:cNvSpPr>
@@ -2928,18 +7615,18 @@
         </p:nvSpPr>
         <p:spPr>
           <a:xfrm>
-            <a:off x="4038600" y="6356350"/>
-            <a:ext cx="4114800" cy="365125"/>
+            <a:off x="2589212" y="6135808"/>
+            <a:ext cx="7619999" cy="365125"/>
           </a:xfrm>
           <a:prstGeom prst="rect">
             <a:avLst/>
           </a:prstGeom>
         </p:spPr>
         <p:txBody>
-          <a:bodyPr vert="horz" lIns="91440" tIns="45720" rIns="91440" bIns="45720" rtlCol="1" anchor="ctr"/>
+          <a:bodyPr vert="horz" lIns="91440" tIns="45720" rIns="91440" bIns="45720" rtlCol="0" anchor="ctr"/>
           <a:lstStyle>
-            <a:lvl1pPr algn="ctr">
-              <a:defRPr sz="1200">
+            <a:lvl1pPr algn="l">
+              <a:defRPr sz="900">
                 <a:solidFill>
                   <a:schemeClr val="tx1">
                     <a:tint val="75000"/>
@@ -2955,13 +7642,7 @@
       </p:sp>
       <p:sp>
         <p:nvSpPr>
-          <p:cNvPr id="6" name="מציין מיקום של מספר שקופית 5">
-            <a:extLst>
-              <a:ext uri="{FF2B5EF4-FFF2-40B4-BE49-F238E27FC236}">
-                <a16:creationId xmlns:a16="http://schemas.microsoft.com/office/drawing/2014/main" id="{98CBE96D-72A5-333F-D1AC-D937F4584286}"/>
-              </a:ext>
-            </a:extLst>
-          </p:cNvPr>
+          <p:cNvPr id="6" name="Slide Number Placeholder 5"/>
           <p:cNvSpPr>
             <a:spLocks noGrp="1"/>
           </p:cNvSpPr>
@@ -2969,24 +7650,22 @@
             <p:ph type="sldNum" sz="quarter" idx="4"/>
           </p:nvPr>
         </p:nvSpPr>
-        <p:spPr>
+        <p:spPr bwMode="gray">
           <a:xfrm>
-            <a:off x="838200" y="6356350"/>
-            <a:ext cx="2743200" cy="365125"/>
+            <a:off x="531812" y="787782"/>
+            <a:ext cx="779767" cy="365125"/>
           </a:xfrm>
           <a:prstGeom prst="rect">
             <a:avLst/>
           </a:prstGeom>
         </p:spPr>
         <p:txBody>
-          <a:bodyPr vert="horz" lIns="91440" tIns="45720" rIns="91440" bIns="45720" rtlCol="1" anchor="ctr"/>
+          <a:bodyPr vert="horz" lIns="91440" tIns="45720" rIns="91440" bIns="45720" rtlCol="0" anchor="ctr"/>
           <a:lstStyle>
-            <a:lvl1pPr algn="l">
-              <a:defRPr sz="1200">
+            <a:lvl1pPr algn="r">
+              <a:defRPr sz="2000">
                 <a:solidFill>
-                  <a:schemeClr val="tx1">
-                    <a:tint val="75000"/>
-                  </a:schemeClr>
+                  <a:srgbClr val="FEFFFF"/>
                 </a:solidFill>
               </a:defRPr>
             </a:lvl1pPr>
@@ -3003,55 +7682,329 @@
     </p:spTree>
     <p:extLst>
       <p:ext uri="{BB962C8B-B14F-4D97-AF65-F5344CB8AC3E}">
-        <p14:creationId xmlns:p14="http://schemas.microsoft.com/office/powerpoint/2010/main" val="2349500054"/>
+        <p14:creationId xmlns:p14="http://schemas.microsoft.com/office/powerpoint/2010/main" val="1049767130"/>
       </p:ext>
     </p:extLst>
   </p:cSld>
   <p:clrMap bg1="lt1" tx1="dk1" bg2="lt2" tx2="dk2" accent1="accent1" accent2="accent2" accent3="accent3" accent4="accent4" accent5="accent5" accent6="accent6" hlink="hlink" folHlink="folHlink"/>
   <p:sldLayoutIdLst>
-    <p:sldLayoutId id="2147483649" r:id="rId1"/>
-    <p:sldLayoutId id="2147483650" r:id="rId2"/>
-    <p:sldLayoutId id="2147483651" r:id="rId3"/>
-    <p:sldLayoutId id="2147483652" r:id="rId4"/>
-    <p:sldLayoutId id="2147483653" r:id="rId5"/>
-    <p:sldLayoutId id="2147483654" r:id="rId6"/>
-    <p:sldLayoutId id="2147483655" r:id="rId7"/>
-    <p:sldLayoutId id="2147483656" r:id="rId8"/>
-    <p:sldLayoutId id="2147483657" r:id="rId9"/>
-    <p:sldLayoutId id="2147483658" r:id="rId10"/>
-    <p:sldLayoutId id="2147483659" r:id="rId11"/>
+    <p:sldLayoutId id="2147483804" r:id="rId1"/>
+    <p:sldLayoutId id="2147483805" r:id="rId2"/>
+    <p:sldLayoutId id="2147483806" r:id="rId3"/>
+    <p:sldLayoutId id="2147483807" r:id="rId4"/>
+    <p:sldLayoutId id="2147483808" r:id="rId5"/>
+    <p:sldLayoutId id="2147483809" r:id="rId6"/>
+    <p:sldLayoutId id="2147483810" r:id="rId7"/>
+    <p:sldLayoutId id="2147483811" r:id="rId8"/>
+    <p:sldLayoutId id="2147483812" r:id="rId9"/>
+    <p:sldLayoutId id="2147483813" r:id="rId10"/>
+    <p:sldLayoutId id="2147483814" r:id="rId11"/>
+    <p:sldLayoutId id="2147483815" r:id="rId12"/>
+    <p:sldLayoutId id="2147483816" r:id="rId13"/>
+    <p:sldLayoutId id="2147483817" r:id="rId14"/>
+    <p:sldLayoutId id="2147483818" r:id="rId15"/>
+    <p:sldLayoutId id="2147483819" r:id="rId16"/>
   </p:sldLayoutIdLst>
   <p:txStyles>
     <p:titleStyle>
-      <a:lvl1pPr algn="r" defTabSz="914400" rtl="1" eaLnBrk="1" latinLnBrk="0" hangingPunct="1">
-        <a:lnSpc>
-          <a:spcPct val="90000"/>
-        </a:lnSpc>
+      <a:lvl1pPr algn="l" defTabSz="457200" rtl="1" eaLnBrk="1" latinLnBrk="0" hangingPunct="1">
         <a:spcBef>
           <a:spcPct val="0"/>
         </a:spcBef>
         <a:buNone/>
-        <a:defRPr sz="4400" kern="1200">
+        <a:defRPr sz="3600" kern="1200">
           <a:solidFill>
-            <a:schemeClr val="tx1"/>
+            <a:schemeClr val="tx1">
+              <a:lumMod val="85000"/>
+              <a:lumOff val="15000"/>
+            </a:schemeClr>
           </a:solidFill>
           <a:latin typeface="+mj-lt"/>
           <a:ea typeface="+mj-ea"/>
           <a:cs typeface="+mj-cs"/>
         </a:defRPr>
       </a:lvl1pPr>
+      <a:lvl2pPr rtl="1" eaLnBrk="1" hangingPunct="1">
+        <a:defRPr>
+          <a:solidFill>
+            <a:schemeClr val="tx2"/>
+          </a:solidFill>
+        </a:defRPr>
+      </a:lvl2pPr>
+      <a:lvl3pPr rtl="1" eaLnBrk="1" hangingPunct="1">
+        <a:defRPr>
+          <a:solidFill>
+            <a:schemeClr val="tx2"/>
+          </a:solidFill>
+        </a:defRPr>
+      </a:lvl3pPr>
+      <a:lvl4pPr rtl="1" eaLnBrk="1" hangingPunct="1">
+        <a:defRPr>
+          <a:solidFill>
+            <a:schemeClr val="tx2"/>
+          </a:solidFill>
+        </a:defRPr>
+      </a:lvl4pPr>
+      <a:lvl5pPr rtl="1" eaLnBrk="1" hangingPunct="1">
+        <a:defRPr>
+          <a:solidFill>
+            <a:schemeClr val="tx2"/>
+          </a:solidFill>
+        </a:defRPr>
+      </a:lvl5pPr>
+      <a:lvl6pPr rtl="1" eaLnBrk="1" hangingPunct="1">
+        <a:defRPr>
+          <a:solidFill>
+            <a:schemeClr val="tx2"/>
+          </a:solidFill>
+        </a:defRPr>
+      </a:lvl6pPr>
+      <a:lvl7pPr rtl="1" eaLnBrk="1" hangingPunct="1">
+        <a:defRPr>
+          <a:solidFill>
+            <a:schemeClr val="tx2"/>
+          </a:solidFill>
+        </a:defRPr>
+      </a:lvl7pPr>
+      <a:lvl8pPr rtl="1" eaLnBrk="1" hangingPunct="1">
+        <a:defRPr>
+          <a:solidFill>
+            <a:schemeClr val="tx2"/>
+          </a:solidFill>
+        </a:defRPr>
+      </a:lvl8pPr>
+      <a:lvl9pPr rtl="1" eaLnBrk="1" hangingPunct="1">
+        <a:defRPr>
+          <a:solidFill>
+            <a:schemeClr val="tx2"/>
+          </a:solidFill>
+        </a:defRPr>
+      </a:lvl9pPr>
     </p:titleStyle>
     <p:bodyStyle>
-      <a:lvl1pPr marL="228600" indent="-228600" algn="r" defTabSz="914400" rtl="1" eaLnBrk="1" latinLnBrk="0" hangingPunct="1">
-        <a:lnSpc>
-          <a:spcPct val="90000"/>
-        </a:lnSpc>
+      <a:lvl1pPr marL="342900" indent="-342900" algn="r" defTabSz="457200" rtl="1" eaLnBrk="1" latinLnBrk="0" hangingPunct="1">
         <a:spcBef>
           <a:spcPts val="1000"/>
         </a:spcBef>
-        <a:buFont typeface="Arial" panose="020B0604020202020204" pitchFamily="34" charset="0"/>
-        <a:buChar char="•"/>
-        <a:defRPr sz="2800" kern="1200">
+        <a:spcAft>
+          <a:spcPts val="0"/>
+        </a:spcAft>
+        <a:buClr>
+          <a:schemeClr val="accent1"/>
+        </a:buClr>
+        <a:buFont typeface="Wingdings 3" charset="2"/>
+        <a:buChar char=""/>
+        <a:defRPr sz="1800" kern="1200">
+          <a:solidFill>
+            <a:schemeClr val="tx1">
+              <a:lumMod val="75000"/>
+              <a:lumOff val="25000"/>
+            </a:schemeClr>
+          </a:solidFill>
+          <a:latin typeface="+mn-lt"/>
+          <a:ea typeface="+mn-ea"/>
+          <a:cs typeface="+mn-cs"/>
+        </a:defRPr>
+      </a:lvl1pPr>
+      <a:lvl2pPr marL="742950" indent="-285750" algn="r" defTabSz="457200" rtl="1" eaLnBrk="1" latinLnBrk="0" hangingPunct="1">
+        <a:spcBef>
+          <a:spcPts val="1000"/>
+        </a:spcBef>
+        <a:spcAft>
+          <a:spcPts val="0"/>
+        </a:spcAft>
+        <a:buClr>
+          <a:schemeClr val="accent1"/>
+        </a:buClr>
+        <a:buFont typeface="Wingdings 3" charset="2"/>
+        <a:buChar char=""/>
+        <a:defRPr sz="1600" kern="1200">
+          <a:solidFill>
+            <a:schemeClr val="tx1">
+              <a:lumMod val="75000"/>
+              <a:lumOff val="25000"/>
+            </a:schemeClr>
+          </a:solidFill>
+          <a:latin typeface="+mn-lt"/>
+          <a:ea typeface="+mn-ea"/>
+          <a:cs typeface="+mn-cs"/>
+        </a:defRPr>
+      </a:lvl2pPr>
+      <a:lvl3pPr marL="1143000" indent="-228600" algn="r" defTabSz="457200" rtl="1" eaLnBrk="1" latinLnBrk="0" hangingPunct="1">
+        <a:spcBef>
+          <a:spcPts val="1000"/>
+        </a:spcBef>
+        <a:spcAft>
+          <a:spcPts val="0"/>
+        </a:spcAft>
+        <a:buClr>
+          <a:schemeClr val="accent1"/>
+        </a:buClr>
+        <a:buFont typeface="Wingdings 3" charset="2"/>
+        <a:buChar char=""/>
+        <a:defRPr sz="1400" kern="1200">
+          <a:solidFill>
+            <a:schemeClr val="tx1">
+              <a:lumMod val="75000"/>
+              <a:lumOff val="25000"/>
+            </a:schemeClr>
+          </a:solidFill>
+          <a:latin typeface="+mn-lt"/>
+          <a:ea typeface="+mn-ea"/>
+          <a:cs typeface="+mn-cs"/>
+        </a:defRPr>
+      </a:lvl3pPr>
+      <a:lvl4pPr marL="1600200" indent="-228600" algn="r" defTabSz="457200" rtl="1" eaLnBrk="1" latinLnBrk="0" hangingPunct="1">
+        <a:spcBef>
+          <a:spcPts val="1000"/>
+        </a:spcBef>
+        <a:spcAft>
+          <a:spcPts val="0"/>
+        </a:spcAft>
+        <a:buClr>
+          <a:schemeClr val="accent1"/>
+        </a:buClr>
+        <a:buFont typeface="Wingdings 3" charset="2"/>
+        <a:buChar char=""/>
+        <a:defRPr sz="1200" kern="1200">
+          <a:solidFill>
+            <a:schemeClr val="tx1">
+              <a:lumMod val="75000"/>
+              <a:lumOff val="25000"/>
+            </a:schemeClr>
+          </a:solidFill>
+          <a:latin typeface="+mn-lt"/>
+          <a:ea typeface="+mn-ea"/>
+          <a:cs typeface="+mn-cs"/>
+        </a:defRPr>
+      </a:lvl4pPr>
+      <a:lvl5pPr marL="2057400" indent="-228600" algn="r" defTabSz="457200" rtl="1" eaLnBrk="1" latinLnBrk="0" hangingPunct="1">
+        <a:spcBef>
+          <a:spcPts val="1000"/>
+        </a:spcBef>
+        <a:spcAft>
+          <a:spcPts val="0"/>
+        </a:spcAft>
+        <a:buClr>
+          <a:schemeClr val="accent1"/>
+        </a:buClr>
+        <a:buFont typeface="Wingdings 3" charset="2"/>
+        <a:buChar char=""/>
+        <a:defRPr sz="1200" kern="1200">
+          <a:solidFill>
+            <a:schemeClr val="tx1">
+              <a:lumMod val="75000"/>
+              <a:lumOff val="25000"/>
+            </a:schemeClr>
+          </a:solidFill>
+          <a:latin typeface="+mn-lt"/>
+          <a:ea typeface="+mn-ea"/>
+          <a:cs typeface="+mn-cs"/>
+        </a:defRPr>
+      </a:lvl5pPr>
+      <a:lvl6pPr marL="2514600" indent="-228600" algn="r" defTabSz="457200" rtl="1" eaLnBrk="1" latinLnBrk="0" hangingPunct="1">
+        <a:spcBef>
+          <a:spcPts val="1000"/>
+        </a:spcBef>
+        <a:spcAft>
+          <a:spcPts val="0"/>
+        </a:spcAft>
+        <a:buClr>
+          <a:schemeClr val="accent1"/>
+        </a:buClr>
+        <a:buFont typeface="Wingdings 3" charset="2"/>
+        <a:buChar char=""/>
+        <a:defRPr sz="1200" kern="1200">
+          <a:solidFill>
+            <a:schemeClr val="tx1">
+              <a:lumMod val="75000"/>
+              <a:lumOff val="25000"/>
+            </a:schemeClr>
+          </a:solidFill>
+          <a:latin typeface="+mn-lt"/>
+          <a:ea typeface="+mn-ea"/>
+          <a:cs typeface="+mn-cs"/>
+        </a:defRPr>
+      </a:lvl6pPr>
+      <a:lvl7pPr marL="2971800" indent="-228600" algn="r" defTabSz="457200" rtl="1" eaLnBrk="1" latinLnBrk="0" hangingPunct="1">
+        <a:spcBef>
+          <a:spcPts val="1000"/>
+        </a:spcBef>
+        <a:spcAft>
+          <a:spcPts val="0"/>
+        </a:spcAft>
+        <a:buClr>
+          <a:schemeClr val="accent1"/>
+        </a:buClr>
+        <a:buFont typeface="Wingdings 3" charset="2"/>
+        <a:buChar char=""/>
+        <a:defRPr sz="1200" kern="1200">
+          <a:solidFill>
+            <a:schemeClr val="tx1">
+              <a:lumMod val="75000"/>
+              <a:lumOff val="25000"/>
+            </a:schemeClr>
+          </a:solidFill>
+          <a:latin typeface="+mn-lt"/>
+          <a:ea typeface="+mn-ea"/>
+          <a:cs typeface="+mn-cs"/>
+        </a:defRPr>
+      </a:lvl7pPr>
+      <a:lvl8pPr marL="3429000" indent="-228600" algn="r" defTabSz="457200" rtl="1" eaLnBrk="1" latinLnBrk="0" hangingPunct="1">
+        <a:spcBef>
+          <a:spcPts val="1000"/>
+        </a:spcBef>
+        <a:spcAft>
+          <a:spcPts val="0"/>
+        </a:spcAft>
+        <a:buClr>
+          <a:schemeClr val="accent1"/>
+        </a:buClr>
+        <a:buFont typeface="Wingdings 3" charset="2"/>
+        <a:buChar char=""/>
+        <a:defRPr sz="1200" kern="1200">
+          <a:solidFill>
+            <a:schemeClr val="tx1">
+              <a:lumMod val="75000"/>
+              <a:lumOff val="25000"/>
+            </a:schemeClr>
+          </a:solidFill>
+          <a:latin typeface="+mn-lt"/>
+          <a:ea typeface="+mn-ea"/>
+          <a:cs typeface="+mn-cs"/>
+        </a:defRPr>
+      </a:lvl8pPr>
+      <a:lvl9pPr marL="3886200" indent="-228600" algn="r" defTabSz="457200" rtl="1" eaLnBrk="1" latinLnBrk="0" hangingPunct="1">
+        <a:spcBef>
+          <a:spcPts val="1000"/>
+        </a:spcBef>
+        <a:spcAft>
+          <a:spcPts val="0"/>
+        </a:spcAft>
+        <a:buClr>
+          <a:schemeClr val="accent1"/>
+        </a:buClr>
+        <a:buFont typeface="Wingdings 3" charset="2"/>
+        <a:buChar char=""/>
+        <a:defRPr sz="1200" kern="1200">
+          <a:solidFill>
+            <a:schemeClr val="tx1">
+              <a:lumMod val="75000"/>
+              <a:lumOff val="25000"/>
+            </a:schemeClr>
+          </a:solidFill>
+          <a:latin typeface="+mn-lt"/>
+          <a:ea typeface="+mn-ea"/>
+          <a:cs typeface="+mn-cs"/>
+        </a:defRPr>
+      </a:lvl9pPr>
+    </p:bodyStyle>
+    <p:otherStyle>
+      <a:defPPr>
+        <a:defRPr lang="en-US"/>
+      </a:defPPr>
+      <a:lvl1pPr marL="0" algn="r" defTabSz="457200" rtl="1" eaLnBrk="1" latinLnBrk="0" hangingPunct="1">
+        <a:defRPr sz="1800" kern="1200">
           <a:solidFill>
             <a:schemeClr val="tx1"/>
           </a:solidFill>
@@ -3060,16 +8013,8 @@
           <a:cs typeface="+mn-cs"/>
         </a:defRPr>
       </a:lvl1pPr>
-      <a:lvl2pPr marL="685800" indent="-228600" algn="r" defTabSz="914400" rtl="1" eaLnBrk="1" latinLnBrk="0" hangingPunct="1">
-        <a:lnSpc>
-          <a:spcPct val="90000"/>
-        </a:lnSpc>
-        <a:spcBef>
-          <a:spcPts val="500"/>
-        </a:spcBef>
-        <a:buFont typeface="Arial" panose="020B0604020202020204" pitchFamily="34" charset="0"/>
-        <a:buChar char="•"/>
-        <a:defRPr sz="2400" kern="1200">
+      <a:lvl2pPr marL="457200" algn="r" defTabSz="457200" rtl="1" eaLnBrk="1" latinLnBrk="0" hangingPunct="1">
+        <a:defRPr sz="1800" kern="1200">
           <a:solidFill>
             <a:schemeClr val="tx1"/>
           </a:solidFill>
@@ -3078,16 +8023,8 @@
           <a:cs typeface="+mn-cs"/>
         </a:defRPr>
       </a:lvl2pPr>
-      <a:lvl3pPr marL="1143000" indent="-228600" algn="r" defTabSz="914400" rtl="1" eaLnBrk="1" latinLnBrk="0" hangingPunct="1">
-        <a:lnSpc>
-          <a:spcPct val="90000"/>
-        </a:lnSpc>
-        <a:spcBef>
-          <a:spcPts val="500"/>
-        </a:spcBef>
-        <a:buFont typeface="Arial" panose="020B0604020202020204" pitchFamily="34" charset="0"/>
-        <a:buChar char="•"/>
-        <a:defRPr sz="2000" kern="1200">
+      <a:lvl3pPr marL="914400" algn="r" defTabSz="457200" rtl="1" eaLnBrk="1" latinLnBrk="0" hangingPunct="1">
+        <a:defRPr sz="1800" kern="1200">
           <a:solidFill>
             <a:schemeClr val="tx1"/>
           </a:solidFill>
@@ -3096,15 +8033,7 @@
           <a:cs typeface="+mn-cs"/>
         </a:defRPr>
       </a:lvl3pPr>
-      <a:lvl4pPr marL="1600200" indent="-228600" algn="r" defTabSz="914400" rtl="1" eaLnBrk="1" latinLnBrk="0" hangingPunct="1">
-        <a:lnSpc>
-          <a:spcPct val="90000"/>
-        </a:lnSpc>
-        <a:spcBef>
-          <a:spcPts val="500"/>
-        </a:spcBef>
-        <a:buFont typeface="Arial" panose="020B0604020202020204" pitchFamily="34" charset="0"/>
-        <a:buChar char="•"/>
+      <a:lvl4pPr marL="1371600" algn="r" defTabSz="457200" rtl="1" eaLnBrk="1" latinLnBrk="0" hangingPunct="1">
         <a:defRPr sz="1800" kern="1200">
           <a:solidFill>
             <a:schemeClr val="tx1"/>
@@ -3114,15 +8043,7 @@
           <a:cs typeface="+mn-cs"/>
         </a:defRPr>
       </a:lvl4pPr>
-      <a:lvl5pPr marL="2057400" indent="-228600" algn="r" defTabSz="914400" rtl="1" eaLnBrk="1" latinLnBrk="0" hangingPunct="1">
-        <a:lnSpc>
-          <a:spcPct val="90000"/>
-        </a:lnSpc>
-        <a:spcBef>
-          <a:spcPts val="500"/>
-        </a:spcBef>
-        <a:buFont typeface="Arial" panose="020B0604020202020204" pitchFamily="34" charset="0"/>
-        <a:buChar char="•"/>
+      <a:lvl5pPr marL="1828800" algn="r" defTabSz="457200" rtl="1" eaLnBrk="1" latinLnBrk="0" hangingPunct="1">
         <a:defRPr sz="1800" kern="1200">
           <a:solidFill>
             <a:schemeClr val="tx1"/>
@@ -3132,15 +8053,7 @@
           <a:cs typeface="+mn-cs"/>
         </a:defRPr>
       </a:lvl5pPr>
-      <a:lvl6pPr marL="2514600" indent="-228600" algn="r" defTabSz="914400" rtl="1" eaLnBrk="1" latinLnBrk="0" hangingPunct="1">
-        <a:lnSpc>
-          <a:spcPct val="90000"/>
-        </a:lnSpc>
-        <a:spcBef>
-          <a:spcPts val="500"/>
-        </a:spcBef>
-        <a:buFont typeface="Arial" panose="020B0604020202020204" pitchFamily="34" charset="0"/>
-        <a:buChar char="•"/>
+      <a:lvl6pPr marL="2286000" algn="r" defTabSz="457200" rtl="1" eaLnBrk="1" latinLnBrk="0" hangingPunct="1">
         <a:defRPr sz="1800" kern="1200">
           <a:solidFill>
             <a:schemeClr val="tx1"/>
@@ -3150,15 +8063,7 @@
           <a:cs typeface="+mn-cs"/>
         </a:defRPr>
       </a:lvl6pPr>
-      <a:lvl7pPr marL="2971800" indent="-228600" algn="r" defTabSz="914400" rtl="1" eaLnBrk="1" latinLnBrk="0" hangingPunct="1">
-        <a:lnSpc>
-          <a:spcPct val="90000"/>
-        </a:lnSpc>
-        <a:spcBef>
-          <a:spcPts val="500"/>
-        </a:spcBef>
-        <a:buFont typeface="Arial" panose="020B0604020202020204" pitchFamily="34" charset="0"/>
-        <a:buChar char="•"/>
+      <a:lvl7pPr marL="2743200" algn="r" defTabSz="457200" rtl="1" eaLnBrk="1" latinLnBrk="0" hangingPunct="1">
         <a:defRPr sz="1800" kern="1200">
           <a:solidFill>
             <a:schemeClr val="tx1"/>
@@ -3168,15 +8073,7 @@
           <a:cs typeface="+mn-cs"/>
         </a:defRPr>
       </a:lvl7pPr>
-      <a:lvl8pPr marL="3429000" indent="-228600" algn="r" defTabSz="914400" rtl="1" eaLnBrk="1" latinLnBrk="0" hangingPunct="1">
-        <a:lnSpc>
-          <a:spcPct val="90000"/>
-        </a:lnSpc>
-        <a:spcBef>
-          <a:spcPts val="500"/>
-        </a:spcBef>
-        <a:buFont typeface="Arial" panose="020B0604020202020204" pitchFamily="34" charset="0"/>
-        <a:buChar char="•"/>
+      <a:lvl8pPr marL="3200400" algn="r" defTabSz="457200" rtl="1" eaLnBrk="1" latinLnBrk="0" hangingPunct="1">
         <a:defRPr sz="1800" kern="1200">
           <a:solidFill>
             <a:schemeClr val="tx1"/>
@@ -3186,110 +8083,7 @@
           <a:cs typeface="+mn-cs"/>
         </a:defRPr>
       </a:lvl8pPr>
-      <a:lvl9pPr marL="3886200" indent="-228600" algn="r" defTabSz="914400" rtl="1" eaLnBrk="1" latinLnBrk="0" hangingPunct="1">
-        <a:lnSpc>
-          <a:spcPct val="90000"/>
-        </a:lnSpc>
-        <a:spcBef>
-          <a:spcPts val="500"/>
-        </a:spcBef>
-        <a:buFont typeface="Arial" panose="020B0604020202020204" pitchFamily="34" charset="0"/>
-        <a:buChar char="•"/>
-        <a:defRPr sz="1800" kern="1200">
-          <a:solidFill>
-            <a:schemeClr val="tx1"/>
-          </a:solidFill>
-          <a:latin typeface="+mn-lt"/>
-          <a:ea typeface="+mn-ea"/>
-          <a:cs typeface="+mn-cs"/>
-        </a:defRPr>
-      </a:lvl9pPr>
-    </p:bodyStyle>
-    <p:otherStyle>
-      <a:defPPr>
-        <a:defRPr lang="he-IL"/>
-      </a:defPPr>
-      <a:lvl1pPr marL="0" algn="r" defTabSz="914400" rtl="1" eaLnBrk="1" latinLnBrk="0" hangingPunct="1">
-        <a:defRPr sz="1800" kern="1200">
-          <a:solidFill>
-            <a:schemeClr val="tx1"/>
-          </a:solidFill>
-          <a:latin typeface="+mn-lt"/>
-          <a:ea typeface="+mn-ea"/>
-          <a:cs typeface="+mn-cs"/>
-        </a:defRPr>
-      </a:lvl1pPr>
-      <a:lvl2pPr marL="457200" algn="r" defTabSz="914400" rtl="1" eaLnBrk="1" latinLnBrk="0" hangingPunct="1">
-        <a:defRPr sz="1800" kern="1200">
-          <a:solidFill>
-            <a:schemeClr val="tx1"/>
-          </a:solidFill>
-          <a:latin typeface="+mn-lt"/>
-          <a:ea typeface="+mn-ea"/>
-          <a:cs typeface="+mn-cs"/>
-        </a:defRPr>
-      </a:lvl2pPr>
-      <a:lvl3pPr marL="914400" algn="r" defTabSz="914400" rtl="1" eaLnBrk="1" latinLnBrk="0" hangingPunct="1">
-        <a:defRPr sz="1800" kern="1200">
-          <a:solidFill>
-            <a:schemeClr val="tx1"/>
-          </a:solidFill>
-          <a:latin typeface="+mn-lt"/>
-          <a:ea typeface="+mn-ea"/>
-          <a:cs typeface="+mn-cs"/>
-        </a:defRPr>
-      </a:lvl3pPr>
-      <a:lvl4pPr marL="1371600" algn="r" defTabSz="914400" rtl="1" eaLnBrk="1" latinLnBrk="0" hangingPunct="1">
-        <a:defRPr sz="1800" kern="1200">
-          <a:solidFill>
-            <a:schemeClr val="tx1"/>
-          </a:solidFill>
-          <a:latin typeface="+mn-lt"/>
-          <a:ea typeface="+mn-ea"/>
-          <a:cs typeface="+mn-cs"/>
-        </a:defRPr>
-      </a:lvl4pPr>
-      <a:lvl5pPr marL="1828800" algn="r" defTabSz="914400" rtl="1" eaLnBrk="1" latinLnBrk="0" hangingPunct="1">
-        <a:defRPr sz="1800" kern="1200">
-          <a:solidFill>
-            <a:schemeClr val="tx1"/>
-          </a:solidFill>
-          <a:latin typeface="+mn-lt"/>
-          <a:ea typeface="+mn-ea"/>
-          <a:cs typeface="+mn-cs"/>
-        </a:defRPr>
-      </a:lvl5pPr>
-      <a:lvl6pPr marL="2286000" algn="r" defTabSz="914400" rtl="1" eaLnBrk="1" latinLnBrk="0" hangingPunct="1">
-        <a:defRPr sz="1800" kern="1200">
-          <a:solidFill>
-            <a:schemeClr val="tx1"/>
-          </a:solidFill>
-          <a:latin typeface="+mn-lt"/>
-          <a:ea typeface="+mn-ea"/>
-          <a:cs typeface="+mn-cs"/>
-        </a:defRPr>
-      </a:lvl6pPr>
-      <a:lvl7pPr marL="2743200" algn="r" defTabSz="914400" rtl="1" eaLnBrk="1" latinLnBrk="0" hangingPunct="1">
-        <a:defRPr sz="1800" kern="1200">
-          <a:solidFill>
-            <a:schemeClr val="tx1"/>
-          </a:solidFill>
-          <a:latin typeface="+mn-lt"/>
-          <a:ea typeface="+mn-ea"/>
-          <a:cs typeface="+mn-cs"/>
-        </a:defRPr>
-      </a:lvl7pPr>
-      <a:lvl8pPr marL="3200400" algn="r" defTabSz="914400" rtl="1" eaLnBrk="1" latinLnBrk="0" hangingPunct="1">
-        <a:defRPr sz="1800" kern="1200">
-          <a:solidFill>
-            <a:schemeClr val="tx1"/>
-          </a:solidFill>
-          <a:latin typeface="+mn-lt"/>
-          <a:ea typeface="+mn-ea"/>
-          <a:cs typeface="+mn-cs"/>
-        </a:defRPr>
-      </a:lvl8pPr>
-      <a:lvl9pPr marL="3657600" algn="r" defTabSz="914400" rtl="1" eaLnBrk="1" latinLnBrk="0" hangingPunct="1">
+      <a:lvl9pPr marL="3657600" algn="r" defTabSz="457200" rtl="1" eaLnBrk="1" latinLnBrk="0" hangingPunct="1">
         <a:defRPr sz="1800" kern="1200">
           <a:solidFill>
             <a:schemeClr val="tx1"/>
@@ -3321,12 +8115,81 @@
           <a:chExt cx="0" cy="0"/>
         </a:xfrm>
       </p:grpSpPr>
+      <p:sp>
+        <p:nvSpPr>
+          <p:cNvPr id="4" name="Rectangle 1">
+            <a:extLst>
+              <a:ext uri="{FF2B5EF4-FFF2-40B4-BE49-F238E27FC236}">
+                <a16:creationId xmlns:a16="http://schemas.microsoft.com/office/drawing/2014/main" id="{5659E4D9-466A-9F94-72DE-988225783B7B}"/>
+              </a:ext>
+            </a:extLst>
+          </p:cNvPr>
+          <p:cNvSpPr>
+            <a:spLocks noChangeArrowheads="1"/>
+          </p:cNvSpPr>
+          <p:nvPr/>
+        </p:nvSpPr>
+        <p:spPr bwMode="auto">
+          <a:xfrm>
+            <a:off x="0" y="0"/>
+            <a:ext cx="12192000" cy="0"/>
+          </a:xfrm>
+          <a:prstGeom prst="rect">
+            <a:avLst/>
+          </a:prstGeom>
+          <a:noFill/>
+          <a:ln>
+            <a:noFill/>
+          </a:ln>
+          <a:effectLst/>
+          <a:extLst>
+            <a:ext uri="{909E8E84-426E-40DD-AFC4-6F175D3DCCD1}">
+              <a14:hiddenFill xmlns:a14="http://schemas.microsoft.com/office/drawing/2010/main">
+                <a:solidFill>
+                  <a:schemeClr val="accent1"/>
+                </a:solidFill>
+              </a14:hiddenFill>
+            </a:ext>
+            <a:ext uri="{91240B29-F687-4F45-9708-019B960494DF}">
+              <a14:hiddenLine xmlns:a14="http://schemas.microsoft.com/office/drawing/2010/main" w="9525">
+                <a:solidFill>
+                  <a:schemeClr val="tx1"/>
+                </a:solidFill>
+                <a:miter lim="800000"/>
+                <a:headEnd/>
+                <a:tailEnd/>
+              </a14:hiddenLine>
+            </a:ext>
+            <a:ext uri="{AF507438-7753-43E0-B8FC-AC1667EBCBE1}">
+              <a14:hiddenEffects xmlns:a14="http://schemas.microsoft.com/office/drawing/2010/main">
+                <a:effectLst>
+                  <a:outerShdw dist="35921" dir="2700000" algn="ctr" rotWithShape="0">
+                    <a:schemeClr val="bg2"/>
+                  </a:outerShdw>
+                </a:effectLst>
+              </a14:hiddenEffects>
+            </a:ext>
+          </a:extLst>
+        </p:spPr>
+        <p:txBody>
+          <a:bodyPr vert="horz" wrap="none" lIns="91440" tIns="45720" rIns="91440" bIns="45720" numCol="1" anchor="ctr" anchorCtr="0" compatLnSpc="1">
+            <a:prstTxWarp prst="textNoShape">
+              <a:avLst/>
+            </a:prstTxWarp>
+            <a:spAutoFit/>
+          </a:bodyPr>
+          <a:lstStyle/>
+          <a:p>
+            <a:endParaRPr lang="he-IL"/>
+          </a:p>
+        </p:txBody>
+      </p:sp>
       <p:pic>
         <p:nvPicPr>
-          <p:cNvPr id="5" name="תמונה 4">
+          <p:cNvPr id="7" name="תמונה 6">
             <a:extLst>
               <a:ext uri="{FF2B5EF4-FFF2-40B4-BE49-F238E27FC236}">
-                <a16:creationId xmlns:a16="http://schemas.microsoft.com/office/drawing/2014/main" id="{A877D3C7-197B-8FE5-55DA-464D1BE40778}"/>
+                <a16:creationId xmlns:a16="http://schemas.microsoft.com/office/drawing/2014/main" id="{C05BF47E-990E-EAB1-74A7-EF24CEC9AD61}"/>
               </a:ext>
             </a:extLst>
           </p:cNvPr>
@@ -3343,12 +8206,743 @@
         </p:blipFill>
         <p:spPr>
           <a:xfrm>
-            <a:off x="4193459" y="596118"/>
+            <a:off x="4977337" y="2170803"/>
+            <a:ext cx="2819644" cy="2530059"/>
+          </a:xfrm>
+          <a:prstGeom prst="rect">
+            <a:avLst/>
+          </a:prstGeom>
+        </p:spPr>
+      </p:pic>
+      <p:sp>
+        <p:nvSpPr>
+          <p:cNvPr id="10" name="מלבן 9">
+            <a:extLst>
+              <a:ext uri="{FF2B5EF4-FFF2-40B4-BE49-F238E27FC236}">
+                <a16:creationId xmlns:a16="http://schemas.microsoft.com/office/drawing/2014/main" id="{D9130F13-71E7-CB2B-F37A-EB19BBF9B85D}"/>
+              </a:ext>
+            </a:extLst>
+          </p:cNvPr>
+          <p:cNvSpPr/>
+          <p:nvPr/>
+        </p:nvSpPr>
+        <p:spPr>
+          <a:xfrm>
+            <a:off x="1994525" y="-64912"/>
+            <a:ext cx="8792663" cy="923330"/>
+          </a:xfrm>
+          <a:prstGeom prst="rect">
+            <a:avLst/>
+          </a:prstGeom>
+          <a:noFill/>
+          <a:ln>
+            <a:solidFill>
+              <a:schemeClr val="accent6">
+                <a:lumMod val="60000"/>
+                <a:lumOff val="40000"/>
+              </a:schemeClr>
+            </a:solidFill>
+          </a:ln>
+          <a:effectLst>
+            <a:softEdge rad="63500"/>
+          </a:effectLst>
+        </p:spPr>
+        <p:txBody>
+          <a:bodyPr wrap="none" lIns="91440" tIns="45720" rIns="91440" bIns="45720">
+            <a:spAutoFit/>
+          </a:bodyPr>
+          <a:lstStyle/>
+          <a:p>
+            <a:pPr algn="ctr"/>
+            <a:r>
+              <a:rPr lang="en-US" sz="5400" b="1" cap="none" spc="0" dirty="0">
+                <a:ln w="0"/>
+                <a:gradFill>
+                  <a:gsLst>
+                    <a:gs pos="47000">
+                      <a:srgbClr val="77B693"/>
+                    </a:gs>
+                    <a:gs pos="66000">
+                      <a:srgbClr val="92D050"/>
+                    </a:gs>
+                    <a:gs pos="96000">
+                      <a:schemeClr val="accent5"/>
+                    </a:gs>
+                    <a:gs pos="100000">
+                      <a:schemeClr val="accent5">
+                        <a:lumMod val="60000"/>
+                        <a:lumOff val="40000"/>
+                      </a:schemeClr>
+                    </a:gs>
+                  </a:gsLst>
+                  <a:lin ang="5400000"/>
+                </a:gradFill>
+                <a:effectLst>
+                  <a:reflection blurRad="6350" stA="53000" endA="300" endPos="35500" dir="5400000" sy="-90000" algn="bl" rotWithShape="0"/>
+                </a:effectLst>
+              </a:rPr>
+              <a:t>Playlist Recommender System</a:t>
+            </a:r>
+            <a:endParaRPr lang="he-IL" sz="5400" b="1" cap="none" spc="0" dirty="0">
+              <a:ln w="0"/>
+              <a:gradFill>
+                <a:gsLst>
+                  <a:gs pos="47000">
+                    <a:srgbClr val="77B693"/>
+                  </a:gs>
+                  <a:gs pos="66000">
+                    <a:srgbClr val="92D050"/>
+                  </a:gs>
+                  <a:gs pos="96000">
+                    <a:schemeClr val="accent5"/>
+                  </a:gs>
+                  <a:gs pos="100000">
+                    <a:schemeClr val="accent5">
+                      <a:lumMod val="60000"/>
+                      <a:lumOff val="40000"/>
+                    </a:schemeClr>
+                  </a:gs>
+                </a:gsLst>
+                <a:lin ang="5400000"/>
+              </a:gradFill>
+              <a:effectLst>
+                <a:reflection blurRad="6350" stA="53000" endA="300" endPos="35500" dir="5400000" sy="-90000" algn="bl" rotWithShape="0"/>
+              </a:effectLst>
+            </a:endParaRPr>
+          </a:p>
+        </p:txBody>
+      </p:sp>
+      <p:sp>
+        <p:nvSpPr>
+          <p:cNvPr id="11" name="תיבת טקסט 10">
+            <a:extLst>
+              <a:ext uri="{FF2B5EF4-FFF2-40B4-BE49-F238E27FC236}">
+                <a16:creationId xmlns:a16="http://schemas.microsoft.com/office/drawing/2014/main" id="{F8B9553B-72F6-7C58-A1F5-DFA90590AE61}"/>
+              </a:ext>
+            </a:extLst>
+          </p:cNvPr>
+          <p:cNvSpPr txBox="1"/>
+          <p:nvPr/>
+        </p:nvSpPr>
+        <p:spPr>
+          <a:xfrm>
+            <a:off x="1052052" y="802922"/>
+            <a:ext cx="10874477" cy="1354217"/>
+          </a:xfrm>
+          <a:prstGeom prst="rect">
+            <a:avLst/>
+          </a:prstGeom>
+          <a:noFill/>
+          <a:ln>
+            <a:solidFill>
+              <a:schemeClr val="accent6">
+                <a:lumMod val="60000"/>
+                <a:lumOff val="40000"/>
+              </a:schemeClr>
+            </a:solidFill>
+          </a:ln>
+          <a:effectLst>
+            <a:softEdge rad="12700"/>
+          </a:effectLst>
+        </p:spPr>
+        <p:txBody>
+          <a:bodyPr wrap="square" rtlCol="1">
+            <a:spAutoFit/>
+          </a:bodyPr>
+          <a:lstStyle/>
+          <a:p>
+            <a:pPr algn="ctr"/>
+            <a:r>
+              <a:rPr lang="en-US" sz="2000" b="1" i="0" dirty="0">
+                <a:solidFill>
+                  <a:srgbClr val="000000"/>
+                </a:solidFill>
+                <a:effectLst/>
+              </a:rPr>
+              <a:t>Business question </a:t>
+            </a:r>
+            <a:r>
+              <a:rPr lang="en-US" sz="2200" b="1" i="0" dirty="0">
+                <a:solidFill>
+                  <a:srgbClr val="000000"/>
+                </a:solidFill>
+                <a:effectLst>
+                  <a:outerShdw blurRad="50800" dist="50800" dir="5400000" algn="ctr" rotWithShape="0">
+                    <a:srgbClr val="00B050"/>
+                  </a:outerShdw>
+                </a:effectLst>
+              </a:rPr>
+              <a:t>?</a:t>
+            </a:r>
+            <a:r>
+              <a:rPr lang="en-US" sz="2000" b="1" i="0" dirty="0">
+                <a:solidFill>
+                  <a:srgbClr val="000000"/>
+                </a:solidFill>
+                <a:effectLst>
+                  <a:outerShdw blurRad="50800" dist="50800" dir="5400000" algn="ctr" rotWithShape="0">
+                    <a:schemeClr val="accent6"/>
+                  </a:outerShdw>
+                </a:effectLst>
+              </a:rPr>
+              <a:t> </a:t>
+            </a:r>
+            <a:r>
+              <a:rPr lang="en-US" sz="2000" b="0" i="0" dirty="0">
+                <a:solidFill>
+                  <a:srgbClr val="000000"/>
+                </a:solidFill>
+                <a:effectLst>
+                  <a:outerShdw blurRad="50800" dist="50800" dir="5400000" algn="ctr" rotWithShape="0">
+                    <a:schemeClr val="accent6"/>
+                  </a:outerShdw>
+                </a:effectLst>
+              </a:rPr>
+              <a:t>"How can we develop a system to recommend personalized playlists to users, leveraging playlist data alone to identify contextual relationships between songs and generate relevant suggestions for a given input song?“</a:t>
+            </a:r>
+          </a:p>
+          <a:p>
+            <a:pPr algn="ctr"/>
+            <a:r>
+              <a:rPr lang="en-US" sz="2000" b="0" i="0" dirty="0">
+                <a:solidFill>
+                  <a:srgbClr val="000000"/>
+                </a:solidFill>
+                <a:effectLst/>
+                <a:hlinkClick r:id="rId3"/>
+              </a:rPr>
+              <a:t>Link to GitHub Repo.</a:t>
+            </a:r>
+            <a:endParaRPr lang="he-IL" sz="2000" dirty="0"/>
+          </a:p>
+        </p:txBody>
+      </p:sp>
+      <p:pic>
+        <p:nvPicPr>
+          <p:cNvPr id="1029" name="Picture 5" descr="‪Download GitHub Logo in SVG Vector or PNG File Format - Logo ...‬‏">
+            <a:extLst>
+              <a:ext uri="{FF2B5EF4-FFF2-40B4-BE49-F238E27FC236}">
+                <a16:creationId xmlns:a16="http://schemas.microsoft.com/office/drawing/2014/main" id="{A12EE0EF-EFB6-2D69-8DC8-97DBB85792DB}"/>
+              </a:ext>
+            </a:extLst>
+          </p:cNvPr>
+          <p:cNvPicPr>
+            <a:picLocks noChangeAspect="1" noChangeArrowheads="1"/>
+          </p:cNvPicPr>
+          <p:nvPr/>
+        </p:nvPicPr>
+        <p:blipFill>
+          <a:blip r:embed="rId4">
+            <a:alphaModFix/>
+            <a:extLst>
+              <a:ext uri="{28A0092B-C50C-407E-A947-70E740481C1C}">
+                <a14:useLocalDpi xmlns:a14="http://schemas.microsoft.com/office/drawing/2010/main" val="0"/>
+              </a:ext>
+            </a:extLst>
+          </a:blip>
+          <a:srcRect/>
+          <a:stretch>
+            <a:fillRect/>
+          </a:stretch>
+        </p:blipFill>
+        <p:spPr bwMode="auto">
+          <a:xfrm>
+            <a:off x="4709873" y="1799470"/>
+            <a:ext cx="377214" cy="357669"/>
+          </a:xfrm>
+          <a:prstGeom prst="rect">
+            <a:avLst/>
+          </a:prstGeom>
+          <a:noFill/>
+          <a:extLst>
+            <a:ext uri="{909E8E84-426E-40DD-AFC4-6F175D3DCCD1}">
+              <a14:hiddenFill xmlns:a14="http://schemas.microsoft.com/office/drawing/2010/main">
+                <a:solidFill>
+                  <a:srgbClr val="FFFFFF"/>
+                </a:solidFill>
+              </a14:hiddenFill>
+            </a:ext>
+          </a:extLst>
+        </p:spPr>
+      </p:pic>
+      <p:sp>
+        <p:nvSpPr>
+          <p:cNvPr id="12" name="תיבת טקסט 11">
+            <a:extLst>
+              <a:ext uri="{FF2B5EF4-FFF2-40B4-BE49-F238E27FC236}">
+                <a16:creationId xmlns:a16="http://schemas.microsoft.com/office/drawing/2014/main" id="{CABE83CD-F02D-CCE0-77C0-E553D4A17F8C}"/>
+              </a:ext>
+            </a:extLst>
+          </p:cNvPr>
+          <p:cNvSpPr txBox="1"/>
+          <p:nvPr/>
+        </p:nvSpPr>
+        <p:spPr>
+          <a:xfrm>
+            <a:off x="8239433" y="2019652"/>
+            <a:ext cx="3737133" cy="707886"/>
+          </a:xfrm>
+          <a:prstGeom prst="rect">
+            <a:avLst/>
+          </a:prstGeom>
+          <a:noFill/>
+        </p:spPr>
+        <p:txBody>
+          <a:bodyPr wrap="square" rtlCol="1">
+            <a:spAutoFit/>
+          </a:bodyPr>
+          <a:lstStyle/>
+          <a:p>
+            <a:r>
+              <a:rPr lang="en-US" sz="2000" dirty="0"/>
+              <a:t>Data Set from Kaggle: </a:t>
+            </a:r>
+            <a:r>
+              <a:rPr lang="en-US" sz="2000" dirty="0">
+                <a:hlinkClick r:id="rId5"/>
+              </a:rPr>
+              <a:t>Spotify-playlists</a:t>
+            </a:r>
+            <a:endParaRPr lang="he-IL" sz="2000" dirty="0"/>
+          </a:p>
+        </p:txBody>
+      </p:sp>
+      <p:pic>
+        <p:nvPicPr>
+          <p:cNvPr id="1031" name="Picture 7" descr="‪kaggle&quot; Icon - Download for free – Iconduck‬‏">
+            <a:extLst>
+              <a:ext uri="{FF2B5EF4-FFF2-40B4-BE49-F238E27FC236}">
+                <a16:creationId xmlns:a16="http://schemas.microsoft.com/office/drawing/2014/main" id="{16CE98C6-18A6-5454-D219-8CAD689AE5C6}"/>
+              </a:ext>
+            </a:extLst>
+          </p:cNvPr>
+          <p:cNvPicPr>
+            <a:picLocks noChangeAspect="1" noChangeArrowheads="1"/>
+          </p:cNvPicPr>
+          <p:nvPr/>
+        </p:nvPicPr>
+        <p:blipFill>
+          <a:blip r:embed="rId6">
+            <a:extLst>
+              <a:ext uri="{28A0092B-C50C-407E-A947-70E740481C1C}">
+                <a14:useLocalDpi xmlns:a14="http://schemas.microsoft.com/office/drawing/2010/main" val="0"/>
+              </a:ext>
+            </a:extLst>
+          </a:blip>
+          <a:srcRect/>
+          <a:stretch>
+            <a:fillRect/>
+          </a:stretch>
+        </p:blipFill>
+        <p:spPr bwMode="auto">
+          <a:xfrm>
+            <a:off x="7847018" y="2070624"/>
+            <a:ext cx="392415" cy="369332"/>
+          </a:xfrm>
+          <a:prstGeom prst="rect">
+            <a:avLst/>
+          </a:prstGeom>
+          <a:noFill/>
+          <a:extLst>
+            <a:ext uri="{909E8E84-426E-40DD-AFC4-6F175D3DCCD1}">
+              <a14:hiddenFill xmlns:a14="http://schemas.microsoft.com/office/drawing/2010/main">
+                <a:solidFill>
+                  <a:srgbClr val="FFFFFF"/>
+                </a:solidFill>
+              </a14:hiddenFill>
+            </a:ext>
+          </a:extLst>
+        </p:spPr>
+      </p:pic>
+      <p:sp>
+        <p:nvSpPr>
+          <p:cNvPr id="13" name="תיבת טקסט 12">
+            <a:extLst>
+              <a:ext uri="{FF2B5EF4-FFF2-40B4-BE49-F238E27FC236}">
+                <a16:creationId xmlns:a16="http://schemas.microsoft.com/office/drawing/2014/main" id="{CD2CD773-A5A7-313A-AA05-E27BA329B660}"/>
+              </a:ext>
+            </a:extLst>
+          </p:cNvPr>
+          <p:cNvSpPr txBox="1"/>
+          <p:nvPr/>
+        </p:nvSpPr>
+        <p:spPr>
+          <a:xfrm>
+            <a:off x="1194730" y="5868258"/>
+            <a:ext cx="9507572" cy="923330"/>
+          </a:xfrm>
+          <a:prstGeom prst="rect">
+            <a:avLst/>
+          </a:prstGeom>
+          <a:noFill/>
+        </p:spPr>
+        <p:txBody>
+          <a:bodyPr wrap="square" rtlCol="1">
+            <a:spAutoFit/>
+          </a:bodyPr>
+          <a:lstStyle/>
+          <a:p>
+            <a:pPr algn="ctr"/>
+            <a:r>
+              <a:rPr lang="en-US" b="0" i="0" dirty="0">
+                <a:solidFill>
+                  <a:srgbClr val="00B050">
+                    <a:alpha val="90000"/>
+                  </a:srgbClr>
+                </a:solidFill>
+                <a:effectLst>
+                  <a:outerShdw blurRad="50800" dist="38100" dir="10800000" algn="r" rotWithShape="0">
+                    <a:prstClr val="black">
+                      <a:alpha val="40000"/>
+                    </a:prstClr>
+                  </a:outerShdw>
+                </a:effectLst>
+              </a:rPr>
+              <a:t>Created by: Manor </a:t>
+            </a:r>
+            <a:r>
+              <a:rPr lang="en-US" b="0" i="0" dirty="0" err="1">
+                <a:solidFill>
+                  <a:srgbClr val="00B050">
+                    <a:alpha val="90000"/>
+                  </a:srgbClr>
+                </a:solidFill>
+                <a:effectLst>
+                  <a:outerShdw blurRad="50800" dist="38100" dir="10800000" algn="r" rotWithShape="0">
+                    <a:prstClr val="black">
+                      <a:alpha val="40000"/>
+                    </a:prstClr>
+                  </a:outerShdw>
+                </a:effectLst>
+              </a:rPr>
+              <a:t>Shpritz</a:t>
+            </a:r>
+            <a:r>
+              <a:rPr lang="en-US" dirty="0">
+                <a:solidFill>
+                  <a:srgbClr val="00B050">
+                    <a:alpha val="90000"/>
+                  </a:srgbClr>
+                </a:solidFill>
+                <a:effectLst>
+                  <a:outerShdw blurRad="50800" dist="38100" dir="10800000" algn="r" rotWithShape="0">
+                    <a:prstClr val="black">
+                      <a:alpha val="40000"/>
+                    </a:prstClr>
+                  </a:outerShdw>
+                </a:effectLst>
+              </a:rPr>
+              <a:t> &amp;</a:t>
+            </a:r>
+            <a:r>
+              <a:rPr lang="en-US" b="0" i="0" dirty="0">
+                <a:solidFill>
+                  <a:srgbClr val="00B050">
+                    <a:alpha val="90000"/>
+                  </a:srgbClr>
+                </a:solidFill>
+                <a:effectLst>
+                  <a:outerShdw blurRad="50800" dist="38100" dir="10800000" algn="r" rotWithShape="0">
+                    <a:prstClr val="black">
+                      <a:alpha val="40000"/>
+                    </a:prstClr>
+                  </a:outerShdw>
+                </a:effectLst>
+              </a:rPr>
+              <a:t> Ortal Lasry &amp; Or Cohen Raviv. </a:t>
+            </a:r>
+          </a:p>
+          <a:p>
+            <a:pPr algn="ctr"/>
+            <a:br>
+              <a:rPr lang="en-US" b="0" i="0" dirty="0">
+                <a:solidFill>
+                  <a:srgbClr val="00B050">
+                    <a:alpha val="90000"/>
+                  </a:srgbClr>
+                </a:solidFill>
+                <a:effectLst>
+                  <a:outerShdw blurRad="50800" dist="38100" dir="10800000" algn="r" rotWithShape="0">
+                    <a:prstClr val="black">
+                      <a:alpha val="40000"/>
+                    </a:prstClr>
+                  </a:outerShdw>
+                </a:effectLst>
+              </a:rPr>
+            </a:br>
+            <a:r>
+              <a:rPr lang="en-US" b="0" i="0" dirty="0">
+                <a:solidFill>
+                  <a:srgbClr val="00B050">
+                    <a:alpha val="90000"/>
+                  </a:srgbClr>
+                </a:solidFill>
+                <a:effectLst>
+                  <a:outerShdw blurRad="50800" dist="38100" dir="10800000" algn="r" rotWithShape="0">
+                    <a:prstClr val="black">
+                      <a:alpha val="40000"/>
+                    </a:prstClr>
+                  </a:outerShdw>
+                </a:effectLst>
+              </a:rPr>
+              <a:t>[Final Projec</a:t>
+            </a:r>
+            <a:r>
+              <a:rPr lang="en-US" dirty="0">
+                <a:solidFill>
+                  <a:srgbClr val="00B050">
+                    <a:alpha val="90000"/>
+                  </a:srgbClr>
+                </a:solidFill>
+                <a:effectLst>
+                  <a:outerShdw blurRad="50800" dist="38100" dir="10800000" algn="r" rotWithShape="0">
+                    <a:prstClr val="black">
+                      <a:alpha val="40000"/>
+                    </a:prstClr>
+                  </a:outerShdw>
+                </a:effectLst>
+              </a:rPr>
+              <a:t>t @                  – Practical Data Science course 2024-2025]</a:t>
+            </a:r>
+            <a:endParaRPr lang="he-IL" dirty="0">
+              <a:solidFill>
+                <a:srgbClr val="00B050">
+                  <a:alpha val="90000"/>
+                </a:srgbClr>
+              </a:solidFill>
+              <a:effectLst>
+                <a:outerShdw blurRad="50800" dist="38100" dir="10800000" algn="r" rotWithShape="0">
+                  <a:prstClr val="black">
+                    <a:alpha val="40000"/>
+                  </a:prstClr>
+                </a:outerShdw>
+              </a:effectLst>
+            </a:endParaRPr>
+          </a:p>
+        </p:txBody>
+      </p:sp>
+      <p:pic>
+        <p:nvPicPr>
+          <p:cNvPr id="15" name="תמונה 14">
+            <a:extLst>
+              <a:ext uri="{FF2B5EF4-FFF2-40B4-BE49-F238E27FC236}">
+                <a16:creationId xmlns:a16="http://schemas.microsoft.com/office/drawing/2014/main" id="{F0CFA8E7-AA05-FE9F-7D08-23D0A6FFBA80}"/>
+              </a:ext>
+            </a:extLst>
+          </p:cNvPr>
+          <p:cNvPicPr>
+            <a:picLocks noChangeAspect="1"/>
+          </p:cNvPicPr>
+          <p:nvPr/>
+        </p:nvPicPr>
+        <p:blipFill>
+          <a:blip r:embed="rId7"/>
+          <a:stretch>
+            <a:fillRect/>
+          </a:stretch>
+        </p:blipFill>
+        <p:spPr>
+          <a:xfrm>
+            <a:off x="3913239" y="6349590"/>
+            <a:ext cx="1189098" cy="441998"/>
+          </a:xfrm>
+          <a:prstGeom prst="rect">
+            <a:avLst/>
+          </a:prstGeom>
+        </p:spPr>
+      </p:pic>
+      <p:pic>
+        <p:nvPicPr>
+          <p:cNvPr id="1035" name="Picture 11" descr="Logo and Brand Assets — Spotify">
+            <a:extLst>
+              <a:ext uri="{FF2B5EF4-FFF2-40B4-BE49-F238E27FC236}">
+                <a16:creationId xmlns:a16="http://schemas.microsoft.com/office/drawing/2014/main" id="{EEAF5D1B-C6AE-06E1-7D6B-183FD533B3C9}"/>
+              </a:ext>
+            </a:extLst>
+          </p:cNvPr>
+          <p:cNvPicPr>
+            <a:picLocks noChangeAspect="1" noChangeArrowheads="1"/>
+          </p:cNvPicPr>
+          <p:nvPr/>
+        </p:nvPicPr>
+        <p:blipFill>
+          <a:blip r:embed="rId8">
+            <a:extLst>
+              <a:ext uri="{28A0092B-C50C-407E-A947-70E740481C1C}">
+                <a14:useLocalDpi xmlns:a14="http://schemas.microsoft.com/office/drawing/2010/main" val="0"/>
+              </a:ext>
+            </a:extLst>
+          </a:blip>
+          <a:srcRect/>
+          <a:stretch>
+            <a:fillRect/>
+          </a:stretch>
+        </p:blipFill>
+        <p:spPr bwMode="auto">
+          <a:xfrm>
+            <a:off x="0" y="0"/>
+            <a:ext cx="1386348" cy="856918"/>
+          </a:xfrm>
+          <a:prstGeom prst="rect">
+            <a:avLst/>
+          </a:prstGeom>
+          <a:noFill/>
+          <a:extLst>
+            <a:ext uri="{909E8E84-426E-40DD-AFC4-6F175D3DCCD1}">
+              <a14:hiddenFill xmlns:a14="http://schemas.microsoft.com/office/drawing/2010/main">
+                <a:solidFill>
+                  <a:srgbClr val="FFFFFF"/>
+                </a:solidFill>
+              </a14:hiddenFill>
+            </a:ext>
+          </a:extLst>
+        </p:spPr>
+      </p:pic>
+    </p:spTree>
+    <p:extLst>
+      <p:ext uri="{BB962C8B-B14F-4D97-AF65-F5344CB8AC3E}">
+        <p14:creationId xmlns:p14="http://schemas.microsoft.com/office/powerpoint/2010/main" val="1944899215"/>
+      </p:ext>
+    </p:extLst>
+  </p:cSld>
+  <p:clrMapOvr>
+    <a:masterClrMapping/>
+  </p:clrMapOvr>
+</p:sld>
+</file>
+
+<file path=ppt/slides/slide2.xml><?xml version="1.0" encoding="utf-8"?>
+<p:sld xmlns:a="http://schemas.openxmlformats.org/drawingml/2006/main" xmlns:r="http://schemas.openxmlformats.org/officeDocument/2006/relationships" xmlns:p="http://schemas.openxmlformats.org/presentationml/2006/main">
+  <p:cSld>
+    <p:spTree>
+      <p:nvGrpSpPr>
+        <p:cNvPr id="1" name=""/>
+        <p:cNvGrpSpPr/>
+        <p:nvPr/>
+      </p:nvGrpSpPr>
+      <p:grpSpPr>
+        <a:xfrm>
+          <a:off x="0" y="0"/>
+          <a:ext cx="0" cy="0"/>
+          <a:chOff x="0" y="0"/>
+          <a:chExt cx="0" cy="0"/>
+        </a:xfrm>
+      </p:grpSpPr>
+      <p:sp>
+        <p:nvSpPr>
+          <p:cNvPr id="2" name="כותרת 1">
+            <a:extLst>
+              <a:ext uri="{FF2B5EF4-FFF2-40B4-BE49-F238E27FC236}">
+                <a16:creationId xmlns:a16="http://schemas.microsoft.com/office/drawing/2014/main" id="{B8D92AB1-A4E0-5CED-16A0-D782AD5D5E99}"/>
+              </a:ext>
+            </a:extLst>
+          </p:cNvPr>
+          <p:cNvSpPr>
+            <a:spLocks noGrp="1"/>
+          </p:cNvSpPr>
+          <p:nvPr>
+            <p:ph type="title"/>
+          </p:nvPr>
+        </p:nvSpPr>
+        <p:spPr/>
+        <p:txBody>
+          <a:bodyPr/>
+          <a:lstStyle/>
+          <a:p>
+            <a:endParaRPr lang="he-IL" dirty="0"/>
+          </a:p>
+        </p:txBody>
+      </p:sp>
+      <p:sp>
+        <p:nvSpPr>
+          <p:cNvPr id="3" name="מציין מיקום תוכן 2">
+            <a:extLst>
+              <a:ext uri="{FF2B5EF4-FFF2-40B4-BE49-F238E27FC236}">
+                <a16:creationId xmlns:a16="http://schemas.microsoft.com/office/drawing/2014/main" id="{D49DF4C4-6AE4-2417-631F-62CC3447F322}"/>
+              </a:ext>
+            </a:extLst>
+          </p:cNvPr>
+          <p:cNvSpPr>
+            <a:spLocks noGrp="1"/>
+          </p:cNvSpPr>
+          <p:nvPr>
+            <p:ph idx="1"/>
+          </p:nvPr>
+        </p:nvSpPr>
+        <p:spPr/>
+        <p:txBody>
+          <a:bodyPr/>
+          <a:lstStyle/>
+          <a:p>
+            <a:endParaRPr lang="he-IL"/>
+          </a:p>
+        </p:txBody>
+      </p:sp>
+    </p:spTree>
+    <p:extLst>
+      <p:ext uri="{BB962C8B-B14F-4D97-AF65-F5344CB8AC3E}">
+        <p14:creationId xmlns:p14="http://schemas.microsoft.com/office/powerpoint/2010/main" val="703351536"/>
+      </p:ext>
+    </p:extLst>
+  </p:cSld>
+  <p:clrMapOvr>
+    <a:masterClrMapping/>
+  </p:clrMapOvr>
+</p:sld>
+</file>
+
+<file path=ppt/slides/slide3.xml><?xml version="1.0" encoding="utf-8"?>
+<p:sld xmlns:a="http://schemas.openxmlformats.org/drawingml/2006/main" xmlns:r="http://schemas.openxmlformats.org/officeDocument/2006/relationships" xmlns:p="http://schemas.openxmlformats.org/presentationml/2006/main">
+  <p:cSld>
+    <p:spTree>
+      <p:nvGrpSpPr>
+        <p:cNvPr id="1" name=""/>
+        <p:cNvGrpSpPr/>
+        <p:nvPr/>
+      </p:nvGrpSpPr>
+      <p:grpSpPr>
+        <a:xfrm>
+          <a:off x="0" y="0"/>
+          <a:ext cx="0" cy="0"/>
+          <a:chOff x="0" y="0"/>
+          <a:chExt cx="0" cy="0"/>
+        </a:xfrm>
+      </p:grpSpPr>
+      <p:pic>
+        <p:nvPicPr>
+          <p:cNvPr id="5" name="תמונה 4">
+            <a:extLst>
+              <a:ext uri="{FF2B5EF4-FFF2-40B4-BE49-F238E27FC236}">
+                <a16:creationId xmlns:a16="http://schemas.microsoft.com/office/drawing/2014/main" id="{A877D3C7-197B-8FE5-55DA-464D1BE40778}"/>
+              </a:ext>
+            </a:extLst>
+          </p:cNvPr>
+          <p:cNvPicPr>
+            <a:picLocks noChangeAspect="1"/>
+          </p:cNvPicPr>
+          <p:nvPr/>
+        </p:nvPicPr>
+        <p:blipFill>
+          <a:blip r:embed="rId3"/>
+          <a:stretch>
+            <a:fillRect/>
+          </a:stretch>
+        </p:blipFill>
+        <p:spPr>
+          <a:xfrm>
+            <a:off x="4277031" y="596118"/>
             <a:ext cx="7639666" cy="2852320"/>
           </a:xfrm>
           <a:prstGeom prst="rect">
             <a:avLst/>
           </a:prstGeom>
+          <a:effectLst>
+            <a:outerShdw blurRad="63500" sx="102000" sy="102000" algn="ctr" rotWithShape="0">
+              <a:prstClr val="black">
+                <a:alpha val="40000"/>
+              </a:prstClr>
+            </a:outerShdw>
+          </a:effectLst>
         </p:spPr>
       </p:pic>
       <p:pic>
@@ -3366,7 +8960,7 @@
           <p:nvPr/>
         </p:nvPicPr>
         <p:blipFill>
-          <a:blip r:embed="rId3" cstate="print">
+          <a:blip r:embed="rId4" cstate="print">
             <a:extLst>
               <a:ext uri="{28A0092B-C50C-407E-A947-70E740481C1C}">
                 <a14:useLocalDpi xmlns:a14="http://schemas.microsoft.com/office/drawing/2010/main" val="0"/>
@@ -3380,13 +8974,20 @@
         </p:blipFill>
         <p:spPr bwMode="auto">
           <a:xfrm>
-            <a:off x="88490" y="473691"/>
-            <a:ext cx="4090220" cy="2849612"/>
+            <a:off x="176022" y="578923"/>
+            <a:ext cx="4020027" cy="2849612"/>
           </a:xfrm>
           <a:prstGeom prst="rect">
             <a:avLst/>
           </a:prstGeom>
           <a:noFill/>
+          <a:effectLst>
+            <a:outerShdw blurRad="63500" sx="102000" sy="102000" algn="ctr" rotWithShape="0">
+              <a:prstClr val="black">
+                <a:alpha val="40000"/>
+              </a:prstClr>
+            </a:outerShdw>
+          </a:effectLst>
           <a:extLst>
             <a:ext uri="{909E8E84-426E-40DD-AFC4-6F175D3DCCD1}">
               <a14:hiddenFill xmlns:a14="http://schemas.microsoft.com/office/drawing/2010/main">
@@ -3413,19 +9014,26 @@
           <p:nvPr/>
         </p:nvPicPr>
         <p:blipFill>
-          <a:blip r:embed="rId4"/>
+          <a:blip r:embed="rId5"/>
           <a:stretch>
             <a:fillRect/>
           </a:stretch>
         </p:blipFill>
         <p:spPr>
           <a:xfrm>
-            <a:off x="158683" y="3429000"/>
+            <a:off x="166057" y="3455403"/>
             <a:ext cx="4020027" cy="2475055"/>
           </a:xfrm>
           <a:prstGeom prst="rect">
             <a:avLst/>
           </a:prstGeom>
+          <a:effectLst>
+            <a:outerShdw blurRad="63500" sx="102000" sy="102000" algn="ctr" rotWithShape="0">
+              <a:prstClr val="black">
+                <a:alpha val="40000"/>
+              </a:prstClr>
+            </a:outerShdw>
+          </a:effectLst>
         </p:spPr>
       </p:pic>
       <p:pic>
@@ -3443,7 +9051,7 @@
           <p:nvPr/>
         </p:nvPicPr>
         <p:blipFill>
-          <a:blip r:embed="rId5"/>
+          <a:blip r:embed="rId6"/>
           <a:stretch>
             <a:fillRect/>
           </a:stretch>
@@ -3480,7 +9088,7 @@
           <p:nvPr/>
         </p:nvPicPr>
         <p:blipFill>
-          <a:blip r:embed="rId6"/>
+          <a:blip r:embed="rId7"/>
           <a:stretch>
             <a:fillRect/>
           </a:stretch>
@@ -3517,14 +9125,14 @@
           <p:nvPr/>
         </p:nvPicPr>
         <p:blipFill>
-          <a:blip r:embed="rId7"/>
+          <a:blip r:embed="rId8"/>
           <a:stretch>
             <a:fillRect/>
           </a:stretch>
         </p:blipFill>
         <p:spPr>
           <a:xfrm>
-            <a:off x="7693007" y="4879040"/>
+            <a:off x="7617871" y="4841708"/>
             <a:ext cx="4422560" cy="1531753"/>
           </a:xfrm>
           <a:prstGeom prst="rect">
@@ -3553,8 +9161,8 @@
         </p:nvSpPr>
         <p:spPr>
           <a:xfrm>
-            <a:off x="2399071" y="98323"/>
-            <a:ext cx="8347587" cy="372660"/>
+            <a:off x="1897626" y="98323"/>
+            <a:ext cx="9222657" cy="372660"/>
           </a:xfrm>
           <a:prstGeom prst="roundRect">
             <a:avLst/>
@@ -3597,8 +9205,8 @@
         </p:nvSpPr>
         <p:spPr>
           <a:xfrm>
-            <a:off x="2040463" y="-157308"/>
-            <a:ext cx="8706195" cy="769441"/>
+            <a:off x="1661651" y="-98836"/>
+            <a:ext cx="9694606" cy="769441"/>
           </a:xfrm>
           <a:prstGeom prst="rect">
             <a:avLst/>
@@ -3724,68 +9332,6 @@
           </a:p>
         </p:txBody>
       </p:sp>
-      <p:sp>
-        <p:nvSpPr>
-          <p:cNvPr id="16" name="תיבת טקסט 15">
-            <a:extLst>
-              <a:ext uri="{FF2B5EF4-FFF2-40B4-BE49-F238E27FC236}">
-                <a16:creationId xmlns:a16="http://schemas.microsoft.com/office/drawing/2014/main" id="{020D5E94-BEED-4C06-A705-25208EFF2822}"/>
-              </a:ext>
-            </a:extLst>
-          </p:cNvPr>
-          <p:cNvSpPr txBox="1"/>
-          <p:nvPr/>
-        </p:nvSpPr>
-        <p:spPr>
-          <a:xfrm>
-            <a:off x="-318986" y="5935810"/>
-            <a:ext cx="4718897" cy="584775"/>
-          </a:xfrm>
-          <a:prstGeom prst="rect">
-            <a:avLst/>
-          </a:prstGeom>
-          <a:noFill/>
-        </p:spPr>
-        <p:txBody>
-          <a:bodyPr wrap="square" rtlCol="1">
-            <a:spAutoFit/>
-          </a:bodyPr>
-          <a:lstStyle/>
-          <a:p>
-            <a:pPr algn="ctr"/>
-            <a:r>
-              <a:rPr lang="en-US" sz="1600" b="1" dirty="0">
-                <a:solidFill>
-                  <a:schemeClr val="accent6">
-                    <a:lumMod val="75000"/>
-                  </a:schemeClr>
-                </a:solidFill>
-              </a:rPr>
-              <a:t>*Artist based word2vec model recommender * </a:t>
-            </a:r>
-          </a:p>
-          <a:p>
-            <a:pPr algn="ctr"/>
-            <a:r>
-              <a:rPr lang="en-US" sz="1600" b="1" dirty="0">
-                <a:solidFill>
-                  <a:schemeClr val="accent6">
-                    <a:lumMod val="75000"/>
-                  </a:schemeClr>
-                </a:solidFill>
-              </a:rPr>
-              <a:t>Best model chosen is 3 based, best f1 score</a:t>
-            </a:r>
-            <a:endParaRPr lang="he-IL" sz="1600" b="1" dirty="0">
-              <a:solidFill>
-                <a:schemeClr val="accent6">
-                  <a:lumMod val="75000"/>
-                </a:schemeClr>
-              </a:solidFill>
-            </a:endParaRPr>
-          </a:p>
-        </p:txBody>
-      </p:sp>
       <p:pic>
         <p:nvPicPr>
           <p:cNvPr id="1026" name="Picture 2" descr="‪spotify logo מאת newsroom.spotify.com‬‏">
@@ -3801,7 +9347,7 @@
           <p:nvPr/>
         </p:nvPicPr>
         <p:blipFill>
-          <a:blip r:embed="rId8">
+          <a:blip r:embed="rId9">
             <a:extLst>
               <a:ext uri="{28A0092B-C50C-407E-A947-70E740481C1C}">
                 <a14:useLocalDpi xmlns:a14="http://schemas.microsoft.com/office/drawing/2010/main" val="0"/>
@@ -3815,7 +9361,7 @@
         </p:blipFill>
         <p:spPr bwMode="auto">
           <a:xfrm>
-            <a:off x="88490" y="98323"/>
+            <a:off x="0" y="-6563"/>
             <a:ext cx="876300" cy="769441"/>
           </a:xfrm>
           <a:prstGeom prst="rect">
@@ -3833,6 +9379,152 @@
           </a:extLst>
         </p:spPr>
       </p:pic>
+      <p:sp>
+        <p:nvSpPr>
+          <p:cNvPr id="2" name="מלבן: פינות מעוגלות 1">
+            <a:extLst>
+              <a:ext uri="{FF2B5EF4-FFF2-40B4-BE49-F238E27FC236}">
+                <a16:creationId xmlns:a16="http://schemas.microsoft.com/office/drawing/2014/main" id="{BEE2C6C6-0772-A785-17D8-649C2DEA1F19}"/>
+              </a:ext>
+            </a:extLst>
+          </p:cNvPr>
+          <p:cNvSpPr/>
+          <p:nvPr/>
+        </p:nvSpPr>
+        <p:spPr>
+          <a:xfrm>
+            <a:off x="158683" y="5904986"/>
+            <a:ext cx="4034776" cy="958645"/>
+          </a:xfrm>
+          <a:prstGeom prst="roundRect">
+            <a:avLst/>
+          </a:prstGeom>
+          <a:solidFill>
+            <a:schemeClr val="accent5">
+              <a:lumMod val="20000"/>
+              <a:lumOff val="80000"/>
+            </a:schemeClr>
+          </a:solidFill>
+          <a:effectLst>
+            <a:innerShdw blurRad="114300">
+              <a:prstClr val="black"/>
+            </a:innerShdw>
+          </a:effectLst>
+        </p:spPr>
+        <p:style>
+          <a:lnRef idx="2">
+            <a:schemeClr val="accent1">
+              <a:shade val="15000"/>
+            </a:schemeClr>
+          </a:lnRef>
+          <a:fillRef idx="1">
+            <a:schemeClr val="accent1"/>
+          </a:fillRef>
+          <a:effectRef idx="0">
+            <a:schemeClr val="accent1"/>
+          </a:effectRef>
+          <a:fontRef idx="minor">
+            <a:schemeClr val="lt1"/>
+          </a:fontRef>
+        </p:style>
+        <p:txBody>
+          <a:bodyPr rtlCol="1" anchor="ctr"/>
+          <a:lstStyle/>
+          <a:p>
+            <a:pPr algn="ctr"/>
+            <a:endParaRPr lang="he-IL"/>
+          </a:p>
+        </p:txBody>
+      </p:sp>
+      <p:sp>
+        <p:nvSpPr>
+          <p:cNvPr id="16" name="תיבת טקסט 15">
+            <a:extLst>
+              <a:ext uri="{FF2B5EF4-FFF2-40B4-BE49-F238E27FC236}">
+                <a16:creationId xmlns:a16="http://schemas.microsoft.com/office/drawing/2014/main" id="{020D5E94-BEED-4C06-A705-25208EFF2822}"/>
+              </a:ext>
+            </a:extLst>
+          </p:cNvPr>
+          <p:cNvSpPr txBox="1"/>
+          <p:nvPr/>
+        </p:nvSpPr>
+        <p:spPr>
+          <a:xfrm>
+            <a:off x="51269" y="5955930"/>
+            <a:ext cx="4199343" cy="738664"/>
+          </a:xfrm>
+          <a:prstGeom prst="rect">
+            <a:avLst/>
+          </a:prstGeom>
+          <a:noFill/>
+        </p:spPr>
+        <p:txBody>
+          <a:bodyPr wrap="square" rtlCol="1">
+            <a:spAutoFit/>
+          </a:bodyPr>
+          <a:lstStyle/>
+          <a:p>
+            <a:pPr algn="ctr"/>
+            <a:r>
+              <a:rPr lang="en-US" sz="1400" b="1" dirty="0">
+                <a:solidFill>
+                  <a:schemeClr val="accent3">
+                    <a:lumMod val="75000"/>
+                  </a:schemeClr>
+                </a:solidFill>
+              </a:rPr>
+              <a:t>*Artist-based word2vec model recommender*</a:t>
+            </a:r>
+            <a:br>
+              <a:rPr lang="en-US" sz="1400" b="1" dirty="0">
+                <a:solidFill>
+                  <a:schemeClr val="accent3">
+                    <a:lumMod val="75000"/>
+                  </a:schemeClr>
+                </a:solidFill>
+              </a:rPr>
+            </a:br>
+            <a:r>
+              <a:rPr lang="en-US" sz="1400" b="1" dirty="0">
+                <a:solidFill>
+                  <a:schemeClr val="accent3">
+                    <a:lumMod val="75000"/>
+                  </a:schemeClr>
+                </a:solidFill>
+              </a:rPr>
+              <a:t> </a:t>
+            </a:r>
+          </a:p>
+          <a:p>
+            <a:pPr algn="ctr"/>
+            <a:r>
+              <a:rPr lang="en-US" sz="1400" b="1" dirty="0">
+                <a:solidFill>
+                  <a:srgbClr val="FF0000"/>
+                </a:solidFill>
+              </a:rPr>
+              <a:t>Best model chosen is 3 </a:t>
+            </a:r>
+            <a:r>
+              <a:rPr lang="en-US" sz="1400" b="1" dirty="0">
+                <a:solidFill>
+                  <a:schemeClr val="accent3">
+                    <a:lumMod val="75000"/>
+                  </a:schemeClr>
+                </a:solidFill>
+              </a:rPr>
+              <a:t>based on best F1 score</a:t>
+            </a:r>
+            <a:endParaRPr lang="he-IL" sz="1400" b="1" dirty="0">
+              <a:solidFill>
+                <a:schemeClr val="accent3">
+                  <a:lumMod val="75000"/>
+                </a:schemeClr>
+              </a:solidFill>
+            </a:endParaRPr>
+          </a:p>
+        </p:txBody>
+      </p:sp>
     </p:spTree>
     <p:extLst>
       <p:ext uri="{BB962C8B-B14F-4D97-AF65-F5344CB8AC3E}">
@@ -3846,7 +9538,330 @@
 </p:sld>
 </file>
 
+<file path=ppt/slides/slide4.xml><?xml version="1.0" encoding="utf-8"?>
+<p:sld xmlns:a="http://schemas.openxmlformats.org/drawingml/2006/main" xmlns:r="http://schemas.openxmlformats.org/officeDocument/2006/relationships" xmlns:p="http://schemas.openxmlformats.org/presentationml/2006/main">
+  <p:cSld>
+    <p:spTree>
+      <p:nvGrpSpPr>
+        <p:cNvPr id="1" name=""/>
+        <p:cNvGrpSpPr/>
+        <p:nvPr/>
+      </p:nvGrpSpPr>
+      <p:grpSpPr>
+        <a:xfrm>
+          <a:off x="0" y="0"/>
+          <a:ext cx="0" cy="0"/>
+          <a:chOff x="0" y="0"/>
+          <a:chExt cx="0" cy="0"/>
+        </a:xfrm>
+      </p:grpSpPr>
+      <p:sp>
+        <p:nvSpPr>
+          <p:cNvPr id="2" name="כותרת 1">
+            <a:extLst>
+              <a:ext uri="{FF2B5EF4-FFF2-40B4-BE49-F238E27FC236}">
+                <a16:creationId xmlns:a16="http://schemas.microsoft.com/office/drawing/2014/main" id="{3BD67EB2-57B4-1D63-EB7C-608F0E282CEE}"/>
+              </a:ext>
+            </a:extLst>
+          </p:cNvPr>
+          <p:cNvSpPr>
+            <a:spLocks noGrp="1"/>
+          </p:cNvSpPr>
+          <p:nvPr>
+            <p:ph type="title"/>
+          </p:nvPr>
+        </p:nvSpPr>
+        <p:spPr/>
+        <p:txBody>
+          <a:bodyPr/>
+          <a:lstStyle/>
+          <a:p>
+            <a:endParaRPr lang="he-IL"/>
+          </a:p>
+        </p:txBody>
+      </p:sp>
+      <p:sp>
+        <p:nvSpPr>
+          <p:cNvPr id="3" name="מציין מיקום תוכן 2">
+            <a:extLst>
+              <a:ext uri="{FF2B5EF4-FFF2-40B4-BE49-F238E27FC236}">
+                <a16:creationId xmlns:a16="http://schemas.microsoft.com/office/drawing/2014/main" id="{C51D342B-D2D7-85B4-29C0-5B7D02BB2C0A}"/>
+              </a:ext>
+            </a:extLst>
+          </p:cNvPr>
+          <p:cNvSpPr>
+            <a:spLocks noGrp="1"/>
+          </p:cNvSpPr>
+          <p:nvPr>
+            <p:ph idx="1"/>
+          </p:nvPr>
+        </p:nvSpPr>
+        <p:spPr/>
+        <p:txBody>
+          <a:bodyPr/>
+          <a:lstStyle/>
+          <a:p>
+            <a:endParaRPr lang="he-IL"/>
+          </a:p>
+        </p:txBody>
+      </p:sp>
+    </p:spTree>
+    <p:extLst>
+      <p:ext uri="{BB962C8B-B14F-4D97-AF65-F5344CB8AC3E}">
+        <p14:creationId xmlns:p14="http://schemas.microsoft.com/office/powerpoint/2010/main" val="2367228606"/>
+      </p:ext>
+    </p:extLst>
+  </p:cSld>
+  <p:clrMapOvr>
+    <a:masterClrMapping/>
+  </p:clrMapOvr>
+</p:sld>
+</file>
+
 <file path=ppt/theme/theme1.xml><?xml version="1.0" encoding="utf-8"?>
+<a:theme xmlns:a="http://schemas.openxmlformats.org/drawingml/2006/main" name="עשן מתפתל">
+  <a:themeElements>
+    <a:clrScheme name="עשן מתפתל">
+      <a:dk1>
+        <a:sysClr val="windowText" lastClr="000000"/>
+      </a:dk1>
+      <a:lt1>
+        <a:sysClr val="window" lastClr="FFFFFF"/>
+      </a:lt1>
+      <a:dk2>
+        <a:srgbClr val="766F54"/>
+      </a:dk2>
+      <a:lt2>
+        <a:srgbClr val="E3EACF"/>
+      </a:lt2>
+      <a:accent1>
+        <a:srgbClr val="A53010"/>
+      </a:accent1>
+      <a:accent2>
+        <a:srgbClr val="DE7E18"/>
+      </a:accent2>
+      <a:accent3>
+        <a:srgbClr val="9F8351"/>
+      </a:accent3>
+      <a:accent4>
+        <a:srgbClr val="728653"/>
+      </a:accent4>
+      <a:accent5>
+        <a:srgbClr val="92AA4C"/>
+      </a:accent5>
+      <a:accent6>
+        <a:srgbClr val="6AAC91"/>
+      </a:accent6>
+      <a:hlink>
+        <a:srgbClr val="FB4A18"/>
+      </a:hlink>
+      <a:folHlink>
+        <a:srgbClr val="FB9318"/>
+      </a:folHlink>
+    </a:clrScheme>
+    <a:fontScheme name="עשן מתפתל">
+      <a:majorFont>
+        <a:latin typeface="Century Gothic" panose="020B0502020202020204"/>
+        <a:ea typeface=""/>
+        <a:cs typeface=""/>
+        <a:font script="Jpan" typeface="メイリオ"/>
+        <a:font script="Hang" typeface="HY중고딕"/>
+        <a:font script="Hans" typeface="幼圆"/>
+        <a:font script="Hant" typeface="微軟正黑體"/>
+        <a:font script="Arab" typeface="Tahoma"/>
+        <a:font script="Hebr" typeface="Gisha"/>
+        <a:font script="Thai" typeface="DilleniaUPC"/>
+        <a:font script="Ethi" typeface="Nyala"/>
+        <a:font script="Beng" typeface="Vrinda"/>
+        <a:font script="Gujr" typeface="Shruti"/>
+        <a:font script="Khmr" typeface="DaunPenh"/>
+        <a:font script="Knda" typeface="Tunga"/>
+        <a:font script="Guru" typeface="Raavi"/>
+        <a:font script="Cans" typeface="Euphemia"/>
+        <a:font script="Cher" typeface="Plantagenet Cherokee"/>
+        <a:font script="Yiii" typeface="Microsoft Yi Baiti"/>
+        <a:font script="Tibt" typeface="Microsoft Himalaya"/>
+        <a:font script="Thaa" typeface="MV Boli"/>
+        <a:font script="Deva" typeface="Mangal"/>
+        <a:font script="Telu" typeface="Gautami"/>
+        <a:font script="Taml" typeface="Latha"/>
+        <a:font script="Syrc" typeface="Estrangelo Edessa"/>
+        <a:font script="Orya" typeface="Kalinga"/>
+        <a:font script="Mlym" typeface="Kartika"/>
+        <a:font script="Laoo" typeface="DokChampa"/>
+        <a:font script="Sinh" typeface="Iskoola Pota"/>
+        <a:font script="Mong" typeface="Mongolian Baiti"/>
+        <a:font script="Viet" typeface="Tahoma"/>
+        <a:font script="Uigh" typeface="Microsoft Uighur"/>
+        <a:font script="Geor" typeface="Sylfaen"/>
+      </a:majorFont>
+      <a:minorFont>
+        <a:latin typeface="Century Gothic" panose="020B0502020202020204"/>
+        <a:ea typeface=""/>
+        <a:cs typeface=""/>
+        <a:font script="Jpan" typeface="メイリオ"/>
+        <a:font script="Hang" typeface="HY중고딕"/>
+        <a:font script="Hans" typeface="幼圆"/>
+        <a:font script="Hant" typeface="微軟正黑體"/>
+        <a:font script="Arab" typeface="Tahoma"/>
+        <a:font script="Hebr" typeface="Gisha"/>
+        <a:font script="Thai" typeface="DilleniaUPC"/>
+        <a:font script="Ethi" typeface="Nyala"/>
+        <a:font script="Beng" typeface="Vrinda"/>
+        <a:font script="Gujr" typeface="Shruti"/>
+        <a:font script="Khmr" typeface="DaunPenh"/>
+        <a:font script="Knda" typeface="Tunga"/>
+        <a:font script="Guru" typeface="Raavi"/>
+        <a:font script="Cans" typeface="Euphemia"/>
+        <a:font script="Cher" typeface="Plantagenet Cherokee"/>
+        <a:font script="Yiii" typeface="Microsoft Yi Baiti"/>
+        <a:font script="Tibt" typeface="Microsoft Himalaya"/>
+        <a:font script="Thaa" typeface="MV Boli"/>
+        <a:font script="Deva" typeface="Mangal"/>
+        <a:font script="Telu" typeface="Gautami"/>
+        <a:font script="Taml" typeface="Latha"/>
+        <a:font script="Syrc" typeface="Estrangelo Edessa"/>
+        <a:font script="Orya" typeface="Kalinga"/>
+        <a:font script="Mlym" typeface="Kartika"/>
+        <a:font script="Laoo" typeface="DokChampa"/>
+        <a:font script="Sinh" typeface="Iskoola Pota"/>
+        <a:font script="Mong" typeface="Mongolian Baiti"/>
+        <a:font script="Viet" typeface="Tahoma"/>
+        <a:font script="Uigh" typeface="Microsoft Uighur"/>
+        <a:font script="Geor" typeface="Sylfaen"/>
+      </a:minorFont>
+    </a:fontScheme>
+    <a:fmtScheme name="עשן מתפתל">
+      <a:fillStyleLst>
+        <a:solidFill>
+          <a:schemeClr val="phClr"/>
+        </a:solidFill>
+        <a:solidFill>
+          <a:schemeClr val="phClr">
+            <a:tint val="70000"/>
+            <a:lumMod val="104000"/>
+          </a:schemeClr>
+        </a:solidFill>
+        <a:gradFill rotWithShape="1">
+          <a:gsLst>
+            <a:gs pos="0">
+              <a:schemeClr val="phClr">
+                <a:tint val="96000"/>
+                <a:lumMod val="104000"/>
+              </a:schemeClr>
+            </a:gs>
+            <a:gs pos="100000">
+              <a:schemeClr val="phClr">
+                <a:shade val="98000"/>
+                <a:lumMod val="94000"/>
+              </a:schemeClr>
+            </a:gs>
+          </a:gsLst>
+          <a:lin ang="5400000" scaled="0"/>
+        </a:gradFill>
+      </a:fillStyleLst>
+      <a:lnStyleLst>
+        <a:ln w="9525" cap="rnd" cmpd="sng" algn="ctr">
+          <a:solidFill>
+            <a:schemeClr val="phClr">
+              <a:shade val="90000"/>
+            </a:schemeClr>
+          </a:solidFill>
+          <a:prstDash val="solid"/>
+        </a:ln>
+        <a:ln w="15875" cap="rnd" cmpd="sng" algn="ctr">
+          <a:solidFill>
+            <a:schemeClr val="phClr"/>
+          </a:solidFill>
+          <a:prstDash val="solid"/>
+        </a:ln>
+        <a:ln w="22225" cap="rnd" cmpd="sng" algn="ctr">
+          <a:solidFill>
+            <a:schemeClr val="phClr"/>
+          </a:solidFill>
+          <a:prstDash val="solid"/>
+        </a:ln>
+      </a:lnStyleLst>
+      <a:effectStyleLst>
+        <a:effectStyle>
+          <a:effectLst/>
+        </a:effectStyle>
+        <a:effectStyle>
+          <a:effectLst>
+            <a:outerShdw blurRad="38100" dist="25400" dir="5400000" rotWithShape="0">
+              <a:srgbClr val="000000">
+                <a:alpha val="25000"/>
+              </a:srgbClr>
+            </a:outerShdw>
+          </a:effectLst>
+        </a:effectStyle>
+        <a:effectStyle>
+          <a:effectLst>
+            <a:outerShdw blurRad="50800" dist="38100" dir="5400000" rotWithShape="0">
+              <a:srgbClr val="000000">
+                <a:alpha val="60000"/>
+              </a:srgbClr>
+            </a:outerShdw>
+          </a:effectLst>
+        </a:effectStyle>
+      </a:effectStyleLst>
+      <a:bgFillStyleLst>
+        <a:solidFill>
+          <a:schemeClr val="phClr"/>
+        </a:solidFill>
+        <a:gradFill rotWithShape="1">
+          <a:gsLst>
+            <a:gs pos="0">
+              <a:schemeClr val="phClr">
+                <a:tint val="90000"/>
+                <a:lumMod val="120000"/>
+              </a:schemeClr>
+            </a:gs>
+            <a:gs pos="100000">
+              <a:schemeClr val="phClr">
+                <a:shade val="98000"/>
+                <a:satMod val="120000"/>
+                <a:lumMod val="98000"/>
+              </a:schemeClr>
+            </a:gs>
+          </a:gsLst>
+          <a:lin ang="5400000" scaled="0"/>
+        </a:gradFill>
+        <a:gradFill rotWithShape="1">
+          <a:gsLst>
+            <a:gs pos="0">
+              <a:schemeClr val="phClr">
+                <a:tint val="90000"/>
+                <a:satMod val="92000"/>
+                <a:lumMod val="120000"/>
+              </a:schemeClr>
+            </a:gs>
+            <a:gs pos="100000">
+              <a:schemeClr val="phClr">
+                <a:shade val="98000"/>
+                <a:satMod val="120000"/>
+                <a:lumMod val="98000"/>
+              </a:schemeClr>
+            </a:gs>
+          </a:gsLst>
+          <a:path path="circle">
+            <a:fillToRect l="50000" t="50000" r="100000" b="100000"/>
+          </a:path>
+        </a:gradFill>
+      </a:bgFillStyleLst>
+    </a:fmtScheme>
+  </a:themeElements>
+  <a:objectDefaults/>
+  <a:extraClrSchemeLst/>
+  <a:extLst>
+    <a:ext uri="{05A4C25C-085E-4340-85A3-A5531E510DB2}">
+      <thm15:themeFamily xmlns:thm15="http://schemas.microsoft.com/office/thememl/2012/main" name="Wisp" id="{7CB32D59-10C0-40DD-B7BD-2E94284A981C}" vid="{24B1A44C-C006-48B2-A4D7-E5549B3D8CD4}"/>
+    </a:ext>
+  </a:extLst>
+</a:theme>
+</file>
+
+<file path=ppt/theme/theme2.xml><?xml version="1.0" encoding="utf-8"?>
 <a:theme xmlns:a="http://schemas.openxmlformats.org/drawingml/2006/main" name="ערכת נושא Office">
   <a:themeElements>
     <a:clrScheme name="Office">

--- a/Ortal/word2vec slide.pptx
+++ b/Ortal/word2vec slide.pptx
@@ -8598,24 +8598,7 @@
                   </a:outerShdw>
                 </a:effectLst>
               </a:rPr>
-              <a:t>Created by: Manor </a:t>
-            </a:r>
-            <a:r>
-              <a:rPr lang="en-US" b="0" i="0" dirty="0" err="1">
-                <a:solidFill>
-                  <a:srgbClr val="00B050">
-                    <a:alpha val="90000"/>
-                  </a:srgbClr>
-                </a:solidFill>
-                <a:effectLst>
-                  <a:outerShdw blurRad="50800" dist="38100" dir="10800000" algn="r" rotWithShape="0">
-                    <a:prstClr val="black">
-                      <a:alpha val="40000"/>
-                    </a:prstClr>
-                  </a:outerShdw>
-                </a:effectLst>
-              </a:rPr>
-              <a:t>Shpritz</a:t>
+              <a:t>Created by: Manor Shpriz</a:t>
             </a:r>
             <a:r>
               <a:rPr lang="en-US" dirty="0">
@@ -8830,54 +8813,693 @@
       </p:grpSpPr>
       <p:sp>
         <p:nvSpPr>
-          <p:cNvPr id="2" name="כותרת 1">
+          <p:cNvPr id="4" name="מלבן 3">
             <a:extLst>
               <a:ext uri="{FF2B5EF4-FFF2-40B4-BE49-F238E27FC236}">
-                <a16:creationId xmlns:a16="http://schemas.microsoft.com/office/drawing/2014/main" id="{B8D92AB1-A4E0-5CED-16A0-D782AD5D5E99}"/>
+                <a16:creationId xmlns:a16="http://schemas.microsoft.com/office/drawing/2014/main" id="{75691D6B-532F-C7A8-D7E2-10B0F17C0AD2}"/>
               </a:ext>
             </a:extLst>
           </p:cNvPr>
-          <p:cNvSpPr>
-            <a:spLocks noGrp="1"/>
-          </p:cNvSpPr>
-          <p:nvPr>
-            <p:ph type="title"/>
-          </p:nvPr>
-        </p:nvSpPr>
-        <p:spPr/>
-        <p:txBody>
-          <a:bodyPr/>
+          <p:cNvSpPr/>
+          <p:nvPr/>
+        </p:nvSpPr>
+        <p:spPr>
+          <a:xfrm>
+            <a:off x="0" y="-98836"/>
+            <a:ext cx="12374880" cy="1446550"/>
+          </a:xfrm>
+          <a:prstGeom prst="rect">
+            <a:avLst/>
+          </a:prstGeom>
+          <a:noFill/>
+        </p:spPr>
+        <p:txBody>
+          <a:bodyPr wrap="square" lIns="91440" tIns="45720" rIns="91440" bIns="45720">
+            <a:spAutoFit/>
+          </a:bodyPr>
           <a:lstStyle/>
           <a:p>
-            <a:endParaRPr lang="he-IL" dirty="0"/>
-          </a:p>
-        </p:txBody>
-      </p:sp>
-      <p:sp>
-        <p:nvSpPr>
-          <p:cNvPr id="3" name="מציין מיקום תוכן 2">
+            <a:pPr algn="ctr"/>
+            <a:r>
+              <a:rPr lang="en-US" sz="4400" b="1">
+                <a:ln w="12700">
+                  <a:solidFill>
+                    <a:schemeClr val="tx2">
+                      <a:lumMod val="75000"/>
+                    </a:schemeClr>
+                  </a:solidFill>
+                  <a:prstDash val="solid"/>
+                </a:ln>
+                <a:pattFill prst="dkUpDiag">
+                  <a:fgClr>
+                    <a:schemeClr val="tx2"/>
+                  </a:fgClr>
+                  <a:bgClr>
+                    <a:schemeClr val="tx2">
+                      <a:lumMod val="20000"/>
+                      <a:lumOff val="80000"/>
+                    </a:schemeClr>
+                  </a:bgClr>
+                </a:pattFill>
+                <a:effectLst>
+                  <a:outerShdw dist="38100" dir="2640000" algn="bl" rotWithShape="0">
+                    <a:schemeClr val="tx2">
+                      <a:lumMod val="75000"/>
+                    </a:schemeClr>
+                  </a:outerShdw>
+                </a:effectLst>
+              </a:rPr>
+              <a:t>Song Recommendation Model Using</a:t>
+            </a:r>
+            <a:br>
+              <a:rPr lang="en-US" sz="4400" b="1">
+                <a:ln w="12700">
+                  <a:solidFill>
+                    <a:schemeClr val="tx2">
+                      <a:lumMod val="75000"/>
+                    </a:schemeClr>
+                  </a:solidFill>
+                  <a:prstDash val="solid"/>
+                </a:ln>
+                <a:pattFill prst="dkUpDiag">
+                  <a:fgClr>
+                    <a:schemeClr val="tx2"/>
+                  </a:fgClr>
+                  <a:bgClr>
+                    <a:schemeClr val="tx2">
+                      <a:lumMod val="20000"/>
+                      <a:lumOff val="80000"/>
+                    </a:schemeClr>
+                  </a:bgClr>
+                </a:pattFill>
+                <a:effectLst>
+                  <a:outerShdw dist="38100" dir="2640000" algn="bl" rotWithShape="0">
+                    <a:schemeClr val="tx2">
+                      <a:lumMod val="75000"/>
+                    </a:schemeClr>
+                  </a:outerShdw>
+                </a:effectLst>
+              </a:rPr>
+            </a:br>
+            <a:r>
+              <a:rPr lang="en-US" sz="4400" b="1">
+                <a:ln w="12700">
+                  <a:solidFill>
+                    <a:schemeClr val="tx2">
+                      <a:lumMod val="75000"/>
+                    </a:schemeClr>
+                  </a:solidFill>
+                  <a:prstDash val="solid"/>
+                </a:ln>
+                <a:pattFill prst="dkUpDiag">
+                  <a:fgClr>
+                    <a:schemeClr val="tx2"/>
+                  </a:fgClr>
+                  <a:bgClr>
+                    <a:schemeClr val="tx2">
+                      <a:lumMod val="20000"/>
+                      <a:lumOff val="80000"/>
+                    </a:schemeClr>
+                  </a:bgClr>
+                </a:pattFill>
+                <a:effectLst>
+                  <a:outerShdw dist="38100" dir="2640000" algn="bl" rotWithShape="0">
+                    <a:schemeClr val="tx2">
+                      <a:lumMod val="75000"/>
+                    </a:schemeClr>
+                  </a:outerShdw>
+                </a:effectLst>
+              </a:rPr>
+              <a:t>a Siamese Network</a:t>
+            </a:r>
+            <a:endParaRPr lang="en-US" sz="4400" b="1" dirty="0">
+              <a:ln w="12700">
+                <a:solidFill>
+                  <a:schemeClr val="tx2">
+                    <a:lumMod val="75000"/>
+                  </a:schemeClr>
+                </a:solidFill>
+                <a:prstDash val="solid"/>
+              </a:ln>
+              <a:pattFill prst="dkUpDiag">
+                <a:fgClr>
+                  <a:schemeClr val="tx2"/>
+                </a:fgClr>
+                <a:bgClr>
+                  <a:schemeClr val="tx2">
+                    <a:lumMod val="20000"/>
+                    <a:lumOff val="80000"/>
+                  </a:schemeClr>
+                </a:bgClr>
+              </a:pattFill>
+              <a:effectLst>
+                <a:outerShdw dist="38100" dir="2640000" algn="bl" rotWithShape="0">
+                  <a:schemeClr val="tx2">
+                    <a:lumMod val="75000"/>
+                  </a:schemeClr>
+                </a:outerShdw>
+              </a:effectLst>
+            </a:endParaRPr>
+          </a:p>
+        </p:txBody>
+      </p:sp>
+      <p:sp>
+        <p:nvSpPr>
+          <p:cNvPr id="5" name="תיבת טקסט 4">
             <a:extLst>
               <a:ext uri="{FF2B5EF4-FFF2-40B4-BE49-F238E27FC236}">
-                <a16:creationId xmlns:a16="http://schemas.microsoft.com/office/drawing/2014/main" id="{D49DF4C4-6AE4-2417-631F-62CC3447F322}"/>
+                <a16:creationId xmlns:a16="http://schemas.microsoft.com/office/drawing/2014/main" id="{14EC749D-65F8-D9FE-1917-8D49EDA9C83B}"/>
               </a:ext>
             </a:extLst>
           </p:cNvPr>
-          <p:cNvSpPr>
-            <a:spLocks noGrp="1"/>
-          </p:cNvSpPr>
-          <p:nvPr>
-            <p:ph idx="1"/>
-          </p:nvPr>
-        </p:nvSpPr>
-        <p:spPr/>
-        <p:txBody>
-          <a:bodyPr/>
+          <p:cNvSpPr txBox="1"/>
+          <p:nvPr/>
+        </p:nvSpPr>
+        <p:spPr>
+          <a:xfrm>
+            <a:off x="3882189" y="1347714"/>
+            <a:ext cx="4114800" cy="5077096"/>
+          </a:xfrm>
+          <a:prstGeom prst="rect">
+            <a:avLst/>
+          </a:prstGeom>
+          <a:solidFill>
+            <a:schemeClr val="bg1">
+              <a:lumMod val="95000"/>
+            </a:schemeClr>
+          </a:solidFill>
+        </p:spPr>
+        <p:txBody>
+          <a:bodyPr wrap="square" rtlCol="1">
+            <a:spAutoFit/>
+          </a:bodyPr>
           <a:lstStyle/>
           <a:p>
-            <a:endParaRPr lang="he-IL"/>
-          </a:p>
-        </p:txBody>
-      </p:sp>
+            <a:pPr marL="173736" indent="-173736" algn="l" rtl="0" eaLnBrk="1" latinLnBrk="0" hangingPunct="1">
+              <a:lnSpc>
+                <a:spcPct val="150000"/>
+              </a:lnSpc>
+            </a:pPr>
+            <a:r>
+              <a:rPr lang="en-US" sz="2000" b="1" dirty="0">
+                <a:solidFill>
+                  <a:srgbClr val="000000"/>
+                </a:solidFill>
+                <a:effectLst/>
+                <a:latin typeface="Century Gothic" panose="020B0502020202020204" pitchFamily="34" charset="0"/>
+              </a:rPr>
+              <a:t>Siamese Network</a:t>
+            </a:r>
+            <a:endParaRPr lang="en-US" sz="2000" dirty="0">
+              <a:solidFill>
+                <a:srgbClr val="000000"/>
+              </a:solidFill>
+              <a:effectLst/>
+              <a:latin typeface="Century Gothic" panose="020B0502020202020204" pitchFamily="34" charset="0"/>
+            </a:endParaRPr>
+          </a:p>
+          <a:p>
+            <a:pPr marL="173736" indent="-173736" algn="l" rtl="0" eaLnBrk="1" latinLnBrk="0" hangingPunct="1">
+              <a:lnSpc>
+                <a:spcPct val="150000"/>
+              </a:lnSpc>
+              <a:buFont typeface="Arial" panose="020B0604020202020204" pitchFamily="34" charset="0"/>
+              <a:buChar char="•"/>
+            </a:pPr>
+            <a:r>
+              <a:rPr lang="en-US" sz="1800" b="1" dirty="0">
+                <a:solidFill>
+                  <a:srgbClr val="000000"/>
+                </a:solidFill>
+                <a:effectLst/>
+                <a:latin typeface="Century Gothic" panose="020B0502020202020204" pitchFamily="34" charset="0"/>
+              </a:rPr>
+              <a:t>Pairwise Similarity</a:t>
+            </a:r>
+            <a:r>
+              <a:rPr lang="en-US" sz="1800" dirty="0">
+                <a:solidFill>
+                  <a:srgbClr val="000000"/>
+                </a:solidFill>
+                <a:effectLst/>
+                <a:latin typeface="Century Gothic" panose="020B0502020202020204" pitchFamily="34" charset="0"/>
+              </a:rPr>
+              <a:t>: Can analyze songs pairs</a:t>
+            </a:r>
+          </a:p>
+          <a:p>
+            <a:pPr marL="173736" indent="-173736" algn="l" rtl="0" eaLnBrk="1" latinLnBrk="0" hangingPunct="1">
+              <a:lnSpc>
+                <a:spcPct val="150000"/>
+              </a:lnSpc>
+              <a:buFont typeface="Arial" panose="020B0604020202020204" pitchFamily="34" charset="0"/>
+              <a:buChar char="•"/>
+            </a:pPr>
+            <a:r>
+              <a:rPr lang="en-US" sz="1800" b="1" dirty="0">
+                <a:solidFill>
+                  <a:srgbClr val="000000"/>
+                </a:solidFill>
+                <a:effectLst/>
+                <a:latin typeface="Century Gothic" panose="020B0502020202020204" pitchFamily="34" charset="0"/>
+              </a:rPr>
+              <a:t>Flexibility</a:t>
+            </a:r>
+            <a:r>
+              <a:rPr lang="en-US" sz="1800" dirty="0">
+                <a:solidFill>
+                  <a:srgbClr val="000000"/>
+                </a:solidFill>
+                <a:effectLst/>
+                <a:latin typeface="Century Gothic" panose="020B0502020202020204" pitchFamily="34" charset="0"/>
+              </a:rPr>
+              <a:t>: Learns embeddings that adapt to new playlists.</a:t>
+            </a:r>
+          </a:p>
+          <a:p>
+            <a:pPr marL="173736" indent="-173736" algn="l" rtl="0" eaLnBrk="1" latinLnBrk="0" hangingPunct="1">
+              <a:lnSpc>
+                <a:spcPct val="150000"/>
+              </a:lnSpc>
+              <a:buFont typeface="Arial" panose="020B0604020202020204" pitchFamily="34" charset="0"/>
+              <a:buChar char="•"/>
+            </a:pPr>
+            <a:r>
+              <a:rPr lang="en-US" sz="1800" b="1" dirty="0">
+                <a:solidFill>
+                  <a:srgbClr val="000000"/>
+                </a:solidFill>
+                <a:effectLst/>
+                <a:latin typeface="Century Gothic" panose="020B0502020202020204" pitchFamily="34" charset="0"/>
+              </a:rPr>
+              <a:t>Sparse Data Efficiency</a:t>
+            </a:r>
+            <a:r>
+              <a:rPr lang="en-US" sz="1800" dirty="0">
+                <a:solidFill>
+                  <a:srgbClr val="000000"/>
+                </a:solidFill>
+                <a:effectLst/>
+                <a:latin typeface="Century Gothic" panose="020B0502020202020204" pitchFamily="34" charset="0"/>
+              </a:rPr>
+              <a:t>: Manages implicit song relationships in large, sparse datasets.</a:t>
+            </a:r>
+          </a:p>
+          <a:p>
+            <a:pPr marL="173736" indent="-173736" algn="l" rtl="0" eaLnBrk="1" latinLnBrk="0" hangingPunct="1">
+              <a:lnSpc>
+                <a:spcPct val="150000"/>
+              </a:lnSpc>
+              <a:buFont typeface="Arial" panose="020B0604020202020204" pitchFamily="34" charset="0"/>
+              <a:buChar char="•"/>
+            </a:pPr>
+            <a:r>
+              <a:rPr lang="en-US" sz="1800" b="1" dirty="0">
+                <a:solidFill>
+                  <a:srgbClr val="000000"/>
+                </a:solidFill>
+                <a:effectLst/>
+                <a:latin typeface="Century Gothic" panose="020B0502020202020204" pitchFamily="34" charset="0"/>
+              </a:rPr>
+              <a:t>Loss Function</a:t>
+            </a:r>
+            <a:r>
+              <a:rPr lang="en-US" sz="1800" dirty="0">
+                <a:solidFill>
+                  <a:srgbClr val="000000"/>
+                </a:solidFill>
+                <a:effectLst/>
+                <a:latin typeface="Century Gothic" panose="020B0502020202020204" pitchFamily="34" charset="0"/>
+              </a:rPr>
+              <a:t> - </a:t>
+            </a:r>
+            <a:r>
+              <a:rPr lang="en-US" sz="1800" b="1" dirty="0">
+                <a:solidFill>
+                  <a:srgbClr val="000000"/>
+                </a:solidFill>
+                <a:effectLst/>
+                <a:latin typeface="Century Gothic" panose="020B0502020202020204" pitchFamily="34" charset="0"/>
+              </a:rPr>
+              <a:t>Triplet Loss</a:t>
+            </a:r>
+            <a:r>
+              <a:rPr lang="en-US" sz="1800" dirty="0">
+                <a:solidFill>
+                  <a:srgbClr val="000000"/>
+                </a:solidFill>
+                <a:effectLst/>
+                <a:latin typeface="Century Gothic" panose="020B0502020202020204" pitchFamily="34" charset="0"/>
+              </a:rPr>
+              <a:t>: Ensures songs in the same playlist are closer in the embedding space than those that are unrelated.</a:t>
+            </a:r>
+            <a:endParaRPr lang="he-IL" dirty="0"/>
+          </a:p>
+        </p:txBody>
+      </p:sp>
+      <p:sp>
+        <p:nvSpPr>
+          <p:cNvPr id="16" name="תיבת טקסט 15">
+            <a:extLst>
+              <a:ext uri="{FF2B5EF4-FFF2-40B4-BE49-F238E27FC236}">
+                <a16:creationId xmlns:a16="http://schemas.microsoft.com/office/drawing/2014/main" id="{E8C4AA6D-7A87-D84C-0936-657DAF43E35E}"/>
+              </a:ext>
+            </a:extLst>
+          </p:cNvPr>
+          <p:cNvSpPr txBox="1"/>
+          <p:nvPr/>
+        </p:nvSpPr>
+        <p:spPr>
+          <a:xfrm>
+            <a:off x="132348" y="1656337"/>
+            <a:ext cx="3412958" cy="4385816"/>
+          </a:xfrm>
+          <a:prstGeom prst="rect">
+            <a:avLst/>
+          </a:prstGeom>
+          <a:solidFill>
+            <a:schemeClr val="bg1">
+              <a:lumMod val="95000"/>
+            </a:schemeClr>
+          </a:solidFill>
+        </p:spPr>
+        <p:txBody>
+          <a:bodyPr wrap="square" rtlCol="1">
+            <a:spAutoFit/>
+          </a:bodyPr>
+          <a:lstStyle>
+            <a:defPPr>
+              <a:defRPr lang="en-US"/>
+            </a:defPPr>
+            <a:lvl1pPr marL="173736" indent="-173736">
+              <a:lnSpc>
+                <a:spcPct val="150000"/>
+              </a:lnSpc>
+              <a:defRPr b="1">
+                <a:solidFill>
+                  <a:srgbClr val="000000"/>
+                </a:solidFill>
+                <a:effectLst/>
+                <a:latin typeface="Century Gothic" panose="020B0502020202020204" pitchFamily="34" charset="0"/>
+              </a:defRPr>
+            </a:lvl1pPr>
+          </a:lstStyle>
+          <a:p>
+            <a:r>
+              <a:rPr lang="en-US" sz="2000" dirty="0"/>
+              <a:t>Triplet Structure</a:t>
+            </a:r>
+            <a:r>
+              <a:rPr lang="en-US" sz="2000" b="0" dirty="0"/>
+              <a:t>:</a:t>
+            </a:r>
+          </a:p>
+          <a:p>
+            <a:pPr marL="176213" indent="-176213">
+              <a:lnSpc>
+                <a:spcPct val="100000"/>
+              </a:lnSpc>
+              <a:buFont typeface="Arial" panose="020B0604020202020204" pitchFamily="34" charset="0"/>
+              <a:buChar char="•"/>
+            </a:pPr>
+            <a:r>
+              <a:rPr lang="en-US" dirty="0"/>
+              <a:t>Anchor Song</a:t>
+            </a:r>
+            <a:br>
+              <a:rPr lang="en-US" b="0" dirty="0"/>
+            </a:br>
+            <a:r>
+              <a:rPr lang="en-US" b="0" dirty="0"/>
+              <a:t>A song from the playlist.</a:t>
+            </a:r>
+          </a:p>
+          <a:p>
+            <a:pPr marL="176213" indent="-176213">
+              <a:lnSpc>
+                <a:spcPct val="100000"/>
+              </a:lnSpc>
+              <a:buFont typeface="Arial" panose="020B0604020202020204" pitchFamily="34" charset="0"/>
+              <a:buChar char="•"/>
+            </a:pPr>
+            <a:r>
+              <a:rPr lang="en-US" dirty="0"/>
+              <a:t>Positive Song</a:t>
+            </a:r>
+            <a:br>
+              <a:rPr lang="en-US" b="0" dirty="0"/>
+            </a:br>
+            <a:r>
+              <a:rPr lang="en-US" b="0" dirty="0"/>
+              <a:t>Another song from the same playlist.</a:t>
+            </a:r>
+          </a:p>
+          <a:p>
+            <a:pPr marL="176213" indent="-176213">
+              <a:lnSpc>
+                <a:spcPct val="100000"/>
+              </a:lnSpc>
+              <a:buFont typeface="Arial" panose="020B0604020202020204" pitchFamily="34" charset="0"/>
+              <a:buChar char="•"/>
+            </a:pPr>
+            <a:r>
+              <a:rPr lang="en-US" dirty="0"/>
+              <a:t>Negative Song</a:t>
+            </a:r>
+            <a:br>
+              <a:rPr lang="en-US" dirty="0"/>
+            </a:br>
+            <a:r>
+              <a:rPr lang="en-US" b="0" dirty="0"/>
+              <a:t>A song not in the playlist.</a:t>
+            </a:r>
+          </a:p>
+          <a:p>
+            <a:pPr marL="176213" indent="-176213">
+              <a:buFont typeface="Arial" panose="020B0604020202020204" pitchFamily="34" charset="0"/>
+              <a:buChar char="•"/>
+            </a:pPr>
+            <a:r>
+              <a:rPr lang="en-US" dirty="0"/>
+              <a:t>Triplet Generation Process</a:t>
+            </a:r>
+            <a:r>
+              <a:rPr lang="en-US" b="0" dirty="0"/>
+              <a:t>:</a:t>
+            </a:r>
+          </a:p>
+          <a:p>
+            <a:pPr marL="352425" lvl="1" indent="-176213">
+              <a:buFont typeface="Arial" panose="020B0604020202020204" pitchFamily="34" charset="0"/>
+              <a:buChar char="•"/>
+            </a:pPr>
+            <a:r>
+              <a:rPr lang="en-US" b="0" dirty="0"/>
+              <a:t>Balanced Sampling of </a:t>
+            </a:r>
+            <a:r>
+              <a:rPr lang="en-US" dirty="0"/>
+              <a:t>Easy Negatives and Hard Negatives</a:t>
+            </a:r>
+            <a:r>
+              <a:rPr lang="en-US" b="0" dirty="0"/>
+              <a:t>:</a:t>
+            </a:r>
+          </a:p>
+          <a:p>
+            <a:pPr marL="352425" lvl="1" indent="-176213">
+              <a:buFont typeface="Arial" panose="020B0604020202020204" pitchFamily="34" charset="0"/>
+              <a:buChar char="•"/>
+            </a:pPr>
+            <a:r>
+              <a:rPr lang="en-US" b="0" dirty="0"/>
+              <a:t>Diversity Logic to ensure wide coverage of songs.</a:t>
+            </a:r>
+            <a:endParaRPr lang="he-IL" b="0" dirty="0"/>
+          </a:p>
+        </p:txBody>
+      </p:sp>
+      <p:sp>
+        <p:nvSpPr>
+          <p:cNvPr id="19" name="תיבת טקסט 18">
+            <a:extLst>
+              <a:ext uri="{FF2B5EF4-FFF2-40B4-BE49-F238E27FC236}">
+                <a16:creationId xmlns:a16="http://schemas.microsoft.com/office/drawing/2014/main" id="{CE978B6D-C3E9-C40D-E95F-CA047BE074F5}"/>
+              </a:ext>
+            </a:extLst>
+          </p:cNvPr>
+          <p:cNvSpPr txBox="1"/>
+          <p:nvPr/>
+        </p:nvSpPr>
+        <p:spPr>
+          <a:xfrm>
+            <a:off x="8514347" y="4422798"/>
+            <a:ext cx="3545305" cy="2246769"/>
+          </a:xfrm>
+          <a:prstGeom prst="rect">
+            <a:avLst/>
+          </a:prstGeom>
+          <a:solidFill>
+            <a:schemeClr val="bg1">
+              <a:lumMod val="95000"/>
+            </a:schemeClr>
+          </a:solidFill>
+        </p:spPr>
+        <p:txBody>
+          <a:bodyPr wrap="square" rtlCol="1">
+            <a:spAutoFit/>
+          </a:bodyPr>
+          <a:lstStyle>
+            <a:defPPr>
+              <a:defRPr lang="en-US"/>
+            </a:defPPr>
+            <a:lvl1pPr marL="173736" indent="-173736">
+              <a:lnSpc>
+                <a:spcPct val="150000"/>
+              </a:lnSpc>
+              <a:defRPr sz="2000" b="1">
+                <a:solidFill>
+                  <a:srgbClr val="000000"/>
+                </a:solidFill>
+                <a:effectLst/>
+                <a:latin typeface="Century Gothic" panose="020B0502020202020204" pitchFamily="34" charset="0"/>
+              </a:defRPr>
+            </a:lvl1pPr>
+          </a:lstStyle>
+          <a:p>
+            <a:pPr>
+              <a:lnSpc>
+                <a:spcPct val="100000"/>
+              </a:lnSpc>
+            </a:pPr>
+            <a:r>
+              <a:rPr lang="en-US" dirty="0"/>
+              <a:t>Validation</a:t>
+            </a:r>
+          </a:p>
+          <a:p>
+            <a:pPr>
+              <a:lnSpc>
+                <a:spcPct val="100000"/>
+              </a:lnSpc>
+            </a:pPr>
+            <a:r>
+              <a:rPr lang="en-US" sz="1800" dirty="0"/>
+              <a:t>Probability Calculation:</a:t>
+            </a:r>
+            <a:endParaRPr lang="en-US" sz="1800" b="0" dirty="0"/>
+          </a:p>
+          <a:p>
+            <a:pPr>
+              <a:lnSpc>
+                <a:spcPct val="100000"/>
+              </a:lnSpc>
+            </a:pPr>
+            <a:r>
+              <a:rPr lang="en-US" sz="1800" b="0" dirty="0"/>
+              <a:t>	</a:t>
+            </a:r>
+            <a:r>
+              <a:rPr lang="en-US" sz="1600" b="0" dirty="0"/>
+              <a:t>cosine similarity between embeddings</a:t>
+            </a:r>
+          </a:p>
+          <a:p>
+            <a:pPr>
+              <a:lnSpc>
+                <a:spcPct val="100000"/>
+              </a:lnSpc>
+            </a:pPr>
+            <a:r>
+              <a:rPr lang="en-US" sz="1800" dirty="0"/>
+              <a:t>Ranking Metrics:</a:t>
+            </a:r>
+          </a:p>
+          <a:p>
+            <a:pPr>
+              <a:lnSpc>
+                <a:spcPct val="100000"/>
+              </a:lnSpc>
+            </a:pPr>
+            <a:r>
+              <a:rPr lang="en-US" sz="1600" b="0" dirty="0" err="1"/>
+              <a:t>Precision@K</a:t>
+            </a:r>
+            <a:endParaRPr lang="en-US" sz="1600" b="0" dirty="0"/>
+          </a:p>
+          <a:p>
+            <a:pPr>
+              <a:lnSpc>
+                <a:spcPct val="100000"/>
+              </a:lnSpc>
+            </a:pPr>
+            <a:r>
+              <a:rPr lang="en-US" sz="1600" b="0" dirty="0" err="1"/>
+              <a:t>Recall@K</a:t>
+            </a:r>
+            <a:endParaRPr lang="en-US" sz="1600" b="0" dirty="0"/>
+          </a:p>
+          <a:p>
+            <a:pPr>
+              <a:lnSpc>
+                <a:spcPct val="100000"/>
+              </a:lnSpc>
+            </a:pPr>
+            <a:r>
+              <a:rPr lang="en-US" sz="1600" b="0" dirty="0"/>
+              <a:t>Mean Average Precision (MAP)</a:t>
+            </a:r>
+            <a:endParaRPr lang="he-IL" sz="1600" b="0" dirty="0"/>
+          </a:p>
+        </p:txBody>
+      </p:sp>
+      <p:pic>
+        <p:nvPicPr>
+          <p:cNvPr id="1031" name="Picture 7">
+            <a:extLst>
+              <a:ext uri="{FF2B5EF4-FFF2-40B4-BE49-F238E27FC236}">
+                <a16:creationId xmlns:a16="http://schemas.microsoft.com/office/drawing/2014/main" id="{AED4E1B4-E22B-8AC6-D4AA-DBD9DA39F4C4}"/>
+              </a:ext>
+            </a:extLst>
+          </p:cNvPr>
+          <p:cNvPicPr>
+            <a:picLocks noChangeAspect="1" noChangeArrowheads="1"/>
+          </p:cNvPicPr>
+          <p:nvPr/>
+        </p:nvPicPr>
+        <p:blipFill>
+          <a:blip r:embed="rId2">
+            <a:extLst>
+              <a:ext uri="{28A0092B-C50C-407E-A947-70E740481C1C}">
+                <a14:useLocalDpi xmlns:a14="http://schemas.microsoft.com/office/drawing/2010/main" val="0"/>
+              </a:ext>
+            </a:extLst>
+          </a:blip>
+          <a:srcRect/>
+          <a:stretch>
+            <a:fillRect/>
+          </a:stretch>
+        </p:blipFill>
+        <p:spPr bwMode="auto">
+          <a:xfrm>
+            <a:off x="8333872" y="1347714"/>
+            <a:ext cx="3674126" cy="2067415"/>
+          </a:xfrm>
+          <a:prstGeom prst="rect">
+            <a:avLst/>
+          </a:prstGeom>
+          <a:noFill/>
+          <a:extLst>
+            <a:ext uri="{909E8E84-426E-40DD-AFC4-6F175D3DCCD1}">
+              <a14:hiddenFill xmlns:a14="http://schemas.microsoft.com/office/drawing/2010/main">
+                <a:solidFill>
+                  <a:srgbClr val="FFFFFF"/>
+                </a:solidFill>
+              </a14:hiddenFill>
+            </a:ext>
+          </a:extLst>
+        </p:spPr>
+      </p:pic>
     </p:spTree>
     <p:extLst>
       <p:ext uri="{BB962C8B-B14F-4D97-AF65-F5344CB8AC3E}">

--- a/Ortal/word2vec slide.pptx
+++ b/Ortal/word2vec slide.pptx
@@ -9,7 +9,7 @@
   </p:notesMasterIdLst>
   <p:sldIdLst>
     <p:sldId id="257" r:id="rId2"/>
-    <p:sldId id="258" r:id="rId3"/>
+    <p:sldId id="260" r:id="rId3"/>
     <p:sldId id="256" r:id="rId4"/>
     <p:sldId id="259" r:id="rId5"/>
   </p:sldIdLst>
@@ -8206,8 +8206,8 @@
         </p:blipFill>
         <p:spPr>
           <a:xfrm>
-            <a:off x="4977337" y="2170803"/>
-            <a:ext cx="2819644" cy="2530059"/>
+            <a:off x="4886632" y="2170803"/>
+            <a:ext cx="2910349" cy="2296361"/>
           </a:xfrm>
           <a:prstGeom prst="rect">
             <a:avLst/>
@@ -8479,7 +8479,7 @@
         </p:nvSpPr>
         <p:spPr>
           <a:xfrm>
-            <a:off x="8239433" y="2019652"/>
+            <a:off x="8214414" y="1909285"/>
             <a:ext cx="3737133" cy="707886"/>
           </a:xfrm>
           <a:prstGeom prst="rect">
@@ -8536,7 +8536,7 @@
         </p:blipFill>
         <p:spPr bwMode="auto">
           <a:xfrm>
-            <a:off x="7847018" y="2070624"/>
+            <a:off x="7897055" y="1902351"/>
             <a:ext cx="392415" cy="369332"/>
           </a:xfrm>
           <a:prstGeom prst="rect">
@@ -8798,6 +8798,376 @@
           </a:extLst>
         </p:spPr>
       </p:pic>
+      <p:pic>
+        <p:nvPicPr>
+          <p:cNvPr id="6" name="תמונה 5">
+            <a:extLst>
+              <a:ext uri="{FF2B5EF4-FFF2-40B4-BE49-F238E27FC236}">
+                <a16:creationId xmlns:a16="http://schemas.microsoft.com/office/drawing/2014/main" id="{7AA4F2F1-5054-FAD5-830B-CBE86A4C42F9}"/>
+              </a:ext>
+            </a:extLst>
+          </p:cNvPr>
+          <p:cNvPicPr>
+            <a:picLocks noChangeAspect="1"/>
+          </p:cNvPicPr>
+          <p:nvPr/>
+        </p:nvPicPr>
+        <p:blipFill>
+          <a:blip r:embed="rId9"/>
+          <a:stretch>
+            <a:fillRect/>
+          </a:stretch>
+        </p:blipFill>
+        <p:spPr>
+          <a:xfrm>
+            <a:off x="7847018" y="2642537"/>
+            <a:ext cx="4272274" cy="2181676"/>
+          </a:xfrm>
+          <a:prstGeom prst="rect">
+            <a:avLst/>
+          </a:prstGeom>
+          <a:effectLst>
+            <a:innerShdw blurRad="114300">
+              <a:schemeClr val="accent6">
+                <a:lumMod val="50000"/>
+              </a:schemeClr>
+            </a:innerShdw>
+          </a:effectLst>
+        </p:spPr>
+      </p:pic>
+      <p:pic>
+        <p:nvPicPr>
+          <p:cNvPr id="9" name="תמונה 8">
+            <a:extLst>
+              <a:ext uri="{FF2B5EF4-FFF2-40B4-BE49-F238E27FC236}">
+                <a16:creationId xmlns:a16="http://schemas.microsoft.com/office/drawing/2014/main" id="{E13C93B9-498A-BF39-9687-1D5DB5F5A659}"/>
+              </a:ext>
+            </a:extLst>
+          </p:cNvPr>
+          <p:cNvPicPr>
+            <a:picLocks noChangeAspect="1"/>
+          </p:cNvPicPr>
+          <p:nvPr/>
+        </p:nvPicPr>
+        <p:blipFill>
+          <a:blip r:embed="rId10"/>
+          <a:stretch>
+            <a:fillRect/>
+          </a:stretch>
+        </p:blipFill>
+        <p:spPr>
+          <a:xfrm>
+            <a:off x="7396653" y="4908553"/>
+            <a:ext cx="4722639" cy="1012507"/>
+          </a:xfrm>
+          <a:prstGeom prst="rect">
+            <a:avLst/>
+          </a:prstGeom>
+          <a:effectLst>
+            <a:innerShdw blurRad="114300">
+              <a:schemeClr val="accent6">
+                <a:lumMod val="50000"/>
+              </a:schemeClr>
+            </a:innerShdw>
+          </a:effectLst>
+        </p:spPr>
+      </p:pic>
+      <p:pic>
+        <p:nvPicPr>
+          <p:cNvPr id="16" name="תמונה 15">
+            <a:extLst>
+              <a:ext uri="{FF2B5EF4-FFF2-40B4-BE49-F238E27FC236}">
+                <a16:creationId xmlns:a16="http://schemas.microsoft.com/office/drawing/2014/main" id="{4C8FEA83-7E0F-D4FB-7CB9-7B4A6003F201}"/>
+              </a:ext>
+            </a:extLst>
+          </p:cNvPr>
+          <p:cNvPicPr>
+            <a:picLocks noChangeAspect="1"/>
+          </p:cNvPicPr>
+          <p:nvPr/>
+        </p:nvPicPr>
+        <p:blipFill>
+          <a:blip r:embed="rId11"/>
+          <a:stretch>
+            <a:fillRect/>
+          </a:stretch>
+        </p:blipFill>
+        <p:spPr>
+          <a:xfrm>
+            <a:off x="5739245" y="4480828"/>
+            <a:ext cx="1500089" cy="1401094"/>
+          </a:xfrm>
+          <a:prstGeom prst="rect">
+            <a:avLst/>
+          </a:prstGeom>
+          <a:effectLst>
+            <a:innerShdw blurRad="114300">
+              <a:schemeClr val="accent6">
+                <a:lumMod val="50000"/>
+              </a:schemeClr>
+            </a:innerShdw>
+          </a:effectLst>
+        </p:spPr>
+      </p:pic>
+      <p:pic>
+        <p:nvPicPr>
+          <p:cNvPr id="18" name="תמונה 17">
+            <a:extLst>
+              <a:ext uri="{FF2B5EF4-FFF2-40B4-BE49-F238E27FC236}">
+                <a16:creationId xmlns:a16="http://schemas.microsoft.com/office/drawing/2014/main" id="{BE1365D8-F4CF-8F33-1065-F0B677E5991A}"/>
+              </a:ext>
+            </a:extLst>
+          </p:cNvPr>
+          <p:cNvPicPr>
+            <a:picLocks noChangeAspect="1"/>
+          </p:cNvPicPr>
+          <p:nvPr/>
+        </p:nvPicPr>
+        <p:blipFill>
+          <a:blip r:embed="rId12"/>
+          <a:stretch>
+            <a:fillRect/>
+          </a:stretch>
+        </p:blipFill>
+        <p:spPr>
+          <a:xfrm>
+            <a:off x="985992" y="3723534"/>
+            <a:ext cx="3398815" cy="342930"/>
+          </a:xfrm>
+          <a:prstGeom prst="rect">
+            <a:avLst/>
+          </a:prstGeom>
+          <a:effectLst>
+            <a:innerShdw blurRad="114300">
+              <a:schemeClr val="accent6">
+                <a:lumMod val="75000"/>
+              </a:schemeClr>
+            </a:innerShdw>
+          </a:effectLst>
+        </p:spPr>
+      </p:pic>
+      <p:sp>
+        <p:nvSpPr>
+          <p:cNvPr id="20" name="כוכב: 5 פינות 19">
+            <a:extLst>
+              <a:ext uri="{FF2B5EF4-FFF2-40B4-BE49-F238E27FC236}">
+                <a16:creationId xmlns:a16="http://schemas.microsoft.com/office/drawing/2014/main" id="{CD2C930F-D5BF-936D-E374-0AD32DEEAB8A}"/>
+              </a:ext>
+            </a:extLst>
+          </p:cNvPr>
+          <p:cNvSpPr/>
+          <p:nvPr/>
+        </p:nvSpPr>
+        <p:spPr>
+          <a:xfrm>
+            <a:off x="9998213" y="2455970"/>
+            <a:ext cx="1953334" cy="1476609"/>
+          </a:xfrm>
+          <a:prstGeom prst="star5">
+            <a:avLst/>
+          </a:prstGeom>
+          <a:gradFill>
+            <a:gsLst>
+              <a:gs pos="0">
+                <a:srgbClr val="92D050"/>
+              </a:gs>
+              <a:gs pos="100000">
+                <a:schemeClr val="bg2">
+                  <a:shade val="98000"/>
+                  <a:satMod val="120000"/>
+                  <a:lumMod val="98000"/>
+                </a:schemeClr>
+              </a:gs>
+            </a:gsLst>
+            <a:path path="circle">
+              <a:fillToRect l="50000" t="50000" r="100000" b="100000"/>
+            </a:path>
+          </a:gradFill>
+        </p:spPr>
+        <p:style>
+          <a:lnRef idx="2">
+            <a:schemeClr val="accent1">
+              <a:shade val="15000"/>
+            </a:schemeClr>
+          </a:lnRef>
+          <a:fillRef idx="1">
+            <a:schemeClr val="accent1"/>
+          </a:fillRef>
+          <a:effectRef idx="0">
+            <a:schemeClr val="accent1"/>
+          </a:effectRef>
+          <a:fontRef idx="minor">
+            <a:schemeClr val="lt1"/>
+          </a:fontRef>
+        </p:style>
+        <p:txBody>
+          <a:bodyPr rtlCol="1" anchor="ctr"/>
+          <a:lstStyle/>
+          <a:p>
+            <a:pPr algn="ctr"/>
+            <a:endParaRPr lang="he-IL"/>
+          </a:p>
+        </p:txBody>
+      </p:sp>
+      <p:sp>
+        <p:nvSpPr>
+          <p:cNvPr id="19" name="תיבת טקסט 18">
+            <a:extLst>
+              <a:ext uri="{FF2B5EF4-FFF2-40B4-BE49-F238E27FC236}">
+                <a16:creationId xmlns:a16="http://schemas.microsoft.com/office/drawing/2014/main" id="{731F4AAB-BC52-C258-3173-C5493164A86B}"/>
+              </a:ext>
+            </a:extLst>
+          </p:cNvPr>
+          <p:cNvSpPr txBox="1"/>
+          <p:nvPr/>
+        </p:nvSpPr>
+        <p:spPr>
+          <a:xfrm>
+            <a:off x="10508882" y="2892537"/>
+            <a:ext cx="1622919" cy="830997"/>
+          </a:xfrm>
+          <a:prstGeom prst="rect">
+            <a:avLst/>
+          </a:prstGeom>
+          <a:noFill/>
+        </p:spPr>
+        <p:txBody>
+          <a:bodyPr wrap="square" rtlCol="1">
+            <a:spAutoFit/>
+          </a:bodyPr>
+          <a:lstStyle/>
+          <a:p>
+            <a:r>
+              <a:rPr lang="en-US" sz="2400" b="1" dirty="0">
+                <a:solidFill>
+                  <a:schemeClr val="accent6">
+                    <a:lumMod val="50000"/>
+                  </a:schemeClr>
+                </a:solidFill>
+              </a:rPr>
+              <a:t>RAW DATA</a:t>
+            </a:r>
+            <a:endParaRPr lang="he-IL" sz="2400" b="1" dirty="0">
+              <a:solidFill>
+                <a:schemeClr val="accent6">
+                  <a:lumMod val="50000"/>
+                </a:schemeClr>
+              </a:solidFill>
+            </a:endParaRPr>
+          </a:p>
+        </p:txBody>
+      </p:sp>
+      <p:pic>
+        <p:nvPicPr>
+          <p:cNvPr id="26" name="תמונה 25">
+            <a:extLst>
+              <a:ext uri="{FF2B5EF4-FFF2-40B4-BE49-F238E27FC236}">
+                <a16:creationId xmlns:a16="http://schemas.microsoft.com/office/drawing/2014/main" id="{13EF0746-EFFB-5DEA-98DC-8C41FBD3F936}"/>
+              </a:ext>
+            </a:extLst>
+          </p:cNvPr>
+          <p:cNvPicPr>
+            <a:picLocks noChangeAspect="1"/>
+          </p:cNvPicPr>
+          <p:nvPr/>
+        </p:nvPicPr>
+        <p:blipFill>
+          <a:blip r:embed="rId13"/>
+          <a:stretch>
+            <a:fillRect/>
+          </a:stretch>
+        </p:blipFill>
+        <p:spPr>
+          <a:xfrm>
+            <a:off x="707444" y="1828719"/>
+            <a:ext cx="3980313" cy="1837197"/>
+          </a:xfrm>
+          <a:prstGeom prst="rect">
+            <a:avLst/>
+          </a:prstGeom>
+          <a:effectLst>
+            <a:innerShdw blurRad="114300">
+              <a:schemeClr val="accent6">
+                <a:lumMod val="50000"/>
+              </a:schemeClr>
+            </a:innerShdw>
+          </a:effectLst>
+        </p:spPr>
+      </p:pic>
+      <p:pic>
+        <p:nvPicPr>
+          <p:cNvPr id="28" name="תמונה 27">
+            <a:extLst>
+              <a:ext uri="{FF2B5EF4-FFF2-40B4-BE49-F238E27FC236}">
+                <a16:creationId xmlns:a16="http://schemas.microsoft.com/office/drawing/2014/main" id="{8A777A40-2E25-305F-6446-1CC33145B541}"/>
+              </a:ext>
+            </a:extLst>
+          </p:cNvPr>
+          <p:cNvPicPr>
+            <a:picLocks noChangeAspect="1"/>
+          </p:cNvPicPr>
+          <p:nvPr/>
+        </p:nvPicPr>
+        <p:blipFill>
+          <a:blip r:embed="rId14"/>
+          <a:stretch>
+            <a:fillRect/>
+          </a:stretch>
+        </p:blipFill>
+        <p:spPr>
+          <a:xfrm>
+            <a:off x="3225228" y="1956221"/>
+            <a:ext cx="1376022" cy="936316"/>
+          </a:xfrm>
+          <a:prstGeom prst="rect">
+            <a:avLst/>
+          </a:prstGeom>
+          <a:effectLst>
+            <a:outerShdw blurRad="63500" sx="102000" sy="102000" algn="ctr" rotWithShape="0">
+              <a:prstClr val="black">
+                <a:alpha val="40000"/>
+              </a:prstClr>
+            </a:outerShdw>
+          </a:effectLst>
+        </p:spPr>
+      </p:pic>
+      <p:pic>
+        <p:nvPicPr>
+          <p:cNvPr id="30" name="תמונה 29">
+            <a:extLst>
+              <a:ext uri="{FF2B5EF4-FFF2-40B4-BE49-F238E27FC236}">
+                <a16:creationId xmlns:a16="http://schemas.microsoft.com/office/drawing/2014/main" id="{6EE5660E-0D83-4438-400F-AFEC0105589F}"/>
+              </a:ext>
+            </a:extLst>
+          </p:cNvPr>
+          <p:cNvPicPr>
+            <a:picLocks noChangeAspect="1"/>
+          </p:cNvPicPr>
+          <p:nvPr/>
+        </p:nvPicPr>
+        <p:blipFill>
+          <a:blip r:embed="rId15"/>
+          <a:stretch>
+            <a:fillRect/>
+          </a:stretch>
+        </p:blipFill>
+        <p:spPr>
+          <a:xfrm>
+            <a:off x="707444" y="4066465"/>
+            <a:ext cx="4002430" cy="1815458"/>
+          </a:xfrm>
+          <a:prstGeom prst="rect">
+            <a:avLst/>
+          </a:prstGeom>
+          <a:effectLst>
+            <a:innerShdw blurRad="114300">
+              <a:schemeClr val="accent6">
+                <a:lumMod val="75000"/>
+              </a:schemeClr>
+            </a:innerShdw>
+          </a:effectLst>
+        </p:spPr>
+      </p:pic>
     </p:spTree>
     <p:extLst>
       <p:ext uri="{BB962C8B-B14F-4D97-AF65-F5344CB8AC3E}">
@@ -8830,58 +9200,697 @@
       </p:grpSpPr>
       <p:sp>
         <p:nvSpPr>
-          <p:cNvPr id="2" name="כותרת 1">
+          <p:cNvPr id="4" name="מלבן 3">
             <a:extLst>
               <a:ext uri="{FF2B5EF4-FFF2-40B4-BE49-F238E27FC236}">
-                <a16:creationId xmlns:a16="http://schemas.microsoft.com/office/drawing/2014/main" id="{B8D92AB1-A4E0-5CED-16A0-D782AD5D5E99}"/>
+                <a16:creationId xmlns:a16="http://schemas.microsoft.com/office/drawing/2014/main" id="{75691D6B-532F-C7A8-D7E2-10B0F17C0AD2}"/>
               </a:ext>
             </a:extLst>
           </p:cNvPr>
-          <p:cNvSpPr>
-            <a:spLocks noGrp="1"/>
-          </p:cNvSpPr>
-          <p:nvPr>
-            <p:ph type="title"/>
-          </p:nvPr>
-        </p:nvSpPr>
-        <p:spPr/>
-        <p:txBody>
-          <a:bodyPr/>
+          <p:cNvSpPr/>
+          <p:nvPr/>
+        </p:nvSpPr>
+        <p:spPr>
+          <a:xfrm>
+            <a:off x="0" y="-98836"/>
+            <a:ext cx="12374880" cy="1446550"/>
+          </a:xfrm>
+          <a:prstGeom prst="rect">
+            <a:avLst/>
+          </a:prstGeom>
+          <a:noFill/>
+        </p:spPr>
+        <p:txBody>
+          <a:bodyPr wrap="square" lIns="91440" tIns="45720" rIns="91440" bIns="45720">
+            <a:spAutoFit/>
+          </a:bodyPr>
           <a:lstStyle/>
           <a:p>
-            <a:endParaRPr lang="he-IL" dirty="0"/>
-          </a:p>
-        </p:txBody>
-      </p:sp>
-      <p:sp>
-        <p:nvSpPr>
-          <p:cNvPr id="3" name="מציין מיקום תוכן 2">
+            <a:pPr algn="ctr"/>
+            <a:r>
+              <a:rPr lang="en-US" sz="4400" b="1">
+                <a:ln w="12700">
+                  <a:solidFill>
+                    <a:schemeClr val="tx2">
+                      <a:lumMod val="75000"/>
+                    </a:schemeClr>
+                  </a:solidFill>
+                  <a:prstDash val="solid"/>
+                </a:ln>
+                <a:pattFill prst="dkUpDiag">
+                  <a:fgClr>
+                    <a:schemeClr val="tx2"/>
+                  </a:fgClr>
+                  <a:bgClr>
+                    <a:schemeClr val="tx2">
+                      <a:lumMod val="20000"/>
+                      <a:lumOff val="80000"/>
+                    </a:schemeClr>
+                  </a:bgClr>
+                </a:pattFill>
+                <a:effectLst>
+                  <a:outerShdw dist="38100" dir="2640000" algn="bl" rotWithShape="0">
+                    <a:schemeClr val="tx2">
+                      <a:lumMod val="75000"/>
+                    </a:schemeClr>
+                  </a:outerShdw>
+                </a:effectLst>
+              </a:rPr>
+              <a:t>Song Recommendation Model Using</a:t>
+            </a:r>
+            <a:br>
+              <a:rPr lang="en-US" sz="4400" b="1">
+                <a:ln w="12700">
+                  <a:solidFill>
+                    <a:schemeClr val="tx2">
+                      <a:lumMod val="75000"/>
+                    </a:schemeClr>
+                  </a:solidFill>
+                  <a:prstDash val="solid"/>
+                </a:ln>
+                <a:pattFill prst="dkUpDiag">
+                  <a:fgClr>
+                    <a:schemeClr val="tx2"/>
+                  </a:fgClr>
+                  <a:bgClr>
+                    <a:schemeClr val="tx2">
+                      <a:lumMod val="20000"/>
+                      <a:lumOff val="80000"/>
+                    </a:schemeClr>
+                  </a:bgClr>
+                </a:pattFill>
+                <a:effectLst>
+                  <a:outerShdw dist="38100" dir="2640000" algn="bl" rotWithShape="0">
+                    <a:schemeClr val="tx2">
+                      <a:lumMod val="75000"/>
+                    </a:schemeClr>
+                  </a:outerShdw>
+                </a:effectLst>
+              </a:rPr>
+            </a:br>
+            <a:r>
+              <a:rPr lang="en-US" sz="4400" b="1">
+                <a:ln w="12700">
+                  <a:solidFill>
+                    <a:schemeClr val="tx2">
+                      <a:lumMod val="75000"/>
+                    </a:schemeClr>
+                  </a:solidFill>
+                  <a:prstDash val="solid"/>
+                </a:ln>
+                <a:pattFill prst="dkUpDiag">
+                  <a:fgClr>
+                    <a:schemeClr val="tx2"/>
+                  </a:fgClr>
+                  <a:bgClr>
+                    <a:schemeClr val="tx2">
+                      <a:lumMod val="20000"/>
+                      <a:lumOff val="80000"/>
+                    </a:schemeClr>
+                  </a:bgClr>
+                </a:pattFill>
+                <a:effectLst>
+                  <a:outerShdw dist="38100" dir="2640000" algn="bl" rotWithShape="0">
+                    <a:schemeClr val="tx2">
+                      <a:lumMod val="75000"/>
+                    </a:schemeClr>
+                  </a:outerShdw>
+                </a:effectLst>
+              </a:rPr>
+              <a:t>a Siamese Network</a:t>
+            </a:r>
+            <a:endParaRPr lang="en-US" sz="4400" b="1" dirty="0">
+              <a:ln w="12700">
+                <a:solidFill>
+                  <a:schemeClr val="tx2">
+                    <a:lumMod val="75000"/>
+                  </a:schemeClr>
+                </a:solidFill>
+                <a:prstDash val="solid"/>
+              </a:ln>
+              <a:pattFill prst="dkUpDiag">
+                <a:fgClr>
+                  <a:schemeClr val="tx2"/>
+                </a:fgClr>
+                <a:bgClr>
+                  <a:schemeClr val="tx2">
+                    <a:lumMod val="20000"/>
+                    <a:lumOff val="80000"/>
+                  </a:schemeClr>
+                </a:bgClr>
+              </a:pattFill>
+              <a:effectLst>
+                <a:outerShdw dist="38100" dir="2640000" algn="bl" rotWithShape="0">
+                  <a:schemeClr val="tx2">
+                    <a:lumMod val="75000"/>
+                  </a:schemeClr>
+                </a:outerShdw>
+              </a:effectLst>
+            </a:endParaRPr>
+          </a:p>
+        </p:txBody>
+      </p:sp>
+      <p:sp>
+        <p:nvSpPr>
+          <p:cNvPr id="5" name="תיבת טקסט 4">
             <a:extLst>
               <a:ext uri="{FF2B5EF4-FFF2-40B4-BE49-F238E27FC236}">
-                <a16:creationId xmlns:a16="http://schemas.microsoft.com/office/drawing/2014/main" id="{D49DF4C4-6AE4-2417-631F-62CC3447F322}"/>
+                <a16:creationId xmlns:a16="http://schemas.microsoft.com/office/drawing/2014/main" id="{14EC749D-65F8-D9FE-1917-8D49EDA9C83B}"/>
               </a:ext>
             </a:extLst>
           </p:cNvPr>
-          <p:cNvSpPr>
-            <a:spLocks noGrp="1"/>
-          </p:cNvSpPr>
-          <p:nvPr>
-            <p:ph idx="1"/>
-          </p:nvPr>
-        </p:nvSpPr>
-        <p:spPr/>
-        <p:txBody>
-          <a:bodyPr/>
+          <p:cNvSpPr txBox="1"/>
+          <p:nvPr/>
+        </p:nvSpPr>
+        <p:spPr>
+          <a:xfrm>
+            <a:off x="3882189" y="1347714"/>
+            <a:ext cx="4114800" cy="5077096"/>
+          </a:xfrm>
+          <a:prstGeom prst="rect">
+            <a:avLst/>
+          </a:prstGeom>
+          <a:solidFill>
+            <a:schemeClr val="bg1">
+              <a:lumMod val="95000"/>
+            </a:schemeClr>
+          </a:solidFill>
+        </p:spPr>
+        <p:txBody>
+          <a:bodyPr wrap="square" rtlCol="1">
+            <a:spAutoFit/>
+          </a:bodyPr>
           <a:lstStyle/>
           <a:p>
-            <a:endParaRPr lang="he-IL"/>
-          </a:p>
-        </p:txBody>
-      </p:sp>
+            <a:pPr marL="173736" indent="-173736" algn="l" rtl="0" eaLnBrk="1" latinLnBrk="0" hangingPunct="1">
+              <a:lnSpc>
+                <a:spcPct val="150000"/>
+              </a:lnSpc>
+            </a:pPr>
+            <a:r>
+              <a:rPr lang="en-US" sz="2000" b="1" dirty="0">
+                <a:solidFill>
+                  <a:srgbClr val="000000"/>
+                </a:solidFill>
+                <a:effectLst/>
+                <a:latin typeface="Century Gothic" panose="020B0502020202020204" pitchFamily="34" charset="0"/>
+              </a:rPr>
+              <a:t>Siamese Network</a:t>
+            </a:r>
+            <a:endParaRPr lang="en-US" sz="2000" dirty="0">
+              <a:solidFill>
+                <a:srgbClr val="000000"/>
+              </a:solidFill>
+              <a:effectLst/>
+              <a:latin typeface="Century Gothic" panose="020B0502020202020204" pitchFamily="34" charset="0"/>
+            </a:endParaRPr>
+          </a:p>
+          <a:p>
+            <a:pPr marL="173736" indent="-173736" algn="l" rtl="0" eaLnBrk="1" latinLnBrk="0" hangingPunct="1">
+              <a:lnSpc>
+                <a:spcPct val="150000"/>
+              </a:lnSpc>
+              <a:buFont typeface="Arial" panose="020B0604020202020204" pitchFamily="34" charset="0"/>
+              <a:buChar char="•"/>
+            </a:pPr>
+            <a:r>
+              <a:rPr lang="en-US" sz="1800" b="1" dirty="0">
+                <a:solidFill>
+                  <a:srgbClr val="000000"/>
+                </a:solidFill>
+                <a:effectLst/>
+                <a:latin typeface="Century Gothic" panose="020B0502020202020204" pitchFamily="34" charset="0"/>
+              </a:rPr>
+              <a:t>Pairwise Similarity</a:t>
+            </a:r>
+            <a:r>
+              <a:rPr lang="en-US" sz="1800" dirty="0">
+                <a:solidFill>
+                  <a:srgbClr val="000000"/>
+                </a:solidFill>
+                <a:effectLst/>
+                <a:latin typeface="Century Gothic" panose="020B0502020202020204" pitchFamily="34" charset="0"/>
+              </a:rPr>
+              <a:t>: Can analyze songs pairs</a:t>
+            </a:r>
+          </a:p>
+          <a:p>
+            <a:pPr marL="173736" indent="-173736" algn="l" rtl="0" eaLnBrk="1" latinLnBrk="0" hangingPunct="1">
+              <a:lnSpc>
+                <a:spcPct val="150000"/>
+              </a:lnSpc>
+              <a:buFont typeface="Arial" panose="020B0604020202020204" pitchFamily="34" charset="0"/>
+              <a:buChar char="•"/>
+            </a:pPr>
+            <a:r>
+              <a:rPr lang="en-US" sz="1800" b="1" dirty="0">
+                <a:solidFill>
+                  <a:srgbClr val="000000"/>
+                </a:solidFill>
+                <a:effectLst/>
+                <a:latin typeface="Century Gothic" panose="020B0502020202020204" pitchFamily="34" charset="0"/>
+              </a:rPr>
+              <a:t>Flexibility</a:t>
+            </a:r>
+            <a:r>
+              <a:rPr lang="en-US" sz="1800" dirty="0">
+                <a:solidFill>
+                  <a:srgbClr val="000000"/>
+                </a:solidFill>
+                <a:effectLst/>
+                <a:latin typeface="Century Gothic" panose="020B0502020202020204" pitchFamily="34" charset="0"/>
+              </a:rPr>
+              <a:t>: Learns embeddings that adapt to new playlists.</a:t>
+            </a:r>
+          </a:p>
+          <a:p>
+            <a:pPr marL="173736" indent="-173736" algn="l" rtl="0" eaLnBrk="1" latinLnBrk="0" hangingPunct="1">
+              <a:lnSpc>
+                <a:spcPct val="150000"/>
+              </a:lnSpc>
+              <a:buFont typeface="Arial" panose="020B0604020202020204" pitchFamily="34" charset="0"/>
+              <a:buChar char="•"/>
+            </a:pPr>
+            <a:r>
+              <a:rPr lang="en-US" sz="1800" b="1" dirty="0">
+                <a:solidFill>
+                  <a:srgbClr val="000000"/>
+                </a:solidFill>
+                <a:effectLst/>
+                <a:latin typeface="Century Gothic" panose="020B0502020202020204" pitchFamily="34" charset="0"/>
+              </a:rPr>
+              <a:t>Sparse Data Efficiency</a:t>
+            </a:r>
+            <a:r>
+              <a:rPr lang="en-US" sz="1800" dirty="0">
+                <a:solidFill>
+                  <a:srgbClr val="000000"/>
+                </a:solidFill>
+                <a:effectLst/>
+                <a:latin typeface="Century Gothic" panose="020B0502020202020204" pitchFamily="34" charset="0"/>
+              </a:rPr>
+              <a:t>: Manages implicit song relationships in large, sparse datasets.</a:t>
+            </a:r>
+          </a:p>
+          <a:p>
+            <a:pPr marL="173736" indent="-173736" algn="l" rtl="0" eaLnBrk="1" latinLnBrk="0" hangingPunct="1">
+              <a:lnSpc>
+                <a:spcPct val="150000"/>
+              </a:lnSpc>
+              <a:buFont typeface="Arial" panose="020B0604020202020204" pitchFamily="34" charset="0"/>
+              <a:buChar char="•"/>
+            </a:pPr>
+            <a:r>
+              <a:rPr lang="en-US" sz="1800" b="1" dirty="0">
+                <a:solidFill>
+                  <a:srgbClr val="000000"/>
+                </a:solidFill>
+                <a:effectLst/>
+                <a:latin typeface="Century Gothic" panose="020B0502020202020204" pitchFamily="34" charset="0"/>
+              </a:rPr>
+              <a:t>Loss Function</a:t>
+            </a:r>
+            <a:r>
+              <a:rPr lang="en-US" sz="1800" dirty="0">
+                <a:solidFill>
+                  <a:srgbClr val="000000"/>
+                </a:solidFill>
+                <a:effectLst/>
+                <a:latin typeface="Century Gothic" panose="020B0502020202020204" pitchFamily="34" charset="0"/>
+              </a:rPr>
+              <a:t> - </a:t>
+            </a:r>
+            <a:r>
+              <a:rPr lang="en-US" sz="1800" b="1" dirty="0">
+                <a:solidFill>
+                  <a:srgbClr val="000000"/>
+                </a:solidFill>
+                <a:effectLst/>
+                <a:latin typeface="Century Gothic" panose="020B0502020202020204" pitchFamily="34" charset="0"/>
+              </a:rPr>
+              <a:t>Triplet Loss</a:t>
+            </a:r>
+            <a:r>
+              <a:rPr lang="en-US" sz="1800" dirty="0">
+                <a:solidFill>
+                  <a:srgbClr val="000000"/>
+                </a:solidFill>
+                <a:effectLst/>
+                <a:latin typeface="Century Gothic" panose="020B0502020202020204" pitchFamily="34" charset="0"/>
+              </a:rPr>
+              <a:t>: Ensures songs in the same playlist are closer in the embedding space than those that are unrelated.</a:t>
+            </a:r>
+            <a:endParaRPr lang="he-IL" dirty="0"/>
+          </a:p>
+        </p:txBody>
+      </p:sp>
+      <p:sp>
+        <p:nvSpPr>
+          <p:cNvPr id="16" name="תיבת טקסט 15">
+            <a:extLst>
+              <a:ext uri="{FF2B5EF4-FFF2-40B4-BE49-F238E27FC236}">
+                <a16:creationId xmlns:a16="http://schemas.microsoft.com/office/drawing/2014/main" id="{E8C4AA6D-7A87-D84C-0936-657DAF43E35E}"/>
+              </a:ext>
+            </a:extLst>
+          </p:cNvPr>
+          <p:cNvSpPr txBox="1"/>
+          <p:nvPr/>
+        </p:nvSpPr>
+        <p:spPr>
+          <a:xfrm>
+            <a:off x="132348" y="1656337"/>
+            <a:ext cx="3412958" cy="4385816"/>
+          </a:xfrm>
+          <a:prstGeom prst="rect">
+            <a:avLst/>
+          </a:prstGeom>
+          <a:solidFill>
+            <a:schemeClr val="bg1">
+              <a:lumMod val="95000"/>
+            </a:schemeClr>
+          </a:solidFill>
+        </p:spPr>
+        <p:txBody>
+          <a:bodyPr wrap="square" rtlCol="1">
+            <a:spAutoFit/>
+          </a:bodyPr>
+          <a:lstStyle>
+            <a:defPPr>
+              <a:defRPr lang="en-US"/>
+            </a:defPPr>
+            <a:lvl1pPr marL="173736" indent="-173736">
+              <a:lnSpc>
+                <a:spcPct val="150000"/>
+              </a:lnSpc>
+              <a:defRPr b="1">
+                <a:solidFill>
+                  <a:srgbClr val="000000"/>
+                </a:solidFill>
+                <a:effectLst/>
+                <a:latin typeface="Century Gothic" panose="020B0502020202020204" pitchFamily="34" charset="0"/>
+              </a:defRPr>
+            </a:lvl1pPr>
+          </a:lstStyle>
+          <a:p>
+            <a:r>
+              <a:rPr lang="en-US" sz="2000" dirty="0"/>
+              <a:t>Triplet Structure</a:t>
+            </a:r>
+            <a:r>
+              <a:rPr lang="en-US" sz="2000" b="0" dirty="0"/>
+              <a:t>:</a:t>
+            </a:r>
+          </a:p>
+          <a:p>
+            <a:pPr marL="176213" indent="-176213">
+              <a:lnSpc>
+                <a:spcPct val="100000"/>
+              </a:lnSpc>
+              <a:buFont typeface="Arial" panose="020B0604020202020204" pitchFamily="34" charset="0"/>
+              <a:buChar char="•"/>
+            </a:pPr>
+            <a:r>
+              <a:rPr lang="en-US" dirty="0"/>
+              <a:t>Anchor Song</a:t>
+            </a:r>
+            <a:br>
+              <a:rPr lang="en-US" b="0" dirty="0"/>
+            </a:br>
+            <a:r>
+              <a:rPr lang="en-US" b="0" dirty="0"/>
+              <a:t>A song from the playlist.</a:t>
+            </a:r>
+          </a:p>
+          <a:p>
+            <a:pPr marL="176213" indent="-176213">
+              <a:lnSpc>
+                <a:spcPct val="100000"/>
+              </a:lnSpc>
+              <a:buFont typeface="Arial" panose="020B0604020202020204" pitchFamily="34" charset="0"/>
+              <a:buChar char="•"/>
+            </a:pPr>
+            <a:r>
+              <a:rPr lang="en-US" dirty="0"/>
+              <a:t>Positive Song</a:t>
+            </a:r>
+            <a:br>
+              <a:rPr lang="en-US" b="0" dirty="0"/>
+            </a:br>
+            <a:r>
+              <a:rPr lang="en-US" b="0" dirty="0"/>
+              <a:t>Another song from the same playlist.</a:t>
+            </a:r>
+          </a:p>
+          <a:p>
+            <a:pPr marL="176213" indent="-176213">
+              <a:lnSpc>
+                <a:spcPct val="100000"/>
+              </a:lnSpc>
+              <a:buFont typeface="Arial" panose="020B0604020202020204" pitchFamily="34" charset="0"/>
+              <a:buChar char="•"/>
+            </a:pPr>
+            <a:r>
+              <a:rPr lang="en-US" dirty="0"/>
+              <a:t>Negative Song</a:t>
+            </a:r>
+            <a:br>
+              <a:rPr lang="en-US" dirty="0"/>
+            </a:br>
+            <a:r>
+              <a:rPr lang="en-US" b="0" dirty="0"/>
+              <a:t>A song not in the playlist.</a:t>
+            </a:r>
+          </a:p>
+          <a:p>
+            <a:pPr marL="176213" indent="-176213">
+              <a:buFont typeface="Arial" panose="020B0604020202020204" pitchFamily="34" charset="0"/>
+              <a:buChar char="•"/>
+            </a:pPr>
+            <a:r>
+              <a:rPr lang="en-US" dirty="0"/>
+              <a:t>Triplet Generation Process</a:t>
+            </a:r>
+            <a:r>
+              <a:rPr lang="en-US" b="0" dirty="0"/>
+              <a:t>:</a:t>
+            </a:r>
+          </a:p>
+          <a:p>
+            <a:pPr marL="352425" lvl="1" indent="-176213">
+              <a:buFont typeface="Arial" panose="020B0604020202020204" pitchFamily="34" charset="0"/>
+              <a:buChar char="•"/>
+            </a:pPr>
+            <a:r>
+              <a:rPr lang="en-US" b="0" dirty="0"/>
+              <a:t>Balanced Sampling of </a:t>
+            </a:r>
+            <a:r>
+              <a:rPr lang="en-US" dirty="0"/>
+              <a:t>Easy Negatives and Hard Negatives</a:t>
+            </a:r>
+            <a:r>
+              <a:rPr lang="en-US" b="0" dirty="0"/>
+              <a:t>:</a:t>
+            </a:r>
+          </a:p>
+          <a:p>
+            <a:pPr marL="352425" lvl="1" indent="-176213">
+              <a:buFont typeface="Arial" panose="020B0604020202020204" pitchFamily="34" charset="0"/>
+              <a:buChar char="•"/>
+            </a:pPr>
+            <a:r>
+              <a:rPr lang="en-US" b="0" dirty="0"/>
+              <a:t>Diversity Logic to ensure wide coverage of songs.</a:t>
+            </a:r>
+            <a:endParaRPr lang="he-IL" b="0" dirty="0"/>
+          </a:p>
+        </p:txBody>
+      </p:sp>
+      <p:sp>
+        <p:nvSpPr>
+          <p:cNvPr id="19" name="תיבת טקסט 18">
+            <a:extLst>
+              <a:ext uri="{FF2B5EF4-FFF2-40B4-BE49-F238E27FC236}">
+                <a16:creationId xmlns:a16="http://schemas.microsoft.com/office/drawing/2014/main" id="{CE978B6D-C3E9-C40D-E95F-CA047BE074F5}"/>
+              </a:ext>
+            </a:extLst>
+          </p:cNvPr>
+          <p:cNvSpPr txBox="1"/>
+          <p:nvPr/>
+        </p:nvSpPr>
+        <p:spPr>
+          <a:xfrm>
+            <a:off x="8514347" y="4422798"/>
+            <a:ext cx="3545305" cy="2246769"/>
+          </a:xfrm>
+          <a:prstGeom prst="rect">
+            <a:avLst/>
+          </a:prstGeom>
+          <a:solidFill>
+            <a:schemeClr val="bg1">
+              <a:lumMod val="95000"/>
+            </a:schemeClr>
+          </a:solidFill>
+        </p:spPr>
+        <p:txBody>
+          <a:bodyPr wrap="square" rtlCol="1">
+            <a:spAutoFit/>
+          </a:bodyPr>
+          <a:lstStyle>
+            <a:defPPr>
+              <a:defRPr lang="en-US"/>
+            </a:defPPr>
+            <a:lvl1pPr marL="173736" indent="-173736">
+              <a:lnSpc>
+                <a:spcPct val="150000"/>
+              </a:lnSpc>
+              <a:defRPr sz="2000" b="1">
+                <a:solidFill>
+                  <a:srgbClr val="000000"/>
+                </a:solidFill>
+                <a:effectLst/>
+                <a:latin typeface="Century Gothic" panose="020B0502020202020204" pitchFamily="34" charset="0"/>
+              </a:defRPr>
+            </a:lvl1pPr>
+          </a:lstStyle>
+          <a:p>
+            <a:pPr>
+              <a:lnSpc>
+                <a:spcPct val="100000"/>
+              </a:lnSpc>
+            </a:pPr>
+            <a:r>
+              <a:rPr lang="en-US" dirty="0"/>
+              <a:t>Validation</a:t>
+            </a:r>
+          </a:p>
+          <a:p>
+            <a:pPr>
+              <a:lnSpc>
+                <a:spcPct val="100000"/>
+              </a:lnSpc>
+            </a:pPr>
+            <a:r>
+              <a:rPr lang="en-US" sz="1800" dirty="0"/>
+              <a:t>Probability Calculation:</a:t>
+            </a:r>
+            <a:endParaRPr lang="en-US" sz="1800" b="0" dirty="0"/>
+          </a:p>
+          <a:p>
+            <a:pPr>
+              <a:lnSpc>
+                <a:spcPct val="100000"/>
+              </a:lnSpc>
+            </a:pPr>
+            <a:r>
+              <a:rPr lang="en-US" sz="1800" b="0" dirty="0"/>
+              <a:t>	</a:t>
+            </a:r>
+            <a:r>
+              <a:rPr lang="en-US" sz="1600" b="0" dirty="0"/>
+              <a:t>cosine similarity between embeddings</a:t>
+            </a:r>
+          </a:p>
+          <a:p>
+            <a:pPr>
+              <a:lnSpc>
+                <a:spcPct val="100000"/>
+              </a:lnSpc>
+            </a:pPr>
+            <a:r>
+              <a:rPr lang="en-US" sz="1800" dirty="0"/>
+              <a:t>Ranking Metrics:</a:t>
+            </a:r>
+          </a:p>
+          <a:p>
+            <a:pPr>
+              <a:lnSpc>
+                <a:spcPct val="100000"/>
+              </a:lnSpc>
+            </a:pPr>
+            <a:r>
+              <a:rPr lang="en-US" sz="1600" b="0" dirty="0" err="1"/>
+              <a:t>Precision@K</a:t>
+            </a:r>
+            <a:endParaRPr lang="en-US" sz="1600" b="0" dirty="0"/>
+          </a:p>
+          <a:p>
+            <a:pPr>
+              <a:lnSpc>
+                <a:spcPct val="100000"/>
+              </a:lnSpc>
+            </a:pPr>
+            <a:r>
+              <a:rPr lang="en-US" sz="1600" b="0" dirty="0" err="1"/>
+              <a:t>Recall@K</a:t>
+            </a:r>
+            <a:endParaRPr lang="en-US" sz="1600" b="0" dirty="0"/>
+          </a:p>
+          <a:p>
+            <a:pPr>
+              <a:lnSpc>
+                <a:spcPct val="100000"/>
+              </a:lnSpc>
+            </a:pPr>
+            <a:r>
+              <a:rPr lang="en-US" sz="1600" b="0" dirty="0"/>
+              <a:t>Mean Average Precision (MAP)</a:t>
+            </a:r>
+            <a:endParaRPr lang="he-IL" sz="1600" b="0" dirty="0"/>
+          </a:p>
+        </p:txBody>
+      </p:sp>
+      <p:pic>
+        <p:nvPicPr>
+          <p:cNvPr id="1031" name="Picture 7">
+            <a:extLst>
+              <a:ext uri="{FF2B5EF4-FFF2-40B4-BE49-F238E27FC236}">
+                <a16:creationId xmlns:a16="http://schemas.microsoft.com/office/drawing/2014/main" id="{AED4E1B4-E22B-8AC6-D4AA-DBD9DA39F4C4}"/>
+              </a:ext>
+            </a:extLst>
+          </p:cNvPr>
+          <p:cNvPicPr>
+            <a:picLocks noChangeAspect="1" noChangeArrowheads="1"/>
+          </p:cNvPicPr>
+          <p:nvPr/>
+        </p:nvPicPr>
+        <p:blipFill>
+          <a:blip r:embed="rId2">
+            <a:extLst>
+              <a:ext uri="{28A0092B-C50C-407E-A947-70E740481C1C}">
+                <a14:useLocalDpi xmlns:a14="http://schemas.microsoft.com/office/drawing/2010/main" val="0"/>
+              </a:ext>
+            </a:extLst>
+          </a:blip>
+          <a:srcRect/>
+          <a:stretch>
+            <a:fillRect/>
+          </a:stretch>
+        </p:blipFill>
+        <p:spPr bwMode="auto">
+          <a:xfrm>
+            <a:off x="8333872" y="1347714"/>
+            <a:ext cx="3674126" cy="2067415"/>
+          </a:xfrm>
+          <a:prstGeom prst="rect">
+            <a:avLst/>
+          </a:prstGeom>
+          <a:noFill/>
+          <a:extLst>
+            <a:ext uri="{909E8E84-426E-40DD-AFC4-6F175D3DCCD1}">
+              <a14:hiddenFill xmlns:a14="http://schemas.microsoft.com/office/drawing/2010/main">
+                <a:solidFill>
+                  <a:srgbClr val="FFFFFF"/>
+                </a:solidFill>
+              </a14:hiddenFill>
+            </a:ext>
+          </a:extLst>
+        </p:spPr>
+      </p:pic>
     </p:spTree>
     <p:extLst>
       <p:ext uri="{BB962C8B-B14F-4D97-AF65-F5344CB8AC3E}">
-        <p14:creationId xmlns:p14="http://schemas.microsoft.com/office/powerpoint/2010/main" val="703351536"/>
+        <p14:creationId xmlns:p14="http://schemas.microsoft.com/office/powerpoint/2010/main" val="2773935684"/>
       </p:ext>
     </p:extLst>
   </p:cSld>

--- a/Ortal/word2vec slide.pptx
+++ b/Ortal/word2vec slide.pptx
@@ -494,7 +494,12 @@
             <p:ph type="sldImg"/>
           </p:nvPr>
         </p:nvSpPr>
-        <p:spPr/>
+        <p:spPr>
+          <a:xfrm>
+            <a:off x="685800" y="1143000"/>
+            <a:ext cx="5486400" cy="3086100"/>
+          </a:xfrm>
+        </p:spPr>
       </p:sp>
       <p:sp>
         <p:nvSpPr>
@@ -542,6 +547,90 @@
     <p:extLst>
       <p:ext uri="{BB962C8B-B14F-4D97-AF65-F5344CB8AC3E}">
         <p14:creationId xmlns:p14="http://schemas.microsoft.com/office/powerpoint/2010/main" val="1227018043"/>
+      </p:ext>
+    </p:extLst>
+  </p:cSld>
+  <p:clrMapOvr>
+    <a:masterClrMapping/>
+  </p:clrMapOvr>
+</p:notes>
+</file>
+
+<file path=ppt/notesSlides/notesSlide2.xml><?xml version="1.0" encoding="utf-8"?>
+<p:notes xmlns:a="http://schemas.openxmlformats.org/drawingml/2006/main" xmlns:r="http://schemas.openxmlformats.org/officeDocument/2006/relationships" xmlns:p="http://schemas.openxmlformats.org/presentationml/2006/main">
+  <p:cSld>
+    <p:spTree>
+      <p:nvGrpSpPr>
+        <p:cNvPr id="1" name=""/>
+        <p:cNvGrpSpPr/>
+        <p:nvPr/>
+      </p:nvGrpSpPr>
+      <p:grpSpPr>
+        <a:xfrm>
+          <a:off x="0" y="0"/>
+          <a:ext cx="0" cy="0"/>
+          <a:chOff x="0" y="0"/>
+          <a:chExt cx="0" cy="0"/>
+        </a:xfrm>
+      </p:grpSpPr>
+      <p:sp>
+        <p:nvSpPr>
+          <p:cNvPr id="2" name="מציין מיקום של תמונת שקופית 1"/>
+          <p:cNvSpPr>
+            <a:spLocks noGrp="1" noRot="1" noChangeAspect="1"/>
+          </p:cNvSpPr>
+          <p:nvPr>
+            <p:ph type="sldImg"/>
+          </p:nvPr>
+        </p:nvSpPr>
+        <p:spPr/>
+      </p:sp>
+      <p:sp>
+        <p:nvSpPr>
+          <p:cNvPr id="3" name="מציין מיקום של הערות 2"/>
+          <p:cNvSpPr>
+            <a:spLocks noGrp="1"/>
+          </p:cNvSpPr>
+          <p:nvPr>
+            <p:ph type="body" idx="1"/>
+          </p:nvPr>
+        </p:nvSpPr>
+        <p:spPr/>
+        <p:txBody>
+          <a:bodyPr/>
+          <a:lstStyle/>
+          <a:p>
+            <a:endParaRPr lang="he-IL" dirty="0"/>
+          </a:p>
+        </p:txBody>
+      </p:sp>
+      <p:sp>
+        <p:nvSpPr>
+          <p:cNvPr id="4" name="מציין מיקום של מספר שקופית 3"/>
+          <p:cNvSpPr>
+            <a:spLocks noGrp="1"/>
+          </p:cNvSpPr>
+          <p:nvPr>
+            <p:ph type="sldNum" sz="quarter" idx="5"/>
+          </p:nvPr>
+        </p:nvSpPr>
+        <p:spPr/>
+        <p:txBody>
+          <a:bodyPr/>
+          <a:lstStyle/>
+          <a:p>
+            <a:fld id="{4F82D9BD-24F1-4DC0-A648-96C17C6E9C7B}" type="slidenum">
+              <a:rPr lang="he-IL" smtClean="0"/>
+              <a:t>4</a:t>
+            </a:fld>
+            <a:endParaRPr lang="he-IL"/>
+          </a:p>
+        </p:txBody>
+      </p:sp>
+    </p:spTree>
+    <p:extLst>
+      <p:ext uri="{BB962C8B-B14F-4D97-AF65-F5344CB8AC3E}">
+        <p14:creationId xmlns:p14="http://schemas.microsoft.com/office/powerpoint/2010/main" val="1200637833"/>
       </p:ext>
     </p:extLst>
   </p:cSld>
@@ -580,7 +669,7 @@
         </p:nvSpPr>
         <p:spPr>
           <a:xfrm>
-            <a:off x="2589213" y="2514600"/>
+            <a:off x="2589214" y="2514601"/>
             <a:ext cx="8915399" cy="2262781"/>
           </a:xfrm>
         </p:spPr>
@@ -614,7 +703,7 @@
         </p:nvSpPr>
         <p:spPr>
           <a:xfrm>
-            <a:off x="2589213" y="4777379"/>
+            <a:off x="2589214" y="4777381"/>
             <a:ext cx="8915399" cy="1126283"/>
           </a:xfrm>
         </p:spPr>
@@ -772,7 +861,7 @@
         </p:nvSpPr>
         <p:spPr bwMode="auto">
           <a:xfrm>
-            <a:off x="0" y="4323810"/>
+            <a:off x="1" y="4323812"/>
             <a:ext cx="1744652" cy="778589"/>
           </a:xfrm>
           <a:custGeom>
@@ -858,7 +947,7 @@
         </p:nvSpPr>
         <p:spPr>
           <a:xfrm>
-            <a:off x="531812" y="4529540"/>
+            <a:off x="531814" y="4529542"/>
             <a:ext cx="779767" cy="365125"/>
           </a:xfrm>
         </p:spPr>
@@ -916,7 +1005,7 @@
         </p:nvSpPr>
         <p:spPr>
           <a:xfrm>
-            <a:off x="2589212" y="609600"/>
+            <a:off x="2589214" y="609600"/>
             <a:ext cx="8915399" cy="3117040"/>
           </a:xfrm>
         </p:spPr>
@@ -950,7 +1039,7 @@
         </p:nvSpPr>
         <p:spPr>
           <a:xfrm>
-            <a:off x="2589212" y="4354046"/>
+            <a:off x="2589214" y="4354046"/>
             <a:ext cx="8915399" cy="1555864"/>
           </a:xfrm>
         </p:spPr>
@@ -1110,7 +1199,7 @@
         </p:nvSpPr>
         <p:spPr bwMode="auto">
           <a:xfrm flipV="1">
-            <a:off x="-4189" y="3178175"/>
+            <a:off x="-4188" y="3178177"/>
             <a:ext cx="1588527" cy="507297"/>
           </a:xfrm>
           <a:custGeom>
@@ -1196,7 +1285,7 @@
         </p:nvSpPr>
         <p:spPr>
           <a:xfrm>
-            <a:off x="531812" y="3244139"/>
+            <a:off x="531814" y="3244141"/>
             <a:ext cx="779767" cy="365125"/>
           </a:xfrm>
         </p:spPr>
@@ -1254,8 +1343,8 @@
         </p:nvSpPr>
         <p:spPr>
           <a:xfrm>
-            <a:off x="2849949" y="609600"/>
-            <a:ext cx="8393926" cy="2895600"/>
+            <a:off x="2849950" y="609600"/>
+            <a:ext cx="8393927" cy="2895600"/>
           </a:xfrm>
         </p:spPr>
         <p:txBody>
@@ -1289,7 +1378,7 @@
         <p:spPr>
           <a:xfrm>
             <a:off x="3275012" y="3505200"/>
-            <a:ext cx="7536554" cy="381000"/>
+            <a:ext cx="7536555" cy="381000"/>
           </a:xfrm>
         </p:spPr>
         <p:txBody>
@@ -1351,7 +1440,7 @@
         </p:nvSpPr>
         <p:spPr>
           <a:xfrm>
-            <a:off x="2589212" y="4354046"/>
+            <a:off x="2589214" y="4354046"/>
             <a:ext cx="8915399" cy="1555864"/>
           </a:xfrm>
         </p:spPr>
@@ -1511,7 +1600,7 @@
         </p:nvSpPr>
         <p:spPr bwMode="auto">
           <a:xfrm flipV="1">
-            <a:off x="-4189" y="3178175"/>
+            <a:off x="-4188" y="3178177"/>
             <a:ext cx="1588527" cy="507297"/>
           </a:xfrm>
           <a:custGeom>
@@ -1597,7 +1686,7 @@
         </p:nvSpPr>
         <p:spPr>
           <a:xfrm>
-            <a:off x="531812" y="3244139"/>
+            <a:off x="531814" y="3244141"/>
             <a:ext cx="779767" cy="365125"/>
           </a:xfrm>
         </p:spPr>
@@ -1731,7 +1820,7 @@
         </p:nvSpPr>
         <p:spPr>
           <a:xfrm>
-            <a:off x="2589213" y="2438400"/>
+            <a:off x="2589213" y="2438402"/>
             <a:ext cx="8915400" cy="2724845"/>
           </a:xfrm>
         </p:spPr>
@@ -1847,7 +1936,7 @@
         </p:nvSpPr>
         <p:spPr bwMode="auto">
           <a:xfrm flipV="1">
-            <a:off x="-4189" y="4911725"/>
+            <a:off x="-4188" y="4911727"/>
             <a:ext cx="1588527" cy="507297"/>
           </a:xfrm>
           <a:custGeom>
@@ -1933,7 +2022,7 @@
         </p:nvSpPr>
         <p:spPr>
           <a:xfrm>
-            <a:off x="531812" y="4983087"/>
+            <a:off x="531814" y="4983089"/>
             <a:ext cx="779767" cy="365125"/>
           </a:xfrm>
         </p:spPr>
@@ -1991,8 +2080,8 @@
         </p:nvSpPr>
         <p:spPr>
           <a:xfrm>
-            <a:off x="2849949" y="609600"/>
-            <a:ext cx="8393926" cy="2895600"/>
+            <a:off x="2849950" y="609600"/>
+            <a:ext cx="8393927" cy="2895600"/>
           </a:xfrm>
         </p:spPr>
         <p:txBody>
@@ -2167,7 +2256,7 @@
         </p:nvSpPr>
         <p:spPr bwMode="auto">
           <a:xfrm flipV="1">
-            <a:off x="-4189" y="4911725"/>
+            <a:off x="-4188" y="4911727"/>
             <a:ext cx="1588527" cy="507297"/>
           </a:xfrm>
           <a:custGeom>
@@ -2253,7 +2342,7 @@
         </p:nvSpPr>
         <p:spPr>
           <a:xfrm>
-            <a:off x="531812" y="4983087"/>
+            <a:off x="531814" y="4983089"/>
             <a:ext cx="779767" cy="365125"/>
           </a:xfrm>
         </p:spPr>
@@ -2387,7 +2476,7 @@
         </p:nvSpPr>
         <p:spPr>
           <a:xfrm>
-            <a:off x="2589212" y="627407"/>
+            <a:off x="2589214" y="627407"/>
             <a:ext cx="8915399" cy="2880020"/>
           </a:xfrm>
         </p:spPr>
@@ -2563,7 +2652,7 @@
         </p:nvSpPr>
         <p:spPr bwMode="auto">
           <a:xfrm flipV="1">
-            <a:off x="-4189" y="4911725"/>
+            <a:off x="-4188" y="4911727"/>
             <a:ext cx="1588527" cy="507297"/>
           </a:xfrm>
           <a:custGeom>
@@ -2649,7 +2738,7 @@
         </p:nvSpPr>
         <p:spPr>
           <a:xfrm>
-            <a:off x="531812" y="4983087"/>
+            <a:off x="531814" y="4983089"/>
             <a:ext cx="779767" cy="365125"/>
           </a:xfrm>
         </p:spPr>
@@ -2820,7 +2909,7 @@
         </p:nvSpPr>
         <p:spPr bwMode="auto">
           <a:xfrm flipV="1">
-            <a:off x="-4189" y="714375"/>
+            <a:off x="-4188" y="714377"/>
             <a:ext cx="1588527" cy="507297"/>
           </a:xfrm>
           <a:custGeom>
@@ -2959,7 +3048,7 @@
         </p:nvSpPr>
         <p:spPr>
           <a:xfrm>
-            <a:off x="9294812" y="627405"/>
+            <a:off x="9294813" y="627407"/>
             <a:ext cx="2207601" cy="5283817"/>
           </a:xfrm>
         </p:spPr>
@@ -2987,7 +3076,7 @@
         </p:nvSpPr>
         <p:spPr>
           <a:xfrm>
-            <a:off x="2589212" y="627405"/>
+            <a:off x="2589212" y="627407"/>
             <a:ext cx="6477000" cy="5283817"/>
           </a:xfrm>
         </p:spPr>
@@ -3082,7 +3171,7 @@
         </p:nvSpPr>
         <p:spPr bwMode="auto">
           <a:xfrm flipV="1">
-            <a:off x="-4189" y="714375"/>
+            <a:off x="-4188" y="714377"/>
             <a:ext cx="1588527" cy="507297"/>
           </a:xfrm>
           <a:custGeom>
@@ -3221,7 +3310,7 @@
         </p:nvSpPr>
         <p:spPr>
           <a:xfrm>
-            <a:off x="2592925" y="624110"/>
+            <a:off x="2592926" y="624110"/>
             <a:ext cx="8911687" cy="1280890"/>
           </a:xfrm>
         </p:spPr>
@@ -3344,7 +3433,7 @@
         </p:nvSpPr>
         <p:spPr bwMode="auto">
           <a:xfrm flipV="1">
-            <a:off x="-4189" y="714375"/>
+            <a:off x="-4188" y="714377"/>
             <a:ext cx="1588527" cy="507297"/>
           </a:xfrm>
           <a:custGeom>
@@ -3483,7 +3572,7 @@
         </p:nvSpPr>
         <p:spPr>
           <a:xfrm>
-            <a:off x="2589212" y="2058750"/>
+            <a:off x="2589214" y="2058750"/>
             <a:ext cx="8915399" cy="1468800"/>
           </a:xfrm>
         </p:spPr>
@@ -3515,7 +3604,7 @@
         </p:nvSpPr>
         <p:spPr>
           <a:xfrm>
-            <a:off x="2589212" y="3530129"/>
+            <a:off x="2589214" y="3530129"/>
             <a:ext cx="8915399" cy="860400"/>
           </a:xfrm>
         </p:spPr>
@@ -3673,7 +3762,7 @@
         </p:nvSpPr>
         <p:spPr bwMode="auto">
           <a:xfrm flipV="1">
-            <a:off x="-4189" y="3178175"/>
+            <a:off x="-4188" y="3178177"/>
             <a:ext cx="1588527" cy="507297"/>
           </a:xfrm>
           <a:custGeom>
@@ -3759,7 +3848,7 @@
         </p:nvSpPr>
         <p:spPr>
           <a:xfrm>
-            <a:off x="531812" y="3244139"/>
+            <a:off x="531814" y="3244141"/>
             <a:ext cx="779767" cy="365125"/>
           </a:xfrm>
         </p:spPr>
@@ -3996,7 +4085,7 @@
         </p:nvSpPr>
         <p:spPr bwMode="auto">
           <a:xfrm flipV="1">
-            <a:off x="-4189" y="714375"/>
+            <a:off x="-4188" y="714377"/>
             <a:ext cx="1588527" cy="507297"/>
           </a:xfrm>
           <a:custGeom>
@@ -4082,7 +4171,7 @@
         </p:nvSpPr>
         <p:spPr>
           <a:xfrm>
-            <a:off x="531812" y="787782"/>
+            <a:off x="531814" y="787784"/>
             <a:ext cx="779767" cy="365125"/>
           </a:xfrm>
         </p:spPr>
@@ -4163,7 +4252,7 @@
         </p:nvSpPr>
         <p:spPr>
           <a:xfrm>
-            <a:off x="2939373" y="1972703"/>
+            <a:off x="2939374" y="1972703"/>
             <a:ext cx="3992732" cy="576262"/>
           </a:xfrm>
         </p:spPr>
@@ -4289,7 +4378,7 @@
         </p:nvSpPr>
         <p:spPr>
           <a:xfrm>
-            <a:off x="7506629" y="1969475"/>
+            <a:off x="7506630" y="1969475"/>
             <a:ext cx="3999001" cy="576262"/>
           </a:xfrm>
         </p:spPr>
@@ -4357,7 +4446,7 @@
         <p:spPr>
           <a:xfrm>
             <a:off x="7166957" y="2545738"/>
-            <a:ext cx="4338674" cy="3354060"/>
+            <a:ext cx="4338675" cy="3354060"/>
           </a:xfrm>
         </p:spPr>
         <p:txBody>
@@ -4453,7 +4542,7 @@
         </p:nvSpPr>
         <p:spPr bwMode="auto">
           <a:xfrm flipV="1">
-            <a:off x="-4189" y="714375"/>
+            <a:off x="-4188" y="714377"/>
             <a:ext cx="1588527" cy="507297"/>
           </a:xfrm>
           <a:custGeom>
@@ -4539,7 +4628,7 @@
         </p:nvSpPr>
         <p:spPr>
           <a:xfrm>
-            <a:off x="531812" y="787782"/>
+            <a:off x="531814" y="787784"/>
             <a:ext cx="779767" cy="365125"/>
           </a:xfrm>
         </p:spPr>
@@ -4658,7 +4747,7 @@
         </p:nvSpPr>
         <p:spPr bwMode="auto">
           <a:xfrm flipV="1">
-            <a:off x="-4189" y="714375"/>
+            <a:off x="-4188" y="714377"/>
             <a:ext cx="1588527" cy="507297"/>
           </a:xfrm>
           <a:custGeom>
@@ -4835,7 +4924,7 @@
         </p:nvSpPr>
         <p:spPr bwMode="auto">
           <a:xfrm flipV="1">
-            <a:off x="-4189" y="714375"/>
+            <a:off x="-4188" y="714377"/>
             <a:ext cx="1588527" cy="507297"/>
           </a:xfrm>
           <a:custGeom>
@@ -4974,7 +5063,7 @@
         </p:nvSpPr>
         <p:spPr>
           <a:xfrm>
-            <a:off x="2589212" y="446088"/>
+            <a:off x="2589214" y="446088"/>
             <a:ext cx="3505199" cy="976312"/>
           </a:xfrm>
         </p:spPr>
@@ -5006,7 +5095,7 @@
         </p:nvSpPr>
         <p:spPr>
           <a:xfrm>
-            <a:off x="6323012" y="446088"/>
+            <a:off x="6323012" y="446090"/>
             <a:ext cx="5181600" cy="5414963"/>
           </a:xfrm>
         </p:spPr>
@@ -5065,7 +5154,7 @@
         </p:nvSpPr>
         <p:spPr>
           <a:xfrm>
-            <a:off x="2589212" y="1598613"/>
+            <a:off x="2589214" y="1598613"/>
             <a:ext cx="3505199" cy="4262436"/>
           </a:xfrm>
         </p:spPr>
@@ -5168,7 +5257,7 @@
         </p:nvSpPr>
         <p:spPr bwMode="auto">
           <a:xfrm flipV="1">
-            <a:off x="-4189" y="714375"/>
+            <a:off x="-4188" y="714377"/>
             <a:ext cx="1588527" cy="507297"/>
           </a:xfrm>
           <a:custGeom>
@@ -5513,7 +5602,7 @@
         </p:nvSpPr>
         <p:spPr bwMode="auto">
           <a:xfrm flipV="1">
-            <a:off x="-4189" y="4911725"/>
+            <a:off x="-4188" y="4911727"/>
             <a:ext cx="1588527" cy="507297"/>
           </a:xfrm>
           <a:custGeom>
@@ -5599,7 +5688,7 @@
         </p:nvSpPr>
         <p:spPr>
           <a:xfrm>
-            <a:off x="531812" y="4983087"/>
+            <a:off x="531814" y="4983089"/>
             <a:ext cx="779767" cy="365125"/>
           </a:xfrm>
         </p:spPr>
@@ -5658,7 +5747,7 @@
         </p:nvGrpSpPr>
         <p:grpSpPr>
           <a:xfrm>
-            <a:off x="1" y="228600"/>
+            <a:off x="2" y="228600"/>
             <a:ext cx="2851516" cy="6638628"/>
             <a:chOff x="2487613" y="285750"/>
             <a:chExt cx="2428875" cy="5654676"/>
@@ -6531,7 +6620,7 @@
         <p:grpSpPr>
           <a:xfrm>
             <a:off x="27221" y="-786"/>
-            <a:ext cx="2356674" cy="6854039"/>
+            <a:ext cx="2356675" cy="6854039"/>
             <a:chOff x="6627813" y="194833"/>
             <a:chExt cx="1952625" cy="5678918"/>
           </a:xfrm>
@@ -7479,7 +7568,7 @@
         </p:nvSpPr>
         <p:spPr>
           <a:xfrm>
-            <a:off x="2592924" y="624110"/>
+            <a:off x="2592926" y="624110"/>
             <a:ext cx="8911687" cy="1280890"/>
           </a:xfrm>
           <a:prstGeom prst="rect">
@@ -7574,7 +7663,7 @@
         </p:nvSpPr>
         <p:spPr>
           <a:xfrm>
-            <a:off x="10361612" y="6130437"/>
+            <a:off x="10361613" y="6130437"/>
             <a:ext cx="1146283" cy="370396"/>
           </a:xfrm>
           <a:prstGeom prst="rect">
@@ -7615,7 +7704,7 @@
         </p:nvSpPr>
         <p:spPr>
           <a:xfrm>
-            <a:off x="2589212" y="6135808"/>
+            <a:off x="2589214" y="6135810"/>
             <a:ext cx="7619999" cy="365125"/>
           </a:xfrm>
           <a:prstGeom prst="rect">
@@ -7652,7 +7741,7 @@
         </p:nvSpPr>
         <p:spPr bwMode="gray">
           <a:xfrm>
-            <a:off x="531812" y="787782"/>
+            <a:off x="531814" y="787784"/>
             <a:ext cx="779767" cy="365125"/>
           </a:xfrm>
           <a:prstGeom prst="rect">
@@ -8131,8 +8220,8 @@
         </p:nvSpPr>
         <p:spPr bwMode="auto">
           <a:xfrm>
-            <a:off x="0" y="0"/>
-            <a:ext cx="12192000" cy="0"/>
+            <a:off x="0" y="-184666"/>
+            <a:ext cx="184731" cy="369332"/>
           </a:xfrm>
           <a:prstGeom prst="rect">
             <a:avLst/>
@@ -8206,7 +8295,7 @@
         </p:blipFill>
         <p:spPr>
           <a:xfrm>
-            <a:off x="4886632" y="2170803"/>
+            <a:off x="4886634" y="2170805"/>
             <a:ext cx="2910349" cy="2296361"/>
           </a:xfrm>
           <a:prstGeom prst="rect">
@@ -8228,8 +8317,8 @@
         </p:nvSpPr>
         <p:spPr>
           <a:xfrm>
-            <a:off x="1994525" y="-64912"/>
-            <a:ext cx="8792663" cy="923330"/>
+            <a:off x="1280323" y="-64912"/>
+            <a:ext cx="10221068" cy="923330"/>
           </a:xfrm>
           <a:prstGeom prst="rect">
             <a:avLst/>
@@ -8255,7 +8344,7 @@
           <a:p>
             <a:pPr algn="ctr"/>
             <a:r>
-              <a:rPr lang="en-US" sz="5400" b="1" cap="none" spc="0" dirty="0">
+              <a:rPr lang="en-US" sz="5400" b="1" dirty="0">
                 <a:ln w="0"/>
                 <a:gradFill>
                   <a:gsLst>
@@ -8283,7 +8372,7 @@
               </a:rPr>
               <a:t>Playlist Recommender System</a:t>
             </a:r>
-            <a:endParaRPr lang="he-IL" sz="5400" b="1" cap="none" spc="0" dirty="0">
+            <a:endParaRPr lang="he-IL" sz="5400" b="1" dirty="0">
               <a:ln w="0"/>
               <a:gradFill>
                 <a:gsLst>
@@ -8326,7 +8415,7 @@
         </p:nvSpPr>
         <p:spPr>
           <a:xfrm>
-            <a:off x="1052052" y="802922"/>
+            <a:off x="1052053" y="802924"/>
             <a:ext cx="10874477" cy="1354217"/>
           </a:xfrm>
           <a:prstGeom prst="rect">
@@ -8353,16 +8442,15 @@
           <a:p>
             <a:pPr algn="ctr"/>
             <a:r>
-              <a:rPr lang="en-US" sz="2000" b="1" i="0" dirty="0">
+              <a:rPr lang="en-US" sz="2000" b="1" dirty="0">
                 <a:solidFill>
                   <a:srgbClr val="000000"/>
                 </a:solidFill>
-                <a:effectLst/>
               </a:rPr>
               <a:t>Business question </a:t>
             </a:r>
             <a:r>
-              <a:rPr lang="en-US" sz="2200" b="1" i="0" dirty="0">
+              <a:rPr lang="en-US" sz="2200" b="1" dirty="0">
                 <a:solidFill>
                   <a:srgbClr val="000000"/>
                 </a:solidFill>
@@ -8375,7 +8463,7 @@
               <a:t>?</a:t>
             </a:r>
             <a:r>
-              <a:rPr lang="en-US" sz="2000" b="1" i="0" dirty="0">
+              <a:rPr lang="en-US" sz="2000" b="1" dirty="0">
                 <a:solidFill>
                   <a:srgbClr val="000000"/>
                 </a:solidFill>
@@ -8388,7 +8476,7 @@
               <a:t> </a:t>
             </a:r>
             <a:r>
-              <a:rPr lang="en-US" sz="2000" b="0" i="0" dirty="0">
+              <a:rPr lang="en-US" sz="2000" dirty="0">
                 <a:solidFill>
                   <a:srgbClr val="000000"/>
                 </a:solidFill>
@@ -8404,11 +8492,10 @@
           <a:p>
             <a:pPr algn="ctr"/>
             <a:r>
-              <a:rPr lang="en-US" sz="2000" b="0" i="0" dirty="0">
+              <a:rPr lang="en-US" sz="2000" dirty="0">
                 <a:solidFill>
                   <a:srgbClr val="000000"/>
                 </a:solidFill>
-                <a:effectLst/>
                 <a:hlinkClick r:id="rId3"/>
               </a:rPr>
               <a:t>Link to GitHub Repo.</a:t>
@@ -8447,7 +8534,7 @@
         </p:blipFill>
         <p:spPr bwMode="auto">
           <a:xfrm>
-            <a:off x="4709873" y="1799470"/>
+            <a:off x="4709873" y="1799472"/>
             <a:ext cx="377214" cy="357669"/>
           </a:xfrm>
           <a:prstGeom prst="rect">
@@ -8479,7 +8566,7 @@
         </p:nvSpPr>
         <p:spPr>
           <a:xfrm>
-            <a:off x="8214414" y="1909285"/>
+            <a:off x="8214416" y="1909285"/>
             <a:ext cx="3737133" cy="707886"/>
           </a:xfrm>
           <a:prstGeom prst="rect">
@@ -8536,7 +8623,7 @@
         </p:blipFill>
         <p:spPr bwMode="auto">
           <a:xfrm>
-            <a:off x="7897055" y="1902351"/>
+            <a:off x="7897057" y="1902351"/>
             <a:ext cx="392415" cy="369332"/>
           </a:xfrm>
           <a:prstGeom prst="rect">
@@ -8584,7 +8671,7 @@
           <a:p>
             <a:pPr algn="ctr"/>
             <a:r>
-              <a:rPr lang="en-US" b="0" i="0" dirty="0">
+              <a:rPr lang="en-US" dirty="0">
                 <a:solidFill>
                   <a:srgbClr val="00B050">
                     <a:alpha val="90000"/>
@@ -8601,7 +8688,7 @@
               <a:t>Created by: Manor </a:t>
             </a:r>
             <a:r>
-              <a:rPr lang="en-US" b="0" i="0" dirty="0" err="1">
+              <a:rPr lang="en-US" dirty="0" err="1">
                 <a:solidFill>
                   <a:srgbClr val="00B050">
                     <a:alpha val="90000"/>
@@ -8632,30 +8719,13 @@
                   </a:outerShdw>
                 </a:effectLst>
               </a:rPr>
-              <a:t> &amp;</a:t>
-            </a:r>
-            <a:r>
-              <a:rPr lang="en-US" b="0" i="0" dirty="0">
-                <a:solidFill>
-                  <a:srgbClr val="00B050">
-                    <a:alpha val="90000"/>
-                  </a:srgbClr>
-                </a:solidFill>
-                <a:effectLst>
-                  <a:outerShdw blurRad="50800" dist="38100" dir="10800000" algn="r" rotWithShape="0">
-                    <a:prstClr val="black">
-                      <a:alpha val="40000"/>
-                    </a:prstClr>
-                  </a:outerShdw>
-                </a:effectLst>
-              </a:rPr>
-              <a:t> Ortal Lasry &amp; Or Cohen Raviv. </a:t>
+              <a:t> &amp; Ortal Lasry &amp; Or Cohen Raviv. </a:t>
             </a:r>
           </a:p>
           <a:p>
             <a:pPr algn="ctr"/>
             <a:br>
-              <a:rPr lang="en-US" b="0" i="0" dirty="0">
+              <a:rPr lang="en-US" dirty="0">
                 <a:solidFill>
                   <a:srgbClr val="00B050">
                     <a:alpha val="90000"/>
@@ -8671,23 +8741,6 @@
               </a:rPr>
             </a:br>
             <a:r>
-              <a:rPr lang="en-US" b="0" i="0" dirty="0">
-                <a:solidFill>
-                  <a:srgbClr val="00B050">
-                    <a:alpha val="90000"/>
-                  </a:srgbClr>
-                </a:solidFill>
-                <a:effectLst>
-                  <a:outerShdw blurRad="50800" dist="38100" dir="10800000" algn="r" rotWithShape="0">
-                    <a:prstClr val="black">
-                      <a:alpha val="40000"/>
-                    </a:prstClr>
-                  </a:outerShdw>
-                </a:effectLst>
-              </a:rPr>
-              <a:t>[Final Projec</a:t>
-            </a:r>
-            <a:r>
               <a:rPr lang="en-US" dirty="0">
                 <a:solidFill>
                   <a:srgbClr val="00B050">
@@ -8702,7 +8755,7 @@
                   </a:outerShdw>
                 </a:effectLst>
               </a:rPr>
-              <a:t>t @                  – Practical Data Science course 2024-2025]</a:t>
+              <a:t>[Final Project @                  – Practical Data Science course 2024-2025]</a:t>
             </a:r>
             <a:endParaRPr lang="he-IL" dirty="0">
               <a:solidFill>
@@ -8857,7 +8910,7 @@
         </p:blipFill>
         <p:spPr>
           <a:xfrm>
-            <a:off x="7396653" y="4908553"/>
+            <a:off x="7396655" y="4908555"/>
             <a:ext cx="4722639" cy="1012507"/>
           </a:xfrm>
           <a:prstGeom prst="rect">
@@ -8894,7 +8947,7 @@
         </p:blipFill>
         <p:spPr>
           <a:xfrm>
-            <a:off x="5739245" y="4480828"/>
+            <a:off x="5739247" y="4480828"/>
             <a:ext cx="1500089" cy="1401094"/>
           </a:xfrm>
           <a:prstGeom prst="rect">
@@ -8960,7 +9013,7 @@
         </p:nvSpPr>
         <p:spPr>
           <a:xfrm>
-            <a:off x="9998213" y="2455970"/>
+            <a:off x="9998213" y="2455972"/>
             <a:ext cx="1953334" cy="1476609"/>
           </a:xfrm>
           <a:prstGeom prst="star5">
@@ -9023,7 +9076,7 @@
         </p:nvSpPr>
         <p:spPr>
           <a:xfrm>
-            <a:off x="10508882" y="2892537"/>
+            <a:off x="10508884" y="2892539"/>
             <a:ext cx="1622919" cy="830997"/>
           </a:xfrm>
           <a:prstGeom prst="rect">
@@ -9200,158 +9253,6 @@
       </p:grpSpPr>
       <p:sp>
         <p:nvSpPr>
-          <p:cNvPr id="4" name="מלבן 3">
-            <a:extLst>
-              <a:ext uri="{FF2B5EF4-FFF2-40B4-BE49-F238E27FC236}">
-                <a16:creationId xmlns:a16="http://schemas.microsoft.com/office/drawing/2014/main" id="{75691D6B-532F-C7A8-D7E2-10B0F17C0AD2}"/>
-              </a:ext>
-            </a:extLst>
-          </p:cNvPr>
-          <p:cNvSpPr/>
-          <p:nvPr/>
-        </p:nvSpPr>
-        <p:spPr>
-          <a:xfrm>
-            <a:off x="0" y="-98836"/>
-            <a:ext cx="12374880" cy="1446550"/>
-          </a:xfrm>
-          <a:prstGeom prst="rect">
-            <a:avLst/>
-          </a:prstGeom>
-          <a:noFill/>
-        </p:spPr>
-        <p:txBody>
-          <a:bodyPr wrap="square" lIns="91440" tIns="45720" rIns="91440" bIns="45720">
-            <a:spAutoFit/>
-          </a:bodyPr>
-          <a:lstStyle/>
-          <a:p>
-            <a:pPr algn="ctr"/>
-            <a:r>
-              <a:rPr lang="en-US" sz="4400" b="1">
-                <a:ln w="12700">
-                  <a:solidFill>
-                    <a:schemeClr val="tx2">
-                      <a:lumMod val="75000"/>
-                    </a:schemeClr>
-                  </a:solidFill>
-                  <a:prstDash val="solid"/>
-                </a:ln>
-                <a:pattFill prst="dkUpDiag">
-                  <a:fgClr>
-                    <a:schemeClr val="tx2"/>
-                  </a:fgClr>
-                  <a:bgClr>
-                    <a:schemeClr val="tx2">
-                      <a:lumMod val="20000"/>
-                      <a:lumOff val="80000"/>
-                    </a:schemeClr>
-                  </a:bgClr>
-                </a:pattFill>
-                <a:effectLst>
-                  <a:outerShdw dist="38100" dir="2640000" algn="bl" rotWithShape="0">
-                    <a:schemeClr val="tx2">
-                      <a:lumMod val="75000"/>
-                    </a:schemeClr>
-                  </a:outerShdw>
-                </a:effectLst>
-              </a:rPr>
-              <a:t>Song Recommendation Model Using</a:t>
-            </a:r>
-            <a:br>
-              <a:rPr lang="en-US" sz="4400" b="1">
-                <a:ln w="12700">
-                  <a:solidFill>
-                    <a:schemeClr val="tx2">
-                      <a:lumMod val="75000"/>
-                    </a:schemeClr>
-                  </a:solidFill>
-                  <a:prstDash val="solid"/>
-                </a:ln>
-                <a:pattFill prst="dkUpDiag">
-                  <a:fgClr>
-                    <a:schemeClr val="tx2"/>
-                  </a:fgClr>
-                  <a:bgClr>
-                    <a:schemeClr val="tx2">
-                      <a:lumMod val="20000"/>
-                      <a:lumOff val="80000"/>
-                    </a:schemeClr>
-                  </a:bgClr>
-                </a:pattFill>
-                <a:effectLst>
-                  <a:outerShdw dist="38100" dir="2640000" algn="bl" rotWithShape="0">
-                    <a:schemeClr val="tx2">
-                      <a:lumMod val="75000"/>
-                    </a:schemeClr>
-                  </a:outerShdw>
-                </a:effectLst>
-              </a:rPr>
-            </a:br>
-            <a:r>
-              <a:rPr lang="en-US" sz="4400" b="1">
-                <a:ln w="12700">
-                  <a:solidFill>
-                    <a:schemeClr val="tx2">
-                      <a:lumMod val="75000"/>
-                    </a:schemeClr>
-                  </a:solidFill>
-                  <a:prstDash val="solid"/>
-                </a:ln>
-                <a:pattFill prst="dkUpDiag">
-                  <a:fgClr>
-                    <a:schemeClr val="tx2"/>
-                  </a:fgClr>
-                  <a:bgClr>
-                    <a:schemeClr val="tx2">
-                      <a:lumMod val="20000"/>
-                      <a:lumOff val="80000"/>
-                    </a:schemeClr>
-                  </a:bgClr>
-                </a:pattFill>
-                <a:effectLst>
-                  <a:outerShdw dist="38100" dir="2640000" algn="bl" rotWithShape="0">
-                    <a:schemeClr val="tx2">
-                      <a:lumMod val="75000"/>
-                    </a:schemeClr>
-                  </a:outerShdw>
-                </a:effectLst>
-              </a:rPr>
-              <a:t>a Siamese Network</a:t>
-            </a:r>
-            <a:endParaRPr lang="en-US" sz="4400" b="1" dirty="0">
-              <a:ln w="12700">
-                <a:solidFill>
-                  <a:schemeClr val="tx2">
-                    <a:lumMod val="75000"/>
-                  </a:schemeClr>
-                </a:solidFill>
-                <a:prstDash val="solid"/>
-              </a:ln>
-              <a:pattFill prst="dkUpDiag">
-                <a:fgClr>
-                  <a:schemeClr val="tx2"/>
-                </a:fgClr>
-                <a:bgClr>
-                  <a:schemeClr val="tx2">
-                    <a:lumMod val="20000"/>
-                    <a:lumOff val="80000"/>
-                  </a:schemeClr>
-                </a:bgClr>
-              </a:pattFill>
-              <a:effectLst>
-                <a:outerShdw dist="38100" dir="2640000" algn="bl" rotWithShape="0">
-                  <a:schemeClr val="tx2">
-                    <a:lumMod val="75000"/>
-                  </a:schemeClr>
-                </a:outerShdw>
-              </a:effectLst>
-            </a:endParaRPr>
-          </a:p>
-        </p:txBody>
-      </p:sp>
-      <p:sp>
-        <p:nvSpPr>
           <p:cNvPr id="5" name="תיבת טקסט 4">
             <a:extLst>
               <a:ext uri="{FF2B5EF4-FFF2-40B4-BE49-F238E27FC236}">
@@ -9375,6 +9276,13 @@
               <a:lumMod val="95000"/>
             </a:schemeClr>
           </a:solidFill>
+          <a:effectLst>
+            <a:innerShdw blurRad="114300">
+              <a:schemeClr val="accent6">
+                <a:lumMod val="50000"/>
+              </a:schemeClr>
+            </a:innerShdw>
+          </a:effectLst>
         </p:spPr>
         <p:txBody>
           <a:bodyPr wrap="square" rtlCol="1">
@@ -9382,7 +9290,7 @@
           </a:bodyPr>
           <a:lstStyle/>
           <a:p>
-            <a:pPr marL="173736" indent="-173736" algn="l" rtl="0" eaLnBrk="1" latinLnBrk="0" hangingPunct="1">
+            <a:pPr marL="173736" indent="-173736">
               <a:lnSpc>
                 <a:spcPct val="150000"/>
               </a:lnSpc>
@@ -9392,7 +9300,6 @@
                 <a:solidFill>
                   <a:srgbClr val="000000"/>
                 </a:solidFill>
-                <a:effectLst/>
                 <a:latin typeface="Century Gothic" panose="020B0502020202020204" pitchFamily="34" charset="0"/>
               </a:rPr>
               <a:t>Siamese Network</a:t>
@@ -9401,12 +9308,11 @@
               <a:solidFill>
                 <a:srgbClr val="000000"/>
               </a:solidFill>
-              <a:effectLst/>
               <a:latin typeface="Century Gothic" panose="020B0502020202020204" pitchFamily="34" charset="0"/>
             </a:endParaRPr>
           </a:p>
           <a:p>
-            <a:pPr marL="173736" indent="-173736" algn="l" rtl="0" eaLnBrk="1" latinLnBrk="0" hangingPunct="1">
+            <a:pPr marL="173736" indent="-173736">
               <a:lnSpc>
                 <a:spcPct val="150000"/>
               </a:lnSpc>
@@ -9414,28 +9320,26 @@
               <a:buChar char="•"/>
             </a:pPr>
             <a:r>
-              <a:rPr lang="en-US" sz="1800" b="1" dirty="0">
+              <a:rPr lang="en-US" b="1" dirty="0">
                 <a:solidFill>
                   <a:srgbClr val="000000"/>
                 </a:solidFill>
-                <a:effectLst/>
                 <a:latin typeface="Century Gothic" panose="020B0502020202020204" pitchFamily="34" charset="0"/>
               </a:rPr>
               <a:t>Pairwise Similarity</a:t>
             </a:r>
             <a:r>
-              <a:rPr lang="en-US" sz="1800" dirty="0">
+              <a:rPr lang="en-US" dirty="0">
                 <a:solidFill>
                   <a:srgbClr val="000000"/>
                 </a:solidFill>
-                <a:effectLst/>
                 <a:latin typeface="Century Gothic" panose="020B0502020202020204" pitchFamily="34" charset="0"/>
               </a:rPr>
               <a:t>: Can analyze songs pairs</a:t>
             </a:r>
           </a:p>
           <a:p>
-            <a:pPr marL="173736" indent="-173736" algn="l" rtl="0" eaLnBrk="1" latinLnBrk="0" hangingPunct="1">
+            <a:pPr marL="173736" indent="-173736">
               <a:lnSpc>
                 <a:spcPct val="150000"/>
               </a:lnSpc>
@@ -9443,28 +9347,26 @@
               <a:buChar char="•"/>
             </a:pPr>
             <a:r>
-              <a:rPr lang="en-US" sz="1800" b="1" dirty="0">
+              <a:rPr lang="en-US" b="1" dirty="0">
                 <a:solidFill>
                   <a:srgbClr val="000000"/>
                 </a:solidFill>
-                <a:effectLst/>
                 <a:latin typeface="Century Gothic" panose="020B0502020202020204" pitchFamily="34" charset="0"/>
               </a:rPr>
               <a:t>Flexibility</a:t>
             </a:r>
             <a:r>
-              <a:rPr lang="en-US" sz="1800" dirty="0">
+              <a:rPr lang="en-US" dirty="0">
                 <a:solidFill>
                   <a:srgbClr val="000000"/>
                 </a:solidFill>
-                <a:effectLst/>
                 <a:latin typeface="Century Gothic" panose="020B0502020202020204" pitchFamily="34" charset="0"/>
               </a:rPr>
               <a:t>: Learns embeddings that adapt to new playlists.</a:t>
             </a:r>
           </a:p>
           <a:p>
-            <a:pPr marL="173736" indent="-173736" algn="l" rtl="0" eaLnBrk="1" latinLnBrk="0" hangingPunct="1">
+            <a:pPr marL="173736" indent="-173736">
               <a:lnSpc>
                 <a:spcPct val="150000"/>
               </a:lnSpc>
@@ -9472,28 +9374,26 @@
               <a:buChar char="•"/>
             </a:pPr>
             <a:r>
-              <a:rPr lang="en-US" sz="1800" b="1" dirty="0">
+              <a:rPr lang="en-US" b="1" dirty="0">
                 <a:solidFill>
                   <a:srgbClr val="000000"/>
                 </a:solidFill>
-                <a:effectLst/>
                 <a:latin typeface="Century Gothic" panose="020B0502020202020204" pitchFamily="34" charset="0"/>
               </a:rPr>
               <a:t>Sparse Data Efficiency</a:t>
             </a:r>
             <a:r>
-              <a:rPr lang="en-US" sz="1800" dirty="0">
+              <a:rPr lang="en-US" dirty="0">
                 <a:solidFill>
                   <a:srgbClr val="000000"/>
                 </a:solidFill>
-                <a:effectLst/>
                 <a:latin typeface="Century Gothic" panose="020B0502020202020204" pitchFamily="34" charset="0"/>
               </a:rPr>
               <a:t>: Manages implicit song relationships in large, sparse datasets.</a:t>
             </a:r>
           </a:p>
           <a:p>
-            <a:pPr marL="173736" indent="-173736" algn="l" rtl="0" eaLnBrk="1" latinLnBrk="0" hangingPunct="1">
+            <a:pPr marL="173736" indent="-173736">
               <a:lnSpc>
                 <a:spcPct val="150000"/>
               </a:lnSpc>
@@ -9501,41 +9401,37 @@
               <a:buChar char="•"/>
             </a:pPr>
             <a:r>
-              <a:rPr lang="en-US" sz="1800" b="1" dirty="0">
+              <a:rPr lang="en-US" b="1" dirty="0">
                 <a:solidFill>
                   <a:srgbClr val="000000"/>
                 </a:solidFill>
-                <a:effectLst/>
                 <a:latin typeface="Century Gothic" panose="020B0502020202020204" pitchFamily="34" charset="0"/>
               </a:rPr>
               <a:t>Loss Function</a:t>
             </a:r>
             <a:r>
-              <a:rPr lang="en-US" sz="1800" dirty="0">
+              <a:rPr lang="en-US" dirty="0">
                 <a:solidFill>
                   <a:srgbClr val="000000"/>
                 </a:solidFill>
-                <a:effectLst/>
                 <a:latin typeface="Century Gothic" panose="020B0502020202020204" pitchFamily="34" charset="0"/>
               </a:rPr>
               <a:t> - </a:t>
             </a:r>
             <a:r>
-              <a:rPr lang="en-US" sz="1800" b="1" dirty="0">
+              <a:rPr lang="en-US" b="1" dirty="0">
                 <a:solidFill>
                   <a:srgbClr val="000000"/>
                 </a:solidFill>
-                <a:effectLst/>
                 <a:latin typeface="Century Gothic" panose="020B0502020202020204" pitchFamily="34" charset="0"/>
               </a:rPr>
               <a:t>Triplet Loss</a:t>
             </a:r>
             <a:r>
-              <a:rPr lang="en-US" sz="1800" dirty="0">
+              <a:rPr lang="en-US" dirty="0">
                 <a:solidFill>
                   <a:srgbClr val="000000"/>
                 </a:solidFill>
-                <a:effectLst/>
                 <a:latin typeface="Century Gothic" panose="020B0502020202020204" pitchFamily="34" charset="0"/>
               </a:rPr>
               <a:t>: Ensures songs in the same playlist are closer in the embedding space than those that are unrelated.</a:t>
@@ -9558,7 +9454,7 @@
         </p:nvSpPr>
         <p:spPr>
           <a:xfrm>
-            <a:off x="132348" y="1656337"/>
+            <a:off x="184002" y="1574215"/>
             <a:ext cx="3412958" cy="4385816"/>
           </a:xfrm>
           <a:prstGeom prst="rect">
@@ -9569,6 +9465,13 @@
               <a:lumMod val="95000"/>
             </a:schemeClr>
           </a:solidFill>
+          <a:effectLst>
+            <a:innerShdw blurRad="114300">
+              <a:schemeClr val="accent6">
+                <a:lumMod val="50000"/>
+              </a:schemeClr>
+            </a:innerShdw>
+          </a:effectLst>
         </p:spPr>
         <p:txBody>
           <a:bodyPr wrap="square" rtlCol="1">
@@ -9681,16 +9584,8 @@
               <a:buChar char="•"/>
             </a:pPr>
             <a:r>
-              <a:rPr lang="en-US" b="0" dirty="0"/>
-              <a:t>Balanced Sampling of </a:t>
-            </a:r>
-            <a:r>
               <a:rPr lang="en-US" dirty="0"/>
-              <a:t>Easy Negatives and Hard Negatives</a:t>
-            </a:r>
-            <a:r>
-              <a:rPr lang="en-US" b="0" dirty="0"/>
-              <a:t>:</a:t>
+              <a:t>Balanced Sampling of Easy Negatives and Hard Negatives:</a:t>
             </a:r>
           </a:p>
           <a:p>
@@ -9699,10 +9594,10 @@
               <a:buChar char="•"/>
             </a:pPr>
             <a:r>
-              <a:rPr lang="en-US" b="0" dirty="0"/>
+              <a:rPr lang="en-US" dirty="0"/>
               <a:t>Diversity Logic to ensure wide coverage of songs.</a:t>
             </a:r>
-            <a:endParaRPr lang="he-IL" b="0" dirty="0"/>
+            <a:endParaRPr lang="he-IL" dirty="0"/>
           </a:p>
         </p:txBody>
       </p:sp>
@@ -9720,7 +9615,7 @@
         </p:nvSpPr>
         <p:spPr>
           <a:xfrm>
-            <a:off x="8514347" y="4422798"/>
+            <a:off x="8398284" y="4178043"/>
             <a:ext cx="3545305" cy="2246769"/>
           </a:xfrm>
           <a:prstGeom prst="rect">
@@ -9731,6 +9626,13 @@
               <a:lumMod val="95000"/>
             </a:schemeClr>
           </a:solidFill>
+          <a:effectLst>
+            <a:innerShdw blurRad="114300">
+              <a:schemeClr val="accent6">
+                <a:lumMod val="50000"/>
+              </a:schemeClr>
+            </a:innerShdw>
+          </a:effectLst>
         </p:spPr>
         <p:txBody>
           <a:bodyPr wrap="square" rtlCol="1">
@@ -9869,8 +9771,230 @@
         </p:blipFill>
         <p:spPr bwMode="auto">
           <a:xfrm>
-            <a:off x="8333872" y="1347714"/>
+            <a:off x="8333872" y="1347716"/>
             <a:ext cx="3674126" cy="2067415"/>
+          </a:xfrm>
+          <a:prstGeom prst="rect">
+            <a:avLst/>
+          </a:prstGeom>
+          <a:noFill/>
+          <a:effectLst>
+            <a:innerShdw blurRad="114300">
+              <a:schemeClr val="accent6">
+                <a:lumMod val="50000"/>
+              </a:schemeClr>
+            </a:innerShdw>
+          </a:effectLst>
+          <a:extLst>
+            <a:ext uri="{909E8E84-426E-40DD-AFC4-6F175D3DCCD1}">
+              <a14:hiddenFill xmlns:a14="http://schemas.microsoft.com/office/drawing/2010/main">
+                <a:solidFill>
+                  <a:srgbClr val="FFFFFF"/>
+                </a:solidFill>
+              </a14:hiddenFill>
+            </a:ext>
+          </a:extLst>
+        </p:spPr>
+      </p:pic>
+      <p:sp>
+        <p:nvSpPr>
+          <p:cNvPr id="2" name="מלבן: פינות מעוגלות 1">
+            <a:extLst>
+              <a:ext uri="{FF2B5EF4-FFF2-40B4-BE49-F238E27FC236}">
+                <a16:creationId xmlns:a16="http://schemas.microsoft.com/office/drawing/2014/main" id="{0192CFCD-A525-363C-4450-C38386AF6445}"/>
+              </a:ext>
+            </a:extLst>
+          </p:cNvPr>
+          <p:cNvSpPr/>
+          <p:nvPr/>
+        </p:nvSpPr>
+        <p:spPr>
+          <a:xfrm>
+            <a:off x="1625626" y="127667"/>
+            <a:ext cx="9894201" cy="1012723"/>
+          </a:xfrm>
+          <a:prstGeom prst="roundRect">
+            <a:avLst/>
+          </a:prstGeom>
+        </p:spPr>
+        <p:style>
+          <a:lnRef idx="1">
+            <a:schemeClr val="accent5"/>
+          </a:lnRef>
+          <a:fillRef idx="2">
+            <a:schemeClr val="accent5"/>
+          </a:fillRef>
+          <a:effectRef idx="1">
+            <a:schemeClr val="accent5"/>
+          </a:effectRef>
+          <a:fontRef idx="minor">
+            <a:schemeClr val="dk1"/>
+          </a:fontRef>
+        </p:style>
+        <p:txBody>
+          <a:bodyPr rtlCol="1" anchor="ctr"/>
+          <a:lstStyle/>
+          <a:p>
+            <a:pPr algn="ctr"/>
+            <a:endParaRPr lang="he-IL"/>
+          </a:p>
+        </p:txBody>
+      </p:sp>
+      <p:sp>
+        <p:nvSpPr>
+          <p:cNvPr id="4" name="מלבן 3">
+            <a:extLst>
+              <a:ext uri="{FF2B5EF4-FFF2-40B4-BE49-F238E27FC236}">
+                <a16:creationId xmlns:a16="http://schemas.microsoft.com/office/drawing/2014/main" id="{75691D6B-532F-C7A8-D7E2-10B0F17C0AD2}"/>
+              </a:ext>
+            </a:extLst>
+          </p:cNvPr>
+          <p:cNvSpPr/>
+          <p:nvPr/>
+        </p:nvSpPr>
+        <p:spPr>
+          <a:xfrm>
+            <a:off x="1058793" y="-102120"/>
+            <a:ext cx="11027861" cy="1446550"/>
+          </a:xfrm>
+          <a:prstGeom prst="rect">
+            <a:avLst/>
+          </a:prstGeom>
+          <a:noFill/>
+        </p:spPr>
+        <p:txBody>
+          <a:bodyPr wrap="square" lIns="91440" tIns="45720" rIns="91440" bIns="45720">
+            <a:spAutoFit/>
+          </a:bodyPr>
+          <a:lstStyle/>
+          <a:p>
+            <a:pPr algn="ctr"/>
+            <a:r>
+              <a:rPr lang="en-US" sz="4400" b="1" dirty="0">
+                <a:ln w="12700">
+                  <a:solidFill>
+                    <a:schemeClr val="tx2">
+                      <a:lumMod val="75000"/>
+                    </a:schemeClr>
+                  </a:solidFill>
+                  <a:prstDash val="solid"/>
+                </a:ln>
+                <a:pattFill prst="dkUpDiag">
+                  <a:fgClr>
+                    <a:schemeClr val="tx2"/>
+                  </a:fgClr>
+                  <a:bgClr>
+                    <a:schemeClr val="tx2">
+                      <a:lumMod val="20000"/>
+                      <a:lumOff val="80000"/>
+                    </a:schemeClr>
+                  </a:bgClr>
+                </a:pattFill>
+                <a:effectLst>
+                  <a:outerShdw dist="38100" dir="2640000" algn="bl" rotWithShape="0">
+                    <a:schemeClr val="tx2">
+                      <a:lumMod val="75000"/>
+                    </a:schemeClr>
+                  </a:outerShdw>
+                </a:effectLst>
+              </a:rPr>
+              <a:t>Song Recommendation Model Using</a:t>
+            </a:r>
+            <a:br>
+              <a:rPr lang="en-US" sz="4400" b="1" dirty="0">
+                <a:ln w="12700">
+                  <a:solidFill>
+                    <a:schemeClr val="tx2">
+                      <a:lumMod val="75000"/>
+                    </a:schemeClr>
+                  </a:solidFill>
+                  <a:prstDash val="solid"/>
+                </a:ln>
+                <a:pattFill prst="dkUpDiag">
+                  <a:fgClr>
+                    <a:schemeClr val="tx2"/>
+                  </a:fgClr>
+                  <a:bgClr>
+                    <a:schemeClr val="tx2">
+                      <a:lumMod val="20000"/>
+                      <a:lumOff val="80000"/>
+                    </a:schemeClr>
+                  </a:bgClr>
+                </a:pattFill>
+                <a:effectLst>
+                  <a:outerShdw dist="38100" dir="2640000" algn="bl" rotWithShape="0">
+                    <a:schemeClr val="tx2">
+                      <a:lumMod val="75000"/>
+                    </a:schemeClr>
+                  </a:outerShdw>
+                </a:effectLst>
+              </a:rPr>
+            </a:br>
+            <a:r>
+              <a:rPr lang="en-US" sz="4400" b="1" dirty="0">
+                <a:ln w="12700">
+                  <a:solidFill>
+                    <a:schemeClr val="tx2">
+                      <a:lumMod val="75000"/>
+                    </a:schemeClr>
+                  </a:solidFill>
+                  <a:prstDash val="solid"/>
+                </a:ln>
+                <a:pattFill prst="dkUpDiag">
+                  <a:fgClr>
+                    <a:schemeClr val="tx2"/>
+                  </a:fgClr>
+                  <a:bgClr>
+                    <a:schemeClr val="tx2">
+                      <a:lumMod val="20000"/>
+                      <a:lumOff val="80000"/>
+                    </a:schemeClr>
+                  </a:bgClr>
+                </a:pattFill>
+                <a:effectLst>
+                  <a:outerShdw dist="38100" dir="2640000" algn="bl" rotWithShape="0">
+                    <a:schemeClr val="tx2">
+                      <a:lumMod val="75000"/>
+                    </a:schemeClr>
+                  </a:outerShdw>
+                </a:effectLst>
+              </a:rPr>
+              <a:t>a Siamese Network</a:t>
+            </a:r>
+          </a:p>
+        </p:txBody>
+      </p:sp>
+      <p:pic>
+        <p:nvPicPr>
+          <p:cNvPr id="3" name="Picture 2" descr="‪spotify logo מאת newsroom.spotify.com‬‏">
+            <a:extLst>
+              <a:ext uri="{FF2B5EF4-FFF2-40B4-BE49-F238E27FC236}">
+                <a16:creationId xmlns:a16="http://schemas.microsoft.com/office/drawing/2014/main" id="{AF341319-DAC4-BF9E-4B60-EAF396D9BB83}"/>
+              </a:ext>
+            </a:extLst>
+          </p:cNvPr>
+          <p:cNvPicPr>
+            <a:picLocks noChangeAspect="1" noChangeArrowheads="1"/>
+          </p:cNvPicPr>
+          <p:nvPr/>
+        </p:nvPicPr>
+        <p:blipFill>
+          <a:blip r:embed="rId3">
+            <a:extLst>
+              <a:ext uri="{28A0092B-C50C-407E-A947-70E740481C1C}">
+                <a14:useLocalDpi xmlns:a14="http://schemas.microsoft.com/office/drawing/2010/main" val="0"/>
+              </a:ext>
+            </a:extLst>
+          </a:blip>
+          <a:srcRect/>
+          <a:stretch>
+            <a:fillRect/>
+          </a:stretch>
+        </p:blipFill>
+        <p:spPr bwMode="auto">
+          <a:xfrm>
+            <a:off x="0" y="-6562"/>
+            <a:ext cx="876300" cy="734150"/>
           </a:xfrm>
           <a:prstGeom prst="rect">
             <a:avLst/>
@@ -10067,7 +10191,7 @@
         </p:blipFill>
         <p:spPr>
           <a:xfrm>
-            <a:off x="4277031" y="3523527"/>
+            <a:off x="4277033" y="3523527"/>
             <a:ext cx="3242519" cy="2944760"/>
           </a:xfrm>
           <a:prstGeom prst="rect">
@@ -10104,7 +10228,7 @@
         </p:blipFill>
         <p:spPr>
           <a:xfrm>
-            <a:off x="7698866" y="3573573"/>
+            <a:off x="7698868" y="3573573"/>
             <a:ext cx="4134259" cy="1143000"/>
           </a:xfrm>
           <a:prstGeom prst="rect">
@@ -10141,7 +10265,7 @@
         </p:blipFill>
         <p:spPr>
           <a:xfrm>
-            <a:off x="7617871" y="4841708"/>
+            <a:off x="7617871" y="4841710"/>
             <a:ext cx="4422560" cy="1531753"/>
           </a:xfrm>
           <a:prstGeom prst="rect">
@@ -10170,7 +10294,7 @@
         </p:nvSpPr>
         <p:spPr>
           <a:xfrm>
-            <a:off x="1897626" y="98323"/>
+            <a:off x="1897628" y="98323"/>
             <a:ext cx="9222657" cy="372660"/>
           </a:xfrm>
           <a:prstGeom prst="roundRect">
@@ -10260,7 +10384,7 @@
               </a:rPr>
               <a:t>Word2Vec Recommender System</a:t>
             </a:r>
-            <a:endParaRPr lang="he-IL" sz="4400" b="1" cap="none" spc="0" dirty="0">
+            <a:endParaRPr lang="he-IL" sz="4400" b="1" dirty="0">
               <a:ln w="12700">
                 <a:solidFill>
                   <a:schemeClr val="tx2">
@@ -10305,7 +10429,7 @@
         </p:nvSpPr>
         <p:spPr>
           <a:xfrm>
-            <a:off x="2040463" y="1524000"/>
+            <a:off x="2040463" y="1524002"/>
             <a:ext cx="220956" cy="176981"/>
           </a:xfrm>
           <a:prstGeom prst="donut">
@@ -10534,6 +10658,36 @@
           </a:p>
         </p:txBody>
       </p:sp>
+      <p:pic>
+        <p:nvPicPr>
+          <p:cNvPr id="4" name="תמונה 3">
+            <a:extLst>
+              <a:ext uri="{FF2B5EF4-FFF2-40B4-BE49-F238E27FC236}">
+                <a16:creationId xmlns:a16="http://schemas.microsoft.com/office/drawing/2014/main" id="{3818D154-F7F2-85CC-742B-01F3831FF28A}"/>
+              </a:ext>
+            </a:extLst>
+          </p:cNvPr>
+          <p:cNvPicPr>
+            <a:picLocks noChangeAspect="1"/>
+          </p:cNvPicPr>
+          <p:nvPr/>
+        </p:nvPicPr>
+        <p:blipFill>
+          <a:blip r:embed="rId10"/>
+          <a:stretch>
+            <a:fillRect/>
+          </a:stretch>
+        </p:blipFill>
+        <p:spPr>
+          <a:xfrm>
+            <a:off x="9989574" y="6454105"/>
+            <a:ext cx="2202426" cy="403895"/>
+          </a:xfrm>
+          <a:prstGeom prst="rect">
+            <a:avLst/>
+          </a:prstGeom>
+        </p:spPr>
+      </p:pic>
     </p:spTree>
     <p:extLst>
       <p:ext uri="{BB962C8B-B14F-4D97-AF65-F5344CB8AC3E}">
@@ -10566,51 +10720,1495 @@
       </p:grpSpPr>
       <p:sp>
         <p:nvSpPr>
-          <p:cNvPr id="2" name="כותרת 1">
+          <p:cNvPr id="2" name="מלבן 1">
             <a:extLst>
               <a:ext uri="{FF2B5EF4-FFF2-40B4-BE49-F238E27FC236}">
-                <a16:creationId xmlns:a16="http://schemas.microsoft.com/office/drawing/2014/main" id="{3BD67EB2-57B4-1D63-EB7C-608F0E282CEE}"/>
+                <a16:creationId xmlns:a16="http://schemas.microsoft.com/office/drawing/2014/main" id="{93E7E982-6927-E609-5868-B108A2746FA4}"/>
               </a:ext>
             </a:extLst>
           </p:cNvPr>
-          <p:cNvSpPr>
-            <a:spLocks noGrp="1"/>
-          </p:cNvSpPr>
-          <p:nvPr>
-            <p:ph type="title"/>
-          </p:nvPr>
-        </p:nvSpPr>
-        <p:spPr/>
+          <p:cNvSpPr/>
+          <p:nvPr/>
+        </p:nvSpPr>
+        <p:spPr>
+          <a:xfrm>
+            <a:off x="4714759" y="-141396"/>
+            <a:ext cx="3352200" cy="769441"/>
+          </a:xfrm>
+          <a:prstGeom prst="rect">
+            <a:avLst/>
+          </a:prstGeom>
+          <a:noFill/>
+          <a:ln>
+            <a:solidFill>
+              <a:schemeClr val="accent6">
+                <a:lumMod val="60000"/>
+                <a:lumOff val="40000"/>
+              </a:schemeClr>
+            </a:solidFill>
+          </a:ln>
+          <a:effectLst>
+            <a:softEdge rad="63500"/>
+          </a:effectLst>
+        </p:spPr>
         <p:txBody>
-          <a:bodyPr/>
+          <a:bodyPr wrap="none" lIns="91440" tIns="45720" rIns="91440" bIns="45720">
+            <a:spAutoFit/>
+          </a:bodyPr>
           <a:lstStyle/>
           <a:p>
-            <a:endParaRPr lang="he-IL"/>
+            <a:pPr algn="ctr"/>
+            <a:r>
+              <a:rPr lang="en-US" sz="4400" b="1" dirty="0">
+                <a:ln w="0"/>
+                <a:gradFill>
+                  <a:gsLst>
+                    <a:gs pos="47000">
+                      <a:srgbClr val="77B693"/>
+                    </a:gs>
+                    <a:gs pos="66000">
+                      <a:srgbClr val="92D050"/>
+                    </a:gs>
+                    <a:gs pos="96000">
+                      <a:schemeClr val="accent5"/>
+                    </a:gs>
+                    <a:gs pos="100000">
+                      <a:schemeClr val="accent5">
+                        <a:lumMod val="60000"/>
+                        <a:lumOff val="40000"/>
+                      </a:schemeClr>
+                    </a:gs>
+                  </a:gsLst>
+                  <a:lin ang="5400000"/>
+                </a:gradFill>
+                <a:effectLst>
+                  <a:reflection blurRad="6350" stA="53000" endA="300" endPos="35500" dir="5400000" sy="-90000" algn="bl" rotWithShape="0"/>
+                </a:effectLst>
+              </a:rPr>
+              <a:t>Key Intakes</a:t>
+            </a:r>
+            <a:endParaRPr lang="he-IL" sz="4400" b="1" dirty="0">
+              <a:ln w="0"/>
+              <a:gradFill>
+                <a:gsLst>
+                  <a:gs pos="47000">
+                    <a:srgbClr val="77B693"/>
+                  </a:gs>
+                  <a:gs pos="66000">
+                    <a:srgbClr val="92D050"/>
+                  </a:gs>
+                  <a:gs pos="96000">
+                    <a:schemeClr val="accent5"/>
+                  </a:gs>
+                  <a:gs pos="100000">
+                    <a:schemeClr val="accent5">
+                      <a:lumMod val="60000"/>
+                      <a:lumOff val="40000"/>
+                    </a:schemeClr>
+                  </a:gs>
+                </a:gsLst>
+                <a:lin ang="5400000"/>
+              </a:gradFill>
+              <a:effectLst>
+                <a:reflection blurRad="6350" stA="53000" endA="300" endPos="35500" dir="5400000" sy="-90000" algn="bl" rotWithShape="0"/>
+              </a:effectLst>
+            </a:endParaRPr>
           </a:p>
         </p:txBody>
       </p:sp>
-      <p:sp>
-        <p:nvSpPr>
-          <p:cNvPr id="3" name="מציין מיקום תוכן 2">
+      <p:graphicFrame>
+        <p:nvGraphicFramePr>
+          <p:cNvPr id="3" name="טבלה 2">
             <a:extLst>
               <a:ext uri="{FF2B5EF4-FFF2-40B4-BE49-F238E27FC236}">
-                <a16:creationId xmlns:a16="http://schemas.microsoft.com/office/drawing/2014/main" id="{C51D342B-D2D7-85B4-29C0-5B7D02BB2C0A}"/>
+                <a16:creationId xmlns:a16="http://schemas.microsoft.com/office/drawing/2014/main" id="{F579543A-4A16-916E-97C3-210602E5D6F6}"/>
               </a:ext>
             </a:extLst>
           </p:cNvPr>
-          <p:cNvSpPr>
-            <a:spLocks noGrp="1"/>
-          </p:cNvSpPr>
+          <p:cNvGraphicFramePr>
+            <a:graphicFrameLocks noGrp="1"/>
+          </p:cNvGraphicFramePr>
           <p:nvPr>
-            <p:ph idx="1"/>
+            <p:extLst>
+              <p:ext uri="{D42A27DB-BD31-4B8C-83A1-F6EECF244321}">
+                <p14:modId xmlns:p14="http://schemas.microsoft.com/office/powerpoint/2010/main" val="2356565883"/>
+              </p:ext>
+            </p:extLst>
           </p:nvPr>
-        </p:nvSpPr>
-        <p:spPr/>
+        </p:nvGraphicFramePr>
+        <p:xfrm>
+          <a:off x="512719" y="596256"/>
+          <a:ext cx="11611896" cy="3384408"/>
+        </p:xfrm>
+        <a:graphic>
+          <a:graphicData uri="http://schemas.openxmlformats.org/drawingml/2006/table">
+            <a:tbl>
+              <a:tblPr rtl="1" firstRow="1" bandRow="1">
+                <a:tableStyleId>{5C22544A-7EE6-4342-B048-85BDC9FD1C3A}</a:tableStyleId>
+              </a:tblPr>
+              <a:tblGrid>
+                <a:gridCol w="5407299">
+                  <a:extLst>
+                    <a:ext uri="{9D8B030D-6E8A-4147-A177-3AD203B41FA5}">
+                      <a16:colId xmlns:a16="http://schemas.microsoft.com/office/drawing/2014/main" val="3312090231"/>
+                    </a:ext>
+                  </a:extLst>
+                </a:gridCol>
+                <a:gridCol w="3941766">
+                  <a:extLst>
+                    <a:ext uri="{9D8B030D-6E8A-4147-A177-3AD203B41FA5}">
+                      <a16:colId xmlns:a16="http://schemas.microsoft.com/office/drawing/2014/main" val="3437749448"/>
+                    </a:ext>
+                  </a:extLst>
+                </a:gridCol>
+                <a:gridCol w="2262831">
+                  <a:extLst>
+                    <a:ext uri="{9D8B030D-6E8A-4147-A177-3AD203B41FA5}">
+                      <a16:colId xmlns:a16="http://schemas.microsoft.com/office/drawing/2014/main" val="3161295728"/>
+                    </a:ext>
+                  </a:extLst>
+                </a:gridCol>
+              </a:tblGrid>
+              <a:tr h="119180">
+                <a:tc>
+                  <a:txBody>
+                    <a:bodyPr/>
+                    <a:lstStyle/>
+                    <a:p>
+                      <a:pPr algn="l"/>
+                      <a:r>
+                        <a:rPr lang="en-US" sz="1100" b="1" dirty="0"/>
+                        <a:t>Triplet Loss Model</a:t>
+                      </a:r>
+                      <a:endParaRPr lang="en-US" sz="1100" dirty="0"/>
+                    </a:p>
+                  </a:txBody>
+                  <a:tcPr anchor="ctr"/>
+                </a:tc>
+                <a:tc>
+                  <a:txBody>
+                    <a:bodyPr/>
+                    <a:lstStyle/>
+                    <a:p>
+                      <a:pPr algn="l"/>
+                      <a:r>
+                        <a:rPr lang="en-US" sz="1100" b="1" dirty="0"/>
+                        <a:t>Word2Vec</a:t>
+                      </a:r>
+                      <a:endParaRPr lang="en-US" sz="1100" dirty="0"/>
+                    </a:p>
+                  </a:txBody>
+                  <a:tcPr anchor="ctr"/>
+                </a:tc>
+                <a:tc>
+                  <a:txBody>
+                    <a:bodyPr/>
+                    <a:lstStyle/>
+                    <a:p>
+                      <a:pPr algn="l"/>
+                      <a:r>
+                        <a:rPr lang="en-US" sz="1100" b="1" dirty="0"/>
+                        <a:t>Aspect</a:t>
+                      </a:r>
+                      <a:endParaRPr lang="en-US" sz="1100" dirty="0"/>
+                    </a:p>
+                  </a:txBody>
+                  <a:tcPr anchor="ctr"/>
+                </a:tc>
+                <a:extLst>
+                  <a:ext uri="{0D108BD9-81ED-4DB2-BD59-A6C34878D82A}">
+                    <a16:rowId xmlns:a16="http://schemas.microsoft.com/office/drawing/2014/main" val="308926069"/>
+                  </a:ext>
+                </a:extLst>
+              </a:tr>
+              <a:tr h="270207">
+                <a:tc>
+                  <a:txBody>
+                    <a:bodyPr/>
+                    <a:lstStyle/>
+                    <a:p>
+                      <a:pPr algn="l"/>
+                      <a:r>
+                        <a:rPr lang="en-US" sz="1100" dirty="0"/>
+                        <a:t>Siamese Network with Triplet Loss </a:t>
+                      </a:r>
+                    </a:p>
+                  </a:txBody>
+                  <a:tcPr anchor="ctr"/>
+                </a:tc>
+                <a:tc>
+                  <a:txBody>
+                    <a:bodyPr/>
+                    <a:lstStyle/>
+                    <a:p>
+                      <a:pPr algn="l"/>
+                      <a:r>
+                        <a:rPr lang="en-US" sz="1100" dirty="0"/>
+                        <a:t>Skip-gram embedding model</a:t>
+                      </a:r>
+                    </a:p>
+                  </a:txBody>
+                  <a:tcPr anchor="ctr"/>
+                </a:tc>
+                <a:tc>
+                  <a:txBody>
+                    <a:bodyPr/>
+                    <a:lstStyle/>
+                    <a:p>
+                      <a:pPr algn="l" rtl="1"/>
+                      <a:r>
+                        <a:rPr lang="en-US" sz="1100" dirty="0"/>
+                        <a:t>Model &amp; Training</a:t>
+                      </a:r>
+                      <a:endParaRPr lang="he-IL" sz="1100" dirty="0"/>
+                    </a:p>
+                  </a:txBody>
+                  <a:tcPr/>
+                </a:tc>
+                <a:extLst>
+                  <a:ext uri="{0D108BD9-81ED-4DB2-BD59-A6C34878D82A}">
+                    <a16:rowId xmlns:a16="http://schemas.microsoft.com/office/drawing/2014/main" val="2803667163"/>
+                  </a:ext>
+                </a:extLst>
+              </a:tr>
+              <a:tr h="305372">
+                <a:tc>
+                  <a:txBody>
+                    <a:bodyPr/>
+                    <a:lstStyle/>
+                    <a:p>
+                      <a:pPr algn="l"/>
+                      <a:r>
+                        <a:rPr lang="en-US" sz="1100" dirty="0"/>
+                        <a:t>Learn context-aware song embeddings </a:t>
+                      </a:r>
+                    </a:p>
+                  </a:txBody>
+                  <a:tcPr anchor="ctr"/>
+                </a:tc>
+                <a:tc>
+                  <a:txBody>
+                    <a:bodyPr/>
+                    <a:lstStyle/>
+                    <a:p>
+                      <a:pPr algn="l"/>
+                      <a:r>
+                        <a:rPr lang="en-US" sz="1100" dirty="0"/>
+                        <a:t>Embed songs to capture relationships</a:t>
+                      </a:r>
+                    </a:p>
+                  </a:txBody>
+                  <a:tcPr anchor="ctr"/>
+                </a:tc>
+                <a:tc>
+                  <a:txBody>
+                    <a:bodyPr/>
+                    <a:lstStyle/>
+                    <a:p>
+                      <a:pPr algn="l" rtl="1"/>
+                      <a:r>
+                        <a:rPr lang="en-US" sz="1100" dirty="0"/>
+                        <a:t>Goal</a:t>
+                      </a:r>
+                      <a:endParaRPr lang="he-IL" sz="1100" dirty="0"/>
+                    </a:p>
+                  </a:txBody>
+                  <a:tcPr/>
+                </a:tc>
+                <a:extLst>
+                  <a:ext uri="{0D108BD9-81ED-4DB2-BD59-A6C34878D82A}">
+                    <a16:rowId xmlns:a16="http://schemas.microsoft.com/office/drawing/2014/main" val="3807519029"/>
+                  </a:ext>
+                </a:extLst>
+              </a:tr>
+              <a:tr h="270207">
+                <a:tc>
+                  <a:txBody>
+                    <a:bodyPr/>
+                    <a:lstStyle/>
+                    <a:p>
+                      <a:pPr algn="l"/>
+                      <a:r>
+                        <a:rPr lang="en-US" sz="1100" dirty="0"/>
+                        <a:t>Triplets: Anchor, Positive, Negative songs</a:t>
+                      </a:r>
+                    </a:p>
+                  </a:txBody>
+                  <a:tcPr anchor="ctr"/>
+                </a:tc>
+                <a:tc>
+                  <a:txBody>
+                    <a:bodyPr/>
+                    <a:lstStyle/>
+                    <a:p>
+                      <a:pPr algn="l" rtl="1"/>
+                      <a:r>
+                        <a:rPr lang="en-US" sz="1100" dirty="0"/>
+                        <a:t>artist names as tokens </a:t>
+                      </a:r>
+                      <a:endParaRPr lang="he-IL" sz="1100" dirty="0"/>
+                    </a:p>
+                  </a:txBody>
+                  <a:tcPr/>
+                </a:tc>
+                <a:tc>
+                  <a:txBody>
+                    <a:bodyPr/>
+                    <a:lstStyle/>
+                    <a:p>
+                      <a:pPr algn="l" rtl="1"/>
+                      <a:r>
+                        <a:rPr lang="en-US" sz="1100" dirty="0"/>
+                        <a:t>Input Data</a:t>
+                      </a:r>
+                      <a:endParaRPr lang="he-IL" sz="1100" dirty="0"/>
+                    </a:p>
+                  </a:txBody>
+                  <a:tcPr/>
+                </a:tc>
+                <a:extLst>
+                  <a:ext uri="{0D108BD9-81ED-4DB2-BD59-A6C34878D82A}">
+                    <a16:rowId xmlns:a16="http://schemas.microsoft.com/office/drawing/2014/main" val="3574577122"/>
+                  </a:ext>
+                </a:extLst>
+              </a:tr>
+              <a:tr h="262948">
+                <a:tc>
+                  <a:txBody>
+                    <a:bodyPr/>
+                    <a:lstStyle/>
+                    <a:p>
+                      <a:pPr algn="l" rtl="1"/>
+                      <a:r>
+                        <a:rPr lang="en-US" sz="1100" dirty="0"/>
+                        <a:t>Triplet Loss (minimizing anchor-positive distance vs. anchor-negative)</a:t>
+                      </a:r>
+                      <a:endParaRPr lang="he-IL" sz="1100" dirty="0"/>
+                    </a:p>
+                  </a:txBody>
+                  <a:tcPr/>
+                </a:tc>
+                <a:tc>
+                  <a:txBody>
+                    <a:bodyPr/>
+                    <a:lstStyle/>
+                    <a:p>
+                      <a:pPr algn="l" rtl="1"/>
+                      <a:r>
+                        <a:rPr lang="en-US" sz="1100" dirty="0"/>
+                        <a:t>Skip-gram</a:t>
+                      </a:r>
+                      <a:endParaRPr lang="he-IL" sz="1100" dirty="0"/>
+                    </a:p>
+                  </a:txBody>
+                  <a:tcPr/>
+                </a:tc>
+                <a:tc>
+                  <a:txBody>
+                    <a:bodyPr/>
+                    <a:lstStyle/>
+                    <a:p>
+                      <a:pPr algn="l" rtl="1"/>
+                      <a:r>
+                        <a:rPr lang="en-US" sz="1100" dirty="0"/>
+                        <a:t>Best Training Method</a:t>
+                      </a:r>
+                      <a:endParaRPr lang="he-IL" sz="1100" dirty="0"/>
+                    </a:p>
+                  </a:txBody>
+                  <a:tcPr/>
+                </a:tc>
+                <a:extLst>
+                  <a:ext uri="{0D108BD9-81ED-4DB2-BD59-A6C34878D82A}">
+                    <a16:rowId xmlns:a16="http://schemas.microsoft.com/office/drawing/2014/main" val="916805694"/>
+                  </a:ext>
+                </a:extLst>
+              </a:tr>
+              <a:tr h="351269">
+                <a:tc>
+                  <a:txBody>
+                    <a:bodyPr/>
+                    <a:lstStyle/>
+                    <a:p>
+                      <a:pPr algn="l" rtl="1"/>
+                      <a:r>
+                        <a:rPr lang="en-US" sz="1100" dirty="0"/>
+                        <a:t>Song embeddings optimized for playlist context</a:t>
+                      </a:r>
+                      <a:endParaRPr lang="he-IL" sz="1100" dirty="0"/>
+                    </a:p>
+                  </a:txBody>
+                  <a:tcPr/>
+                </a:tc>
+                <a:tc>
+                  <a:txBody>
+                    <a:bodyPr/>
+                    <a:lstStyle/>
+                    <a:p>
+                      <a:pPr algn="l" rtl="1"/>
+                      <a:r>
+                        <a:rPr lang="en-US" sz="1100" dirty="0"/>
+                        <a:t>Song embeddings in a vector space</a:t>
+                      </a:r>
+                      <a:endParaRPr lang="he-IL" sz="1100" dirty="0"/>
+                    </a:p>
+                  </a:txBody>
+                  <a:tcPr/>
+                </a:tc>
+                <a:tc>
+                  <a:txBody>
+                    <a:bodyPr/>
+                    <a:lstStyle/>
+                    <a:p>
+                      <a:pPr algn="l" rtl="1"/>
+                      <a:r>
+                        <a:rPr lang="en-US" sz="1100" dirty="0"/>
+                        <a:t>Output</a:t>
+                      </a:r>
+                      <a:endParaRPr lang="he-IL" sz="1100" dirty="0"/>
+                    </a:p>
+                  </a:txBody>
+                  <a:tcPr/>
+                </a:tc>
+                <a:extLst>
+                  <a:ext uri="{0D108BD9-81ED-4DB2-BD59-A6C34878D82A}">
+                    <a16:rowId xmlns:a16="http://schemas.microsoft.com/office/drawing/2014/main" val="1357200163"/>
+                  </a:ext>
+                </a:extLst>
+              </a:tr>
+              <a:tr h="232464">
+                <a:tc>
+                  <a:txBody>
+                    <a:bodyPr/>
+                    <a:lstStyle/>
+                    <a:p>
+                      <a:pPr algn="l"/>
+                      <a:r>
+                        <a:rPr lang="nn-NO" sz="1100" dirty="0"/>
+                        <a:t>Precision@K, Recall@K, MAP</a:t>
+                      </a:r>
+                    </a:p>
+                  </a:txBody>
+                  <a:tcPr anchor="ctr"/>
+                </a:tc>
+                <a:tc>
+                  <a:txBody>
+                    <a:bodyPr/>
+                    <a:lstStyle/>
+                    <a:p>
+                      <a:pPr algn="l"/>
+                      <a:r>
+                        <a:rPr lang="en-US" sz="1100" dirty="0"/>
+                        <a:t>F1-Score, </a:t>
+                      </a:r>
+                      <a:r>
+                        <a:rPr lang="en-US" sz="1100" dirty="0" err="1"/>
+                        <a:t>Precision@K</a:t>
+                      </a:r>
+                      <a:r>
+                        <a:rPr lang="en-US" sz="1100" dirty="0"/>
+                        <a:t>, </a:t>
+                      </a:r>
+                      <a:r>
+                        <a:rPr lang="en-US" sz="1100" dirty="0" err="1"/>
+                        <a:t>Recall@K</a:t>
+                      </a:r>
+                      <a:endParaRPr lang="en-US" sz="1100" dirty="0"/>
+                    </a:p>
+                  </a:txBody>
+                  <a:tcPr anchor="ctr"/>
+                </a:tc>
+                <a:tc>
+                  <a:txBody>
+                    <a:bodyPr/>
+                    <a:lstStyle/>
+                    <a:p>
+                      <a:pPr algn="l" rtl="1"/>
+                      <a:r>
+                        <a:rPr lang="en-US" sz="1100" dirty="0"/>
+                        <a:t>Evaluation Metrics</a:t>
+                      </a:r>
+                      <a:endParaRPr lang="he-IL" sz="1100" dirty="0"/>
+                    </a:p>
+                  </a:txBody>
+                  <a:tcPr/>
+                </a:tc>
+                <a:extLst>
+                  <a:ext uri="{0D108BD9-81ED-4DB2-BD59-A6C34878D82A}">
+                    <a16:rowId xmlns:a16="http://schemas.microsoft.com/office/drawing/2014/main" val="1969614195"/>
+                  </a:ext>
+                </a:extLst>
+              </a:tr>
+              <a:tr h="232464">
+                <a:tc>
+                  <a:txBody>
+                    <a:bodyPr/>
+                    <a:lstStyle/>
+                    <a:p>
+                      <a:pPr algn="l" rtl="1"/>
+                      <a:r>
+                        <a:rPr lang="en-US" sz="1100" dirty="0"/>
+                        <a:t>Model </a:t>
+                      </a:r>
+                      <a:r>
+                        <a:rPr lang="en-US" sz="1100" dirty="0">
+                          <a:solidFill>
+                            <a:srgbClr val="FF0000"/>
+                          </a:solidFill>
+                        </a:rPr>
+                        <a:t>???</a:t>
+                      </a:r>
+                      <a:r>
+                        <a:rPr lang="en-US" sz="1100" dirty="0"/>
+                        <a:t> with MAP of </a:t>
+                      </a:r>
+                      <a:r>
+                        <a:rPr lang="en-US" sz="1100" dirty="0">
+                          <a:solidFill>
+                            <a:srgbClr val="FF0000"/>
+                          </a:solidFill>
+                        </a:rPr>
+                        <a:t>???</a:t>
+                      </a:r>
+                      <a:r>
+                        <a:rPr lang="en-US" sz="1100" dirty="0"/>
+                        <a:t>%</a:t>
+                      </a:r>
+                      <a:endParaRPr lang="he-IL" sz="1100" dirty="0"/>
+                    </a:p>
+                  </a:txBody>
+                  <a:tcPr/>
+                </a:tc>
+                <a:tc>
+                  <a:txBody>
+                    <a:bodyPr/>
+                    <a:lstStyle/>
+                    <a:p>
+                      <a:pPr algn="l"/>
+                      <a:r>
+                        <a:rPr lang="en-US" sz="1100" dirty="0"/>
+                        <a:t>Model 3 (F1: 82.3%)</a:t>
+                      </a:r>
+                    </a:p>
+                  </a:txBody>
+                  <a:tcPr anchor="ctr"/>
+                </a:tc>
+                <a:tc>
+                  <a:txBody>
+                    <a:bodyPr/>
+                    <a:lstStyle/>
+                    <a:p>
+                      <a:pPr algn="l"/>
+                      <a:r>
+                        <a:rPr lang="en-US" sz="1100" b="1" dirty="0"/>
+                        <a:t>Best Performance</a:t>
+                      </a:r>
+                      <a:endParaRPr lang="en-US" sz="1100" dirty="0"/>
+                    </a:p>
+                  </a:txBody>
+                  <a:tcPr anchor="ctr"/>
+                </a:tc>
+                <a:extLst>
+                  <a:ext uri="{0D108BD9-81ED-4DB2-BD59-A6C34878D82A}">
+                    <a16:rowId xmlns:a16="http://schemas.microsoft.com/office/drawing/2014/main" val="3247907641"/>
+                  </a:ext>
+                </a:extLst>
+              </a:tr>
+              <a:tr h="259731">
+                <a:tc>
+                  <a:txBody>
+                    <a:bodyPr/>
+                    <a:lstStyle/>
+                    <a:p>
+                      <a:pPr algn="l" rtl="1"/>
+                      <a:r>
+                        <a:rPr lang="en-US" sz="1100" dirty="0"/>
+                        <a:t>Computationally expensive, sensitive to sampling</a:t>
+                      </a:r>
+                      <a:endParaRPr lang="he-IL" sz="1100" dirty="0"/>
+                    </a:p>
+                  </a:txBody>
+                  <a:tcPr/>
+                </a:tc>
+                <a:tc>
+                  <a:txBody>
+                    <a:bodyPr/>
+                    <a:lstStyle/>
+                    <a:p>
+                      <a:pPr algn="l" rtl="1"/>
+                      <a:r>
+                        <a:rPr lang="en-US" sz="1100" dirty="0"/>
+                        <a:t>Easy to implement, good for large datasets</a:t>
+                      </a:r>
+                      <a:endParaRPr lang="he-IL" sz="1100" dirty="0"/>
+                    </a:p>
+                  </a:txBody>
+                  <a:tcPr/>
+                </a:tc>
+                <a:tc>
+                  <a:txBody>
+                    <a:bodyPr/>
+                    <a:lstStyle/>
+                    <a:p>
+                      <a:pPr algn="l" rtl="1"/>
+                      <a:r>
+                        <a:rPr lang="en-US" sz="1100" dirty="0"/>
+                        <a:t>Strengths</a:t>
+                      </a:r>
+                      <a:endParaRPr lang="he-IL" sz="1100" dirty="0"/>
+                    </a:p>
+                  </a:txBody>
+                  <a:tcPr/>
+                </a:tc>
+                <a:extLst>
+                  <a:ext uri="{0D108BD9-81ED-4DB2-BD59-A6C34878D82A}">
+                    <a16:rowId xmlns:a16="http://schemas.microsoft.com/office/drawing/2014/main" val="2605186237"/>
+                  </a:ext>
+                </a:extLst>
+              </a:tr>
+              <a:tr h="288283">
+                <a:tc>
+                  <a:txBody>
+                    <a:bodyPr/>
+                    <a:lstStyle/>
+                    <a:p>
+                      <a:pPr algn="l" rtl="1"/>
+                      <a:r>
+                        <a:rPr lang="en-US" sz="1100" dirty="0"/>
+                        <a:t>Computationally expensive, sensitive to sampling</a:t>
+                      </a:r>
+                      <a:endParaRPr lang="he-IL" sz="1100" dirty="0"/>
+                    </a:p>
+                  </a:txBody>
+                  <a:tcPr/>
+                </a:tc>
+                <a:tc>
+                  <a:txBody>
+                    <a:bodyPr/>
+                    <a:lstStyle/>
+                    <a:p>
+                      <a:pPr algn="l" rtl="1"/>
+                      <a:r>
+                        <a:rPr lang="en-US" sz="1100" dirty="0"/>
+                        <a:t>Struggles with playlist-specific context</a:t>
+                      </a:r>
+                      <a:endParaRPr lang="he-IL" sz="1100" dirty="0"/>
+                    </a:p>
+                  </a:txBody>
+                  <a:tcPr/>
+                </a:tc>
+                <a:tc>
+                  <a:txBody>
+                    <a:bodyPr/>
+                    <a:lstStyle/>
+                    <a:p>
+                      <a:pPr algn="l" rtl="1"/>
+                      <a:r>
+                        <a:rPr lang="en-US" sz="1100" dirty="0"/>
+                        <a:t>Weaknesses</a:t>
+                      </a:r>
+                      <a:endParaRPr lang="he-IL" sz="1100" dirty="0"/>
+                    </a:p>
+                  </a:txBody>
+                  <a:tcPr/>
+                </a:tc>
+                <a:extLst>
+                  <a:ext uri="{0D108BD9-81ED-4DB2-BD59-A6C34878D82A}">
+                    <a16:rowId xmlns:a16="http://schemas.microsoft.com/office/drawing/2014/main" val="2388083708"/>
+                  </a:ext>
+                </a:extLst>
+              </a:tr>
+              <a:tr h="232464">
+                <a:tc>
+                  <a:txBody>
+                    <a:bodyPr/>
+                    <a:lstStyle/>
+                    <a:p>
+                      <a:pPr algn="l"/>
+                      <a:r>
+                        <a:rPr lang="en-US" sz="1100" dirty="0"/>
+                        <a:t>Context-aware playlist creation</a:t>
+                      </a:r>
+                    </a:p>
+                  </a:txBody>
+                  <a:tcPr anchor="ctr"/>
+                </a:tc>
+                <a:tc>
+                  <a:txBody>
+                    <a:bodyPr/>
+                    <a:lstStyle/>
+                    <a:p>
+                      <a:pPr algn="l"/>
+                      <a:r>
+                        <a:rPr lang="en-US" sz="1100" dirty="0"/>
+                        <a:t>General song recommendations</a:t>
+                      </a:r>
+                    </a:p>
+                  </a:txBody>
+                  <a:tcPr anchor="ctr"/>
+                </a:tc>
+                <a:tc>
+                  <a:txBody>
+                    <a:bodyPr/>
+                    <a:lstStyle/>
+                    <a:p>
+                      <a:pPr algn="l"/>
+                      <a:r>
+                        <a:rPr lang="en-US" sz="1100" b="1" dirty="0"/>
+                        <a:t>Use Case Fit</a:t>
+                      </a:r>
+                      <a:endParaRPr lang="en-US" sz="1100" dirty="0"/>
+                    </a:p>
+                  </a:txBody>
+                  <a:tcPr anchor="ctr"/>
+                </a:tc>
+                <a:extLst>
+                  <a:ext uri="{0D108BD9-81ED-4DB2-BD59-A6C34878D82A}">
+                    <a16:rowId xmlns:a16="http://schemas.microsoft.com/office/drawing/2014/main" val="3607587344"/>
+                  </a:ext>
+                </a:extLst>
+              </a:tr>
+              <a:tr h="340071">
+                <a:tc>
+                  <a:txBody>
+                    <a:bodyPr/>
+                    <a:lstStyle/>
+                    <a:p>
+                      <a:pPr algn="l" rtl="1"/>
+                      <a:r>
+                        <a:rPr lang="en-US" sz="1100" dirty="0"/>
+                        <a:t>GPU</a:t>
+                      </a:r>
+                      <a:endParaRPr lang="he-IL" sz="1100" dirty="0"/>
+                    </a:p>
+                  </a:txBody>
+                  <a:tcPr/>
+                </a:tc>
+                <a:tc>
+                  <a:txBody>
+                    <a:bodyPr/>
+                    <a:lstStyle/>
+                    <a:p>
+                      <a:pPr algn="l" rtl="1"/>
+                      <a:r>
+                        <a:rPr lang="en-US" sz="1100" dirty="0"/>
+                        <a:t>CPU</a:t>
+                      </a:r>
+                      <a:endParaRPr lang="he-IL" sz="1100" dirty="0"/>
+                    </a:p>
+                  </a:txBody>
+                  <a:tcPr/>
+                </a:tc>
+                <a:tc>
+                  <a:txBody>
+                    <a:bodyPr/>
+                    <a:lstStyle/>
+                    <a:p>
+                      <a:pPr algn="l" rtl="1"/>
+                      <a:r>
+                        <a:rPr lang="en-US" sz="1100" dirty="0"/>
+                        <a:t>computational </a:t>
+                      </a:r>
+                      <a:r>
+                        <a:rPr lang="he-IL" sz="1100" dirty="0"/>
+                        <a:t> </a:t>
+                      </a:r>
+                      <a:r>
+                        <a:rPr lang="en-US" sz="1100" dirty="0"/>
+                        <a:t>requirements </a:t>
+                      </a:r>
+                      <a:endParaRPr lang="he-IL" sz="1100" dirty="0"/>
+                    </a:p>
+                  </a:txBody>
+                  <a:tcPr/>
+                </a:tc>
+                <a:extLst>
+                  <a:ext uri="{0D108BD9-81ED-4DB2-BD59-A6C34878D82A}">
+                    <a16:rowId xmlns:a16="http://schemas.microsoft.com/office/drawing/2014/main" val="3272103976"/>
+                  </a:ext>
+                </a:extLst>
+              </a:tr>
+            </a:tbl>
+          </a:graphicData>
+        </a:graphic>
+      </p:graphicFrame>
+      <p:pic>
+        <p:nvPicPr>
+          <p:cNvPr id="9" name="תמונה 8">
+            <a:extLst>
+              <a:ext uri="{FF2B5EF4-FFF2-40B4-BE49-F238E27FC236}">
+                <a16:creationId xmlns:a16="http://schemas.microsoft.com/office/drawing/2014/main" id="{53099A4E-541D-251F-3E51-54634FCA9BDD}"/>
+              </a:ext>
+            </a:extLst>
+          </p:cNvPr>
+          <p:cNvPicPr>
+            <a:picLocks noChangeAspect="1"/>
+          </p:cNvPicPr>
+          <p:nvPr/>
+        </p:nvPicPr>
+        <p:blipFill>
+          <a:blip r:embed="rId3"/>
+          <a:stretch>
+            <a:fillRect/>
+          </a:stretch>
+        </p:blipFill>
+        <p:spPr>
+          <a:xfrm>
+            <a:off x="183431" y="4622572"/>
+            <a:ext cx="5158788" cy="1549950"/>
+          </a:xfrm>
+          <a:prstGeom prst="rect">
+            <a:avLst/>
+          </a:prstGeom>
+          <a:effectLst>
+            <a:innerShdw blurRad="114300">
+              <a:schemeClr val="accent6">
+                <a:lumMod val="50000"/>
+              </a:schemeClr>
+            </a:innerShdw>
+          </a:effectLst>
+        </p:spPr>
+      </p:pic>
+      <p:pic>
+        <p:nvPicPr>
+          <p:cNvPr id="11" name="תמונה 10">
+            <a:extLst>
+              <a:ext uri="{FF2B5EF4-FFF2-40B4-BE49-F238E27FC236}">
+                <a16:creationId xmlns:a16="http://schemas.microsoft.com/office/drawing/2014/main" id="{F0F99C1F-018E-FDE2-950A-CF67EE089BF2}"/>
+              </a:ext>
+            </a:extLst>
+          </p:cNvPr>
+          <p:cNvPicPr>
+            <a:picLocks noChangeAspect="1"/>
+          </p:cNvPicPr>
+          <p:nvPr/>
+        </p:nvPicPr>
+        <p:blipFill>
+          <a:blip r:embed="rId4"/>
+          <a:stretch>
+            <a:fillRect/>
+          </a:stretch>
+        </p:blipFill>
+        <p:spPr>
+          <a:xfrm>
+            <a:off x="183431" y="6271252"/>
+            <a:ext cx="4313294" cy="472481"/>
+          </a:xfrm>
+          <a:prstGeom prst="rect">
+            <a:avLst/>
+          </a:prstGeom>
+          <a:effectLst>
+            <a:innerShdw blurRad="114300">
+              <a:schemeClr val="accent6">
+                <a:lumMod val="50000"/>
+              </a:schemeClr>
+            </a:innerShdw>
+          </a:effectLst>
+        </p:spPr>
+      </p:pic>
+      <p:pic>
+        <p:nvPicPr>
+          <p:cNvPr id="13" name="תמונה 12">
+            <a:extLst>
+              <a:ext uri="{FF2B5EF4-FFF2-40B4-BE49-F238E27FC236}">
+                <a16:creationId xmlns:a16="http://schemas.microsoft.com/office/drawing/2014/main" id="{C02C0C82-70E6-AE4C-0B32-7B56407D723C}"/>
+              </a:ext>
+            </a:extLst>
+          </p:cNvPr>
+          <p:cNvPicPr>
+            <a:picLocks noChangeAspect="1"/>
+          </p:cNvPicPr>
+          <p:nvPr/>
+        </p:nvPicPr>
+        <p:blipFill>
+          <a:blip r:embed="rId5"/>
+          <a:stretch>
+            <a:fillRect/>
+          </a:stretch>
+        </p:blipFill>
+        <p:spPr>
+          <a:xfrm>
+            <a:off x="4564247" y="6296697"/>
+            <a:ext cx="3063505" cy="434378"/>
+          </a:xfrm>
+          <a:prstGeom prst="rect">
+            <a:avLst/>
+          </a:prstGeom>
+          <a:effectLst>
+            <a:innerShdw blurRad="114300">
+              <a:schemeClr val="accent6">
+                <a:lumMod val="50000"/>
+              </a:schemeClr>
+            </a:innerShdw>
+          </a:effectLst>
+        </p:spPr>
+      </p:pic>
+      <p:pic>
+        <p:nvPicPr>
+          <p:cNvPr id="15" name="תמונה 14">
+            <a:extLst>
+              <a:ext uri="{FF2B5EF4-FFF2-40B4-BE49-F238E27FC236}">
+                <a16:creationId xmlns:a16="http://schemas.microsoft.com/office/drawing/2014/main" id="{632FA367-17E8-BC20-84E9-7E95C369E229}"/>
+              </a:ext>
+            </a:extLst>
+          </p:cNvPr>
+          <p:cNvPicPr>
+            <a:picLocks noChangeAspect="1"/>
+          </p:cNvPicPr>
+          <p:nvPr/>
+        </p:nvPicPr>
+        <p:blipFill>
+          <a:blip r:embed="rId6"/>
+          <a:stretch>
+            <a:fillRect/>
+          </a:stretch>
+        </p:blipFill>
+        <p:spPr>
+          <a:xfrm>
+            <a:off x="1383485" y="4970808"/>
+            <a:ext cx="2758679" cy="213378"/>
+          </a:xfrm>
+          <a:prstGeom prst="rect">
+            <a:avLst/>
+          </a:prstGeom>
+        </p:spPr>
+      </p:pic>
+      <p:pic>
+        <p:nvPicPr>
+          <p:cNvPr id="17" name="תמונה 16">
+            <a:extLst>
+              <a:ext uri="{FF2B5EF4-FFF2-40B4-BE49-F238E27FC236}">
+                <a16:creationId xmlns:a16="http://schemas.microsoft.com/office/drawing/2014/main" id="{D2B09741-FF8E-ECC3-8484-6DB36531A8C2}"/>
+              </a:ext>
+            </a:extLst>
+          </p:cNvPr>
+          <p:cNvPicPr>
+            <a:picLocks noChangeAspect="1"/>
+          </p:cNvPicPr>
+          <p:nvPr/>
+        </p:nvPicPr>
+        <p:blipFill>
+          <a:blip r:embed="rId7"/>
+          <a:stretch>
+            <a:fillRect/>
+          </a:stretch>
+        </p:blipFill>
+        <p:spPr>
+          <a:xfrm>
+            <a:off x="5342218" y="5250927"/>
+            <a:ext cx="5004181" cy="979028"/>
+          </a:xfrm>
+          <a:prstGeom prst="rect">
+            <a:avLst/>
+          </a:prstGeom>
+          <a:effectLst>
+            <a:innerShdw blurRad="114300">
+              <a:schemeClr val="accent6">
+                <a:lumMod val="50000"/>
+              </a:schemeClr>
+            </a:innerShdw>
+          </a:effectLst>
+        </p:spPr>
+      </p:pic>
+      <p:pic>
+        <p:nvPicPr>
+          <p:cNvPr id="19" name="תמונה 18">
+            <a:extLst>
+              <a:ext uri="{FF2B5EF4-FFF2-40B4-BE49-F238E27FC236}">
+                <a16:creationId xmlns:a16="http://schemas.microsoft.com/office/drawing/2014/main" id="{36C55D7C-7DA3-E20A-659C-CAF578FC6852}"/>
+              </a:ext>
+            </a:extLst>
+          </p:cNvPr>
+          <p:cNvPicPr>
+            <a:picLocks noChangeAspect="1"/>
+          </p:cNvPicPr>
+          <p:nvPr/>
+        </p:nvPicPr>
+        <p:blipFill>
+          <a:blip r:embed="rId8"/>
+          <a:stretch>
+            <a:fillRect/>
+          </a:stretch>
+        </p:blipFill>
+        <p:spPr>
+          <a:xfrm>
+            <a:off x="5342218" y="4067083"/>
+            <a:ext cx="5004181" cy="1117103"/>
+          </a:xfrm>
+          <a:prstGeom prst="rect">
+            <a:avLst/>
+          </a:prstGeom>
+          <a:effectLst>
+            <a:innerShdw blurRad="114300">
+              <a:schemeClr val="accent6">
+                <a:lumMod val="75000"/>
+              </a:schemeClr>
+            </a:innerShdw>
+          </a:effectLst>
+        </p:spPr>
+      </p:pic>
+      <p:pic>
+        <p:nvPicPr>
+          <p:cNvPr id="1026" name="Picture 2" descr="‪October | 2014 | mister a music place‬‏">
+            <a:extLst>
+              <a:ext uri="{FF2B5EF4-FFF2-40B4-BE49-F238E27FC236}">
+                <a16:creationId xmlns:a16="http://schemas.microsoft.com/office/drawing/2014/main" id="{731354E9-AAC9-4FBC-5F1A-6D2984BAFC0C}"/>
+              </a:ext>
+            </a:extLst>
+          </p:cNvPr>
+          <p:cNvPicPr>
+            <a:picLocks noChangeAspect="1" noChangeArrowheads="1"/>
+          </p:cNvPicPr>
+          <p:nvPr/>
+        </p:nvPicPr>
+        <p:blipFill>
+          <a:blip r:embed="rId9">
+            <a:extLst>
+              <a:ext uri="{28A0092B-C50C-407E-A947-70E740481C1C}">
+                <a14:useLocalDpi xmlns:a14="http://schemas.microsoft.com/office/drawing/2010/main" val="0"/>
+              </a:ext>
+            </a:extLst>
+          </a:blip>
+          <a:srcRect/>
+          <a:stretch>
+            <a:fillRect/>
+          </a:stretch>
+        </p:blipFill>
+        <p:spPr bwMode="auto">
+          <a:xfrm>
+            <a:off x="10400971" y="4359539"/>
+            <a:ext cx="1667630" cy="1649293"/>
+          </a:xfrm>
+          <a:prstGeom prst="rect">
+            <a:avLst/>
+          </a:prstGeom>
+          <a:noFill/>
+          <a:effectLst>
+            <a:innerShdw blurRad="114300">
+              <a:schemeClr val="accent6">
+                <a:lumMod val="50000"/>
+              </a:schemeClr>
+            </a:innerShdw>
+          </a:effectLst>
+          <a:extLst>
+            <a:ext uri="{909E8E84-426E-40DD-AFC4-6F175D3DCCD1}">
+              <a14:hiddenFill xmlns:a14="http://schemas.microsoft.com/office/drawing/2010/main">
+                <a:solidFill>
+                  <a:srgbClr val="FFFFFF"/>
+                </a:solidFill>
+              </a14:hiddenFill>
+            </a:ext>
+          </a:extLst>
+        </p:spPr>
+      </p:pic>
+      <p:pic>
+        <p:nvPicPr>
+          <p:cNvPr id="21" name="תמונה 20">
+            <a:extLst>
+              <a:ext uri="{FF2B5EF4-FFF2-40B4-BE49-F238E27FC236}">
+                <a16:creationId xmlns:a16="http://schemas.microsoft.com/office/drawing/2014/main" id="{08E54844-4A70-5183-F7E2-91C430DEEA50}"/>
+              </a:ext>
+            </a:extLst>
+          </p:cNvPr>
+          <p:cNvPicPr>
+            <a:picLocks noChangeAspect="1"/>
+          </p:cNvPicPr>
+          <p:nvPr/>
+        </p:nvPicPr>
+        <p:blipFill>
+          <a:blip r:embed="rId10"/>
+          <a:stretch>
+            <a:fillRect/>
+          </a:stretch>
+        </p:blipFill>
+        <p:spPr>
+          <a:xfrm>
+            <a:off x="3840718" y="4067083"/>
+            <a:ext cx="1501501" cy="955365"/>
+          </a:xfrm>
+          <a:prstGeom prst="rect">
+            <a:avLst/>
+          </a:prstGeom>
+          <a:effectLst>
+            <a:innerShdw blurRad="114300">
+              <a:schemeClr val="accent6">
+                <a:lumMod val="50000"/>
+              </a:schemeClr>
+            </a:innerShdw>
+          </a:effectLst>
+        </p:spPr>
+      </p:pic>
+      <p:sp>
+        <p:nvSpPr>
+          <p:cNvPr id="22" name="מלבן 21">
+            <a:extLst>
+              <a:ext uri="{FF2B5EF4-FFF2-40B4-BE49-F238E27FC236}">
+                <a16:creationId xmlns:a16="http://schemas.microsoft.com/office/drawing/2014/main" id="{6075463F-E72D-EBFD-1596-67B4B4F2F687}"/>
+              </a:ext>
+            </a:extLst>
+          </p:cNvPr>
+          <p:cNvSpPr/>
+          <p:nvPr/>
+        </p:nvSpPr>
+        <p:spPr>
+          <a:xfrm>
+            <a:off x="338038" y="4063611"/>
+            <a:ext cx="3520675" cy="555489"/>
+          </a:xfrm>
+          <a:prstGeom prst="rect">
+            <a:avLst/>
+          </a:prstGeom>
+        </p:spPr>
+        <p:style>
+          <a:lnRef idx="2">
+            <a:schemeClr val="accent1">
+              <a:shade val="15000"/>
+            </a:schemeClr>
+          </a:lnRef>
+          <a:fillRef idx="1">
+            <a:schemeClr val="accent1"/>
+          </a:fillRef>
+          <a:effectRef idx="0">
+            <a:schemeClr val="accent1"/>
+          </a:effectRef>
+          <a:fontRef idx="minor">
+            <a:schemeClr val="lt1"/>
+          </a:fontRef>
+        </p:style>
         <p:txBody>
-          <a:bodyPr/>
+          <a:bodyPr rtlCol="1" anchor="ctr"/>
           <a:lstStyle/>
           <a:p>
+            <a:pPr algn="ctr"/>
             <a:endParaRPr lang="he-IL"/>
+          </a:p>
+        </p:txBody>
+      </p:sp>
+      <p:sp>
+        <p:nvSpPr>
+          <p:cNvPr id="23" name="תיבת טקסט 22">
+            <a:extLst>
+              <a:ext uri="{FF2B5EF4-FFF2-40B4-BE49-F238E27FC236}">
+                <a16:creationId xmlns:a16="http://schemas.microsoft.com/office/drawing/2014/main" id="{6ADCEDEF-6DE7-7A72-266D-0F2EFC65AE2D}"/>
+              </a:ext>
+            </a:extLst>
+          </p:cNvPr>
+          <p:cNvSpPr txBox="1"/>
+          <p:nvPr/>
+        </p:nvSpPr>
+        <p:spPr>
+          <a:xfrm>
+            <a:off x="417872" y="4145971"/>
+            <a:ext cx="3844412" cy="369332"/>
+          </a:xfrm>
+          <a:prstGeom prst="rect">
+            <a:avLst/>
+          </a:prstGeom>
+          <a:noFill/>
+        </p:spPr>
+        <p:txBody>
+          <a:bodyPr wrap="square" rtlCol="1">
+            <a:spAutoFit/>
+          </a:bodyPr>
+          <a:lstStyle/>
+          <a:p>
+            <a:r>
+              <a:rPr lang="en-US" b="1" dirty="0"/>
+              <a:t>Challenges (Bias &amp; Outliers) : </a:t>
+            </a:r>
+          </a:p>
+        </p:txBody>
+      </p:sp>
+      <p:pic>
+        <p:nvPicPr>
+          <p:cNvPr id="25" name="תמונה 24">
+            <a:extLst>
+              <a:ext uri="{FF2B5EF4-FFF2-40B4-BE49-F238E27FC236}">
+                <a16:creationId xmlns:a16="http://schemas.microsoft.com/office/drawing/2014/main" id="{483BAE1E-7574-8046-443C-CBC8E0799B7F}"/>
+              </a:ext>
+            </a:extLst>
+          </p:cNvPr>
+          <p:cNvPicPr>
+            <a:picLocks noChangeAspect="1"/>
+          </p:cNvPicPr>
+          <p:nvPr/>
+        </p:nvPicPr>
+        <p:blipFill>
+          <a:blip r:embed="rId11"/>
+          <a:stretch>
+            <a:fillRect/>
+          </a:stretch>
+        </p:blipFill>
+        <p:spPr>
+          <a:xfrm>
+            <a:off x="3362823" y="3658559"/>
+            <a:ext cx="1351936" cy="322105"/>
+          </a:xfrm>
+          <a:prstGeom prst="rect">
+            <a:avLst/>
+          </a:prstGeom>
+          <a:effectLst>
+            <a:innerShdw blurRad="114300">
+              <a:schemeClr val="accent1">
+                <a:lumMod val="40000"/>
+                <a:lumOff val="60000"/>
+              </a:schemeClr>
+            </a:innerShdw>
+          </a:effectLst>
+        </p:spPr>
+      </p:pic>
+      <p:pic>
+        <p:nvPicPr>
+          <p:cNvPr id="27" name="תמונה 26">
+            <a:extLst>
+              <a:ext uri="{FF2B5EF4-FFF2-40B4-BE49-F238E27FC236}">
+                <a16:creationId xmlns:a16="http://schemas.microsoft.com/office/drawing/2014/main" id="{B0CAB98D-7E59-BCA7-6C08-B797096FDF86}"/>
+              </a:ext>
+            </a:extLst>
+          </p:cNvPr>
+          <p:cNvPicPr>
+            <a:picLocks noChangeAspect="1"/>
+          </p:cNvPicPr>
+          <p:nvPr/>
+        </p:nvPicPr>
+        <p:blipFill>
+          <a:blip r:embed="rId12"/>
+          <a:stretch>
+            <a:fillRect/>
+          </a:stretch>
+        </p:blipFill>
+        <p:spPr>
+          <a:xfrm>
+            <a:off x="7303315" y="3653232"/>
+            <a:ext cx="1386960" cy="312447"/>
+          </a:xfrm>
+          <a:prstGeom prst="rect">
+            <a:avLst/>
+          </a:prstGeom>
+          <a:effectLst>
+            <a:innerShdw blurRad="114300">
+              <a:schemeClr val="accent1">
+                <a:lumMod val="40000"/>
+                <a:lumOff val="60000"/>
+              </a:schemeClr>
+            </a:innerShdw>
+          </a:effectLst>
+        </p:spPr>
+      </p:pic>
+      <p:pic>
+        <p:nvPicPr>
+          <p:cNvPr id="28" name="Picture 2" descr="‪spotify logo מאת newsroom.spotify.com‬‏">
+            <a:extLst>
+              <a:ext uri="{FF2B5EF4-FFF2-40B4-BE49-F238E27FC236}">
+                <a16:creationId xmlns:a16="http://schemas.microsoft.com/office/drawing/2014/main" id="{4F2C76A2-22B7-4349-AF8D-525F3453D909}"/>
+              </a:ext>
+            </a:extLst>
+          </p:cNvPr>
+          <p:cNvPicPr>
+            <a:picLocks noChangeAspect="1" noChangeArrowheads="1"/>
+          </p:cNvPicPr>
+          <p:nvPr/>
+        </p:nvPicPr>
+        <p:blipFill>
+          <a:blip r:embed="rId13">
+            <a:extLst>
+              <a:ext uri="{28A0092B-C50C-407E-A947-70E740481C1C}">
+                <a14:useLocalDpi xmlns:a14="http://schemas.microsoft.com/office/drawing/2010/main" val="0"/>
+              </a:ext>
+            </a:extLst>
+          </a:blip>
+          <a:srcRect/>
+          <a:stretch>
+            <a:fillRect/>
+          </a:stretch>
+        </p:blipFill>
+        <p:spPr bwMode="auto">
+          <a:xfrm>
+            <a:off x="0" y="1"/>
+            <a:ext cx="757084" cy="594592"/>
+          </a:xfrm>
+          <a:prstGeom prst="rect">
+            <a:avLst/>
+          </a:prstGeom>
+          <a:noFill/>
+          <a:extLst>
+            <a:ext uri="{909E8E84-426E-40DD-AFC4-6F175D3DCCD1}">
+              <a14:hiddenFill xmlns:a14="http://schemas.microsoft.com/office/drawing/2010/main">
+                <a:solidFill>
+                  <a:srgbClr val="FFFFFF"/>
+                </a:solidFill>
+              </a14:hiddenFill>
+            </a:ext>
+          </a:extLst>
+        </p:spPr>
+      </p:pic>
+      <p:sp>
+        <p:nvSpPr>
+          <p:cNvPr id="29" name="מלבן 28">
+            <a:extLst>
+              <a:ext uri="{FF2B5EF4-FFF2-40B4-BE49-F238E27FC236}">
+                <a16:creationId xmlns:a16="http://schemas.microsoft.com/office/drawing/2014/main" id="{3BE92B3E-492F-9981-3882-5295DB7DA698}"/>
+              </a:ext>
+            </a:extLst>
+          </p:cNvPr>
+          <p:cNvSpPr/>
+          <p:nvPr/>
+        </p:nvSpPr>
+        <p:spPr>
+          <a:xfrm>
+            <a:off x="7844516" y="6296697"/>
+            <a:ext cx="4164054" cy="472481"/>
+          </a:xfrm>
+          <a:prstGeom prst="rect">
+            <a:avLst/>
+          </a:prstGeom>
+          <a:solidFill>
+            <a:schemeClr val="accent1">
+              <a:lumMod val="20000"/>
+              <a:lumOff val="80000"/>
+            </a:schemeClr>
+          </a:solidFill>
+        </p:spPr>
+        <p:style>
+          <a:lnRef idx="2">
+            <a:schemeClr val="accent1">
+              <a:shade val="15000"/>
+            </a:schemeClr>
+          </a:lnRef>
+          <a:fillRef idx="1">
+            <a:schemeClr val="accent1"/>
+          </a:fillRef>
+          <a:effectRef idx="0">
+            <a:schemeClr val="accent1"/>
+          </a:effectRef>
+          <a:fontRef idx="minor">
+            <a:schemeClr val="lt1"/>
+          </a:fontRef>
+        </p:style>
+        <p:txBody>
+          <a:bodyPr rtlCol="1" anchor="ctr"/>
+          <a:lstStyle/>
+          <a:p>
+            <a:pPr algn="ctr"/>
+            <a:endParaRPr lang="he-IL">
+              <a:solidFill>
+                <a:schemeClr val="accent1">
+                  <a:lumMod val="20000"/>
+                  <a:lumOff val="80000"/>
+                </a:schemeClr>
+              </a:solidFill>
+              <a:effectLst>
+                <a:outerShdw blurRad="50800" dist="38100" dir="13500000" algn="br" rotWithShape="0">
+                  <a:prstClr val="black">
+                    <a:alpha val="40000"/>
+                  </a:prstClr>
+                </a:outerShdw>
+              </a:effectLst>
+            </a:endParaRPr>
+          </a:p>
+        </p:txBody>
+      </p:sp>
+      <p:sp>
+        <p:nvSpPr>
+          <p:cNvPr id="30" name="תיבת טקסט 29">
+            <a:extLst>
+              <a:ext uri="{FF2B5EF4-FFF2-40B4-BE49-F238E27FC236}">
+                <a16:creationId xmlns:a16="http://schemas.microsoft.com/office/drawing/2014/main" id="{1A3EA0C6-B6F6-585A-275B-955B1431A84C}"/>
+              </a:ext>
+            </a:extLst>
+          </p:cNvPr>
+          <p:cNvSpPr txBox="1"/>
+          <p:nvPr/>
+        </p:nvSpPr>
+        <p:spPr>
+          <a:xfrm>
+            <a:off x="10764032" y="5250927"/>
+            <a:ext cx="1244537" cy="369332"/>
+          </a:xfrm>
+          <a:prstGeom prst="rect">
+            <a:avLst/>
+          </a:prstGeom>
+          <a:noFill/>
+        </p:spPr>
+        <p:txBody>
+          <a:bodyPr wrap="square" rtlCol="1">
+            <a:spAutoFit/>
+          </a:bodyPr>
+          <a:lstStyle/>
+          <a:p>
+            <a:r>
+              <a:rPr lang="en-US" b="1" dirty="0">
+                <a:effectLst>
+                  <a:outerShdw blurRad="38100" dist="38100" dir="2700000" algn="tl">
+                    <a:srgbClr val="000000">
+                      <a:alpha val="43137"/>
+                    </a:srgbClr>
+                  </a:outerShdw>
+                </a:effectLst>
+              </a:rPr>
+              <a:t>Balance</a:t>
+            </a:r>
+            <a:endParaRPr lang="he-IL" b="1" dirty="0">
+              <a:effectLst>
+                <a:outerShdw blurRad="38100" dist="38100" dir="2700000" algn="tl">
+                  <a:srgbClr val="000000">
+                    <a:alpha val="43137"/>
+                  </a:srgbClr>
+                </a:outerShdw>
+              </a:effectLst>
+            </a:endParaRPr>
+          </a:p>
+        </p:txBody>
+      </p:sp>
+      <p:sp>
+        <p:nvSpPr>
+          <p:cNvPr id="31" name="תיבת טקסט 30">
+            <a:extLst>
+              <a:ext uri="{FF2B5EF4-FFF2-40B4-BE49-F238E27FC236}">
+                <a16:creationId xmlns:a16="http://schemas.microsoft.com/office/drawing/2014/main" id="{2313BE0E-FD42-A5DA-BB40-08F186ABE53F}"/>
+              </a:ext>
+            </a:extLst>
+          </p:cNvPr>
+          <p:cNvSpPr txBox="1"/>
+          <p:nvPr/>
+        </p:nvSpPr>
+        <p:spPr>
+          <a:xfrm>
+            <a:off x="7904546" y="6329220"/>
+            <a:ext cx="4320787" cy="338554"/>
+          </a:xfrm>
+          <a:prstGeom prst="rect">
+            <a:avLst/>
+          </a:prstGeom>
+          <a:noFill/>
+        </p:spPr>
+        <p:txBody>
+          <a:bodyPr wrap="square" rtlCol="1">
+            <a:spAutoFit/>
+          </a:bodyPr>
+          <a:lstStyle/>
+          <a:p>
+            <a:r>
+              <a:rPr lang="en-US" sz="1600" dirty="0">
+                <a:effectLst>
+                  <a:outerShdw blurRad="50800" dist="38100" dir="13500000" algn="br" rotWithShape="0">
+                    <a:prstClr val="black">
+                      <a:alpha val="40000"/>
+                    </a:prstClr>
+                  </a:outerShdw>
+                </a:effectLst>
+              </a:rPr>
+              <a:t>Key improvements : To be continued…</a:t>
+            </a:r>
+            <a:endParaRPr lang="he-IL" sz="1600" dirty="0">
+              <a:effectLst>
+                <a:outerShdw blurRad="50800" dist="38100" dir="13500000" algn="br" rotWithShape="0">
+                  <a:prstClr val="black">
+                    <a:alpha val="40000"/>
+                  </a:prstClr>
+                </a:outerShdw>
+              </a:effectLst>
+            </a:endParaRPr>
           </a:p>
         </p:txBody>
       </p:sp>

--- a/Ortal/word2vec slide.pptx
+++ b/Ortal/word2vec slide.pptx
@@ -200,7 +200,7 @@
           <a:p>
             <a:fld id="{CCA39B7F-577E-4953-82A9-F9D484F02F7D}" type="datetimeFigureOut">
               <a:rPr lang="he-IL" smtClean="0"/>
-              <a:t>כ"ג/טבת/תשפ"ה</a:t>
+              <a:t>כ"ד/טבת/תשפ"ה</a:t>
             </a:fld>
             <a:endParaRPr lang="he-IL"/>
           </a:p>
@@ -828,7 +828,7 @@
           <a:p>
             <a:fld id="{A0D2388C-ECDA-4972-A72B-60BD93EA7385}" type="datetimeFigureOut">
               <a:rPr lang="he-IL" smtClean="0"/>
-              <a:t>כ"ג/טבת/תשפ"ה</a:t>
+              <a:t>כ"ד/טבת/תשפ"ה</a:t>
             </a:fld>
             <a:endParaRPr lang="he-IL"/>
           </a:p>
@@ -1166,7 +1166,7 @@
           <a:p>
             <a:fld id="{A0D2388C-ECDA-4972-A72B-60BD93EA7385}" type="datetimeFigureOut">
               <a:rPr lang="he-IL" smtClean="0"/>
-              <a:t>כ"ג/טבת/תשפ"ה</a:t>
+              <a:t>כ"ד/טבת/תשפ"ה</a:t>
             </a:fld>
             <a:endParaRPr lang="he-IL"/>
           </a:p>
@@ -1567,7 +1567,7 @@
           <a:p>
             <a:fld id="{A0D2388C-ECDA-4972-A72B-60BD93EA7385}" type="datetimeFigureOut">
               <a:rPr lang="he-IL" smtClean="0"/>
-              <a:t>כ"ג/טבת/תשפ"ה</a:t>
+              <a:t>כ"ד/טבת/תשפ"ה</a:t>
             </a:fld>
             <a:endParaRPr lang="he-IL"/>
           </a:p>
@@ -1903,7 +1903,7 @@
           <a:p>
             <a:fld id="{A0D2388C-ECDA-4972-A72B-60BD93EA7385}" type="datetimeFigureOut">
               <a:rPr lang="he-IL" smtClean="0"/>
-              <a:t>כ"ג/טבת/תשפ"ה</a:t>
+              <a:t>כ"ד/טבת/תשפ"ה</a:t>
             </a:fld>
             <a:endParaRPr lang="he-IL"/>
           </a:p>
@@ -2223,7 +2223,7 @@
           <a:p>
             <a:fld id="{A0D2388C-ECDA-4972-A72B-60BD93EA7385}" type="datetimeFigureOut">
               <a:rPr lang="he-IL" smtClean="0"/>
-              <a:t>כ"ג/טבת/תשפ"ה</a:t>
+              <a:t>כ"ד/טבת/תשפ"ה</a:t>
             </a:fld>
             <a:endParaRPr lang="he-IL"/>
           </a:p>
@@ -2619,7 +2619,7 @@
           <a:p>
             <a:fld id="{A0D2388C-ECDA-4972-A72B-60BD93EA7385}" type="datetimeFigureOut">
               <a:rPr lang="he-IL" smtClean="0"/>
-              <a:t>כ"ג/טבת/תשפ"ה</a:t>
+              <a:t>כ"ד/טבת/תשפ"ה</a:t>
             </a:fld>
             <a:endParaRPr lang="he-IL"/>
           </a:p>
@@ -2876,7 +2876,7 @@
           <a:p>
             <a:fld id="{A0D2388C-ECDA-4972-A72B-60BD93EA7385}" type="datetimeFigureOut">
               <a:rPr lang="he-IL" smtClean="0"/>
-              <a:t>כ"ג/טבת/תשפ"ה</a:t>
+              <a:t>כ"ד/טבת/תשפ"ה</a:t>
             </a:fld>
             <a:endParaRPr lang="he-IL"/>
           </a:p>
@@ -3138,7 +3138,7 @@
           <a:p>
             <a:fld id="{A0D2388C-ECDA-4972-A72B-60BD93EA7385}" type="datetimeFigureOut">
               <a:rPr lang="he-IL" smtClean="0"/>
-              <a:t>כ"ג/טבת/תשפ"ה</a:t>
+              <a:t>כ"ד/טבת/תשפ"ה</a:t>
             </a:fld>
             <a:endParaRPr lang="he-IL"/>
           </a:p>
@@ -3400,7 +3400,7 @@
           <a:p>
             <a:fld id="{A0D2388C-ECDA-4972-A72B-60BD93EA7385}" type="datetimeFigureOut">
               <a:rPr lang="he-IL" smtClean="0"/>
-              <a:t>כ"ג/טבת/תשפ"ה</a:t>
+              <a:t>כ"ד/טבת/תשפ"ה</a:t>
             </a:fld>
             <a:endParaRPr lang="he-IL"/>
           </a:p>
@@ -3729,7 +3729,7 @@
           <a:p>
             <a:fld id="{A0D2388C-ECDA-4972-A72B-60BD93EA7385}" type="datetimeFigureOut">
               <a:rPr lang="he-IL" smtClean="0"/>
-              <a:t>כ"ג/טבת/תשפ"ה</a:t>
+              <a:t>כ"ד/טבת/תשפ"ה</a:t>
             </a:fld>
             <a:endParaRPr lang="he-IL"/>
           </a:p>
@@ -4052,7 +4052,7 @@
           <a:p>
             <a:fld id="{A0D2388C-ECDA-4972-A72B-60BD93EA7385}" type="datetimeFigureOut">
               <a:rPr lang="he-IL" smtClean="0"/>
-              <a:t>כ"ג/טבת/תשפ"ה</a:t>
+              <a:t>כ"ד/טבת/תשפ"ה</a:t>
             </a:fld>
             <a:endParaRPr lang="he-IL"/>
           </a:p>
@@ -4509,7 +4509,7 @@
           <a:p>
             <a:fld id="{A0D2388C-ECDA-4972-A72B-60BD93EA7385}" type="datetimeFigureOut">
               <a:rPr lang="he-IL" smtClean="0"/>
-              <a:t>כ"ג/טבת/תשפ"ה</a:t>
+              <a:t>כ"ד/טבת/תשפ"ה</a:t>
             </a:fld>
             <a:endParaRPr lang="he-IL"/>
           </a:p>
@@ -4714,7 +4714,7 @@
           <a:p>
             <a:fld id="{A0D2388C-ECDA-4972-A72B-60BD93EA7385}" type="datetimeFigureOut">
               <a:rPr lang="he-IL" smtClean="0"/>
-              <a:t>כ"ג/טבת/תשפ"ה</a:t>
+              <a:t>כ"ד/טבת/תשפ"ה</a:t>
             </a:fld>
             <a:endParaRPr lang="he-IL"/>
           </a:p>
@@ -4891,7 +4891,7 @@
           <a:p>
             <a:fld id="{A0D2388C-ECDA-4972-A72B-60BD93EA7385}" type="datetimeFigureOut">
               <a:rPr lang="he-IL" smtClean="0"/>
-              <a:t>כ"ג/טבת/תשפ"ה</a:t>
+              <a:t>כ"ד/טבת/תשפ"ה</a:t>
             </a:fld>
             <a:endParaRPr lang="he-IL"/>
           </a:p>
@@ -5224,7 +5224,7 @@
           <a:p>
             <a:fld id="{A0D2388C-ECDA-4972-A72B-60BD93EA7385}" type="datetimeFigureOut">
               <a:rPr lang="he-IL" smtClean="0"/>
-              <a:t>כ"ג/טבת/תשפ"ה</a:t>
+              <a:t>כ"ד/טבת/תשפ"ה</a:t>
             </a:fld>
             <a:endParaRPr lang="he-IL"/>
           </a:p>
@@ -5569,7 +5569,7 @@
           <a:p>
             <a:fld id="{A0D2388C-ECDA-4972-A72B-60BD93EA7385}" type="datetimeFigureOut">
               <a:rPr lang="he-IL" smtClean="0"/>
-              <a:t>כ"ג/טבת/תשפ"ה</a:t>
+              <a:t>כ"ד/טבת/תשפ"ה</a:t>
             </a:fld>
             <a:endParaRPr lang="he-IL"/>
           </a:p>
@@ -7686,7 +7686,7 @@
           <a:p>
             <a:fld id="{A0D2388C-ECDA-4972-A72B-60BD93EA7385}" type="datetimeFigureOut">
               <a:rPr lang="he-IL" smtClean="0"/>
-              <a:t>כ"ג/טבת/תשפ"ה</a:t>
+              <a:t>כ"ד/טבת/תשפ"ה</a:t>
             </a:fld>
             <a:endParaRPr lang="he-IL"/>
           </a:p>
@@ -9221,6 +9221,59 @@
           </a:effectLst>
         </p:spPr>
       </p:pic>
+      <p:sp>
+        <p:nvSpPr>
+          <p:cNvPr id="3" name="תיבת טקסט 2">
+            <a:extLst>
+              <a:ext uri="{FF2B5EF4-FFF2-40B4-BE49-F238E27FC236}">
+                <a16:creationId xmlns:a16="http://schemas.microsoft.com/office/drawing/2014/main" id="{F5097D03-5BE0-27B6-2EA0-E0157E6F2D30}"/>
+              </a:ext>
+            </a:extLst>
+          </p:cNvPr>
+          <p:cNvSpPr txBox="1"/>
+          <p:nvPr/>
+        </p:nvSpPr>
+        <p:spPr>
+          <a:xfrm>
+            <a:off x="10126239" y="5977730"/>
+            <a:ext cx="2126697" cy="769441"/>
+          </a:xfrm>
+          <a:prstGeom prst="rect">
+            <a:avLst/>
+          </a:prstGeom>
+          <a:noFill/>
+        </p:spPr>
+        <p:txBody>
+          <a:bodyPr wrap="square">
+            <a:spAutoFit/>
+          </a:bodyPr>
+          <a:lstStyle/>
+          <a:p>
+            <a:pPr algn="ctr"/>
+            <a:r>
+              <a:rPr lang="en-US" sz="1100" dirty="0">
+                <a:effectLst>
+                  <a:outerShdw blurRad="38100" dist="38100" dir="2700000" algn="tl">
+                    <a:srgbClr val="000000">
+                      <a:alpha val="43137"/>
+                    </a:srgbClr>
+                  </a:outerShdw>
+                </a:effectLst>
+              </a:rPr>
+              <a:t>** Spotify logo and data are copyrighted by Spotify and used for educational purposes only.</a:t>
+            </a:r>
+            <a:endParaRPr lang="he-IL" sz="1100" dirty="0">
+              <a:effectLst>
+                <a:outerShdw blurRad="38100" dist="38100" dir="2700000" algn="tl">
+                  <a:srgbClr val="000000">
+                    <a:alpha val="43137"/>
+                  </a:srgbClr>
+                </a:outerShdw>
+              </a:effectLst>
+            </a:endParaRPr>
+          </a:p>
+        </p:txBody>
+      </p:sp>
     </p:spTree>
     <p:extLst>
       <p:ext uri="{BB962C8B-B14F-4D97-AF65-F5344CB8AC3E}">
